--- a/Presentazione.pptx
+++ b/Presentazione.pptx
@@ -5900,8 +5900,8 @@
           </a:p>
         </p:txBody>
       </p:sp>
-      <mc:AlternateContent xmlns:mc="http://schemas.openxmlformats.org/markup-compatibility/2006">
-        <mc:Choice xmlns:a14="http://schemas.microsoft.com/office/drawing/2010/main" Requires="a14">
+      <mc:AlternateContent xmlns:mc="http://schemas.openxmlformats.org/markup-compatibility/2006" xmlns:a14="http://schemas.microsoft.com/office/drawing/2010/main">
+        <mc:Choice Requires="a14">
           <p:sp>
             <p:nvSpPr>
               <p:cNvPr id="3" name="CasellaDiTesto 2">
@@ -5930,6 +5930,7 @@
               </a:bodyPr>
               <a:lstStyle/>
               <a:p>
+                <a:pPr/>
                 <a14:m>
                   <m:oMathPara xmlns:m="http://schemas.openxmlformats.org/officeDocument/2006/math">
                     <m:oMathParaPr>
@@ -6195,7 +6196,7 @@
             </p:txBody>
           </p:sp>
         </mc:Choice>
-        <mc:Fallback>
+        <mc:Fallback xmlns="">
           <p:sp>
             <p:nvSpPr>
               <p:cNvPr id="3" name="CasellaDiTesto 2">
@@ -6341,8 +6342,8 @@
           </a:p>
         </p:txBody>
       </p:sp>
-      <mc:AlternateContent xmlns:mc="http://schemas.openxmlformats.org/markup-compatibility/2006">
-        <mc:Choice xmlns:a14="http://schemas.microsoft.com/office/drawing/2010/main" Requires="a14">
+      <mc:AlternateContent xmlns:mc="http://schemas.openxmlformats.org/markup-compatibility/2006" xmlns:a14="http://schemas.microsoft.com/office/drawing/2010/main">
+        <mc:Choice Requires="a14">
           <p:sp>
             <p:nvSpPr>
               <p:cNvPr id="18" name="CasellaDiTesto 17">
@@ -6371,6 +6372,7 @@
               </a:bodyPr>
               <a:lstStyle/>
               <a:p>
+                <a:pPr/>
                 <a14:m>
                   <m:oMathPara xmlns:m="http://schemas.openxmlformats.org/officeDocument/2006/math">
                     <m:oMathParaPr>
@@ -6638,7 +6640,7 @@
             </p:txBody>
           </p:sp>
         </mc:Choice>
-        <mc:Fallback>
+        <mc:Fallback xmlns="">
           <p:sp>
             <p:nvSpPr>
               <p:cNvPr id="18" name="CasellaDiTesto 17">

--- a/Presentazione.pptx
+++ b/Presentazione.pptx
@@ -5,12 +5,21 @@
     <p:sldMasterId id="2147483648" r:id="rId1"/>
   </p:sldMasterIdLst>
   <p:notesMasterIdLst>
-    <p:notesMasterId r:id="rId5"/>
+    <p:notesMasterId r:id="rId14"/>
   </p:notesMasterIdLst>
   <p:sldIdLst>
     <p:sldId id="267" r:id="rId2"/>
     <p:sldId id="268" r:id="rId3"/>
     <p:sldId id="269" r:id="rId4"/>
+    <p:sldId id="270" r:id="rId5"/>
+    <p:sldId id="271" r:id="rId6"/>
+    <p:sldId id="272" r:id="rId7"/>
+    <p:sldId id="273" r:id="rId8"/>
+    <p:sldId id="274" r:id="rId9"/>
+    <p:sldId id="275" r:id="rId10"/>
+    <p:sldId id="276" r:id="rId11"/>
+    <p:sldId id="277" r:id="rId12"/>
+    <p:sldId id="278" r:id="rId13"/>
   </p:sldIdLst>
   <p:sldSz cx="9144000" cy="6858000" type="screen4x3"/>
   <p:notesSz cx="6858000" cy="9144000"/>
@@ -4945,6 +4954,393 @@
 </p:sld>
 </file>
 
+<file path=ppt/slides/slide10.xml><?xml version="1.0" encoding="utf-8"?>
+<p:sld xmlns:a="http://schemas.openxmlformats.org/drawingml/2006/main" xmlns:r="http://schemas.openxmlformats.org/officeDocument/2006/relationships" xmlns:p="http://schemas.openxmlformats.org/presentationml/2006/main">
+  <p:cSld>
+    <p:spTree>
+      <p:nvGrpSpPr>
+        <p:cNvPr id="1" name=""/>
+        <p:cNvGrpSpPr/>
+        <p:nvPr/>
+      </p:nvGrpSpPr>
+      <p:grpSpPr>
+        <a:xfrm>
+          <a:off x="0" y="0"/>
+          <a:ext cx="0" cy="0"/>
+          <a:chOff x="0" y="0"/>
+          <a:chExt cx="0" cy="0"/>
+        </a:xfrm>
+      </p:grpSpPr>
+      <p:pic>
+        <p:nvPicPr>
+          <p:cNvPr id="15" name="Immagine 14">
+            <a:extLst>
+              <a:ext uri="{FF2B5EF4-FFF2-40B4-BE49-F238E27FC236}">
+                <a16:creationId xmlns:a16="http://schemas.microsoft.com/office/drawing/2014/main" id="{635B46ED-B948-4441-8651-8E66973614A8}"/>
+              </a:ext>
+            </a:extLst>
+          </p:cNvPr>
+          <p:cNvPicPr>
+            <a:picLocks noChangeAspect="1"/>
+          </p:cNvPicPr>
+          <p:nvPr/>
+        </p:nvPicPr>
+        <p:blipFill>
+          <a:blip r:embed="rId2"/>
+          <a:stretch>
+            <a:fillRect/>
+          </a:stretch>
+        </p:blipFill>
+        <p:spPr>
+          <a:xfrm>
+            <a:off x="0" y="0"/>
+            <a:ext cx="9144000" cy="6858000"/>
+          </a:xfrm>
+          <a:prstGeom prst="rect">
+            <a:avLst/>
+          </a:prstGeom>
+        </p:spPr>
+      </p:pic>
+      <p:pic>
+        <p:nvPicPr>
+          <p:cNvPr id="13" name="Immagine 12">
+            <a:extLst>
+              <a:ext uri="{FF2B5EF4-FFF2-40B4-BE49-F238E27FC236}">
+                <a16:creationId xmlns:a16="http://schemas.microsoft.com/office/drawing/2014/main" id="{2A1CA025-7C12-45BD-BE19-7A2999F3EFEF}"/>
+              </a:ext>
+            </a:extLst>
+          </p:cNvPr>
+          <p:cNvPicPr>
+            <a:picLocks noChangeAspect="1"/>
+          </p:cNvPicPr>
+          <p:nvPr/>
+        </p:nvPicPr>
+        <p:blipFill>
+          <a:blip r:embed="rId3"/>
+          <a:stretch>
+            <a:fillRect/>
+          </a:stretch>
+        </p:blipFill>
+        <p:spPr>
+          <a:xfrm>
+            <a:off x="6487296" y="157954"/>
+            <a:ext cx="926757" cy="700658"/>
+          </a:xfrm>
+          <a:prstGeom prst="rect">
+            <a:avLst/>
+          </a:prstGeom>
+        </p:spPr>
+      </p:pic>
+      <p:sp>
+        <p:nvSpPr>
+          <p:cNvPr id="10" name="CasellaDiTesto 9">
+            <a:extLst>
+              <a:ext uri="{FF2B5EF4-FFF2-40B4-BE49-F238E27FC236}">
+                <a16:creationId xmlns:a16="http://schemas.microsoft.com/office/drawing/2014/main" id="{405CA404-B32B-4FDC-B76F-0EC2E6423E5A}"/>
+              </a:ext>
+            </a:extLst>
+          </p:cNvPr>
+          <p:cNvSpPr txBox="1"/>
+          <p:nvPr/>
+        </p:nvSpPr>
+        <p:spPr>
+          <a:xfrm>
+            <a:off x="5563833" y="6361900"/>
+            <a:ext cx="1940011" cy="369332"/>
+          </a:xfrm>
+          <a:prstGeom prst="rect">
+            <a:avLst/>
+          </a:prstGeom>
+          <a:noFill/>
+        </p:spPr>
+        <p:txBody>
+          <a:bodyPr wrap="square" rtlCol="0">
+            <a:spAutoFit/>
+          </a:bodyPr>
+          <a:lstStyle/>
+          <a:p>
+            <a:r>
+              <a:rPr lang="it-IT" dirty="0">
+                <a:solidFill>
+                  <a:schemeClr val="bg1"/>
+                </a:solidFill>
+              </a:rPr>
+              <a:t>Slide 2/totale</a:t>
+            </a:r>
+          </a:p>
+        </p:txBody>
+      </p:sp>
+    </p:spTree>
+    <p:extLst>
+      <p:ext uri="{BB962C8B-B14F-4D97-AF65-F5344CB8AC3E}">
+        <p14:creationId xmlns:p14="http://schemas.microsoft.com/office/powerpoint/2010/main" val="4235787262"/>
+      </p:ext>
+    </p:extLst>
+  </p:cSld>
+  <p:clrMapOvr>
+    <a:masterClrMapping/>
+  </p:clrMapOvr>
+</p:sld>
+</file>
+
+<file path=ppt/slides/slide11.xml><?xml version="1.0" encoding="utf-8"?>
+<p:sld xmlns:a="http://schemas.openxmlformats.org/drawingml/2006/main" xmlns:r="http://schemas.openxmlformats.org/officeDocument/2006/relationships" xmlns:p="http://schemas.openxmlformats.org/presentationml/2006/main">
+  <p:cSld>
+    <p:spTree>
+      <p:nvGrpSpPr>
+        <p:cNvPr id="1" name=""/>
+        <p:cNvGrpSpPr/>
+        <p:nvPr/>
+      </p:nvGrpSpPr>
+      <p:grpSpPr>
+        <a:xfrm>
+          <a:off x="0" y="0"/>
+          <a:ext cx="0" cy="0"/>
+          <a:chOff x="0" y="0"/>
+          <a:chExt cx="0" cy="0"/>
+        </a:xfrm>
+      </p:grpSpPr>
+      <p:pic>
+        <p:nvPicPr>
+          <p:cNvPr id="15" name="Immagine 14">
+            <a:extLst>
+              <a:ext uri="{FF2B5EF4-FFF2-40B4-BE49-F238E27FC236}">
+                <a16:creationId xmlns:a16="http://schemas.microsoft.com/office/drawing/2014/main" id="{635B46ED-B948-4441-8651-8E66973614A8}"/>
+              </a:ext>
+            </a:extLst>
+          </p:cNvPr>
+          <p:cNvPicPr>
+            <a:picLocks noChangeAspect="1"/>
+          </p:cNvPicPr>
+          <p:nvPr/>
+        </p:nvPicPr>
+        <p:blipFill>
+          <a:blip r:embed="rId2"/>
+          <a:stretch>
+            <a:fillRect/>
+          </a:stretch>
+        </p:blipFill>
+        <p:spPr>
+          <a:xfrm>
+            <a:off x="0" y="0"/>
+            <a:ext cx="9144000" cy="6858000"/>
+          </a:xfrm>
+          <a:prstGeom prst="rect">
+            <a:avLst/>
+          </a:prstGeom>
+        </p:spPr>
+      </p:pic>
+      <p:pic>
+        <p:nvPicPr>
+          <p:cNvPr id="13" name="Immagine 12">
+            <a:extLst>
+              <a:ext uri="{FF2B5EF4-FFF2-40B4-BE49-F238E27FC236}">
+                <a16:creationId xmlns:a16="http://schemas.microsoft.com/office/drawing/2014/main" id="{2A1CA025-7C12-45BD-BE19-7A2999F3EFEF}"/>
+              </a:ext>
+            </a:extLst>
+          </p:cNvPr>
+          <p:cNvPicPr>
+            <a:picLocks noChangeAspect="1"/>
+          </p:cNvPicPr>
+          <p:nvPr/>
+        </p:nvPicPr>
+        <p:blipFill>
+          <a:blip r:embed="rId3"/>
+          <a:stretch>
+            <a:fillRect/>
+          </a:stretch>
+        </p:blipFill>
+        <p:spPr>
+          <a:xfrm>
+            <a:off x="6487296" y="157954"/>
+            <a:ext cx="926757" cy="700658"/>
+          </a:xfrm>
+          <a:prstGeom prst="rect">
+            <a:avLst/>
+          </a:prstGeom>
+        </p:spPr>
+      </p:pic>
+      <p:sp>
+        <p:nvSpPr>
+          <p:cNvPr id="10" name="CasellaDiTesto 9">
+            <a:extLst>
+              <a:ext uri="{FF2B5EF4-FFF2-40B4-BE49-F238E27FC236}">
+                <a16:creationId xmlns:a16="http://schemas.microsoft.com/office/drawing/2014/main" id="{405CA404-B32B-4FDC-B76F-0EC2E6423E5A}"/>
+              </a:ext>
+            </a:extLst>
+          </p:cNvPr>
+          <p:cNvSpPr txBox="1"/>
+          <p:nvPr/>
+        </p:nvSpPr>
+        <p:spPr>
+          <a:xfrm>
+            <a:off x="5563833" y="6361900"/>
+            <a:ext cx="1940011" cy="369332"/>
+          </a:xfrm>
+          <a:prstGeom prst="rect">
+            <a:avLst/>
+          </a:prstGeom>
+          <a:noFill/>
+        </p:spPr>
+        <p:txBody>
+          <a:bodyPr wrap="square" rtlCol="0">
+            <a:spAutoFit/>
+          </a:bodyPr>
+          <a:lstStyle/>
+          <a:p>
+            <a:r>
+              <a:rPr lang="it-IT" dirty="0">
+                <a:solidFill>
+                  <a:schemeClr val="bg1"/>
+                </a:solidFill>
+              </a:rPr>
+              <a:t>Slide 2/totale</a:t>
+            </a:r>
+          </a:p>
+        </p:txBody>
+      </p:sp>
+    </p:spTree>
+    <p:extLst>
+      <p:ext uri="{BB962C8B-B14F-4D97-AF65-F5344CB8AC3E}">
+        <p14:creationId xmlns:p14="http://schemas.microsoft.com/office/powerpoint/2010/main" val="3362250597"/>
+      </p:ext>
+    </p:extLst>
+  </p:cSld>
+  <p:clrMapOvr>
+    <a:masterClrMapping/>
+  </p:clrMapOvr>
+</p:sld>
+</file>
+
+<file path=ppt/slides/slide12.xml><?xml version="1.0" encoding="utf-8"?>
+<p:sld xmlns:a="http://schemas.openxmlformats.org/drawingml/2006/main" xmlns:r="http://schemas.openxmlformats.org/officeDocument/2006/relationships" xmlns:p="http://schemas.openxmlformats.org/presentationml/2006/main">
+  <p:cSld>
+    <p:spTree>
+      <p:nvGrpSpPr>
+        <p:cNvPr id="1" name=""/>
+        <p:cNvGrpSpPr/>
+        <p:nvPr/>
+      </p:nvGrpSpPr>
+      <p:grpSpPr>
+        <a:xfrm>
+          <a:off x="0" y="0"/>
+          <a:ext cx="0" cy="0"/>
+          <a:chOff x="0" y="0"/>
+          <a:chExt cx="0" cy="0"/>
+        </a:xfrm>
+      </p:grpSpPr>
+      <p:pic>
+        <p:nvPicPr>
+          <p:cNvPr id="15" name="Immagine 14">
+            <a:extLst>
+              <a:ext uri="{FF2B5EF4-FFF2-40B4-BE49-F238E27FC236}">
+                <a16:creationId xmlns:a16="http://schemas.microsoft.com/office/drawing/2014/main" id="{635B46ED-B948-4441-8651-8E66973614A8}"/>
+              </a:ext>
+            </a:extLst>
+          </p:cNvPr>
+          <p:cNvPicPr>
+            <a:picLocks noChangeAspect="1"/>
+          </p:cNvPicPr>
+          <p:nvPr/>
+        </p:nvPicPr>
+        <p:blipFill>
+          <a:blip r:embed="rId2"/>
+          <a:stretch>
+            <a:fillRect/>
+          </a:stretch>
+        </p:blipFill>
+        <p:spPr>
+          <a:xfrm>
+            <a:off x="0" y="0"/>
+            <a:ext cx="9144000" cy="6858000"/>
+          </a:xfrm>
+          <a:prstGeom prst="rect">
+            <a:avLst/>
+          </a:prstGeom>
+        </p:spPr>
+      </p:pic>
+      <p:pic>
+        <p:nvPicPr>
+          <p:cNvPr id="13" name="Immagine 12">
+            <a:extLst>
+              <a:ext uri="{FF2B5EF4-FFF2-40B4-BE49-F238E27FC236}">
+                <a16:creationId xmlns:a16="http://schemas.microsoft.com/office/drawing/2014/main" id="{2A1CA025-7C12-45BD-BE19-7A2999F3EFEF}"/>
+              </a:ext>
+            </a:extLst>
+          </p:cNvPr>
+          <p:cNvPicPr>
+            <a:picLocks noChangeAspect="1"/>
+          </p:cNvPicPr>
+          <p:nvPr/>
+        </p:nvPicPr>
+        <p:blipFill>
+          <a:blip r:embed="rId3"/>
+          <a:stretch>
+            <a:fillRect/>
+          </a:stretch>
+        </p:blipFill>
+        <p:spPr>
+          <a:xfrm>
+            <a:off x="6487296" y="157954"/>
+            <a:ext cx="926757" cy="700658"/>
+          </a:xfrm>
+          <a:prstGeom prst="rect">
+            <a:avLst/>
+          </a:prstGeom>
+        </p:spPr>
+      </p:pic>
+      <p:sp>
+        <p:nvSpPr>
+          <p:cNvPr id="10" name="CasellaDiTesto 9">
+            <a:extLst>
+              <a:ext uri="{FF2B5EF4-FFF2-40B4-BE49-F238E27FC236}">
+                <a16:creationId xmlns:a16="http://schemas.microsoft.com/office/drawing/2014/main" id="{405CA404-B32B-4FDC-B76F-0EC2E6423E5A}"/>
+              </a:ext>
+            </a:extLst>
+          </p:cNvPr>
+          <p:cNvSpPr txBox="1"/>
+          <p:nvPr/>
+        </p:nvSpPr>
+        <p:spPr>
+          <a:xfrm>
+            <a:off x="5563833" y="6361900"/>
+            <a:ext cx="1940011" cy="369332"/>
+          </a:xfrm>
+          <a:prstGeom prst="rect">
+            <a:avLst/>
+          </a:prstGeom>
+          <a:noFill/>
+        </p:spPr>
+        <p:txBody>
+          <a:bodyPr wrap="square" rtlCol="0">
+            <a:spAutoFit/>
+          </a:bodyPr>
+          <a:lstStyle/>
+          <a:p>
+            <a:r>
+              <a:rPr lang="it-IT" dirty="0">
+                <a:solidFill>
+                  <a:schemeClr val="bg1"/>
+                </a:solidFill>
+              </a:rPr>
+              <a:t>Slide 2/totale</a:t>
+            </a:r>
+          </a:p>
+        </p:txBody>
+      </p:sp>
+    </p:spTree>
+    <p:extLst>
+      <p:ext uri="{BB962C8B-B14F-4D97-AF65-F5344CB8AC3E}">
+        <p14:creationId xmlns:p14="http://schemas.microsoft.com/office/powerpoint/2010/main" val="2586232475"/>
+      </p:ext>
+    </p:extLst>
+  </p:cSld>
+  <p:clrMapOvr>
+    <a:masterClrMapping/>
+  </p:clrMapOvr>
+</p:sld>
+</file>
+
 <file path=ppt/slides/slide2.xml><?xml version="1.0" encoding="utf-8"?>
 <p:sld xmlns:a="http://schemas.openxmlformats.org/drawingml/2006/main" xmlns:r="http://schemas.openxmlformats.org/officeDocument/2006/relationships" xmlns:p="http://schemas.openxmlformats.org/presentationml/2006/main">
   <p:cSld>
@@ -5075,7 +5471,7 @@
         </p:nvSpPr>
         <p:spPr>
           <a:xfrm>
-            <a:off x="86497" y="1016566"/>
+            <a:off x="8453" y="1016566"/>
             <a:ext cx="6981568" cy="5078313"/>
           </a:xfrm>
           <a:prstGeom prst="rect">
@@ -5094,12 +5490,20 @@
               <a:buChar char="•"/>
             </a:pPr>
             <a:r>
+              <a:rPr lang="en-US" dirty="0" err="1">
+                <a:solidFill>
+                  <a:schemeClr val="bg1"/>
+                </a:solidFill>
+              </a:rPr>
+              <a:t>Sheeps</a:t>
+            </a:r>
+            <a:r>
               <a:rPr lang="en-US" dirty="0">
                 <a:solidFill>
                   <a:schemeClr val="bg1"/>
                 </a:solidFill>
               </a:rPr>
-              <a:t>Sheep are represented by point-like agents able to perceive and respond to their local environment.</a:t>
+              <a:t> are represented by point-like agents able to perceive and respond to their local environment.</a:t>
             </a:r>
           </a:p>
           <a:p>
@@ -5616,6 +6020,159 @@
           </a:p>
         </p:txBody>
       </p:sp>
+      <mc:AlternateContent xmlns:mc="http://schemas.openxmlformats.org/markup-compatibility/2006">
+        <mc:Choice xmlns:a14="http://schemas.microsoft.com/office/drawing/2010/main" Requires="a14">
+          <p:sp>
+            <p:nvSpPr>
+              <p:cNvPr id="3" name="CasellaDiTesto 2">
+                <a:extLst>
+                  <a:ext uri="{FF2B5EF4-FFF2-40B4-BE49-F238E27FC236}">
+                    <a16:creationId xmlns:a16="http://schemas.microsoft.com/office/drawing/2014/main" id="{BD62873D-C50B-4D2D-BDD1-938B8261B7FE}"/>
+                  </a:ext>
+                </a:extLst>
+              </p:cNvPr>
+              <p:cNvSpPr txBox="1"/>
+              <p:nvPr/>
+            </p:nvSpPr>
+            <p:spPr>
+              <a:xfrm>
+                <a:off x="5838976" y="2761266"/>
+                <a:ext cx="1389723" cy="290079"/>
+              </a:xfrm>
+              <a:prstGeom prst="rect">
+                <a:avLst/>
+              </a:prstGeom>
+              <a:noFill/>
+            </p:spPr>
+            <p:txBody>
+              <a:bodyPr wrap="square" lIns="0" tIns="0" rIns="0" bIns="0" rtlCol="0">
+                <a:spAutoFit/>
+              </a:bodyPr>
+              <a:lstStyle/>
+              <a:p>
+                <a14:m>
+                  <m:oMathPara xmlns:m="http://schemas.openxmlformats.org/officeDocument/2006/math">
+                    <m:oMathParaPr>
+                      <m:jc m:val="centerGroup"/>
+                    </m:oMathParaPr>
+                    <m:oMath xmlns:m="http://schemas.openxmlformats.org/officeDocument/2006/math">
+                      <m:sSubSup>
+                        <m:sSubSupPr>
+                          <m:ctrlPr>
+                            <a:rPr lang="it-IT" i="1" smtClean="0">
+                              <a:solidFill>
+                                <a:schemeClr val="bg1"/>
+                              </a:solidFill>
+                              <a:latin typeface="Cambria Math" panose="02040503050406030204" pitchFamily="18" charset="0"/>
+                            </a:rPr>
+                          </m:ctrlPr>
+                        </m:sSubSupPr>
+                        <m:e>
+                          <m:r>
+                            <a:rPr lang="it-IT" b="0" i="1" smtClean="0">
+                              <a:solidFill>
+                                <a:schemeClr val="bg1"/>
+                              </a:solidFill>
+                              <a:latin typeface="Cambria Math" panose="02040503050406030204" pitchFamily="18" charset="0"/>
+                            </a:rPr>
+                            <m:t>𝑞</m:t>
+                          </m:r>
+                        </m:e>
+                        <m:sub>
+                          <m:r>
+                            <a:rPr lang="it-IT" b="0" i="1" smtClean="0">
+                              <a:solidFill>
+                                <a:schemeClr val="bg1"/>
+                              </a:solidFill>
+                              <a:latin typeface="Cambria Math" panose="02040503050406030204" pitchFamily="18" charset="0"/>
+                            </a:rPr>
+                            <m:t>𝑖</m:t>
+                          </m:r>
+                        </m:sub>
+                        <m:sup>
+                          <m:r>
+                            <a:rPr lang="it-IT" b="0" i="1" smtClean="0">
+                              <a:solidFill>
+                                <a:schemeClr val="bg1"/>
+                              </a:solidFill>
+                              <a:latin typeface="Cambria Math" panose="02040503050406030204" pitchFamily="18" charset="0"/>
+                            </a:rPr>
+                            <m:t>𝑡</m:t>
+                          </m:r>
+                        </m:sup>
+                      </m:sSubSup>
+                      <m:r>
+                        <a:rPr lang="it-IT" b="0" i="0" smtClean="0">
+                          <a:solidFill>
+                            <a:schemeClr val="bg1"/>
+                          </a:solidFill>
+                          <a:latin typeface="Cambria Math" panose="02040503050406030204" pitchFamily="18" charset="0"/>
+                        </a:rPr>
+                        <m:t> </m:t>
+                      </m:r>
+                      <m:r>
+                        <a:rPr lang="it-IT" b="0" i="1" smtClean="0">
+                          <a:solidFill>
+                            <a:schemeClr val="bg1"/>
+                          </a:solidFill>
+                          <a:latin typeface="Cambria Math" panose="02040503050406030204" pitchFamily="18" charset="0"/>
+                          <a:ea typeface="Cambria Math" panose="02040503050406030204" pitchFamily="18" charset="0"/>
+                        </a:rPr>
+                        <m:t>∈{0,1,2}</m:t>
+                      </m:r>
+                    </m:oMath>
+                  </m:oMathPara>
+                </a14:m>
+                <a:endParaRPr lang="it-IT" dirty="0"/>
+              </a:p>
+            </p:txBody>
+          </p:sp>
+        </mc:Choice>
+        <mc:Fallback>
+          <p:sp>
+            <p:nvSpPr>
+              <p:cNvPr id="3" name="CasellaDiTesto 2">
+                <a:extLst>
+                  <a:ext uri="{FF2B5EF4-FFF2-40B4-BE49-F238E27FC236}">
+                    <a16:creationId xmlns:a16="http://schemas.microsoft.com/office/drawing/2014/main" id="{BD62873D-C50B-4D2D-BDD1-938B8261B7FE}"/>
+                  </a:ext>
+                </a:extLst>
+              </p:cNvPr>
+              <p:cNvSpPr txBox="1">
+                <a:spLocks noRot="1" noChangeAspect="1" noMove="1" noResize="1" noEditPoints="1" noAdjustHandles="1" noChangeArrowheads="1" noChangeShapeType="1" noTextEdit="1"/>
+              </p:cNvSpPr>
+              <p:nvPr/>
+            </p:nvSpPr>
+            <p:spPr>
+              <a:xfrm>
+                <a:off x="5838976" y="2761266"/>
+                <a:ext cx="1389723" cy="290079"/>
+              </a:xfrm>
+              <a:prstGeom prst="rect">
+                <a:avLst/>
+              </a:prstGeom>
+              <a:blipFill>
+                <a:blip r:embed="rId6"/>
+                <a:stretch>
+                  <a:fillRect r="-1316" b="-35417"/>
+                </a:stretch>
+              </a:blipFill>
+            </p:spPr>
+            <p:txBody>
+              <a:bodyPr/>
+              <a:lstStyle/>
+              <a:p>
+                <a:r>
+                  <a:rPr lang="it-IT">
+                    <a:noFill/>
+                  </a:rPr>
+                  <a:t> </a:t>
+                </a:r>
+              </a:p>
+            </p:txBody>
+          </p:sp>
+        </mc:Fallback>
+      </mc:AlternateContent>
     </p:spTree>
     <p:extLst>
       <p:ext uri="{BB962C8B-B14F-4D97-AF65-F5344CB8AC3E}">
@@ -5668,7 +6225,7 @@
         </p:blipFill>
         <p:spPr>
           <a:xfrm>
-            <a:off x="0" y="0"/>
+            <a:off x="0" y="-12815"/>
             <a:ext cx="9144000" cy="6858000"/>
           </a:xfrm>
           <a:prstGeom prst="rect">
@@ -5900,8 +6457,8 @@
           </a:p>
         </p:txBody>
       </p:sp>
-      <mc:AlternateContent xmlns:mc="http://schemas.openxmlformats.org/markup-compatibility/2006" xmlns:a14="http://schemas.microsoft.com/office/drawing/2010/main">
-        <mc:Choice Requires="a14">
+      <mc:AlternateContent xmlns:mc="http://schemas.openxmlformats.org/markup-compatibility/2006">
+        <mc:Choice xmlns:a14="http://schemas.microsoft.com/office/drawing/2010/main" Requires="a14">
           <p:sp>
             <p:nvSpPr>
               <p:cNvPr id="3" name="CasellaDiTesto 2">
@@ -5916,7 +6473,7 @@
             </p:nvSpPr>
             <p:spPr>
               <a:xfrm>
-                <a:off x="2496065" y="2176351"/>
+                <a:off x="2304534" y="2287470"/>
                 <a:ext cx="3113903" cy="686598"/>
               </a:xfrm>
               <a:prstGeom prst="rect">
@@ -6196,7 +6753,7 @@
             </p:txBody>
           </p:sp>
         </mc:Choice>
-        <mc:Fallback xmlns="">
+        <mc:Fallback>
           <p:sp>
             <p:nvSpPr>
               <p:cNvPr id="3" name="CasellaDiTesto 2">
@@ -6213,7 +6770,7 @@
             </p:nvSpPr>
             <p:spPr>
               <a:xfrm>
-                <a:off x="2496065" y="2176351"/>
+                <a:off x="2304534" y="2287470"/>
                 <a:ext cx="3113903" cy="686598"/>
               </a:xfrm>
               <a:prstGeom prst="rect">
@@ -6257,8 +6814,8 @@
         </p:nvCxnSpPr>
         <p:spPr>
           <a:xfrm flipH="1">
-            <a:off x="5134233" y="1931086"/>
-            <a:ext cx="475735" cy="229680"/>
+            <a:off x="4957011" y="1895221"/>
+            <a:ext cx="479962" cy="404216"/>
           </a:xfrm>
           <a:prstGeom prst="straightConnector1">
             <a:avLst/>
@@ -6311,39 +6868,18 @@
           <a:lstStyle/>
           <a:p>
             <a:r>
-              <a:rPr lang="it-IT" dirty="0" err="1">
-                <a:solidFill>
-                  <a:schemeClr val="bg1"/>
-                </a:solidFill>
-              </a:rPr>
-              <a:t>Heading</a:t>
-            </a:r>
-            <a:r>
               <a:rPr lang="it-IT" dirty="0">
                 <a:solidFill>
                   <a:schemeClr val="bg1"/>
                 </a:solidFill>
               </a:rPr>
-              <a:t> </a:t>
-            </a:r>
-            <a:r>
-              <a:rPr lang="it-IT" dirty="0" err="1">
-                <a:solidFill>
-                  <a:schemeClr val="bg1"/>
-                </a:solidFill>
-              </a:rPr>
-              <a:t>vector</a:t>
-            </a:r>
-            <a:endParaRPr lang="it-IT" dirty="0">
-              <a:solidFill>
-                <a:schemeClr val="bg1"/>
-              </a:solidFill>
-            </a:endParaRPr>
+              <a:t>Heading vector</a:t>
+            </a:r>
           </a:p>
         </p:txBody>
       </p:sp>
-      <mc:AlternateContent xmlns:mc="http://schemas.openxmlformats.org/markup-compatibility/2006" xmlns:a14="http://schemas.microsoft.com/office/drawing/2010/main">
-        <mc:Choice Requires="a14">
+      <mc:AlternateContent xmlns:mc="http://schemas.openxmlformats.org/markup-compatibility/2006">
+        <mc:Choice xmlns:a14="http://schemas.microsoft.com/office/drawing/2010/main" Requires="a14">
           <p:sp>
             <p:nvSpPr>
               <p:cNvPr id="18" name="CasellaDiTesto 17">
@@ -6358,7 +6894,7 @@
             </p:nvSpPr>
             <p:spPr>
               <a:xfrm>
-                <a:off x="2507081" y="2922621"/>
+                <a:off x="2208762" y="3091561"/>
                 <a:ext cx="3113902" cy="795859"/>
               </a:xfrm>
               <a:prstGeom prst="rect">
@@ -6543,13 +7079,13 @@
                             </m:sSubSupPr>
                             <m:e>
                               <m:r>
-                                <a:rPr lang="it-IT" i="1">
+                                <a:rPr lang="it-IT" b="1" i="1">
                                   <a:solidFill>
                                     <a:schemeClr val="bg1"/>
                                   </a:solidFill>
                                   <a:latin typeface="Cambria Math" panose="02040503050406030204" pitchFamily="18" charset="0"/>
                                 </a:rPr>
-                                <m:t>𝑠</m:t>
+                                <m:t>𝒔</m:t>
                               </m:r>
                             </m:e>
                             <m:sub>
@@ -6640,7 +7176,7 @@
             </p:txBody>
           </p:sp>
         </mc:Choice>
-        <mc:Fallback xmlns="">
+        <mc:Fallback>
           <p:sp>
             <p:nvSpPr>
               <p:cNvPr id="18" name="CasellaDiTesto 17">
@@ -6657,7 +7193,7 @@
             </p:nvSpPr>
             <p:spPr>
               <a:xfrm>
-                <a:off x="2507081" y="2922621"/>
+                <a:off x="2208762" y="3091561"/>
                 <a:ext cx="3113902" cy="795859"/>
               </a:xfrm>
               <a:prstGeom prst="rect">
@@ -6740,8 +7276,1074 @@
         </p:nvCxnSpPr>
         <p:spPr>
           <a:xfrm flipH="1">
-            <a:off x="5301150" y="2840107"/>
-            <a:ext cx="475735" cy="229680"/>
+            <a:off x="5107915" y="2840107"/>
+            <a:ext cx="668971" cy="446508"/>
+          </a:xfrm>
+          <a:prstGeom prst="straightConnector1">
+            <a:avLst/>
+          </a:prstGeom>
+          <a:ln>
+            <a:tailEnd type="triangle"/>
+          </a:ln>
+        </p:spPr>
+        <p:style>
+          <a:lnRef idx="2">
+            <a:schemeClr val="accent1"/>
+          </a:lnRef>
+          <a:fillRef idx="0">
+            <a:schemeClr val="accent1"/>
+          </a:fillRef>
+          <a:effectRef idx="1">
+            <a:schemeClr val="accent1"/>
+          </a:effectRef>
+          <a:fontRef idx="minor">
+            <a:schemeClr val="tx1"/>
+          </a:fontRef>
+        </p:style>
+      </p:cxnSp>
+      <mc:AlternateContent xmlns:mc="http://schemas.openxmlformats.org/markup-compatibility/2006">
+        <mc:Choice xmlns:a14="http://schemas.microsoft.com/office/drawing/2010/main" Requires="a14">
+          <p:sp>
+            <p:nvSpPr>
+              <p:cNvPr id="4" name="Rettangolo 3">
+                <a:extLst>
+                  <a:ext uri="{FF2B5EF4-FFF2-40B4-BE49-F238E27FC236}">
+                    <a16:creationId xmlns:a16="http://schemas.microsoft.com/office/drawing/2014/main" id="{F6157502-149B-49F8-9ECB-1FCDDDB01F05}"/>
+                  </a:ext>
+                </a:extLst>
+              </p:cNvPr>
+              <p:cNvSpPr/>
+              <p:nvPr/>
+            </p:nvSpPr>
+            <p:spPr>
+              <a:xfrm>
+                <a:off x="1123890" y="4044860"/>
+                <a:ext cx="5203348" cy="843501"/>
+              </a:xfrm>
+              <a:prstGeom prst="rect">
+                <a:avLst/>
+              </a:prstGeom>
+            </p:spPr>
+            <p:txBody>
+              <a:bodyPr wrap="none">
+                <a:spAutoFit/>
+              </a:bodyPr>
+              <a:lstStyle/>
+              <a:p>
+                <a14:m>
+                  <m:oMathPara xmlns:m="http://schemas.openxmlformats.org/officeDocument/2006/math">
+                    <m:oMathParaPr>
+                      <m:jc m:val="centerGroup"/>
+                    </m:oMathParaPr>
+                    <m:oMath xmlns:m="http://schemas.openxmlformats.org/officeDocument/2006/math">
+                      <m:sSubSup>
+                        <m:sSubSupPr>
+                          <m:ctrlPr>
+                            <a:rPr lang="it-IT" i="1" smtClean="0">
+                              <a:solidFill>
+                                <a:schemeClr val="bg1"/>
+                              </a:solidFill>
+                              <a:latin typeface="Cambria Math" panose="02040503050406030204" pitchFamily="18" charset="0"/>
+                            </a:rPr>
+                          </m:ctrlPr>
+                        </m:sSubSupPr>
+                        <m:e>
+                          <m:r>
+                            <a:rPr lang="it-IT" i="1">
+                              <a:solidFill>
+                                <a:schemeClr val="bg1"/>
+                              </a:solidFill>
+                              <a:latin typeface="Cambria Math" panose="02040503050406030204" pitchFamily="18" charset="0"/>
+                              <a:ea typeface="Cambria Math" panose="02040503050406030204" pitchFamily="18" charset="0"/>
+                            </a:rPr>
+                            <m:t>𝜃</m:t>
+                          </m:r>
+                        </m:e>
+                        <m:sub>
+                          <m:r>
+                            <a:rPr lang="it-IT" i="1">
+                              <a:solidFill>
+                                <a:schemeClr val="bg1"/>
+                              </a:solidFill>
+                              <a:latin typeface="Cambria Math" panose="02040503050406030204" pitchFamily="18" charset="0"/>
+                            </a:rPr>
+                            <m:t>𝑖</m:t>
+                          </m:r>
+                        </m:sub>
+                        <m:sup>
+                          <m:r>
+                            <a:rPr lang="it-IT" i="1">
+                              <a:solidFill>
+                                <a:schemeClr val="bg1"/>
+                              </a:solidFill>
+                              <a:latin typeface="Cambria Math" panose="02040503050406030204" pitchFamily="18" charset="0"/>
+                            </a:rPr>
+                            <m:t>𝑡</m:t>
+                          </m:r>
+                          <m:r>
+                            <a:rPr lang="it-IT" i="1">
+                              <a:solidFill>
+                                <a:schemeClr val="bg1"/>
+                              </a:solidFill>
+                              <a:latin typeface="Cambria Math" panose="02040503050406030204" pitchFamily="18" charset="0"/>
+                            </a:rPr>
+                            <m:t>+∆</m:t>
+                          </m:r>
+                          <m:r>
+                            <a:rPr lang="it-IT" i="1">
+                              <a:solidFill>
+                                <a:schemeClr val="bg1"/>
+                              </a:solidFill>
+                              <a:latin typeface="Cambria Math" panose="02040503050406030204" pitchFamily="18" charset="0"/>
+                              <a:ea typeface="Cambria Math" panose="02040503050406030204" pitchFamily="18" charset="0"/>
+                            </a:rPr>
+                            <m:t>𝑡</m:t>
+                          </m:r>
+                        </m:sup>
+                      </m:sSubSup>
+                      <m:r>
+                        <a:rPr lang="it-IT" i="1">
+                          <a:solidFill>
+                            <a:schemeClr val="bg1"/>
+                          </a:solidFill>
+                          <a:latin typeface="Cambria Math" panose="02040503050406030204" pitchFamily="18" charset="0"/>
+                        </a:rPr>
+                        <m:t>=</m:t>
+                      </m:r>
+                      <m:r>
+                        <a:rPr lang="it-IT" i="1">
+                          <a:solidFill>
+                            <a:schemeClr val="bg1"/>
+                          </a:solidFill>
+                          <a:latin typeface="Cambria Math" panose="02040503050406030204" pitchFamily="18" charset="0"/>
+                        </a:rPr>
+                        <m:t>𝐴𝑟𝑔</m:t>
+                      </m:r>
+                      <m:nary>
+                        <m:naryPr>
+                          <m:chr m:val="∑"/>
+                          <m:supHide m:val="on"/>
+                          <m:ctrlPr>
+                            <a:rPr lang="it-IT" i="1">
+                              <a:solidFill>
+                                <a:schemeClr val="bg1"/>
+                              </a:solidFill>
+                              <a:latin typeface="Cambria Math" panose="02040503050406030204" pitchFamily="18" charset="0"/>
+                            </a:rPr>
+                          </m:ctrlPr>
+                        </m:naryPr>
+                        <m:sub>
+                          <m:r>
+                            <m:rPr>
+                              <m:brk m:alnAt="23"/>
+                            </m:rPr>
+                            <a:rPr lang="it-IT" i="1">
+                              <a:solidFill>
+                                <a:schemeClr val="bg1"/>
+                              </a:solidFill>
+                              <a:latin typeface="Cambria Math" panose="02040503050406030204" pitchFamily="18" charset="0"/>
+                            </a:rPr>
+                            <m:t>𝑗</m:t>
+                          </m:r>
+                          <m:r>
+                            <a:rPr lang="it-IT" i="1">
+                              <a:solidFill>
+                                <a:schemeClr val="bg1"/>
+                              </a:solidFill>
+                              <a:latin typeface="Cambria Math" panose="02040503050406030204" pitchFamily="18" charset="0"/>
+                            </a:rPr>
+                            <m:t> </m:t>
+                          </m:r>
+                          <m:r>
+                            <a:rPr lang="it-IT" i="1">
+                              <a:solidFill>
+                                <a:schemeClr val="bg1"/>
+                              </a:solidFill>
+                              <a:latin typeface="Cambria Math" panose="02040503050406030204" pitchFamily="18" charset="0"/>
+                              <a:ea typeface="Cambria Math" panose="02040503050406030204" pitchFamily="18" charset="0"/>
+                            </a:rPr>
+                            <m:t>𝜖</m:t>
+                          </m:r>
+                          <m:r>
+                            <a:rPr lang="it-IT" i="1">
+                              <a:solidFill>
+                                <a:schemeClr val="bg1"/>
+                              </a:solidFill>
+                              <a:latin typeface="Cambria Math" panose="02040503050406030204" pitchFamily="18" charset="0"/>
+                              <a:ea typeface="Cambria Math" panose="02040503050406030204" pitchFamily="18" charset="0"/>
+                            </a:rPr>
+                            <m:t> </m:t>
+                          </m:r>
+                          <m:r>
+                            <a:rPr lang="it-IT" i="1">
+                              <a:solidFill>
+                                <a:schemeClr val="bg1"/>
+                              </a:solidFill>
+                              <a:latin typeface="Cambria Math" panose="02040503050406030204" pitchFamily="18" charset="0"/>
+                              <a:ea typeface="Cambria Math" panose="02040503050406030204" pitchFamily="18" charset="0"/>
+                            </a:rPr>
+                            <m:t>𝑀</m:t>
+                          </m:r>
+                        </m:sub>
+                        <m:sup/>
+                        <m:e>
+                          <m:r>
+                            <a:rPr lang="it-IT" b="0" i="1" smtClean="0">
+                              <a:solidFill>
+                                <a:schemeClr val="bg1"/>
+                              </a:solidFill>
+                              <a:latin typeface="Cambria Math" panose="02040503050406030204" pitchFamily="18" charset="0"/>
+                              <a:ea typeface="Cambria Math" panose="02040503050406030204" pitchFamily="18" charset="0"/>
+                            </a:rPr>
+                            <m:t>[</m:t>
+                          </m:r>
+                          <m:sSub>
+                            <m:sSubPr>
+                              <m:ctrlPr>
+                                <a:rPr lang="it-IT" i="1" smtClean="0">
+                                  <a:solidFill>
+                                    <a:schemeClr val="bg1"/>
+                                  </a:solidFill>
+                                  <a:latin typeface="Cambria Math" panose="02040503050406030204" pitchFamily="18" charset="0"/>
+                                  <a:ea typeface="Cambria Math" panose="02040503050406030204" pitchFamily="18" charset="0"/>
+                                </a:rPr>
+                              </m:ctrlPr>
+                            </m:sSubPr>
+                            <m:e>
+                              <m:r>
+                                <a:rPr lang="it-IT" i="1" smtClean="0">
+                                  <a:solidFill>
+                                    <a:schemeClr val="bg1"/>
+                                  </a:solidFill>
+                                  <a:latin typeface="Cambria Math" panose="02040503050406030204" pitchFamily="18" charset="0"/>
+                                  <a:ea typeface="Cambria Math" panose="02040503050406030204" pitchFamily="18" charset="0"/>
+                                </a:rPr>
+                                <m:t>𝛿</m:t>
+                              </m:r>
+                            </m:e>
+                            <m:sub>
+                              <m:r>
+                                <a:rPr lang="it-IT" b="0" i="1" smtClean="0">
+                                  <a:solidFill>
+                                    <a:schemeClr val="bg1"/>
+                                  </a:solidFill>
+                                  <a:latin typeface="Cambria Math" panose="02040503050406030204" pitchFamily="18" charset="0"/>
+                                  <a:ea typeface="Cambria Math" panose="02040503050406030204" pitchFamily="18" charset="0"/>
+                                </a:rPr>
+                                <m:t>2,</m:t>
+                              </m:r>
+                              <m:sSubSup>
+                                <m:sSubSupPr>
+                                  <m:ctrlPr>
+                                    <a:rPr lang="it-IT" b="0" i="1" smtClean="0">
+                                      <a:solidFill>
+                                        <a:schemeClr val="bg1"/>
+                                      </a:solidFill>
+                                      <a:latin typeface="Cambria Math" panose="02040503050406030204" pitchFamily="18" charset="0"/>
+                                      <a:ea typeface="Cambria Math" panose="02040503050406030204" pitchFamily="18" charset="0"/>
+                                    </a:rPr>
+                                  </m:ctrlPr>
+                                </m:sSubSupPr>
+                                <m:e>
+                                  <m:r>
+                                    <a:rPr lang="it-IT" b="0" i="1" smtClean="0">
+                                      <a:solidFill>
+                                        <a:schemeClr val="bg1"/>
+                                      </a:solidFill>
+                                      <a:latin typeface="Cambria Math" panose="02040503050406030204" pitchFamily="18" charset="0"/>
+                                      <a:ea typeface="Cambria Math" panose="02040503050406030204" pitchFamily="18" charset="0"/>
+                                    </a:rPr>
+                                    <m:t>𝑞</m:t>
+                                  </m:r>
+                                </m:e>
+                                <m:sub>
+                                  <m:r>
+                                    <a:rPr lang="it-IT" b="0" i="1" smtClean="0">
+                                      <a:solidFill>
+                                        <a:schemeClr val="bg1"/>
+                                      </a:solidFill>
+                                      <a:latin typeface="Cambria Math" panose="02040503050406030204" pitchFamily="18" charset="0"/>
+                                      <a:ea typeface="Cambria Math" panose="02040503050406030204" pitchFamily="18" charset="0"/>
+                                    </a:rPr>
+                                    <m:t>𝑗</m:t>
+                                  </m:r>
+                                </m:sub>
+                                <m:sup>
+                                  <m:r>
+                                    <a:rPr lang="it-IT" b="0" i="1" smtClean="0">
+                                      <a:solidFill>
+                                        <a:schemeClr val="bg1"/>
+                                      </a:solidFill>
+                                      <a:latin typeface="Cambria Math" panose="02040503050406030204" pitchFamily="18" charset="0"/>
+                                      <a:ea typeface="Cambria Math" panose="02040503050406030204" pitchFamily="18" charset="0"/>
+                                    </a:rPr>
+                                    <m:t>𝑡</m:t>
+                                  </m:r>
+                                </m:sup>
+                              </m:sSubSup>
+                            </m:sub>
+                          </m:sSub>
+                          <m:r>
+                            <a:rPr lang="it-IT" b="0" i="1" smtClean="0">
+                              <a:solidFill>
+                                <a:schemeClr val="bg1"/>
+                              </a:solidFill>
+                              <a:latin typeface="Cambria Math" panose="02040503050406030204" pitchFamily="18" charset="0"/>
+                              <a:ea typeface="Cambria Math" panose="02040503050406030204" pitchFamily="18" charset="0"/>
+                            </a:rPr>
+                            <m:t> </m:t>
+                          </m:r>
+                          <m:sSubSup>
+                            <m:sSubSupPr>
+                              <m:ctrlPr>
+                                <a:rPr lang="it-IT" i="1">
+                                  <a:solidFill>
+                                    <a:schemeClr val="bg1"/>
+                                  </a:solidFill>
+                                  <a:latin typeface="Cambria Math" panose="02040503050406030204" pitchFamily="18" charset="0"/>
+                                </a:rPr>
+                              </m:ctrlPr>
+                            </m:sSubSupPr>
+                            <m:e>
+                              <m:r>
+                                <a:rPr lang="it-IT" b="1" i="1">
+                                  <a:solidFill>
+                                    <a:schemeClr val="bg1"/>
+                                  </a:solidFill>
+                                  <a:latin typeface="Cambria Math" panose="02040503050406030204" pitchFamily="18" charset="0"/>
+                                </a:rPr>
+                                <m:t>𝒔</m:t>
+                              </m:r>
+                            </m:e>
+                            <m:sub>
+                              <m:r>
+                                <a:rPr lang="it-IT" i="1">
+                                  <a:solidFill>
+                                    <a:schemeClr val="bg1"/>
+                                  </a:solidFill>
+                                  <a:latin typeface="Cambria Math" panose="02040503050406030204" pitchFamily="18" charset="0"/>
+                                </a:rPr>
+                                <m:t>𝑗</m:t>
+                              </m:r>
+                            </m:sub>
+                            <m:sup>
+                              <m:r>
+                                <a:rPr lang="it-IT" i="1">
+                                  <a:solidFill>
+                                    <a:schemeClr val="bg1"/>
+                                  </a:solidFill>
+                                  <a:latin typeface="Cambria Math" panose="02040503050406030204" pitchFamily="18" charset="0"/>
+                                </a:rPr>
+                                <m:t>𝑡</m:t>
+                              </m:r>
+                            </m:sup>
+                          </m:sSubSup>
+                        </m:e>
+                      </m:nary>
+                      <m:r>
+                        <a:rPr lang="it-IT" b="0" i="1" smtClean="0">
+                          <a:solidFill>
+                            <a:schemeClr val="bg1"/>
+                          </a:solidFill>
+                          <a:latin typeface="Cambria Math" panose="02040503050406030204" pitchFamily="18" charset="0"/>
+                        </a:rPr>
+                        <m:t>+ </m:t>
+                      </m:r>
+                      <m:r>
+                        <a:rPr lang="it-IT" b="0" i="1" smtClean="0">
+                          <a:solidFill>
+                            <a:schemeClr val="bg1"/>
+                          </a:solidFill>
+                          <a:latin typeface="Cambria Math" panose="02040503050406030204" pitchFamily="18" charset="0"/>
+                          <a:ea typeface="Cambria Math" panose="02040503050406030204" pitchFamily="18" charset="0"/>
+                        </a:rPr>
+                        <m:t>𝛽</m:t>
+                      </m:r>
+                      <m:func>
+                        <m:funcPr>
+                          <m:ctrlPr>
+                            <a:rPr lang="it-IT" b="0" i="1" smtClean="0">
+                              <a:solidFill>
+                                <a:schemeClr val="bg1"/>
+                              </a:solidFill>
+                              <a:latin typeface="Cambria Math" panose="02040503050406030204" pitchFamily="18" charset="0"/>
+                              <a:ea typeface="Cambria Math" panose="02040503050406030204" pitchFamily="18" charset="0"/>
+                            </a:rPr>
+                          </m:ctrlPr>
+                        </m:funcPr>
+                        <m:fName>
+                          <m:r>
+                            <m:rPr>
+                              <m:sty m:val="p"/>
+                            </m:rPr>
+                            <a:rPr lang="it-IT" b="0" i="0" smtClean="0">
+                              <a:solidFill>
+                                <a:schemeClr val="bg1"/>
+                              </a:solidFill>
+                              <a:latin typeface="Cambria Math" panose="02040503050406030204" pitchFamily="18" charset="0"/>
+                              <a:ea typeface="Cambria Math" panose="02040503050406030204" pitchFamily="18" charset="0"/>
+                            </a:rPr>
+                            <m:t>min</m:t>
+                          </m:r>
+                        </m:fName>
+                        <m:e>
+                          <m:d>
+                            <m:dPr>
+                              <m:ctrlPr>
+                                <a:rPr lang="it-IT" b="0" i="1" smtClean="0">
+                                  <a:solidFill>
+                                    <a:schemeClr val="bg1"/>
+                                  </a:solidFill>
+                                  <a:latin typeface="Cambria Math" panose="02040503050406030204" pitchFamily="18" charset="0"/>
+                                  <a:ea typeface="Cambria Math" panose="02040503050406030204" pitchFamily="18" charset="0"/>
+                                </a:rPr>
+                              </m:ctrlPr>
+                            </m:dPr>
+                            <m:e>
+                              <m:r>
+                                <a:rPr lang="it-IT" b="0" i="1" smtClean="0">
+                                  <a:solidFill>
+                                    <a:schemeClr val="bg1"/>
+                                  </a:solidFill>
+                                  <a:latin typeface="Cambria Math" panose="02040503050406030204" pitchFamily="18" charset="0"/>
+                                  <a:ea typeface="Cambria Math" panose="02040503050406030204" pitchFamily="18" charset="0"/>
+                                </a:rPr>
+                                <m:t>1, </m:t>
+                              </m:r>
+                              <m:f>
+                                <m:fPr>
+                                  <m:ctrlPr>
+                                    <a:rPr lang="it-IT" b="0" i="1" smtClean="0">
+                                      <a:solidFill>
+                                        <a:schemeClr val="bg1"/>
+                                      </a:solidFill>
+                                      <a:latin typeface="Cambria Math" panose="02040503050406030204" pitchFamily="18" charset="0"/>
+                                      <a:ea typeface="Cambria Math" panose="02040503050406030204" pitchFamily="18" charset="0"/>
+                                    </a:rPr>
+                                  </m:ctrlPr>
+                                </m:fPr>
+                                <m:num>
+                                  <m:sSubSup>
+                                    <m:sSubSupPr>
+                                      <m:ctrlPr>
+                                        <a:rPr lang="it-IT" b="0" i="1" smtClean="0">
+                                          <a:solidFill>
+                                            <a:schemeClr val="bg1"/>
+                                          </a:solidFill>
+                                          <a:latin typeface="Cambria Math" panose="02040503050406030204" pitchFamily="18" charset="0"/>
+                                          <a:ea typeface="Cambria Math" panose="02040503050406030204" pitchFamily="18" charset="0"/>
+                                        </a:rPr>
+                                      </m:ctrlPr>
+                                    </m:sSubSupPr>
+                                    <m:e>
+                                      <m:r>
+                                        <a:rPr lang="it-IT" b="0" i="1" smtClean="0">
+                                          <a:solidFill>
+                                            <a:schemeClr val="bg1"/>
+                                          </a:solidFill>
+                                          <a:latin typeface="Cambria Math" panose="02040503050406030204" pitchFamily="18" charset="0"/>
+                                          <a:ea typeface="Cambria Math" panose="02040503050406030204" pitchFamily="18" charset="0"/>
+                                        </a:rPr>
+                                        <m:t>𝑟</m:t>
+                                      </m:r>
+                                    </m:e>
+                                    <m:sub>
+                                      <m:r>
+                                        <a:rPr lang="it-IT" b="0" i="1" smtClean="0">
+                                          <a:solidFill>
+                                            <a:schemeClr val="bg1"/>
+                                          </a:solidFill>
+                                          <a:latin typeface="Cambria Math" panose="02040503050406030204" pitchFamily="18" charset="0"/>
+                                          <a:ea typeface="Cambria Math" panose="02040503050406030204" pitchFamily="18" charset="0"/>
+                                        </a:rPr>
+                                        <m:t>𝑖𝑗</m:t>
+                                      </m:r>
+                                    </m:sub>
+                                    <m:sup>
+                                      <m:r>
+                                        <a:rPr lang="it-IT" b="0" i="1" smtClean="0">
+                                          <a:solidFill>
+                                            <a:schemeClr val="bg1"/>
+                                          </a:solidFill>
+                                          <a:latin typeface="Cambria Math" panose="02040503050406030204" pitchFamily="18" charset="0"/>
+                                          <a:ea typeface="Cambria Math" panose="02040503050406030204" pitchFamily="18" charset="0"/>
+                                        </a:rPr>
+                                        <m:t>𝑡</m:t>
+                                      </m:r>
+                                    </m:sup>
+                                  </m:sSubSup>
+                                  <m:r>
+                                    <a:rPr lang="it-IT" b="0" i="1" smtClean="0">
+                                      <a:solidFill>
+                                        <a:schemeClr val="bg1"/>
+                                      </a:solidFill>
+                                      <a:latin typeface="Cambria Math" panose="02040503050406030204" pitchFamily="18" charset="0"/>
+                                      <a:ea typeface="Cambria Math" panose="02040503050406030204" pitchFamily="18" charset="0"/>
+                                    </a:rPr>
+                                    <m:t>−</m:t>
+                                  </m:r>
+                                  <m:sSub>
+                                    <m:sSubPr>
+                                      <m:ctrlPr>
+                                        <a:rPr lang="it-IT" b="0" i="1" smtClean="0">
+                                          <a:solidFill>
+                                            <a:schemeClr val="bg1"/>
+                                          </a:solidFill>
+                                          <a:latin typeface="Cambria Math" panose="02040503050406030204" pitchFamily="18" charset="0"/>
+                                          <a:ea typeface="Cambria Math" panose="02040503050406030204" pitchFamily="18" charset="0"/>
+                                        </a:rPr>
+                                      </m:ctrlPr>
+                                    </m:sSubPr>
+                                    <m:e>
+                                      <m:r>
+                                        <a:rPr lang="it-IT" b="0" i="1" smtClean="0">
+                                          <a:solidFill>
+                                            <a:schemeClr val="bg1"/>
+                                          </a:solidFill>
+                                          <a:latin typeface="Cambria Math" panose="02040503050406030204" pitchFamily="18" charset="0"/>
+                                          <a:ea typeface="Cambria Math" panose="02040503050406030204" pitchFamily="18" charset="0"/>
+                                        </a:rPr>
+                                        <m:t>𝑟</m:t>
+                                      </m:r>
+                                    </m:e>
+                                    <m:sub>
+                                      <m:r>
+                                        <a:rPr lang="it-IT" b="0" i="1" smtClean="0">
+                                          <a:solidFill>
+                                            <a:schemeClr val="bg1"/>
+                                          </a:solidFill>
+                                          <a:latin typeface="Cambria Math" panose="02040503050406030204" pitchFamily="18" charset="0"/>
+                                          <a:ea typeface="Cambria Math" panose="02040503050406030204" pitchFamily="18" charset="0"/>
+                                        </a:rPr>
+                                        <m:t>𝑒</m:t>
+                                      </m:r>
+                                    </m:sub>
+                                  </m:sSub>
+                                </m:num>
+                                <m:den>
+                                  <m:sSub>
+                                    <m:sSubPr>
+                                      <m:ctrlPr>
+                                        <a:rPr lang="it-IT" i="1">
+                                          <a:solidFill>
+                                            <a:schemeClr val="bg1"/>
+                                          </a:solidFill>
+                                          <a:latin typeface="Cambria Math" panose="02040503050406030204" pitchFamily="18" charset="0"/>
+                                          <a:ea typeface="Cambria Math" panose="02040503050406030204" pitchFamily="18" charset="0"/>
+                                        </a:rPr>
+                                      </m:ctrlPr>
+                                    </m:sSubPr>
+                                    <m:e>
+                                      <m:r>
+                                        <a:rPr lang="it-IT" i="1">
+                                          <a:solidFill>
+                                            <a:schemeClr val="bg1"/>
+                                          </a:solidFill>
+                                          <a:latin typeface="Cambria Math" panose="02040503050406030204" pitchFamily="18" charset="0"/>
+                                          <a:ea typeface="Cambria Math" panose="02040503050406030204" pitchFamily="18" charset="0"/>
+                                        </a:rPr>
+                                        <m:t>𝑟</m:t>
+                                      </m:r>
+                                    </m:e>
+                                    <m:sub>
+                                      <m:r>
+                                        <a:rPr lang="it-IT" i="1">
+                                          <a:solidFill>
+                                            <a:schemeClr val="bg1"/>
+                                          </a:solidFill>
+                                          <a:latin typeface="Cambria Math" panose="02040503050406030204" pitchFamily="18" charset="0"/>
+                                          <a:ea typeface="Cambria Math" panose="02040503050406030204" pitchFamily="18" charset="0"/>
+                                        </a:rPr>
+                                        <m:t>𝑒</m:t>
+                                      </m:r>
+                                    </m:sub>
+                                  </m:sSub>
+                                </m:den>
+                              </m:f>
+                            </m:e>
+                          </m:d>
+                        </m:e>
+                      </m:func>
+                      <m:sSubSup>
+                        <m:sSubSupPr>
+                          <m:ctrlPr>
+                            <a:rPr lang="it-IT" b="0" i="1" smtClean="0">
+                              <a:solidFill>
+                                <a:schemeClr val="bg1"/>
+                              </a:solidFill>
+                              <a:latin typeface="Cambria Math" panose="02040503050406030204" pitchFamily="18" charset="0"/>
+                              <a:ea typeface="Cambria Math" panose="02040503050406030204" pitchFamily="18" charset="0"/>
+                            </a:rPr>
+                          </m:ctrlPr>
+                        </m:sSubSupPr>
+                        <m:e>
+                          <m:r>
+                            <a:rPr lang="it-IT" b="1" i="1" smtClean="0">
+                              <a:solidFill>
+                                <a:schemeClr val="bg1"/>
+                              </a:solidFill>
+                              <a:latin typeface="Cambria Math" panose="02040503050406030204" pitchFamily="18" charset="0"/>
+                              <a:ea typeface="Cambria Math" panose="02040503050406030204" pitchFamily="18" charset="0"/>
+                            </a:rPr>
+                            <m:t>𝒆</m:t>
+                          </m:r>
+                        </m:e>
+                        <m:sub>
+                          <m:r>
+                            <a:rPr lang="it-IT" b="0" i="1" smtClean="0">
+                              <a:solidFill>
+                                <a:schemeClr val="bg1"/>
+                              </a:solidFill>
+                              <a:latin typeface="Cambria Math" panose="02040503050406030204" pitchFamily="18" charset="0"/>
+                              <a:ea typeface="Cambria Math" panose="02040503050406030204" pitchFamily="18" charset="0"/>
+                            </a:rPr>
+                            <m:t>𝑖𝑗</m:t>
+                          </m:r>
+                        </m:sub>
+                        <m:sup>
+                          <m:r>
+                            <a:rPr lang="it-IT" b="0" i="1" smtClean="0">
+                              <a:solidFill>
+                                <a:schemeClr val="bg1"/>
+                              </a:solidFill>
+                              <a:latin typeface="Cambria Math" panose="02040503050406030204" pitchFamily="18" charset="0"/>
+                              <a:ea typeface="Cambria Math" panose="02040503050406030204" pitchFamily="18" charset="0"/>
+                            </a:rPr>
+                            <m:t>𝑡</m:t>
+                          </m:r>
+                        </m:sup>
+                      </m:sSubSup>
+                      <m:r>
+                        <a:rPr lang="it-IT" b="0" i="1" smtClean="0">
+                          <a:solidFill>
+                            <a:schemeClr val="bg1"/>
+                          </a:solidFill>
+                          <a:latin typeface="Cambria Math" panose="02040503050406030204" pitchFamily="18" charset="0"/>
+                          <a:ea typeface="Cambria Math" panose="02040503050406030204" pitchFamily="18" charset="0"/>
+                        </a:rPr>
+                        <m:t>]</m:t>
+                      </m:r>
+                    </m:oMath>
+                  </m:oMathPara>
+                </a14:m>
+                <a:endParaRPr lang="it-IT" dirty="0"/>
+              </a:p>
+            </p:txBody>
+          </p:sp>
+        </mc:Choice>
+        <mc:Fallback>
+          <p:sp>
+            <p:nvSpPr>
+              <p:cNvPr id="4" name="Rettangolo 3">
+                <a:extLst>
+                  <a:ext uri="{FF2B5EF4-FFF2-40B4-BE49-F238E27FC236}">
+                    <a16:creationId xmlns:a16="http://schemas.microsoft.com/office/drawing/2014/main" id="{F6157502-149B-49F8-9ECB-1FCDDDB01F05}"/>
+                  </a:ext>
+                </a:extLst>
+              </p:cNvPr>
+              <p:cNvSpPr>
+                <a:spLocks noRot="1" noChangeAspect="1" noMove="1" noResize="1" noEditPoints="1" noAdjustHandles="1" noChangeArrowheads="1" noChangeShapeType="1" noTextEdit="1"/>
+              </p:cNvSpPr>
+              <p:nvPr/>
+            </p:nvSpPr>
+            <p:spPr>
+              <a:xfrm>
+                <a:off x="1123890" y="4044860"/>
+                <a:ext cx="5203348" cy="843501"/>
+              </a:xfrm>
+              <a:prstGeom prst="rect">
+                <a:avLst/>
+              </a:prstGeom>
+              <a:blipFill>
+                <a:blip r:embed="rId6"/>
+                <a:stretch>
+                  <a:fillRect/>
+                </a:stretch>
+              </a:blipFill>
+            </p:spPr>
+            <p:txBody>
+              <a:bodyPr/>
+              <a:lstStyle/>
+              <a:p>
+                <a:r>
+                  <a:rPr lang="it-IT">
+                    <a:noFill/>
+                  </a:rPr>
+                  <a:t> </a:t>
+                </a:r>
+              </a:p>
+            </p:txBody>
+          </p:sp>
+        </mc:Fallback>
+      </mc:AlternateContent>
+      <p:cxnSp>
+        <p:nvCxnSpPr>
+          <p:cNvPr id="16" name="Connettore 2 15">
+            <a:extLst>
+              <a:ext uri="{FF2B5EF4-FFF2-40B4-BE49-F238E27FC236}">
+                <a16:creationId xmlns:a16="http://schemas.microsoft.com/office/drawing/2014/main" id="{6DD7CA23-F733-4F65-B356-D10DEEB96BFC}"/>
+              </a:ext>
+            </a:extLst>
+          </p:cNvPr>
+          <p:cNvCxnSpPr>
+            <a:cxnSpLocks/>
+          </p:cNvCxnSpPr>
+          <p:nvPr/>
+        </p:nvCxnSpPr>
+        <p:spPr>
+          <a:xfrm flipH="1">
+            <a:off x="5997146" y="3919247"/>
+            <a:ext cx="313806" cy="355196"/>
+          </a:xfrm>
+          <a:prstGeom prst="straightConnector1">
+            <a:avLst/>
+          </a:prstGeom>
+          <a:ln>
+            <a:tailEnd type="triangle"/>
+          </a:ln>
+        </p:spPr>
+        <p:style>
+          <a:lnRef idx="2">
+            <a:schemeClr val="accent1"/>
+          </a:lnRef>
+          <a:fillRef idx="0">
+            <a:schemeClr val="accent1"/>
+          </a:fillRef>
+          <a:effectRef idx="1">
+            <a:schemeClr val="accent1"/>
+          </a:effectRef>
+          <a:fontRef idx="minor">
+            <a:schemeClr val="tx1"/>
+          </a:fontRef>
+        </p:style>
+      </p:cxnSp>
+      <p:sp>
+        <p:nvSpPr>
+          <p:cNvPr id="20" name="CasellaDiTesto 19">
+            <a:extLst>
+              <a:ext uri="{FF2B5EF4-FFF2-40B4-BE49-F238E27FC236}">
+                <a16:creationId xmlns:a16="http://schemas.microsoft.com/office/drawing/2014/main" id="{0CECAF0F-88FF-4EFC-80A3-E75D09A0F7A1}"/>
+              </a:ext>
+            </a:extLst>
+          </p:cNvPr>
+          <p:cNvSpPr txBox="1"/>
+          <p:nvPr/>
+        </p:nvSpPr>
+        <p:spPr>
+          <a:xfrm>
+            <a:off x="5776886" y="3416185"/>
+            <a:ext cx="1736125" cy="523220"/>
+          </a:xfrm>
+          <a:prstGeom prst="rect">
+            <a:avLst/>
+          </a:prstGeom>
+          <a:noFill/>
+        </p:spPr>
+        <p:txBody>
+          <a:bodyPr wrap="square" rtlCol="0">
+            <a:spAutoFit/>
+          </a:bodyPr>
+          <a:lstStyle/>
+          <a:p>
+            <a:r>
+              <a:rPr lang="it-IT" sz="1400" dirty="0">
+                <a:solidFill>
+                  <a:schemeClr val="bg1"/>
+                </a:solidFill>
+              </a:rPr>
+              <a:t>Unit vector from </a:t>
+            </a:r>
+            <a:r>
+              <a:rPr lang="it-IT" sz="1400" dirty="0" err="1">
+                <a:solidFill>
+                  <a:schemeClr val="bg1"/>
+                </a:solidFill>
+              </a:rPr>
+              <a:t>sheep</a:t>
+            </a:r>
+            <a:r>
+              <a:rPr lang="it-IT" sz="1400" dirty="0">
+                <a:solidFill>
+                  <a:schemeClr val="bg1"/>
+                </a:solidFill>
+              </a:rPr>
+              <a:t> i to </a:t>
+            </a:r>
+            <a:r>
+              <a:rPr lang="it-IT" sz="1400" dirty="0" err="1">
+                <a:solidFill>
+                  <a:schemeClr val="bg1"/>
+                </a:solidFill>
+              </a:rPr>
+              <a:t>sheep</a:t>
+            </a:r>
+            <a:r>
+              <a:rPr lang="it-IT" sz="1400" dirty="0">
+                <a:solidFill>
+                  <a:schemeClr val="bg1"/>
+                </a:solidFill>
+              </a:rPr>
+              <a:t> j</a:t>
+            </a:r>
+          </a:p>
+        </p:txBody>
+      </p:sp>
+      <p:sp>
+        <p:nvSpPr>
+          <p:cNvPr id="21" name="CasellaDiTesto 20">
+            <a:extLst>
+              <a:ext uri="{FF2B5EF4-FFF2-40B4-BE49-F238E27FC236}">
+                <a16:creationId xmlns:a16="http://schemas.microsoft.com/office/drawing/2014/main" id="{A1764EC5-D8B6-461A-9A47-01493F13410A}"/>
+              </a:ext>
+            </a:extLst>
+          </p:cNvPr>
+          <p:cNvSpPr txBox="1"/>
+          <p:nvPr/>
+        </p:nvSpPr>
+        <p:spPr>
+          <a:xfrm>
+            <a:off x="4432471" y="5235781"/>
+            <a:ext cx="1940011" cy="307777"/>
+          </a:xfrm>
+          <a:prstGeom prst="rect">
+            <a:avLst/>
+          </a:prstGeom>
+          <a:noFill/>
+        </p:spPr>
+        <p:txBody>
+          <a:bodyPr wrap="square" rtlCol="0">
+            <a:spAutoFit/>
+          </a:bodyPr>
+          <a:lstStyle/>
+          <a:p>
+            <a:r>
+              <a:rPr lang="it-IT" sz="1400" dirty="0">
+                <a:solidFill>
+                  <a:schemeClr val="bg1"/>
+                </a:solidFill>
+              </a:rPr>
+              <a:t>Equilibrium </a:t>
+            </a:r>
+            <a:r>
+              <a:rPr lang="it-IT" sz="1400" dirty="0" err="1">
+                <a:solidFill>
+                  <a:schemeClr val="bg1"/>
+                </a:solidFill>
+              </a:rPr>
+              <a:t>distance</a:t>
+            </a:r>
+            <a:endParaRPr lang="it-IT" sz="1400" dirty="0">
+              <a:solidFill>
+                <a:schemeClr val="bg1"/>
+              </a:solidFill>
+            </a:endParaRPr>
+          </a:p>
+        </p:txBody>
+      </p:sp>
+      <p:cxnSp>
+        <p:nvCxnSpPr>
+          <p:cNvPr id="22" name="Connettore 2 21">
+            <a:extLst>
+              <a:ext uri="{FF2B5EF4-FFF2-40B4-BE49-F238E27FC236}">
+                <a16:creationId xmlns:a16="http://schemas.microsoft.com/office/drawing/2014/main" id="{41697A38-0D0B-43CD-BA91-D93C191458B3}"/>
+              </a:ext>
+            </a:extLst>
+          </p:cNvPr>
+          <p:cNvCxnSpPr>
+            <a:cxnSpLocks/>
+          </p:cNvCxnSpPr>
+          <p:nvPr/>
+        </p:nvCxnSpPr>
+        <p:spPr>
+          <a:xfrm flipH="1" flipV="1">
+            <a:off x="5322664" y="4817438"/>
+            <a:ext cx="95773" cy="410400"/>
+          </a:xfrm>
+          <a:prstGeom prst="straightConnector1">
+            <a:avLst/>
+          </a:prstGeom>
+          <a:ln>
+            <a:tailEnd type="triangle"/>
+          </a:ln>
+        </p:spPr>
+        <p:style>
+          <a:lnRef idx="2">
+            <a:schemeClr val="accent1"/>
+          </a:lnRef>
+          <a:fillRef idx="0">
+            <a:schemeClr val="accent1"/>
+          </a:fillRef>
+          <a:effectRef idx="1">
+            <a:schemeClr val="accent1"/>
+          </a:effectRef>
+          <a:fontRef idx="minor">
+            <a:schemeClr val="tx1"/>
+          </a:fontRef>
+        </p:style>
+      </p:cxnSp>
+      <p:sp>
+        <p:nvSpPr>
+          <p:cNvPr id="25" name="CasellaDiTesto 24">
+            <a:extLst>
+              <a:ext uri="{FF2B5EF4-FFF2-40B4-BE49-F238E27FC236}">
+                <a16:creationId xmlns:a16="http://schemas.microsoft.com/office/drawing/2014/main" id="{3CD9F02B-04A9-42EA-BE30-389126B48362}"/>
+              </a:ext>
+            </a:extLst>
+          </p:cNvPr>
+          <p:cNvSpPr txBox="1"/>
+          <p:nvPr/>
+        </p:nvSpPr>
+        <p:spPr>
+          <a:xfrm>
+            <a:off x="3360523" y="5095205"/>
+            <a:ext cx="1940011" cy="307777"/>
+          </a:xfrm>
+          <a:prstGeom prst="rect">
+            <a:avLst/>
+          </a:prstGeom>
+          <a:noFill/>
+        </p:spPr>
+        <p:txBody>
+          <a:bodyPr wrap="square" rtlCol="0">
+            <a:spAutoFit/>
+          </a:bodyPr>
+          <a:lstStyle/>
+          <a:p>
+            <a:r>
+              <a:rPr lang="it-IT" sz="1400" dirty="0" err="1">
+                <a:solidFill>
+                  <a:schemeClr val="bg1"/>
+                </a:solidFill>
+              </a:rPr>
+              <a:t>Cohesion</a:t>
+            </a:r>
+            <a:endParaRPr lang="it-IT" sz="1400" dirty="0">
+              <a:solidFill>
+                <a:schemeClr val="bg1"/>
+              </a:solidFill>
+            </a:endParaRPr>
+          </a:p>
+        </p:txBody>
+      </p:sp>
+      <p:cxnSp>
+        <p:nvCxnSpPr>
+          <p:cNvPr id="26" name="Connettore 2 25">
+            <a:extLst>
+              <a:ext uri="{FF2B5EF4-FFF2-40B4-BE49-F238E27FC236}">
+                <a16:creationId xmlns:a16="http://schemas.microsoft.com/office/drawing/2014/main" id="{493CF9AC-B1D3-413F-A4D1-C058E3A030BC}"/>
+              </a:ext>
+            </a:extLst>
+          </p:cNvPr>
+          <p:cNvCxnSpPr>
+            <a:cxnSpLocks/>
+          </p:cNvCxnSpPr>
+          <p:nvPr/>
+        </p:nvCxnSpPr>
+        <p:spPr>
+          <a:xfrm flipV="1">
+            <a:off x="3861485" y="4631271"/>
+            <a:ext cx="144287" cy="503464"/>
+          </a:xfrm>
+          <a:prstGeom prst="straightConnector1">
+            <a:avLst/>
+          </a:prstGeom>
+          <a:ln>
+            <a:tailEnd type="triangle"/>
+          </a:ln>
+        </p:spPr>
+        <p:style>
+          <a:lnRef idx="2">
+            <a:schemeClr val="accent1"/>
+          </a:lnRef>
+          <a:fillRef idx="0">
+            <a:schemeClr val="accent1"/>
+          </a:fillRef>
+          <a:effectRef idx="1">
+            <a:schemeClr val="accent1"/>
+          </a:effectRef>
+          <a:fontRef idx="minor">
+            <a:schemeClr val="tx1"/>
+          </a:fontRef>
+        </p:style>
+      </p:cxnSp>
+      <p:sp>
+        <p:nvSpPr>
+          <p:cNvPr id="28" name="CasellaDiTesto 27">
+            <a:extLst>
+              <a:ext uri="{FF2B5EF4-FFF2-40B4-BE49-F238E27FC236}">
+                <a16:creationId xmlns:a16="http://schemas.microsoft.com/office/drawing/2014/main" id="{EECEB451-EBF4-425E-8D91-4AA604759B6E}"/>
+              </a:ext>
+            </a:extLst>
+          </p:cNvPr>
+          <p:cNvSpPr txBox="1"/>
+          <p:nvPr/>
+        </p:nvSpPr>
+        <p:spPr>
+          <a:xfrm>
+            <a:off x="1748480" y="5355408"/>
+            <a:ext cx="1940011" cy="307777"/>
+          </a:xfrm>
+          <a:prstGeom prst="rect">
+            <a:avLst/>
+          </a:prstGeom>
+          <a:noFill/>
+        </p:spPr>
+        <p:txBody>
+          <a:bodyPr wrap="square" rtlCol="0">
+            <a:spAutoFit/>
+          </a:bodyPr>
+          <a:lstStyle/>
+          <a:p>
+            <a:r>
+              <a:rPr lang="it-IT" sz="1400" dirty="0" err="1">
+                <a:solidFill>
+                  <a:schemeClr val="bg1"/>
+                </a:solidFill>
+              </a:rPr>
+              <a:t>Metric</a:t>
+            </a:r>
+            <a:r>
+              <a:rPr lang="it-IT" sz="1400" dirty="0">
+                <a:solidFill>
+                  <a:schemeClr val="bg1"/>
+                </a:solidFill>
+              </a:rPr>
+              <a:t> </a:t>
+            </a:r>
+            <a:r>
+              <a:rPr lang="it-IT" sz="1400" dirty="0" err="1">
+                <a:solidFill>
+                  <a:schemeClr val="bg1"/>
+                </a:solidFill>
+              </a:rPr>
+              <a:t>neighbours</a:t>
+            </a:r>
+            <a:endParaRPr lang="it-IT" sz="1400" dirty="0">
+              <a:solidFill>
+                <a:schemeClr val="bg1"/>
+              </a:solidFill>
+            </a:endParaRPr>
+          </a:p>
+        </p:txBody>
+      </p:sp>
+      <p:cxnSp>
+        <p:nvCxnSpPr>
+          <p:cNvPr id="29" name="Connettore 2 28">
+            <a:extLst>
+              <a:ext uri="{FF2B5EF4-FFF2-40B4-BE49-F238E27FC236}">
+                <a16:creationId xmlns:a16="http://schemas.microsoft.com/office/drawing/2014/main" id="{DF9E6CE1-59F0-4D95-94E1-C52EFC2EC881}"/>
+              </a:ext>
+            </a:extLst>
+          </p:cNvPr>
+          <p:cNvCxnSpPr>
+            <a:cxnSpLocks/>
+          </p:cNvCxnSpPr>
+          <p:nvPr/>
+        </p:nvCxnSpPr>
+        <p:spPr>
+          <a:xfrm flipV="1">
+            <a:off x="2838707" y="4901212"/>
+            <a:ext cx="0" cy="454197"/>
           </a:xfrm>
           <a:prstGeom prst="straightConnector1">
             <a:avLst/>
@@ -6769,6 +8371,3541 @@
     <p:extLst>
       <p:ext uri="{BB962C8B-B14F-4D97-AF65-F5344CB8AC3E}">
         <p14:creationId xmlns:p14="http://schemas.microsoft.com/office/powerpoint/2010/main" val="1853454466"/>
+      </p:ext>
+    </p:extLst>
+  </p:cSld>
+  <p:clrMapOvr>
+    <a:masterClrMapping/>
+  </p:clrMapOvr>
+</p:sld>
+</file>
+
+<file path=ppt/slides/slide4.xml><?xml version="1.0" encoding="utf-8"?>
+<p:sld xmlns:a="http://schemas.openxmlformats.org/drawingml/2006/main" xmlns:r="http://schemas.openxmlformats.org/officeDocument/2006/relationships" xmlns:p="http://schemas.openxmlformats.org/presentationml/2006/main">
+  <p:cSld>
+    <p:spTree>
+      <p:nvGrpSpPr>
+        <p:cNvPr id="1" name=""/>
+        <p:cNvGrpSpPr/>
+        <p:nvPr/>
+      </p:nvGrpSpPr>
+      <p:grpSpPr>
+        <a:xfrm>
+          <a:off x="0" y="0"/>
+          <a:ext cx="0" cy="0"/>
+          <a:chOff x="0" y="0"/>
+          <a:chExt cx="0" cy="0"/>
+        </a:xfrm>
+      </p:grpSpPr>
+      <p:pic>
+        <p:nvPicPr>
+          <p:cNvPr id="15" name="Immagine 14">
+            <a:extLst>
+              <a:ext uri="{FF2B5EF4-FFF2-40B4-BE49-F238E27FC236}">
+                <a16:creationId xmlns:a16="http://schemas.microsoft.com/office/drawing/2014/main" id="{635B46ED-B948-4441-8651-8E66973614A8}"/>
+              </a:ext>
+            </a:extLst>
+          </p:cNvPr>
+          <p:cNvPicPr>
+            <a:picLocks noChangeAspect="1"/>
+          </p:cNvPicPr>
+          <p:nvPr/>
+        </p:nvPicPr>
+        <p:blipFill>
+          <a:blip r:embed="rId2"/>
+          <a:stretch>
+            <a:fillRect/>
+          </a:stretch>
+        </p:blipFill>
+        <p:spPr>
+          <a:xfrm>
+            <a:off x="0" y="0"/>
+            <a:ext cx="9144000" cy="6858000"/>
+          </a:xfrm>
+          <a:prstGeom prst="rect">
+            <a:avLst/>
+          </a:prstGeom>
+        </p:spPr>
+      </p:pic>
+      <p:pic>
+        <p:nvPicPr>
+          <p:cNvPr id="13" name="Immagine 12">
+            <a:extLst>
+              <a:ext uri="{FF2B5EF4-FFF2-40B4-BE49-F238E27FC236}">
+                <a16:creationId xmlns:a16="http://schemas.microsoft.com/office/drawing/2014/main" id="{2A1CA025-7C12-45BD-BE19-7A2999F3EFEF}"/>
+              </a:ext>
+            </a:extLst>
+          </p:cNvPr>
+          <p:cNvPicPr>
+            <a:picLocks noChangeAspect="1"/>
+          </p:cNvPicPr>
+          <p:nvPr/>
+        </p:nvPicPr>
+        <p:blipFill>
+          <a:blip r:embed="rId3"/>
+          <a:stretch>
+            <a:fillRect/>
+          </a:stretch>
+        </p:blipFill>
+        <p:spPr>
+          <a:xfrm>
+            <a:off x="6487296" y="157954"/>
+            <a:ext cx="926757" cy="700658"/>
+          </a:xfrm>
+          <a:prstGeom prst="rect">
+            <a:avLst/>
+          </a:prstGeom>
+        </p:spPr>
+      </p:pic>
+      <p:sp>
+        <p:nvSpPr>
+          <p:cNvPr id="2" name="CasellaDiTesto 1">
+            <a:extLst>
+              <a:ext uri="{FF2B5EF4-FFF2-40B4-BE49-F238E27FC236}">
+                <a16:creationId xmlns:a16="http://schemas.microsoft.com/office/drawing/2014/main" id="{9E798AB7-6CBD-4307-BFF7-D24835770565}"/>
+              </a:ext>
+            </a:extLst>
+          </p:cNvPr>
+          <p:cNvSpPr txBox="1"/>
+          <p:nvPr/>
+        </p:nvSpPr>
+        <p:spPr>
+          <a:xfrm>
+            <a:off x="0" y="157954"/>
+            <a:ext cx="5436973" cy="707886"/>
+          </a:xfrm>
+          <a:prstGeom prst="rect">
+            <a:avLst/>
+          </a:prstGeom>
+          <a:noFill/>
+        </p:spPr>
+        <p:txBody>
+          <a:bodyPr wrap="square" rtlCol="0">
+            <a:spAutoFit/>
+          </a:bodyPr>
+          <a:lstStyle/>
+          <a:p>
+            <a:r>
+              <a:rPr lang="it-IT" sz="4000" dirty="0">
+                <a:solidFill>
+                  <a:schemeClr val="bg1"/>
+                </a:solidFill>
+              </a:rPr>
+              <a:t>SHEEP MOVEMENT</a:t>
+            </a:r>
+          </a:p>
+        </p:txBody>
+      </p:sp>
+      <p:sp>
+        <p:nvSpPr>
+          <p:cNvPr id="5" name="CasellaDiTesto 4">
+            <a:extLst>
+              <a:ext uri="{FF2B5EF4-FFF2-40B4-BE49-F238E27FC236}">
+                <a16:creationId xmlns:a16="http://schemas.microsoft.com/office/drawing/2014/main" id="{9F1513D2-E005-49C6-9712-0D02B3A85AF2}"/>
+              </a:ext>
+            </a:extLst>
+          </p:cNvPr>
+          <p:cNvSpPr txBox="1"/>
+          <p:nvPr/>
+        </p:nvSpPr>
+        <p:spPr>
+          <a:xfrm>
+            <a:off x="86497" y="1016566"/>
+            <a:ext cx="6981568" cy="2585323"/>
+          </a:xfrm>
+          <a:prstGeom prst="rect">
+            <a:avLst/>
+          </a:prstGeom>
+          <a:noFill/>
+        </p:spPr>
+        <p:txBody>
+          <a:bodyPr wrap="square" rtlCol="0">
+            <a:spAutoFit/>
+          </a:bodyPr>
+          <a:lstStyle/>
+          <a:p>
+            <a:pPr marL="285750" indent="-285750">
+              <a:buFont typeface="Arial" panose="020B0604020202020204" pitchFamily="34" charset="0"/>
+              <a:buChar char="•"/>
+            </a:pPr>
+            <a:r>
+              <a:rPr lang="en-US" dirty="0">
+                <a:solidFill>
+                  <a:schemeClr val="bg1"/>
+                </a:solidFill>
+              </a:rPr>
+              <a:t>A sheep decides whether to change its state according to the following probabilities.</a:t>
+            </a:r>
+          </a:p>
+          <a:p>
+            <a:endParaRPr lang="en-US" dirty="0">
+              <a:solidFill>
+                <a:schemeClr val="bg1"/>
+              </a:solidFill>
+            </a:endParaRPr>
+          </a:p>
+          <a:p>
+            <a:pPr marL="285750" indent="-285750">
+              <a:buFont typeface="Arial" panose="020B0604020202020204" pitchFamily="34" charset="0"/>
+              <a:buChar char="•"/>
+            </a:pPr>
+            <a:endParaRPr lang="en-US" dirty="0">
+              <a:solidFill>
+                <a:schemeClr val="bg1"/>
+              </a:solidFill>
+            </a:endParaRPr>
+          </a:p>
+          <a:p>
+            <a:pPr marL="285750" indent="-285750">
+              <a:buFont typeface="Arial" panose="020B0604020202020204" pitchFamily="34" charset="0"/>
+              <a:buChar char="•"/>
+            </a:pPr>
+            <a:endParaRPr lang="en-US" dirty="0">
+              <a:solidFill>
+                <a:schemeClr val="bg1"/>
+              </a:solidFill>
+            </a:endParaRPr>
+          </a:p>
+          <a:p>
+            <a:pPr marL="285750" indent="-285750">
+              <a:buFont typeface="Arial" panose="020B0604020202020204" pitchFamily="34" charset="0"/>
+              <a:buChar char="•"/>
+            </a:pPr>
+            <a:endParaRPr lang="en-US" dirty="0">
+              <a:solidFill>
+                <a:schemeClr val="bg1"/>
+              </a:solidFill>
+            </a:endParaRPr>
+          </a:p>
+          <a:p>
+            <a:pPr marL="285750" indent="-285750">
+              <a:buFont typeface="Arial" panose="020B0604020202020204" pitchFamily="34" charset="0"/>
+              <a:buChar char="•"/>
+            </a:pPr>
+            <a:endParaRPr lang="en-US" dirty="0">
+              <a:solidFill>
+                <a:schemeClr val="bg1"/>
+              </a:solidFill>
+            </a:endParaRPr>
+          </a:p>
+          <a:p>
+            <a:pPr marL="285750" indent="-285750">
+              <a:buFont typeface="Arial" panose="020B0604020202020204" pitchFamily="34" charset="0"/>
+              <a:buChar char="•"/>
+            </a:pPr>
+            <a:endParaRPr lang="en-US" dirty="0">
+              <a:solidFill>
+                <a:schemeClr val="bg1"/>
+              </a:solidFill>
+            </a:endParaRPr>
+          </a:p>
+          <a:p>
+            <a:pPr marL="285750" indent="-285750">
+              <a:buFont typeface="Arial" panose="020B0604020202020204" pitchFamily="34" charset="0"/>
+              <a:buChar char="•"/>
+            </a:pPr>
+            <a:endParaRPr lang="en-US" dirty="0">
+              <a:solidFill>
+                <a:schemeClr val="bg1"/>
+              </a:solidFill>
+            </a:endParaRPr>
+          </a:p>
+        </p:txBody>
+      </p:sp>
+      <p:sp>
+        <p:nvSpPr>
+          <p:cNvPr id="10" name="CasellaDiTesto 9">
+            <a:extLst>
+              <a:ext uri="{FF2B5EF4-FFF2-40B4-BE49-F238E27FC236}">
+                <a16:creationId xmlns:a16="http://schemas.microsoft.com/office/drawing/2014/main" id="{405CA404-B32B-4FDC-B76F-0EC2E6423E5A}"/>
+              </a:ext>
+            </a:extLst>
+          </p:cNvPr>
+          <p:cNvSpPr txBox="1"/>
+          <p:nvPr/>
+        </p:nvSpPr>
+        <p:spPr>
+          <a:xfrm>
+            <a:off x="5563833" y="6361900"/>
+            <a:ext cx="1940011" cy="369332"/>
+          </a:xfrm>
+          <a:prstGeom prst="rect">
+            <a:avLst/>
+          </a:prstGeom>
+          <a:noFill/>
+        </p:spPr>
+        <p:txBody>
+          <a:bodyPr wrap="square" rtlCol="0">
+            <a:spAutoFit/>
+          </a:bodyPr>
+          <a:lstStyle/>
+          <a:p>
+            <a:r>
+              <a:rPr lang="it-IT" dirty="0">
+                <a:solidFill>
+                  <a:schemeClr val="bg1"/>
+                </a:solidFill>
+              </a:rPr>
+              <a:t>Slide 2/totale</a:t>
+            </a:r>
+          </a:p>
+        </p:txBody>
+      </p:sp>
+      <mc:AlternateContent xmlns:mc="http://schemas.openxmlformats.org/markup-compatibility/2006">
+        <mc:Choice xmlns:a14="http://schemas.microsoft.com/office/drawing/2010/main" Requires="a14">
+          <p:sp>
+            <p:nvSpPr>
+              <p:cNvPr id="9" name="CasellaDiTesto 8">
+                <a:extLst>
+                  <a:ext uri="{FF2B5EF4-FFF2-40B4-BE49-F238E27FC236}">
+                    <a16:creationId xmlns:a16="http://schemas.microsoft.com/office/drawing/2014/main" id="{CA02A3E7-8317-4734-A4D3-519B17D0C7DF}"/>
+                  </a:ext>
+                </a:extLst>
+              </p:cNvPr>
+              <p:cNvSpPr txBox="1"/>
+              <p:nvPr/>
+            </p:nvSpPr>
+            <p:spPr>
+              <a:xfrm>
+                <a:off x="1171846" y="1920962"/>
+                <a:ext cx="3573379" cy="476477"/>
+              </a:xfrm>
+              <a:prstGeom prst="rect">
+                <a:avLst/>
+              </a:prstGeom>
+              <a:noFill/>
+            </p:spPr>
+            <p:txBody>
+              <a:bodyPr wrap="square" lIns="0" tIns="0" rIns="0" bIns="0" rtlCol="0">
+                <a:spAutoFit/>
+              </a:bodyPr>
+              <a:lstStyle/>
+              <a:p>
+                <a14:m>
+                  <m:oMath xmlns:m="http://schemas.openxmlformats.org/officeDocument/2006/math">
+                    <m:sSub>
+                      <m:sSubPr>
+                        <m:ctrlPr>
+                          <a:rPr lang="it-IT" i="1" smtClean="0">
+                            <a:solidFill>
+                              <a:schemeClr val="bg1"/>
+                            </a:solidFill>
+                            <a:latin typeface="Cambria Math" panose="02040503050406030204" pitchFamily="18" charset="0"/>
+                          </a:rPr>
+                        </m:ctrlPr>
+                      </m:sSubPr>
+                      <m:e>
+                        <m:r>
+                          <a:rPr lang="it-IT" b="0" i="1" smtClean="0">
+                            <a:solidFill>
+                              <a:schemeClr val="bg1"/>
+                            </a:solidFill>
+                            <a:latin typeface="Cambria Math" panose="02040503050406030204" pitchFamily="18" charset="0"/>
+                          </a:rPr>
+                          <m:t>𝑝</m:t>
+                        </m:r>
+                      </m:e>
+                      <m:sub>
+                        <m:r>
+                          <a:rPr lang="it-IT" b="0" i="1" smtClean="0">
+                            <a:solidFill>
+                              <a:schemeClr val="bg1"/>
+                            </a:solidFill>
+                            <a:latin typeface="Cambria Math" panose="02040503050406030204" pitchFamily="18" charset="0"/>
+                          </a:rPr>
+                          <m:t>0</m:t>
+                        </m:r>
+                        <m:r>
+                          <a:rPr lang="it-IT" b="0" i="1" smtClean="0">
+                            <a:solidFill>
+                              <a:schemeClr val="bg1"/>
+                            </a:solidFill>
+                            <a:latin typeface="Cambria Math" panose="02040503050406030204" pitchFamily="18" charset="0"/>
+                            <a:ea typeface="Cambria Math" panose="02040503050406030204" pitchFamily="18" charset="0"/>
+                          </a:rPr>
+                          <m:t>→1</m:t>
+                        </m:r>
+                      </m:sub>
+                    </m:sSub>
+                    <m:d>
+                      <m:dPr>
+                        <m:ctrlPr>
+                          <a:rPr lang="it-IT" b="0" i="1" smtClean="0">
+                            <a:solidFill>
+                              <a:schemeClr val="bg1"/>
+                            </a:solidFill>
+                            <a:latin typeface="Cambria Math" panose="02040503050406030204" pitchFamily="18" charset="0"/>
+                          </a:rPr>
+                        </m:ctrlPr>
+                      </m:dPr>
+                      <m:e>
+                        <m:r>
+                          <a:rPr lang="it-IT" b="0" i="1" smtClean="0">
+                            <a:solidFill>
+                              <a:schemeClr val="bg1"/>
+                            </a:solidFill>
+                            <a:latin typeface="Cambria Math" panose="02040503050406030204" pitchFamily="18" charset="0"/>
+                          </a:rPr>
+                          <m:t>𝑖</m:t>
+                        </m:r>
+                        <m:r>
+                          <a:rPr lang="it-IT" b="0" i="1" smtClean="0">
+                            <a:solidFill>
+                              <a:schemeClr val="bg1"/>
+                            </a:solidFill>
+                            <a:latin typeface="Cambria Math" panose="02040503050406030204" pitchFamily="18" charset="0"/>
+                          </a:rPr>
+                          <m:t>,</m:t>
+                        </m:r>
+                        <m:r>
+                          <a:rPr lang="it-IT" b="0" i="1" smtClean="0">
+                            <a:solidFill>
+                              <a:schemeClr val="bg1"/>
+                            </a:solidFill>
+                            <a:latin typeface="Cambria Math" panose="02040503050406030204" pitchFamily="18" charset="0"/>
+                          </a:rPr>
+                          <m:t>𝑡</m:t>
+                        </m:r>
+                      </m:e>
+                    </m:d>
+                    <m:r>
+                      <a:rPr lang="it-IT" b="0" i="1" smtClean="0">
+                        <a:solidFill>
+                          <a:schemeClr val="bg1"/>
+                        </a:solidFill>
+                        <a:latin typeface="Cambria Math" panose="02040503050406030204" pitchFamily="18" charset="0"/>
+                      </a:rPr>
+                      <m:t>=</m:t>
+                    </m:r>
+                    <m:f>
+                      <m:fPr>
+                        <m:ctrlPr>
+                          <a:rPr lang="it-IT" b="0" i="1" smtClean="0">
+                            <a:solidFill>
+                              <a:schemeClr val="bg1"/>
+                            </a:solidFill>
+                            <a:latin typeface="Cambria Math" panose="02040503050406030204" pitchFamily="18" charset="0"/>
+                            <a:ea typeface="Cambria Math" panose="02040503050406030204" pitchFamily="18" charset="0"/>
+                          </a:rPr>
+                        </m:ctrlPr>
+                      </m:fPr>
+                      <m:num>
+                        <m:r>
+                          <a:rPr lang="it-IT" b="0" i="1" smtClean="0">
+                            <a:solidFill>
+                              <a:schemeClr val="bg1"/>
+                            </a:solidFill>
+                            <a:latin typeface="Cambria Math" panose="02040503050406030204" pitchFamily="18" charset="0"/>
+                          </a:rPr>
+                          <m:t>1+</m:t>
+                        </m:r>
+                        <m:r>
+                          <a:rPr lang="it-IT" b="0" i="1" smtClean="0">
+                            <a:solidFill>
+                              <a:schemeClr val="bg1"/>
+                            </a:solidFill>
+                            <a:latin typeface="Cambria Math" panose="02040503050406030204" pitchFamily="18" charset="0"/>
+                            <a:ea typeface="Cambria Math" panose="02040503050406030204" pitchFamily="18" charset="0"/>
+                          </a:rPr>
+                          <m:t>𝛼</m:t>
+                        </m:r>
+                        <m:r>
+                          <a:rPr lang="it-IT" b="0" i="1" smtClean="0">
+                            <a:solidFill>
+                              <a:schemeClr val="bg1"/>
+                            </a:solidFill>
+                            <a:latin typeface="Cambria Math" panose="02040503050406030204" pitchFamily="18" charset="0"/>
+                            <a:ea typeface="Cambria Math" panose="02040503050406030204" pitchFamily="18" charset="0"/>
+                          </a:rPr>
+                          <m:t> </m:t>
+                        </m:r>
+                        <m:sSubSup>
+                          <m:sSubSupPr>
+                            <m:ctrlPr>
+                              <a:rPr lang="it-IT" b="0" i="1" smtClean="0">
+                                <a:solidFill>
+                                  <a:schemeClr val="bg1"/>
+                                </a:solidFill>
+                                <a:latin typeface="Cambria Math" panose="02040503050406030204" pitchFamily="18" charset="0"/>
+                                <a:ea typeface="Cambria Math" panose="02040503050406030204" pitchFamily="18" charset="0"/>
+                              </a:rPr>
+                            </m:ctrlPr>
+                          </m:sSubSupPr>
+                          <m:e>
+                            <m:r>
+                              <a:rPr lang="it-IT" b="0" i="1" smtClean="0">
+                                <a:solidFill>
+                                  <a:schemeClr val="bg1"/>
+                                </a:solidFill>
+                                <a:latin typeface="Cambria Math" panose="02040503050406030204" pitchFamily="18" charset="0"/>
+                                <a:ea typeface="Cambria Math" panose="02040503050406030204" pitchFamily="18" charset="0"/>
+                              </a:rPr>
+                              <m:t>𝑛</m:t>
+                            </m:r>
+                          </m:e>
+                          <m:sub>
+                            <m:r>
+                              <a:rPr lang="it-IT" b="0" i="1" smtClean="0">
+                                <a:solidFill>
+                                  <a:schemeClr val="bg1"/>
+                                </a:solidFill>
+                                <a:latin typeface="Cambria Math" panose="02040503050406030204" pitchFamily="18" charset="0"/>
+                                <a:ea typeface="Cambria Math" panose="02040503050406030204" pitchFamily="18" charset="0"/>
+                              </a:rPr>
+                              <m:t>1</m:t>
+                            </m:r>
+                          </m:sub>
+                          <m:sup>
+                            <m:r>
+                              <a:rPr lang="it-IT" b="0" i="1" smtClean="0">
+                                <a:solidFill>
+                                  <a:schemeClr val="bg1"/>
+                                </a:solidFill>
+                                <a:latin typeface="Cambria Math" panose="02040503050406030204" pitchFamily="18" charset="0"/>
+                                <a:ea typeface="Cambria Math" panose="02040503050406030204" pitchFamily="18" charset="0"/>
+                              </a:rPr>
+                              <m:t>𝑡</m:t>
+                            </m:r>
+                          </m:sup>
+                        </m:sSubSup>
+                        <m:d>
+                          <m:dPr>
+                            <m:ctrlPr>
+                              <a:rPr lang="it-IT" b="0" i="1" smtClean="0">
+                                <a:solidFill>
+                                  <a:schemeClr val="bg1"/>
+                                </a:solidFill>
+                                <a:latin typeface="Cambria Math" panose="02040503050406030204" pitchFamily="18" charset="0"/>
+                                <a:ea typeface="Cambria Math" panose="02040503050406030204" pitchFamily="18" charset="0"/>
+                              </a:rPr>
+                            </m:ctrlPr>
+                          </m:dPr>
+                          <m:e>
+                            <m:r>
+                              <a:rPr lang="it-IT" b="0" i="1" smtClean="0">
+                                <a:solidFill>
+                                  <a:schemeClr val="bg1"/>
+                                </a:solidFill>
+                                <a:latin typeface="Cambria Math" panose="02040503050406030204" pitchFamily="18" charset="0"/>
+                                <a:ea typeface="Cambria Math" panose="02040503050406030204" pitchFamily="18" charset="0"/>
+                              </a:rPr>
+                              <m:t>𝑖</m:t>
+                            </m:r>
+                          </m:e>
+                        </m:d>
+                      </m:num>
+                      <m:den>
+                        <m:sSub>
+                          <m:sSubPr>
+                            <m:ctrlPr>
+                              <a:rPr lang="it-IT" b="0" i="1" smtClean="0">
+                                <a:solidFill>
+                                  <a:schemeClr val="bg1"/>
+                                </a:solidFill>
+                                <a:latin typeface="Cambria Math" panose="02040503050406030204" pitchFamily="18" charset="0"/>
+                                <a:ea typeface="Cambria Math" panose="02040503050406030204" pitchFamily="18" charset="0"/>
+                              </a:rPr>
+                            </m:ctrlPr>
+                          </m:sSubPr>
+                          <m:e>
+                            <m:r>
+                              <a:rPr lang="it-IT" b="0" i="1" smtClean="0">
+                                <a:solidFill>
+                                  <a:schemeClr val="bg1"/>
+                                </a:solidFill>
+                                <a:latin typeface="Cambria Math" panose="02040503050406030204" pitchFamily="18" charset="0"/>
+                                <a:ea typeface="Cambria Math" panose="02040503050406030204" pitchFamily="18" charset="0"/>
+                              </a:rPr>
+                              <m:t>𝜏</m:t>
+                            </m:r>
+                          </m:e>
+                          <m:sub>
+                            <m:r>
+                              <a:rPr lang="it-IT" b="0" i="1" smtClean="0">
+                                <a:solidFill>
+                                  <a:schemeClr val="bg1"/>
+                                </a:solidFill>
+                                <a:latin typeface="Cambria Math" panose="02040503050406030204" pitchFamily="18" charset="0"/>
+                                <a:ea typeface="Cambria Math" panose="02040503050406030204" pitchFamily="18" charset="0"/>
+                              </a:rPr>
+                              <m:t>0→1</m:t>
+                            </m:r>
+                          </m:sub>
+                        </m:sSub>
+                      </m:den>
+                    </m:f>
+                  </m:oMath>
+                </a14:m>
+                <a:r>
+                  <a:rPr lang="it-IT" dirty="0">
+                    <a:solidFill>
+                      <a:schemeClr val="bg1"/>
+                    </a:solidFill>
+                  </a:rPr>
+                  <a:t> </a:t>
+                </a:r>
+              </a:p>
+            </p:txBody>
+          </p:sp>
+        </mc:Choice>
+        <mc:Fallback>
+          <p:sp>
+            <p:nvSpPr>
+              <p:cNvPr id="9" name="CasellaDiTesto 8">
+                <a:extLst>
+                  <a:ext uri="{FF2B5EF4-FFF2-40B4-BE49-F238E27FC236}">
+                    <a16:creationId xmlns:a16="http://schemas.microsoft.com/office/drawing/2014/main" id="{CA02A3E7-8317-4734-A4D3-519B17D0C7DF}"/>
+                  </a:ext>
+                </a:extLst>
+              </p:cNvPr>
+              <p:cNvSpPr txBox="1">
+                <a:spLocks noRot="1" noChangeAspect="1" noMove="1" noResize="1" noEditPoints="1" noAdjustHandles="1" noChangeArrowheads="1" noChangeShapeType="1" noTextEdit="1"/>
+              </p:cNvSpPr>
+              <p:nvPr/>
+            </p:nvSpPr>
+            <p:spPr>
+              <a:xfrm>
+                <a:off x="1171846" y="1920962"/>
+                <a:ext cx="3573379" cy="476477"/>
+              </a:xfrm>
+              <a:prstGeom prst="rect">
+                <a:avLst/>
+              </a:prstGeom>
+              <a:blipFill>
+                <a:blip r:embed="rId4"/>
+                <a:stretch>
+                  <a:fillRect b="-1282"/>
+                </a:stretch>
+              </a:blipFill>
+            </p:spPr>
+            <p:txBody>
+              <a:bodyPr/>
+              <a:lstStyle/>
+              <a:p>
+                <a:r>
+                  <a:rPr lang="it-IT">
+                    <a:noFill/>
+                  </a:rPr>
+                  <a:t> </a:t>
+                </a:r>
+              </a:p>
+            </p:txBody>
+          </p:sp>
+        </mc:Fallback>
+      </mc:AlternateContent>
+      <mc:AlternateContent xmlns:mc="http://schemas.openxmlformats.org/markup-compatibility/2006">
+        <mc:Choice xmlns:a14="http://schemas.microsoft.com/office/drawing/2010/main" Requires="a14">
+          <p:sp>
+            <p:nvSpPr>
+              <p:cNvPr id="27" name="CasellaDiTesto 26">
+                <a:extLst>
+                  <a:ext uri="{FF2B5EF4-FFF2-40B4-BE49-F238E27FC236}">
+                    <a16:creationId xmlns:a16="http://schemas.microsoft.com/office/drawing/2014/main" id="{83D325C6-5AC8-4AFC-83E5-45AD6A38C7CF}"/>
+                  </a:ext>
+                </a:extLst>
+              </p:cNvPr>
+              <p:cNvSpPr txBox="1"/>
+              <p:nvPr/>
+            </p:nvSpPr>
+            <p:spPr>
+              <a:xfrm>
+                <a:off x="4399548" y="1865118"/>
+                <a:ext cx="3573379" cy="495264"/>
+              </a:xfrm>
+              <a:prstGeom prst="rect">
+                <a:avLst/>
+              </a:prstGeom>
+              <a:noFill/>
+            </p:spPr>
+            <p:txBody>
+              <a:bodyPr wrap="square" lIns="0" tIns="0" rIns="0" bIns="0" rtlCol="0">
+                <a:spAutoFit/>
+              </a:bodyPr>
+              <a:lstStyle/>
+              <a:p>
+                <a14:m>
+                  <m:oMath xmlns:m="http://schemas.openxmlformats.org/officeDocument/2006/math">
+                    <m:sSub>
+                      <m:sSubPr>
+                        <m:ctrlPr>
+                          <a:rPr lang="it-IT" i="1" smtClean="0">
+                            <a:solidFill>
+                              <a:schemeClr val="bg1"/>
+                            </a:solidFill>
+                            <a:latin typeface="Cambria Math" panose="02040503050406030204" pitchFamily="18" charset="0"/>
+                          </a:rPr>
+                        </m:ctrlPr>
+                      </m:sSubPr>
+                      <m:e>
+                        <m:r>
+                          <a:rPr lang="it-IT" b="0" i="1" smtClean="0">
+                            <a:solidFill>
+                              <a:schemeClr val="bg1"/>
+                            </a:solidFill>
+                            <a:latin typeface="Cambria Math" panose="02040503050406030204" pitchFamily="18" charset="0"/>
+                          </a:rPr>
+                          <m:t>𝑝</m:t>
+                        </m:r>
+                      </m:e>
+                      <m:sub>
+                        <m:r>
+                          <a:rPr lang="it-IT" b="0" i="1" smtClean="0">
+                            <a:solidFill>
+                              <a:schemeClr val="bg1"/>
+                            </a:solidFill>
+                            <a:latin typeface="Cambria Math" panose="02040503050406030204" pitchFamily="18" charset="0"/>
+                          </a:rPr>
+                          <m:t>1</m:t>
+                        </m:r>
+                        <m:r>
+                          <a:rPr lang="it-IT" b="0" i="1" smtClean="0">
+                            <a:solidFill>
+                              <a:schemeClr val="bg1"/>
+                            </a:solidFill>
+                            <a:latin typeface="Cambria Math" panose="02040503050406030204" pitchFamily="18" charset="0"/>
+                            <a:ea typeface="Cambria Math" panose="02040503050406030204" pitchFamily="18" charset="0"/>
+                          </a:rPr>
+                          <m:t>→0</m:t>
+                        </m:r>
+                      </m:sub>
+                    </m:sSub>
+                    <m:d>
+                      <m:dPr>
+                        <m:ctrlPr>
+                          <a:rPr lang="it-IT" b="0" i="1" smtClean="0">
+                            <a:solidFill>
+                              <a:schemeClr val="bg1"/>
+                            </a:solidFill>
+                            <a:latin typeface="Cambria Math" panose="02040503050406030204" pitchFamily="18" charset="0"/>
+                          </a:rPr>
+                        </m:ctrlPr>
+                      </m:dPr>
+                      <m:e>
+                        <m:r>
+                          <a:rPr lang="it-IT" b="0" i="1" smtClean="0">
+                            <a:solidFill>
+                              <a:schemeClr val="bg1"/>
+                            </a:solidFill>
+                            <a:latin typeface="Cambria Math" panose="02040503050406030204" pitchFamily="18" charset="0"/>
+                          </a:rPr>
+                          <m:t>𝑖</m:t>
+                        </m:r>
+                        <m:r>
+                          <a:rPr lang="it-IT" b="0" i="1" smtClean="0">
+                            <a:solidFill>
+                              <a:schemeClr val="bg1"/>
+                            </a:solidFill>
+                            <a:latin typeface="Cambria Math" panose="02040503050406030204" pitchFamily="18" charset="0"/>
+                          </a:rPr>
+                          <m:t>,</m:t>
+                        </m:r>
+                        <m:r>
+                          <a:rPr lang="it-IT" b="0" i="1" smtClean="0">
+                            <a:solidFill>
+                              <a:schemeClr val="bg1"/>
+                            </a:solidFill>
+                            <a:latin typeface="Cambria Math" panose="02040503050406030204" pitchFamily="18" charset="0"/>
+                          </a:rPr>
+                          <m:t>𝑡</m:t>
+                        </m:r>
+                      </m:e>
+                    </m:d>
+                    <m:r>
+                      <a:rPr lang="it-IT" b="0" i="1" smtClean="0">
+                        <a:solidFill>
+                          <a:schemeClr val="bg1"/>
+                        </a:solidFill>
+                        <a:latin typeface="Cambria Math" panose="02040503050406030204" pitchFamily="18" charset="0"/>
+                      </a:rPr>
+                      <m:t>=</m:t>
+                    </m:r>
+                    <m:f>
+                      <m:fPr>
+                        <m:ctrlPr>
+                          <a:rPr lang="it-IT" b="0" i="1" smtClean="0">
+                            <a:solidFill>
+                              <a:schemeClr val="bg1"/>
+                            </a:solidFill>
+                            <a:latin typeface="Cambria Math" panose="02040503050406030204" pitchFamily="18" charset="0"/>
+                            <a:ea typeface="Cambria Math" panose="02040503050406030204" pitchFamily="18" charset="0"/>
+                          </a:rPr>
+                        </m:ctrlPr>
+                      </m:fPr>
+                      <m:num>
+                        <m:r>
+                          <a:rPr lang="it-IT" b="0" i="1" smtClean="0">
+                            <a:solidFill>
+                              <a:schemeClr val="bg1"/>
+                            </a:solidFill>
+                            <a:latin typeface="Cambria Math" panose="02040503050406030204" pitchFamily="18" charset="0"/>
+                          </a:rPr>
+                          <m:t>1+</m:t>
+                        </m:r>
+                        <m:r>
+                          <a:rPr lang="it-IT" b="0" i="1" smtClean="0">
+                            <a:solidFill>
+                              <a:schemeClr val="bg1"/>
+                            </a:solidFill>
+                            <a:latin typeface="Cambria Math" panose="02040503050406030204" pitchFamily="18" charset="0"/>
+                            <a:ea typeface="Cambria Math" panose="02040503050406030204" pitchFamily="18" charset="0"/>
+                          </a:rPr>
+                          <m:t>𝛼</m:t>
+                        </m:r>
+                        <m:r>
+                          <a:rPr lang="it-IT" b="0" i="1" smtClean="0">
+                            <a:solidFill>
+                              <a:schemeClr val="bg1"/>
+                            </a:solidFill>
+                            <a:latin typeface="Cambria Math" panose="02040503050406030204" pitchFamily="18" charset="0"/>
+                            <a:ea typeface="Cambria Math" panose="02040503050406030204" pitchFamily="18" charset="0"/>
+                          </a:rPr>
+                          <m:t> </m:t>
+                        </m:r>
+                        <m:sSubSup>
+                          <m:sSubSupPr>
+                            <m:ctrlPr>
+                              <a:rPr lang="it-IT" b="0" i="1" smtClean="0">
+                                <a:solidFill>
+                                  <a:schemeClr val="bg1"/>
+                                </a:solidFill>
+                                <a:latin typeface="Cambria Math" panose="02040503050406030204" pitchFamily="18" charset="0"/>
+                                <a:ea typeface="Cambria Math" panose="02040503050406030204" pitchFamily="18" charset="0"/>
+                              </a:rPr>
+                            </m:ctrlPr>
+                          </m:sSubSupPr>
+                          <m:e>
+                            <m:r>
+                              <a:rPr lang="it-IT" b="0" i="1" smtClean="0">
+                                <a:solidFill>
+                                  <a:schemeClr val="bg1"/>
+                                </a:solidFill>
+                                <a:latin typeface="Cambria Math" panose="02040503050406030204" pitchFamily="18" charset="0"/>
+                                <a:ea typeface="Cambria Math" panose="02040503050406030204" pitchFamily="18" charset="0"/>
+                              </a:rPr>
+                              <m:t>𝑛</m:t>
+                            </m:r>
+                          </m:e>
+                          <m:sub>
+                            <m:r>
+                              <a:rPr lang="it-IT" b="0" i="1" smtClean="0">
+                                <a:solidFill>
+                                  <a:schemeClr val="bg1"/>
+                                </a:solidFill>
+                                <a:latin typeface="Cambria Math" panose="02040503050406030204" pitchFamily="18" charset="0"/>
+                                <a:ea typeface="Cambria Math" panose="02040503050406030204" pitchFamily="18" charset="0"/>
+                              </a:rPr>
+                              <m:t>0</m:t>
+                            </m:r>
+                          </m:sub>
+                          <m:sup>
+                            <m:r>
+                              <a:rPr lang="it-IT" b="0" i="1" smtClean="0">
+                                <a:solidFill>
+                                  <a:schemeClr val="bg1"/>
+                                </a:solidFill>
+                                <a:latin typeface="Cambria Math" panose="02040503050406030204" pitchFamily="18" charset="0"/>
+                                <a:ea typeface="Cambria Math" panose="02040503050406030204" pitchFamily="18" charset="0"/>
+                              </a:rPr>
+                              <m:t>𝑡</m:t>
+                            </m:r>
+                          </m:sup>
+                        </m:sSubSup>
+                        <m:d>
+                          <m:dPr>
+                            <m:ctrlPr>
+                              <a:rPr lang="it-IT" b="0" i="1" smtClean="0">
+                                <a:solidFill>
+                                  <a:schemeClr val="bg1"/>
+                                </a:solidFill>
+                                <a:latin typeface="Cambria Math" panose="02040503050406030204" pitchFamily="18" charset="0"/>
+                                <a:ea typeface="Cambria Math" panose="02040503050406030204" pitchFamily="18" charset="0"/>
+                              </a:rPr>
+                            </m:ctrlPr>
+                          </m:dPr>
+                          <m:e>
+                            <m:r>
+                              <a:rPr lang="it-IT" b="0" i="1" smtClean="0">
+                                <a:solidFill>
+                                  <a:schemeClr val="bg1"/>
+                                </a:solidFill>
+                                <a:latin typeface="Cambria Math" panose="02040503050406030204" pitchFamily="18" charset="0"/>
+                                <a:ea typeface="Cambria Math" panose="02040503050406030204" pitchFamily="18" charset="0"/>
+                              </a:rPr>
+                              <m:t>𝑖</m:t>
+                            </m:r>
+                          </m:e>
+                        </m:d>
+                      </m:num>
+                      <m:den>
+                        <m:sSub>
+                          <m:sSubPr>
+                            <m:ctrlPr>
+                              <a:rPr lang="it-IT" b="0" i="1" smtClean="0">
+                                <a:solidFill>
+                                  <a:schemeClr val="bg1"/>
+                                </a:solidFill>
+                                <a:latin typeface="Cambria Math" panose="02040503050406030204" pitchFamily="18" charset="0"/>
+                                <a:ea typeface="Cambria Math" panose="02040503050406030204" pitchFamily="18" charset="0"/>
+                              </a:rPr>
+                            </m:ctrlPr>
+                          </m:sSubPr>
+                          <m:e>
+                            <m:r>
+                              <a:rPr lang="it-IT" b="0" i="1" smtClean="0">
+                                <a:solidFill>
+                                  <a:schemeClr val="bg1"/>
+                                </a:solidFill>
+                                <a:latin typeface="Cambria Math" panose="02040503050406030204" pitchFamily="18" charset="0"/>
+                                <a:ea typeface="Cambria Math" panose="02040503050406030204" pitchFamily="18" charset="0"/>
+                              </a:rPr>
+                              <m:t>𝜏</m:t>
+                            </m:r>
+                          </m:e>
+                          <m:sub>
+                            <m:r>
+                              <a:rPr lang="it-IT" b="0" i="1" smtClean="0">
+                                <a:solidFill>
+                                  <a:schemeClr val="bg1"/>
+                                </a:solidFill>
+                                <a:latin typeface="Cambria Math" panose="02040503050406030204" pitchFamily="18" charset="0"/>
+                                <a:ea typeface="Cambria Math" panose="02040503050406030204" pitchFamily="18" charset="0"/>
+                              </a:rPr>
+                              <m:t>1→0</m:t>
+                            </m:r>
+                          </m:sub>
+                        </m:sSub>
+                      </m:den>
+                    </m:f>
+                  </m:oMath>
+                </a14:m>
+                <a:r>
+                  <a:rPr lang="it-IT" dirty="0">
+                    <a:solidFill>
+                      <a:schemeClr val="bg1"/>
+                    </a:solidFill>
+                  </a:rPr>
+                  <a:t> </a:t>
+                </a:r>
+              </a:p>
+            </p:txBody>
+          </p:sp>
+        </mc:Choice>
+        <mc:Fallback>
+          <p:sp>
+            <p:nvSpPr>
+              <p:cNvPr id="27" name="CasellaDiTesto 26">
+                <a:extLst>
+                  <a:ext uri="{FF2B5EF4-FFF2-40B4-BE49-F238E27FC236}">
+                    <a16:creationId xmlns:a16="http://schemas.microsoft.com/office/drawing/2014/main" id="{83D325C6-5AC8-4AFC-83E5-45AD6A38C7CF}"/>
+                  </a:ext>
+                </a:extLst>
+              </p:cNvPr>
+              <p:cNvSpPr txBox="1">
+                <a:spLocks noRot="1" noChangeAspect="1" noMove="1" noResize="1" noEditPoints="1" noAdjustHandles="1" noChangeArrowheads="1" noChangeShapeType="1" noTextEdit="1"/>
+              </p:cNvSpPr>
+              <p:nvPr/>
+            </p:nvSpPr>
+            <p:spPr>
+              <a:xfrm>
+                <a:off x="4399548" y="1865118"/>
+                <a:ext cx="3573379" cy="495264"/>
+              </a:xfrm>
+              <a:prstGeom prst="rect">
+                <a:avLst/>
+              </a:prstGeom>
+              <a:blipFill>
+                <a:blip r:embed="rId5"/>
+                <a:stretch>
+                  <a:fillRect/>
+                </a:stretch>
+              </a:blipFill>
+            </p:spPr>
+            <p:txBody>
+              <a:bodyPr/>
+              <a:lstStyle/>
+              <a:p>
+                <a:r>
+                  <a:rPr lang="it-IT">
+                    <a:noFill/>
+                  </a:rPr>
+                  <a:t> </a:t>
+                </a:r>
+              </a:p>
+            </p:txBody>
+          </p:sp>
+        </mc:Fallback>
+      </mc:AlternateContent>
+      <mc:AlternateContent xmlns:mc="http://schemas.openxmlformats.org/markup-compatibility/2006">
+        <mc:Choice xmlns:a14="http://schemas.microsoft.com/office/drawing/2010/main" Requires="a14">
+          <p:sp>
+            <p:nvSpPr>
+              <p:cNvPr id="30" name="CasellaDiTesto 29">
+                <a:extLst>
+                  <a:ext uri="{FF2B5EF4-FFF2-40B4-BE49-F238E27FC236}">
+                    <a16:creationId xmlns:a16="http://schemas.microsoft.com/office/drawing/2014/main" id="{DA272EEE-0C83-42EA-8014-02D694F6A3C9}"/>
+                  </a:ext>
+                </a:extLst>
+              </p:cNvPr>
+              <p:cNvSpPr txBox="1"/>
+              <p:nvPr/>
+            </p:nvSpPr>
+            <p:spPr>
+              <a:xfrm>
+                <a:off x="1955619" y="2834962"/>
+                <a:ext cx="6590054" cy="486030"/>
+              </a:xfrm>
+              <a:prstGeom prst="rect">
+                <a:avLst/>
+              </a:prstGeom>
+              <a:noFill/>
+            </p:spPr>
+            <p:txBody>
+              <a:bodyPr wrap="square" lIns="0" tIns="0" rIns="0" bIns="0" rtlCol="0">
+                <a:spAutoFit/>
+              </a:bodyPr>
+              <a:lstStyle/>
+              <a:p>
+                <a14:m>
+                  <m:oMath xmlns:m="http://schemas.openxmlformats.org/officeDocument/2006/math">
+                    <m:sSub>
+                      <m:sSubPr>
+                        <m:ctrlPr>
+                          <a:rPr lang="it-IT" i="1" smtClean="0">
+                            <a:solidFill>
+                              <a:schemeClr val="bg1"/>
+                            </a:solidFill>
+                            <a:latin typeface="Cambria Math" panose="02040503050406030204" pitchFamily="18" charset="0"/>
+                            <a:ea typeface="Cambria Math" panose="02040503050406030204" pitchFamily="18" charset="0"/>
+                          </a:rPr>
+                        </m:ctrlPr>
+                      </m:sSubPr>
+                      <m:e>
+                        <m:r>
+                          <a:rPr lang="it-IT" b="0" i="1" smtClean="0">
+                            <a:solidFill>
+                              <a:schemeClr val="bg1"/>
+                            </a:solidFill>
+                            <a:latin typeface="Cambria Math" panose="02040503050406030204" pitchFamily="18" charset="0"/>
+                            <a:ea typeface="Cambria Math" panose="02040503050406030204" pitchFamily="18" charset="0"/>
+                          </a:rPr>
+                          <m:t>𝑝</m:t>
+                        </m:r>
+                      </m:e>
+                      <m:sub>
+                        <m:r>
+                          <a:rPr lang="it-IT" b="0" i="1" smtClean="0">
+                            <a:solidFill>
+                              <a:schemeClr val="bg1"/>
+                            </a:solidFill>
+                            <a:latin typeface="Cambria Math" panose="02040503050406030204" pitchFamily="18" charset="0"/>
+                            <a:ea typeface="Cambria Math" panose="02040503050406030204" pitchFamily="18" charset="0"/>
+                          </a:rPr>
+                          <m:t>0,1→2</m:t>
+                        </m:r>
+                      </m:sub>
+                    </m:sSub>
+                    <m:d>
+                      <m:dPr>
+                        <m:ctrlPr>
+                          <a:rPr lang="it-IT" b="0" i="1" smtClean="0">
+                            <a:solidFill>
+                              <a:schemeClr val="bg1"/>
+                            </a:solidFill>
+                            <a:latin typeface="Cambria Math" panose="02040503050406030204" pitchFamily="18" charset="0"/>
+                            <a:ea typeface="Cambria Math" panose="02040503050406030204" pitchFamily="18" charset="0"/>
+                          </a:rPr>
+                        </m:ctrlPr>
+                      </m:dPr>
+                      <m:e>
+                        <m:r>
+                          <a:rPr lang="it-IT" b="0" i="1" smtClean="0">
+                            <a:solidFill>
+                              <a:schemeClr val="bg1"/>
+                            </a:solidFill>
+                            <a:latin typeface="Cambria Math" panose="02040503050406030204" pitchFamily="18" charset="0"/>
+                            <a:ea typeface="Cambria Math" panose="02040503050406030204" pitchFamily="18" charset="0"/>
+                          </a:rPr>
+                          <m:t>𝑖</m:t>
+                        </m:r>
+                        <m:r>
+                          <a:rPr lang="it-IT" b="0" i="1" smtClean="0">
+                            <a:solidFill>
+                              <a:schemeClr val="bg1"/>
+                            </a:solidFill>
+                            <a:latin typeface="Cambria Math" panose="02040503050406030204" pitchFamily="18" charset="0"/>
+                            <a:ea typeface="Cambria Math" panose="02040503050406030204" pitchFamily="18" charset="0"/>
+                          </a:rPr>
+                          <m:t>,</m:t>
+                        </m:r>
+                        <m:r>
+                          <a:rPr lang="it-IT" b="0" i="1" smtClean="0">
+                            <a:solidFill>
+                              <a:schemeClr val="bg1"/>
+                            </a:solidFill>
+                            <a:latin typeface="Cambria Math" panose="02040503050406030204" pitchFamily="18" charset="0"/>
+                            <a:ea typeface="Cambria Math" panose="02040503050406030204" pitchFamily="18" charset="0"/>
+                          </a:rPr>
+                          <m:t>𝑡</m:t>
+                        </m:r>
+                      </m:e>
+                    </m:d>
+                    <m:r>
+                      <a:rPr lang="it-IT" b="0" i="1" smtClean="0">
+                        <a:solidFill>
+                          <a:schemeClr val="bg1"/>
+                        </a:solidFill>
+                        <a:latin typeface="Cambria Math" panose="02040503050406030204" pitchFamily="18" charset="0"/>
+                        <a:ea typeface="Cambria Math" panose="02040503050406030204" pitchFamily="18" charset="0"/>
+                      </a:rPr>
+                      <m:t>=</m:t>
+                    </m:r>
+                    <m:f>
+                      <m:fPr>
+                        <m:ctrlPr>
+                          <a:rPr lang="it-IT" b="0" i="1" smtClean="0">
+                            <a:solidFill>
+                              <a:schemeClr val="bg1"/>
+                            </a:solidFill>
+                            <a:latin typeface="Cambria Math" panose="02040503050406030204" pitchFamily="18" charset="0"/>
+                            <a:ea typeface="Cambria Math" panose="02040503050406030204" pitchFamily="18" charset="0"/>
+                          </a:rPr>
+                        </m:ctrlPr>
+                      </m:fPr>
+                      <m:num>
+                        <m:r>
+                          <a:rPr lang="it-IT" b="0" i="1" smtClean="0">
+                            <a:solidFill>
+                              <a:schemeClr val="bg1"/>
+                            </a:solidFill>
+                            <a:latin typeface="Cambria Math" panose="02040503050406030204" pitchFamily="18" charset="0"/>
+                            <a:ea typeface="Cambria Math" panose="02040503050406030204" pitchFamily="18" charset="0"/>
+                          </a:rPr>
+                          <m:t>1</m:t>
+                        </m:r>
+                      </m:num>
+                      <m:den>
+                        <m:sSub>
+                          <m:sSubPr>
+                            <m:ctrlPr>
+                              <a:rPr lang="it-IT" b="0" i="1" smtClean="0">
+                                <a:solidFill>
+                                  <a:schemeClr val="bg1"/>
+                                </a:solidFill>
+                                <a:latin typeface="Cambria Math" panose="02040503050406030204" pitchFamily="18" charset="0"/>
+                                <a:ea typeface="Cambria Math" panose="02040503050406030204" pitchFamily="18" charset="0"/>
+                              </a:rPr>
+                            </m:ctrlPr>
+                          </m:sSubPr>
+                          <m:e>
+                            <m:r>
+                              <a:rPr lang="it-IT" b="0" i="1" smtClean="0">
+                                <a:solidFill>
+                                  <a:schemeClr val="bg1"/>
+                                </a:solidFill>
+                                <a:latin typeface="Cambria Math" panose="02040503050406030204" pitchFamily="18" charset="0"/>
+                                <a:ea typeface="Cambria Math" panose="02040503050406030204" pitchFamily="18" charset="0"/>
+                              </a:rPr>
+                              <m:t>𝜏</m:t>
+                            </m:r>
+                          </m:e>
+                          <m:sub>
+                            <m:r>
+                              <a:rPr lang="it-IT" b="0" i="1" smtClean="0">
+                                <a:solidFill>
+                                  <a:schemeClr val="bg1"/>
+                                </a:solidFill>
+                                <a:latin typeface="Cambria Math" panose="02040503050406030204" pitchFamily="18" charset="0"/>
+                                <a:ea typeface="Cambria Math" panose="02040503050406030204" pitchFamily="18" charset="0"/>
+                              </a:rPr>
+                              <m:t>0,1→2</m:t>
+                            </m:r>
+                          </m:sub>
+                        </m:sSub>
+                      </m:den>
+                    </m:f>
+                  </m:oMath>
+                </a14:m>
+                <a:r>
+                  <a:rPr lang="it-IT" dirty="0">
+                    <a:solidFill>
+                      <a:schemeClr val="bg1"/>
+                    </a:solidFill>
+                    <a:latin typeface="Cambria Math" panose="02040503050406030204" pitchFamily="18" charset="0"/>
+                    <a:ea typeface="Cambria Math" panose="02040503050406030204" pitchFamily="18" charset="0"/>
+                  </a:rPr>
+                  <a:t> </a:t>
+                </a:r>
+                <a14:m>
+                  <m:oMath xmlns:m="http://schemas.openxmlformats.org/officeDocument/2006/math">
+                    <m:sSup>
+                      <m:sSupPr>
+                        <m:ctrlPr>
+                          <a:rPr lang="it-IT" b="0" i="1" smtClean="0">
+                            <a:solidFill>
+                              <a:schemeClr val="bg1"/>
+                            </a:solidFill>
+                            <a:latin typeface="Cambria Math" panose="02040503050406030204" pitchFamily="18" charset="0"/>
+                            <a:ea typeface="Cambria Math" panose="02040503050406030204" pitchFamily="18" charset="0"/>
+                          </a:rPr>
+                        </m:ctrlPr>
+                      </m:sSupPr>
+                      <m:e>
+                        <m:r>
+                          <m:rPr>
+                            <m:nor/>
+                          </m:rPr>
+                          <a:rPr lang="it-IT" dirty="0">
+                            <a:solidFill>
+                              <a:schemeClr val="bg1"/>
+                            </a:solidFill>
+                            <a:latin typeface="Cambria Math" panose="02040503050406030204" pitchFamily="18" charset="0"/>
+                            <a:ea typeface="Cambria Math" panose="02040503050406030204" pitchFamily="18" charset="0"/>
+                          </a:rPr>
+                          <m:t>[</m:t>
+                        </m:r>
+                        <m:f>
+                          <m:fPr>
+                            <m:ctrlPr>
+                              <a:rPr lang="it-IT" i="1">
+                                <a:solidFill>
+                                  <a:schemeClr val="bg1"/>
+                                </a:solidFill>
+                                <a:latin typeface="Cambria Math" panose="02040503050406030204" pitchFamily="18" charset="0"/>
+                                <a:ea typeface="Cambria Math" panose="02040503050406030204" pitchFamily="18" charset="0"/>
+                              </a:rPr>
+                            </m:ctrlPr>
+                          </m:fPr>
+                          <m:num>
+                            <m:sSubSup>
+                              <m:sSubSupPr>
+                                <m:ctrlPr>
+                                  <a:rPr lang="it-IT" i="1">
+                                    <a:solidFill>
+                                      <a:schemeClr val="bg1"/>
+                                    </a:solidFill>
+                                    <a:latin typeface="Cambria Math" panose="02040503050406030204" pitchFamily="18" charset="0"/>
+                                    <a:ea typeface="Cambria Math" panose="02040503050406030204" pitchFamily="18" charset="0"/>
+                                  </a:rPr>
+                                </m:ctrlPr>
+                              </m:sSubSupPr>
+                              <m:e>
+                                <m:r>
+                                  <a:rPr lang="it-IT" i="1">
+                                    <a:solidFill>
+                                      <a:schemeClr val="bg1"/>
+                                    </a:solidFill>
+                                    <a:latin typeface="Cambria Math" panose="02040503050406030204" pitchFamily="18" charset="0"/>
+                                    <a:ea typeface="Cambria Math" panose="02040503050406030204" pitchFamily="18" charset="0"/>
+                                  </a:rPr>
+                                  <m:t>𝑙</m:t>
+                                </m:r>
+                              </m:e>
+                              <m:sub>
+                                <m:r>
+                                  <a:rPr lang="it-IT" i="1">
+                                    <a:solidFill>
+                                      <a:schemeClr val="bg1"/>
+                                    </a:solidFill>
+                                    <a:latin typeface="Cambria Math" panose="02040503050406030204" pitchFamily="18" charset="0"/>
+                                    <a:ea typeface="Cambria Math" panose="02040503050406030204" pitchFamily="18" charset="0"/>
+                                  </a:rPr>
+                                  <m:t>𝑖</m:t>
+                                </m:r>
+                              </m:sub>
+                              <m:sup>
+                                <m:r>
+                                  <a:rPr lang="it-IT" i="1">
+                                    <a:solidFill>
+                                      <a:schemeClr val="bg1"/>
+                                    </a:solidFill>
+                                    <a:latin typeface="Cambria Math" panose="02040503050406030204" pitchFamily="18" charset="0"/>
+                                    <a:ea typeface="Cambria Math" panose="02040503050406030204" pitchFamily="18" charset="0"/>
+                                  </a:rPr>
+                                  <m:t>𝑡</m:t>
+                                </m:r>
+                              </m:sup>
+                            </m:sSubSup>
+                          </m:num>
+                          <m:den>
+                            <m:sSub>
+                              <m:sSubPr>
+                                <m:ctrlPr>
+                                  <a:rPr lang="it-IT" i="1">
+                                    <a:solidFill>
+                                      <a:schemeClr val="bg1"/>
+                                    </a:solidFill>
+                                    <a:latin typeface="Cambria Math" panose="02040503050406030204" pitchFamily="18" charset="0"/>
+                                    <a:ea typeface="Cambria Math" panose="02040503050406030204" pitchFamily="18" charset="0"/>
+                                  </a:rPr>
+                                </m:ctrlPr>
+                              </m:sSubPr>
+                              <m:e>
+                                <m:r>
+                                  <a:rPr lang="it-IT" i="1">
+                                    <a:solidFill>
+                                      <a:schemeClr val="bg1"/>
+                                    </a:solidFill>
+                                    <a:latin typeface="Cambria Math" panose="02040503050406030204" pitchFamily="18" charset="0"/>
+                                    <a:ea typeface="Cambria Math" panose="02040503050406030204" pitchFamily="18" charset="0"/>
+                                  </a:rPr>
+                                  <m:t>𝑑</m:t>
+                                </m:r>
+                              </m:e>
+                              <m:sub>
+                                <m:r>
+                                  <a:rPr lang="it-IT" i="1">
+                                    <a:solidFill>
+                                      <a:schemeClr val="bg1"/>
+                                    </a:solidFill>
+                                    <a:latin typeface="Cambria Math" panose="02040503050406030204" pitchFamily="18" charset="0"/>
+                                    <a:ea typeface="Cambria Math" panose="02040503050406030204" pitchFamily="18" charset="0"/>
+                                  </a:rPr>
+                                  <m:t>𝑅</m:t>
+                                </m:r>
+                              </m:sub>
+                            </m:sSub>
+                          </m:den>
+                        </m:f>
+                        <m:r>
+                          <a:rPr lang="it-IT">
+                            <a:solidFill>
+                              <a:schemeClr val="bg1"/>
+                            </a:solidFill>
+                            <a:latin typeface="Cambria Math" panose="02040503050406030204" pitchFamily="18" charset="0"/>
+                            <a:ea typeface="Cambria Math" panose="02040503050406030204" pitchFamily="18" charset="0"/>
+                          </a:rPr>
+                          <m:t>(</m:t>
+                        </m:r>
+                        <m:r>
+                          <a:rPr lang="it-IT" i="1">
+                            <a:solidFill>
+                              <a:schemeClr val="bg1"/>
+                            </a:solidFill>
+                            <a:latin typeface="Cambria Math" panose="02040503050406030204" pitchFamily="18" charset="0"/>
+                            <a:ea typeface="Cambria Math" panose="02040503050406030204" pitchFamily="18" charset="0"/>
+                          </a:rPr>
+                          <m:t>1+</m:t>
+                        </m:r>
+                        <m:r>
+                          <a:rPr lang="it-IT" i="1">
+                            <a:solidFill>
+                              <a:schemeClr val="bg1"/>
+                            </a:solidFill>
+                            <a:latin typeface="Cambria Math" panose="02040503050406030204" pitchFamily="18" charset="0"/>
+                            <a:ea typeface="Cambria Math" panose="02040503050406030204" pitchFamily="18" charset="0"/>
+                          </a:rPr>
+                          <m:t>𝛼</m:t>
+                        </m:r>
+                        <m:r>
+                          <a:rPr lang="it-IT" i="1">
+                            <a:solidFill>
+                              <a:schemeClr val="bg1"/>
+                            </a:solidFill>
+                            <a:latin typeface="Cambria Math" panose="02040503050406030204" pitchFamily="18" charset="0"/>
+                            <a:ea typeface="Cambria Math" panose="02040503050406030204" pitchFamily="18" charset="0"/>
+                          </a:rPr>
+                          <m:t> </m:t>
+                        </m:r>
+                        <m:sSubSup>
+                          <m:sSubSupPr>
+                            <m:ctrlPr>
+                              <a:rPr lang="it-IT" i="1">
+                                <a:solidFill>
+                                  <a:schemeClr val="bg1"/>
+                                </a:solidFill>
+                                <a:latin typeface="Cambria Math" panose="02040503050406030204" pitchFamily="18" charset="0"/>
+                                <a:ea typeface="Cambria Math" panose="02040503050406030204" pitchFamily="18" charset="0"/>
+                              </a:rPr>
+                            </m:ctrlPr>
+                          </m:sSubSupPr>
+                          <m:e>
+                            <m:r>
+                              <a:rPr lang="it-IT" b="0" i="1" smtClean="0">
+                                <a:solidFill>
+                                  <a:schemeClr val="bg1"/>
+                                </a:solidFill>
+                                <a:latin typeface="Cambria Math" panose="02040503050406030204" pitchFamily="18" charset="0"/>
+                                <a:ea typeface="Cambria Math" panose="02040503050406030204" pitchFamily="18" charset="0"/>
+                              </a:rPr>
+                              <m:t>𝑛</m:t>
+                            </m:r>
+                          </m:e>
+                          <m:sub>
+                            <m:r>
+                              <a:rPr lang="it-IT" b="0" i="1" smtClean="0">
+                                <a:solidFill>
+                                  <a:schemeClr val="bg1"/>
+                                </a:solidFill>
+                                <a:latin typeface="Cambria Math" panose="02040503050406030204" pitchFamily="18" charset="0"/>
+                                <a:ea typeface="Cambria Math" panose="02040503050406030204" pitchFamily="18" charset="0"/>
+                              </a:rPr>
+                              <m:t>2</m:t>
+                            </m:r>
+                          </m:sub>
+                          <m:sup>
+                            <m:r>
+                              <a:rPr lang="it-IT" i="1">
+                                <a:solidFill>
+                                  <a:schemeClr val="bg1"/>
+                                </a:solidFill>
+                                <a:latin typeface="Cambria Math" panose="02040503050406030204" pitchFamily="18" charset="0"/>
+                                <a:ea typeface="Cambria Math" panose="02040503050406030204" pitchFamily="18" charset="0"/>
+                              </a:rPr>
+                              <m:t>𝑡</m:t>
+                            </m:r>
+                          </m:sup>
+                        </m:sSubSup>
+                        <m:d>
+                          <m:dPr>
+                            <m:ctrlPr>
+                              <a:rPr lang="it-IT" i="1">
+                                <a:solidFill>
+                                  <a:schemeClr val="bg1"/>
+                                </a:solidFill>
+                                <a:latin typeface="Cambria Math" panose="02040503050406030204" pitchFamily="18" charset="0"/>
+                                <a:ea typeface="Cambria Math" panose="02040503050406030204" pitchFamily="18" charset="0"/>
+                              </a:rPr>
+                            </m:ctrlPr>
+                          </m:dPr>
+                          <m:e>
+                            <m:r>
+                              <a:rPr lang="it-IT" i="1">
+                                <a:solidFill>
+                                  <a:schemeClr val="bg1"/>
+                                </a:solidFill>
+                                <a:latin typeface="Cambria Math" panose="02040503050406030204" pitchFamily="18" charset="0"/>
+                                <a:ea typeface="Cambria Math" panose="02040503050406030204" pitchFamily="18" charset="0"/>
+                              </a:rPr>
+                              <m:t>𝑖</m:t>
+                            </m:r>
+                          </m:e>
+                        </m:d>
+                        <m:r>
+                          <a:rPr lang="it-IT" i="1">
+                            <a:solidFill>
+                              <a:schemeClr val="bg1"/>
+                            </a:solidFill>
+                            <a:latin typeface="Cambria Math" panose="02040503050406030204" pitchFamily="18" charset="0"/>
+                            <a:ea typeface="Cambria Math" panose="02040503050406030204" pitchFamily="18" charset="0"/>
+                          </a:rPr>
+                          <m:t>)]</m:t>
+                        </m:r>
+                      </m:e>
+                      <m:sup>
+                        <m:r>
+                          <a:rPr lang="it-IT" b="0" i="1" smtClean="0">
+                            <a:solidFill>
+                              <a:schemeClr val="bg1"/>
+                            </a:solidFill>
+                            <a:latin typeface="Cambria Math" panose="02040503050406030204" pitchFamily="18" charset="0"/>
+                            <a:ea typeface="Cambria Math" panose="02040503050406030204" pitchFamily="18" charset="0"/>
+                          </a:rPr>
+                          <m:t>𝛿</m:t>
+                        </m:r>
+                      </m:sup>
+                    </m:sSup>
+                  </m:oMath>
+                </a14:m>
+                <a:endParaRPr lang="it-IT" dirty="0">
+                  <a:solidFill>
+                    <a:schemeClr val="bg1"/>
+                  </a:solidFill>
+                  <a:latin typeface="Cambria Math" panose="02040503050406030204" pitchFamily="18" charset="0"/>
+                  <a:ea typeface="Cambria Math" panose="02040503050406030204" pitchFamily="18" charset="0"/>
+                </a:endParaRPr>
+              </a:p>
+            </p:txBody>
+          </p:sp>
+        </mc:Choice>
+        <mc:Fallback>
+          <p:sp>
+            <p:nvSpPr>
+              <p:cNvPr id="30" name="CasellaDiTesto 29">
+                <a:extLst>
+                  <a:ext uri="{FF2B5EF4-FFF2-40B4-BE49-F238E27FC236}">
+                    <a16:creationId xmlns:a16="http://schemas.microsoft.com/office/drawing/2014/main" id="{DA272EEE-0C83-42EA-8014-02D694F6A3C9}"/>
+                  </a:ext>
+                </a:extLst>
+              </p:cNvPr>
+              <p:cNvSpPr txBox="1">
+                <a:spLocks noRot="1" noChangeAspect="1" noMove="1" noResize="1" noEditPoints="1" noAdjustHandles="1" noChangeArrowheads="1" noChangeShapeType="1" noTextEdit="1"/>
+              </p:cNvSpPr>
+              <p:nvPr/>
+            </p:nvSpPr>
+            <p:spPr>
+              <a:xfrm>
+                <a:off x="1955619" y="2834962"/>
+                <a:ext cx="6590054" cy="486030"/>
+              </a:xfrm>
+              <a:prstGeom prst="rect">
+                <a:avLst/>
+              </a:prstGeom>
+              <a:blipFill>
+                <a:blip r:embed="rId6"/>
+                <a:stretch>
+                  <a:fillRect b="-2500"/>
+                </a:stretch>
+              </a:blipFill>
+            </p:spPr>
+            <p:txBody>
+              <a:bodyPr/>
+              <a:lstStyle/>
+              <a:p>
+                <a:r>
+                  <a:rPr lang="it-IT">
+                    <a:noFill/>
+                  </a:rPr>
+                  <a:t> </a:t>
+                </a:r>
+              </a:p>
+            </p:txBody>
+          </p:sp>
+        </mc:Fallback>
+      </mc:AlternateContent>
+      <mc:AlternateContent xmlns:mc="http://schemas.openxmlformats.org/markup-compatibility/2006">
+        <mc:Choice xmlns:a14="http://schemas.microsoft.com/office/drawing/2010/main" Requires="a14">
+          <p:sp>
+            <p:nvSpPr>
+              <p:cNvPr id="31" name="CasellaDiTesto 30">
+                <a:extLst>
+                  <a:ext uri="{FF2B5EF4-FFF2-40B4-BE49-F238E27FC236}">
+                    <a16:creationId xmlns:a16="http://schemas.microsoft.com/office/drawing/2014/main" id="{8E15A8B2-1F8C-48D0-B0D0-FC8FC89D5277}"/>
+                  </a:ext>
+                </a:extLst>
+              </p:cNvPr>
+              <p:cNvSpPr txBox="1"/>
+              <p:nvPr/>
+            </p:nvSpPr>
+            <p:spPr>
+              <a:xfrm>
+                <a:off x="571443" y="3409623"/>
+                <a:ext cx="6496622" cy="597728"/>
+              </a:xfrm>
+              <a:prstGeom prst="rect">
+                <a:avLst/>
+              </a:prstGeom>
+              <a:noFill/>
+            </p:spPr>
+            <p:txBody>
+              <a:bodyPr wrap="square" lIns="0" tIns="0" rIns="0" bIns="0" rtlCol="0">
+                <a:spAutoFit/>
+              </a:bodyPr>
+              <a:lstStyle/>
+              <a:p>
+                <a14:m>
+                  <m:oMathPara xmlns:m="http://schemas.openxmlformats.org/officeDocument/2006/math">
+                    <m:oMathParaPr>
+                      <m:jc m:val="centerGroup"/>
+                    </m:oMathParaPr>
+                    <m:oMath xmlns:m="http://schemas.openxmlformats.org/officeDocument/2006/math">
+                      <m:sSub>
+                        <m:sSubPr>
+                          <m:ctrlPr>
+                            <a:rPr lang="it-IT" i="1" smtClean="0">
+                              <a:solidFill>
+                                <a:schemeClr val="bg1"/>
+                              </a:solidFill>
+                              <a:latin typeface="Cambria Math" panose="02040503050406030204" pitchFamily="18" charset="0"/>
+                              <a:ea typeface="Cambria Math" panose="02040503050406030204" pitchFamily="18" charset="0"/>
+                            </a:rPr>
+                          </m:ctrlPr>
+                        </m:sSubPr>
+                        <m:e>
+                          <m:r>
+                            <a:rPr lang="it-IT" b="0" i="1" smtClean="0">
+                              <a:solidFill>
+                                <a:schemeClr val="bg1"/>
+                              </a:solidFill>
+                              <a:latin typeface="Cambria Math" panose="02040503050406030204" pitchFamily="18" charset="0"/>
+                              <a:ea typeface="Cambria Math" panose="02040503050406030204" pitchFamily="18" charset="0"/>
+                            </a:rPr>
+                            <m:t>𝑝</m:t>
+                          </m:r>
+                        </m:e>
+                        <m:sub>
+                          <m:r>
+                            <a:rPr lang="it-IT" b="0" i="1" smtClean="0">
+                              <a:solidFill>
+                                <a:schemeClr val="bg1"/>
+                              </a:solidFill>
+                              <a:latin typeface="Cambria Math" panose="02040503050406030204" pitchFamily="18" charset="0"/>
+                              <a:ea typeface="Cambria Math" panose="02040503050406030204" pitchFamily="18" charset="0"/>
+                            </a:rPr>
+                            <m:t>2→0</m:t>
+                          </m:r>
+                        </m:sub>
+                      </m:sSub>
+                      <m:d>
+                        <m:dPr>
+                          <m:ctrlPr>
+                            <a:rPr lang="it-IT" b="0" i="1" smtClean="0">
+                              <a:solidFill>
+                                <a:schemeClr val="bg1"/>
+                              </a:solidFill>
+                              <a:latin typeface="Cambria Math" panose="02040503050406030204" pitchFamily="18" charset="0"/>
+                              <a:ea typeface="Cambria Math" panose="02040503050406030204" pitchFamily="18" charset="0"/>
+                            </a:rPr>
+                          </m:ctrlPr>
+                        </m:dPr>
+                        <m:e>
+                          <m:r>
+                            <a:rPr lang="it-IT" b="0" i="1" smtClean="0">
+                              <a:solidFill>
+                                <a:schemeClr val="bg1"/>
+                              </a:solidFill>
+                              <a:latin typeface="Cambria Math" panose="02040503050406030204" pitchFamily="18" charset="0"/>
+                              <a:ea typeface="Cambria Math" panose="02040503050406030204" pitchFamily="18" charset="0"/>
+                            </a:rPr>
+                            <m:t>𝑖</m:t>
+                          </m:r>
+                          <m:r>
+                            <a:rPr lang="it-IT" b="0" i="1" smtClean="0">
+                              <a:solidFill>
+                                <a:schemeClr val="bg1"/>
+                              </a:solidFill>
+                              <a:latin typeface="Cambria Math" panose="02040503050406030204" pitchFamily="18" charset="0"/>
+                              <a:ea typeface="Cambria Math" panose="02040503050406030204" pitchFamily="18" charset="0"/>
+                            </a:rPr>
+                            <m:t>,</m:t>
+                          </m:r>
+                          <m:r>
+                            <a:rPr lang="it-IT" b="0" i="1" smtClean="0">
+                              <a:solidFill>
+                                <a:schemeClr val="bg1"/>
+                              </a:solidFill>
+                              <a:latin typeface="Cambria Math" panose="02040503050406030204" pitchFamily="18" charset="0"/>
+                              <a:ea typeface="Cambria Math" panose="02040503050406030204" pitchFamily="18" charset="0"/>
+                            </a:rPr>
+                            <m:t>𝑡</m:t>
+                          </m:r>
+                        </m:e>
+                      </m:d>
+                      <m:r>
+                        <a:rPr lang="it-IT" b="0" i="1" smtClean="0">
+                          <a:solidFill>
+                            <a:schemeClr val="bg1"/>
+                          </a:solidFill>
+                          <a:latin typeface="Cambria Math" panose="02040503050406030204" pitchFamily="18" charset="0"/>
+                          <a:ea typeface="Cambria Math" panose="02040503050406030204" pitchFamily="18" charset="0"/>
+                        </a:rPr>
+                        <m:t>=</m:t>
+                      </m:r>
+                      <m:f>
+                        <m:fPr>
+                          <m:ctrlPr>
+                            <a:rPr lang="it-IT" b="0" i="1" smtClean="0">
+                              <a:solidFill>
+                                <a:schemeClr val="bg1"/>
+                              </a:solidFill>
+                              <a:latin typeface="Cambria Math" panose="02040503050406030204" pitchFamily="18" charset="0"/>
+                              <a:ea typeface="Cambria Math" panose="02040503050406030204" pitchFamily="18" charset="0"/>
+                            </a:rPr>
+                          </m:ctrlPr>
+                        </m:fPr>
+                        <m:num>
+                          <m:r>
+                            <a:rPr lang="it-IT" b="0" i="1" smtClean="0">
+                              <a:solidFill>
+                                <a:schemeClr val="bg1"/>
+                              </a:solidFill>
+                              <a:latin typeface="Cambria Math" panose="02040503050406030204" pitchFamily="18" charset="0"/>
+                              <a:ea typeface="Cambria Math" panose="02040503050406030204" pitchFamily="18" charset="0"/>
+                            </a:rPr>
+                            <m:t>1</m:t>
+                          </m:r>
+                        </m:num>
+                        <m:den>
+                          <m:sSub>
+                            <m:sSubPr>
+                              <m:ctrlPr>
+                                <a:rPr lang="it-IT" b="0" i="1" smtClean="0">
+                                  <a:solidFill>
+                                    <a:schemeClr val="bg1"/>
+                                  </a:solidFill>
+                                  <a:latin typeface="Cambria Math" panose="02040503050406030204" pitchFamily="18" charset="0"/>
+                                  <a:ea typeface="Cambria Math" panose="02040503050406030204" pitchFamily="18" charset="0"/>
+                                </a:rPr>
+                              </m:ctrlPr>
+                            </m:sSubPr>
+                            <m:e>
+                              <m:r>
+                                <a:rPr lang="it-IT" b="0" i="1" smtClean="0">
+                                  <a:solidFill>
+                                    <a:schemeClr val="bg1"/>
+                                  </a:solidFill>
+                                  <a:latin typeface="Cambria Math" panose="02040503050406030204" pitchFamily="18" charset="0"/>
+                                  <a:ea typeface="Cambria Math" panose="02040503050406030204" pitchFamily="18" charset="0"/>
+                                </a:rPr>
+                                <m:t>𝜏</m:t>
+                              </m:r>
+                            </m:e>
+                            <m:sub>
+                              <m:r>
+                                <a:rPr lang="it-IT" b="0" i="1" smtClean="0">
+                                  <a:solidFill>
+                                    <a:schemeClr val="bg1"/>
+                                  </a:solidFill>
+                                  <a:latin typeface="Cambria Math" panose="02040503050406030204" pitchFamily="18" charset="0"/>
+                                  <a:ea typeface="Cambria Math" panose="02040503050406030204" pitchFamily="18" charset="0"/>
+                                </a:rPr>
+                                <m:t>2→0</m:t>
+                              </m:r>
+                            </m:sub>
+                          </m:sSub>
+                        </m:den>
+                      </m:f>
+                      <m:sSup>
+                        <m:sSupPr>
+                          <m:ctrlPr>
+                            <a:rPr lang="it-IT" b="0" i="1" smtClean="0">
+                              <a:solidFill>
+                                <a:schemeClr val="bg1"/>
+                              </a:solidFill>
+                              <a:latin typeface="Cambria Math" panose="02040503050406030204" pitchFamily="18" charset="0"/>
+                              <a:ea typeface="Cambria Math" panose="02040503050406030204" pitchFamily="18" charset="0"/>
+                            </a:rPr>
+                          </m:ctrlPr>
+                        </m:sSupPr>
+                        <m:e>
+                          <m:r>
+                            <m:rPr>
+                              <m:nor/>
+                            </m:rPr>
+                            <a:rPr lang="it-IT" dirty="0">
+                              <a:solidFill>
+                                <a:schemeClr val="bg1"/>
+                              </a:solidFill>
+                              <a:latin typeface="Cambria Math" panose="02040503050406030204" pitchFamily="18" charset="0"/>
+                              <a:ea typeface="Cambria Math" panose="02040503050406030204" pitchFamily="18" charset="0"/>
+                            </a:rPr>
+                            <m:t>[</m:t>
+                          </m:r>
+                          <m:f>
+                            <m:fPr>
+                              <m:ctrlPr>
+                                <a:rPr lang="it-IT" i="1">
+                                  <a:solidFill>
+                                    <a:schemeClr val="bg1"/>
+                                  </a:solidFill>
+                                  <a:latin typeface="Cambria Math" panose="02040503050406030204" pitchFamily="18" charset="0"/>
+                                  <a:ea typeface="Cambria Math" panose="02040503050406030204" pitchFamily="18" charset="0"/>
+                                </a:rPr>
+                              </m:ctrlPr>
+                            </m:fPr>
+                            <m:num>
+                              <m:sSub>
+                                <m:sSubPr>
+                                  <m:ctrlPr>
+                                    <a:rPr lang="it-IT" i="1">
+                                      <a:solidFill>
+                                        <a:schemeClr val="bg1"/>
+                                      </a:solidFill>
+                                      <a:latin typeface="Cambria Math" panose="02040503050406030204" pitchFamily="18" charset="0"/>
+                                      <a:ea typeface="Cambria Math" panose="02040503050406030204" pitchFamily="18" charset="0"/>
+                                    </a:rPr>
+                                  </m:ctrlPr>
+                                </m:sSubPr>
+                                <m:e>
+                                  <m:r>
+                                    <a:rPr lang="it-IT" i="1">
+                                      <a:solidFill>
+                                        <a:schemeClr val="bg1"/>
+                                      </a:solidFill>
+                                      <a:latin typeface="Cambria Math" panose="02040503050406030204" pitchFamily="18" charset="0"/>
+                                      <a:ea typeface="Cambria Math" panose="02040503050406030204" pitchFamily="18" charset="0"/>
+                                    </a:rPr>
+                                    <m:t>𝑑</m:t>
+                                  </m:r>
+                                </m:e>
+                                <m:sub>
+                                  <m:r>
+                                    <a:rPr lang="it-IT" i="1">
+                                      <a:solidFill>
+                                        <a:schemeClr val="bg1"/>
+                                      </a:solidFill>
+                                      <a:latin typeface="Cambria Math" panose="02040503050406030204" pitchFamily="18" charset="0"/>
+                                      <a:ea typeface="Cambria Math" panose="02040503050406030204" pitchFamily="18" charset="0"/>
+                                    </a:rPr>
+                                    <m:t>𝑆</m:t>
+                                  </m:r>
+                                </m:sub>
+                              </m:sSub>
+                            </m:num>
+                            <m:den>
+                              <m:sSubSup>
+                                <m:sSubSupPr>
+                                  <m:ctrlPr>
+                                    <a:rPr lang="it-IT" i="1">
+                                      <a:solidFill>
+                                        <a:schemeClr val="bg1"/>
+                                      </a:solidFill>
+                                      <a:latin typeface="Cambria Math" panose="02040503050406030204" pitchFamily="18" charset="0"/>
+                                      <a:ea typeface="Cambria Math" panose="02040503050406030204" pitchFamily="18" charset="0"/>
+                                    </a:rPr>
+                                  </m:ctrlPr>
+                                </m:sSubSupPr>
+                                <m:e>
+                                  <m:r>
+                                    <a:rPr lang="it-IT" i="1">
+                                      <a:solidFill>
+                                        <a:schemeClr val="bg1"/>
+                                      </a:solidFill>
+                                      <a:latin typeface="Cambria Math" panose="02040503050406030204" pitchFamily="18" charset="0"/>
+                                      <a:ea typeface="Cambria Math" panose="02040503050406030204" pitchFamily="18" charset="0"/>
+                                    </a:rPr>
+                                    <m:t>𝑙</m:t>
+                                  </m:r>
+                                </m:e>
+                                <m:sub>
+                                  <m:r>
+                                    <a:rPr lang="it-IT" i="1">
+                                      <a:solidFill>
+                                        <a:schemeClr val="bg1"/>
+                                      </a:solidFill>
+                                      <a:latin typeface="Cambria Math" panose="02040503050406030204" pitchFamily="18" charset="0"/>
+                                      <a:ea typeface="Cambria Math" panose="02040503050406030204" pitchFamily="18" charset="0"/>
+                                    </a:rPr>
+                                    <m:t>𝑖</m:t>
+                                  </m:r>
+                                </m:sub>
+                                <m:sup>
+                                  <m:r>
+                                    <a:rPr lang="it-IT" i="1">
+                                      <a:solidFill>
+                                        <a:schemeClr val="bg1"/>
+                                      </a:solidFill>
+                                      <a:latin typeface="Cambria Math" panose="02040503050406030204" pitchFamily="18" charset="0"/>
+                                      <a:ea typeface="Cambria Math" panose="02040503050406030204" pitchFamily="18" charset="0"/>
+                                    </a:rPr>
+                                    <m:t>𝑡</m:t>
+                                  </m:r>
+                                </m:sup>
+                              </m:sSubSup>
+                            </m:den>
+                          </m:f>
+                          <m:r>
+                            <a:rPr lang="it-IT">
+                              <a:solidFill>
+                                <a:schemeClr val="bg1"/>
+                              </a:solidFill>
+                              <a:latin typeface="Cambria Math" panose="02040503050406030204" pitchFamily="18" charset="0"/>
+                              <a:ea typeface="Cambria Math" panose="02040503050406030204" pitchFamily="18" charset="0"/>
+                            </a:rPr>
+                            <m:t>(</m:t>
+                          </m:r>
+                          <m:r>
+                            <a:rPr lang="it-IT" i="1">
+                              <a:solidFill>
+                                <a:schemeClr val="bg1"/>
+                              </a:solidFill>
+                              <a:latin typeface="Cambria Math" panose="02040503050406030204" pitchFamily="18" charset="0"/>
+                              <a:ea typeface="Cambria Math" panose="02040503050406030204" pitchFamily="18" charset="0"/>
+                            </a:rPr>
+                            <m:t>1+</m:t>
+                          </m:r>
+                          <m:r>
+                            <a:rPr lang="it-IT" i="1">
+                              <a:solidFill>
+                                <a:schemeClr val="bg1"/>
+                              </a:solidFill>
+                              <a:latin typeface="Cambria Math" panose="02040503050406030204" pitchFamily="18" charset="0"/>
+                              <a:ea typeface="Cambria Math" panose="02040503050406030204" pitchFamily="18" charset="0"/>
+                            </a:rPr>
+                            <m:t>𝛼</m:t>
+                          </m:r>
+                          <m:r>
+                            <a:rPr lang="it-IT" i="1">
+                              <a:solidFill>
+                                <a:schemeClr val="bg1"/>
+                              </a:solidFill>
+                              <a:latin typeface="Cambria Math" panose="02040503050406030204" pitchFamily="18" charset="0"/>
+                              <a:ea typeface="Cambria Math" panose="02040503050406030204" pitchFamily="18" charset="0"/>
+                            </a:rPr>
+                            <m:t> </m:t>
+                          </m:r>
+                          <m:sSubSup>
+                            <m:sSubSupPr>
+                              <m:ctrlPr>
+                                <a:rPr lang="it-IT" i="1">
+                                  <a:solidFill>
+                                    <a:schemeClr val="bg1"/>
+                                  </a:solidFill>
+                                  <a:latin typeface="Cambria Math" panose="02040503050406030204" pitchFamily="18" charset="0"/>
+                                  <a:ea typeface="Cambria Math" panose="02040503050406030204" pitchFamily="18" charset="0"/>
+                                </a:rPr>
+                              </m:ctrlPr>
+                            </m:sSubSupPr>
+                            <m:e>
+                              <m:r>
+                                <a:rPr lang="it-IT" b="0" i="1" smtClean="0">
+                                  <a:solidFill>
+                                    <a:schemeClr val="bg1"/>
+                                  </a:solidFill>
+                                  <a:latin typeface="Cambria Math" panose="02040503050406030204" pitchFamily="18" charset="0"/>
+                                  <a:ea typeface="Cambria Math" panose="02040503050406030204" pitchFamily="18" charset="0"/>
+                                </a:rPr>
+                                <m:t>𝑛</m:t>
+                              </m:r>
+                            </m:e>
+                            <m:sub>
+                              <m:r>
+                                <a:rPr lang="it-IT" b="0" i="1" smtClean="0">
+                                  <a:solidFill>
+                                    <a:schemeClr val="bg1"/>
+                                  </a:solidFill>
+                                  <a:latin typeface="Cambria Math" panose="02040503050406030204" pitchFamily="18" charset="0"/>
+                                  <a:ea typeface="Cambria Math" panose="02040503050406030204" pitchFamily="18" charset="0"/>
+                                </a:rPr>
+                                <m:t>0</m:t>
+                              </m:r>
+                            </m:sub>
+                            <m:sup>
+                              <m:r>
+                                <a:rPr lang="it-IT" i="1">
+                                  <a:solidFill>
+                                    <a:schemeClr val="bg1"/>
+                                  </a:solidFill>
+                                  <a:latin typeface="Cambria Math" panose="02040503050406030204" pitchFamily="18" charset="0"/>
+                                  <a:ea typeface="Cambria Math" panose="02040503050406030204" pitchFamily="18" charset="0"/>
+                                </a:rPr>
+                                <m:t>𝑡</m:t>
+                              </m:r>
+                            </m:sup>
+                          </m:sSubSup>
+                          <m:d>
+                            <m:dPr>
+                              <m:ctrlPr>
+                                <a:rPr lang="it-IT" i="1">
+                                  <a:solidFill>
+                                    <a:schemeClr val="bg1"/>
+                                  </a:solidFill>
+                                  <a:latin typeface="Cambria Math" panose="02040503050406030204" pitchFamily="18" charset="0"/>
+                                  <a:ea typeface="Cambria Math" panose="02040503050406030204" pitchFamily="18" charset="0"/>
+                                </a:rPr>
+                              </m:ctrlPr>
+                            </m:dPr>
+                            <m:e>
+                              <m:r>
+                                <a:rPr lang="it-IT" i="1">
+                                  <a:solidFill>
+                                    <a:schemeClr val="bg1"/>
+                                  </a:solidFill>
+                                  <a:latin typeface="Cambria Math" panose="02040503050406030204" pitchFamily="18" charset="0"/>
+                                  <a:ea typeface="Cambria Math" panose="02040503050406030204" pitchFamily="18" charset="0"/>
+                                </a:rPr>
+                                <m:t>𝑖</m:t>
+                              </m:r>
+                            </m:e>
+                          </m:d>
+                          <m:r>
+                            <a:rPr lang="it-IT" i="1">
+                              <a:solidFill>
+                                <a:schemeClr val="bg1"/>
+                              </a:solidFill>
+                              <a:latin typeface="Cambria Math" panose="02040503050406030204" pitchFamily="18" charset="0"/>
+                              <a:ea typeface="Cambria Math" panose="02040503050406030204" pitchFamily="18" charset="0"/>
+                            </a:rPr>
+                            <m:t>)]</m:t>
+                          </m:r>
+                        </m:e>
+                        <m:sup>
+                          <m:r>
+                            <a:rPr lang="it-IT" b="0" i="1" smtClean="0">
+                              <a:solidFill>
+                                <a:schemeClr val="bg1"/>
+                              </a:solidFill>
+                              <a:latin typeface="Cambria Math" panose="02040503050406030204" pitchFamily="18" charset="0"/>
+                              <a:ea typeface="Cambria Math" panose="02040503050406030204" pitchFamily="18" charset="0"/>
+                            </a:rPr>
+                            <m:t>𝛿</m:t>
+                          </m:r>
+                        </m:sup>
+                      </m:sSup>
+                    </m:oMath>
+                  </m:oMathPara>
+                </a14:m>
+                <a:endParaRPr lang="it-IT" dirty="0">
+                  <a:solidFill>
+                    <a:schemeClr val="bg1"/>
+                  </a:solidFill>
+                  <a:latin typeface="Cambria Math" panose="02040503050406030204" pitchFamily="18" charset="0"/>
+                  <a:ea typeface="Cambria Math" panose="02040503050406030204" pitchFamily="18" charset="0"/>
+                </a:endParaRPr>
+              </a:p>
+            </p:txBody>
+          </p:sp>
+        </mc:Choice>
+        <mc:Fallback>
+          <p:sp>
+            <p:nvSpPr>
+              <p:cNvPr id="31" name="CasellaDiTesto 30">
+                <a:extLst>
+                  <a:ext uri="{FF2B5EF4-FFF2-40B4-BE49-F238E27FC236}">
+                    <a16:creationId xmlns:a16="http://schemas.microsoft.com/office/drawing/2014/main" id="{8E15A8B2-1F8C-48D0-B0D0-FC8FC89D5277}"/>
+                  </a:ext>
+                </a:extLst>
+              </p:cNvPr>
+              <p:cNvSpPr txBox="1">
+                <a:spLocks noRot="1" noChangeAspect="1" noMove="1" noResize="1" noEditPoints="1" noAdjustHandles="1" noChangeArrowheads="1" noChangeShapeType="1" noTextEdit="1"/>
+              </p:cNvSpPr>
+              <p:nvPr/>
+            </p:nvSpPr>
+            <p:spPr>
+              <a:xfrm>
+                <a:off x="571443" y="3409623"/>
+                <a:ext cx="6496622" cy="597728"/>
+              </a:xfrm>
+              <a:prstGeom prst="rect">
+                <a:avLst/>
+              </a:prstGeom>
+              <a:blipFill>
+                <a:blip r:embed="rId7"/>
+                <a:stretch>
+                  <a:fillRect/>
+                </a:stretch>
+              </a:blipFill>
+            </p:spPr>
+            <p:txBody>
+              <a:bodyPr/>
+              <a:lstStyle/>
+              <a:p>
+                <a:r>
+                  <a:rPr lang="it-IT">
+                    <a:noFill/>
+                  </a:rPr>
+                  <a:t> </a:t>
+                </a:r>
+              </a:p>
+            </p:txBody>
+          </p:sp>
+        </mc:Fallback>
+      </mc:AlternateContent>
+      <mc:AlternateContent xmlns:mc="http://schemas.openxmlformats.org/markup-compatibility/2006">
+        <mc:Choice xmlns:a14="http://schemas.microsoft.com/office/drawing/2010/main" Requires="a14">
+          <p:sp>
+            <p:nvSpPr>
+              <p:cNvPr id="32" name="CasellaDiTesto 31">
+                <a:extLst>
+                  <a:ext uri="{FF2B5EF4-FFF2-40B4-BE49-F238E27FC236}">
+                    <a16:creationId xmlns:a16="http://schemas.microsoft.com/office/drawing/2014/main" id="{C68EE4C9-B736-4217-85D4-AF450A4234E2}"/>
+                  </a:ext>
+                </a:extLst>
+              </p:cNvPr>
+              <p:cNvSpPr txBox="1"/>
+              <p:nvPr/>
+            </p:nvSpPr>
+            <p:spPr>
+              <a:xfrm>
+                <a:off x="0" y="4281738"/>
+                <a:ext cx="6981568" cy="3187796"/>
+              </a:xfrm>
+              <a:prstGeom prst="rect">
+                <a:avLst/>
+              </a:prstGeom>
+              <a:noFill/>
+            </p:spPr>
+            <p:txBody>
+              <a:bodyPr wrap="square" rtlCol="0">
+                <a:spAutoFit/>
+              </a:bodyPr>
+              <a:lstStyle/>
+              <a:p>
+                <a:pPr marL="285750" indent="-285750">
+                  <a:buFont typeface="Arial" panose="020B0604020202020204" pitchFamily="34" charset="0"/>
+                  <a:buChar char="•"/>
+                </a:pPr>
+                <a14:m>
+                  <m:oMath xmlns:m="http://schemas.openxmlformats.org/officeDocument/2006/math">
+                    <m:sSub>
+                      <m:sSubPr>
+                        <m:ctrlPr>
+                          <a:rPr lang="it-IT" i="1" smtClean="0">
+                            <a:solidFill>
+                              <a:schemeClr val="bg1"/>
+                            </a:solidFill>
+                            <a:latin typeface="Cambria Math" panose="02040503050406030204" pitchFamily="18" charset="0"/>
+                            <a:ea typeface="Cambria Math" panose="02040503050406030204" pitchFamily="18" charset="0"/>
+                          </a:rPr>
+                        </m:ctrlPr>
+                      </m:sSubPr>
+                      <m:e>
+                        <m:r>
+                          <a:rPr lang="it-IT" i="1">
+                            <a:solidFill>
+                              <a:schemeClr val="bg1"/>
+                            </a:solidFill>
+                            <a:latin typeface="Cambria Math" panose="02040503050406030204" pitchFamily="18" charset="0"/>
+                            <a:ea typeface="Cambria Math" panose="02040503050406030204" pitchFamily="18" charset="0"/>
+                          </a:rPr>
+                          <m:t>𝜏</m:t>
+                        </m:r>
+                      </m:e>
+                      <m:sub>
+                        <m:r>
+                          <a:rPr lang="it-IT" b="0" i="1" smtClean="0">
+                            <a:solidFill>
+                              <a:schemeClr val="bg1"/>
+                            </a:solidFill>
+                            <a:latin typeface="Cambria Math" panose="02040503050406030204" pitchFamily="18" charset="0"/>
+                            <a:ea typeface="Cambria Math" panose="02040503050406030204" pitchFamily="18" charset="0"/>
+                          </a:rPr>
+                          <m:t>𝑖</m:t>
+                        </m:r>
+                        <m:r>
+                          <a:rPr lang="it-IT" i="1">
+                            <a:solidFill>
+                              <a:schemeClr val="bg1"/>
+                            </a:solidFill>
+                            <a:latin typeface="Cambria Math" panose="02040503050406030204" pitchFamily="18" charset="0"/>
+                            <a:ea typeface="Cambria Math" panose="02040503050406030204" pitchFamily="18" charset="0"/>
+                          </a:rPr>
+                          <m:t>→</m:t>
+                        </m:r>
+                        <m:r>
+                          <a:rPr lang="it-IT" b="0" i="1" smtClean="0">
+                            <a:solidFill>
+                              <a:schemeClr val="bg1"/>
+                            </a:solidFill>
+                            <a:latin typeface="Cambria Math" panose="02040503050406030204" pitchFamily="18" charset="0"/>
+                            <a:ea typeface="Cambria Math" panose="02040503050406030204" pitchFamily="18" charset="0"/>
+                          </a:rPr>
+                          <m:t>𝑗</m:t>
+                        </m:r>
+                      </m:sub>
+                    </m:sSub>
+                    <m:r>
+                      <a:rPr lang="it-IT" b="0" i="0" smtClean="0">
+                        <a:solidFill>
+                          <a:schemeClr val="bg1"/>
+                        </a:solidFill>
+                        <a:latin typeface="Cambria Math" panose="02040503050406030204" pitchFamily="18" charset="0"/>
+                        <a:ea typeface="Cambria Math" panose="02040503050406030204" pitchFamily="18" charset="0"/>
+                      </a:rPr>
+                      <m:t>=</m:t>
+                    </m:r>
+                    <m:r>
+                      <m:rPr>
+                        <m:sty m:val="p"/>
+                      </m:rPr>
+                      <a:rPr lang="it-IT" b="0" i="0" smtClean="0">
+                        <a:solidFill>
+                          <a:schemeClr val="bg1"/>
+                        </a:solidFill>
+                        <a:latin typeface="Cambria Math" panose="02040503050406030204" pitchFamily="18" charset="0"/>
+                        <a:ea typeface="Cambria Math" panose="02040503050406030204" pitchFamily="18" charset="0"/>
+                      </a:rPr>
+                      <m:t>spontaneous</m:t>
+                    </m:r>
+                    <m:r>
+                      <a:rPr lang="it-IT" b="0" i="0" smtClean="0">
+                        <a:solidFill>
+                          <a:schemeClr val="bg1"/>
+                        </a:solidFill>
+                        <a:latin typeface="Cambria Math" panose="02040503050406030204" pitchFamily="18" charset="0"/>
+                        <a:ea typeface="Cambria Math" panose="02040503050406030204" pitchFamily="18" charset="0"/>
+                      </a:rPr>
+                      <m:t> </m:t>
+                    </m:r>
+                    <m:r>
+                      <m:rPr>
+                        <m:sty m:val="p"/>
+                      </m:rPr>
+                      <a:rPr lang="it-IT" b="0" i="0" smtClean="0">
+                        <a:solidFill>
+                          <a:schemeClr val="bg1"/>
+                        </a:solidFill>
+                        <a:latin typeface="Cambria Math" panose="02040503050406030204" pitchFamily="18" charset="0"/>
+                        <a:ea typeface="Cambria Math" panose="02040503050406030204" pitchFamily="18" charset="0"/>
+                      </a:rPr>
+                      <m:t>transition</m:t>
+                    </m:r>
+                    <m:r>
+                      <a:rPr lang="it-IT" b="0" i="0" smtClean="0">
+                        <a:solidFill>
+                          <a:schemeClr val="bg1"/>
+                        </a:solidFill>
+                        <a:latin typeface="Cambria Math" panose="02040503050406030204" pitchFamily="18" charset="0"/>
+                        <a:ea typeface="Cambria Math" panose="02040503050406030204" pitchFamily="18" charset="0"/>
+                      </a:rPr>
+                      <m:t> </m:t>
+                    </m:r>
+                    <m:r>
+                      <m:rPr>
+                        <m:sty m:val="p"/>
+                      </m:rPr>
+                      <a:rPr lang="it-IT" b="0" i="0" smtClean="0">
+                        <a:solidFill>
+                          <a:schemeClr val="bg1"/>
+                        </a:solidFill>
+                        <a:latin typeface="Cambria Math" panose="02040503050406030204" pitchFamily="18" charset="0"/>
+                        <a:ea typeface="Cambria Math" panose="02040503050406030204" pitchFamily="18" charset="0"/>
+                      </a:rPr>
+                      <m:t>time</m:t>
+                    </m:r>
+                    <m:r>
+                      <a:rPr lang="it-IT" b="0" i="0" smtClean="0">
+                        <a:solidFill>
+                          <a:schemeClr val="bg1"/>
+                        </a:solidFill>
+                        <a:latin typeface="Cambria Math" panose="02040503050406030204" pitchFamily="18" charset="0"/>
+                        <a:ea typeface="Cambria Math" panose="02040503050406030204" pitchFamily="18" charset="0"/>
+                      </a:rPr>
+                      <m:t> </m:t>
+                    </m:r>
+                    <m:r>
+                      <m:rPr>
+                        <m:sty m:val="p"/>
+                      </m:rPr>
+                      <a:rPr lang="it-IT" b="0" i="0" smtClean="0">
+                        <a:solidFill>
+                          <a:schemeClr val="bg1"/>
+                        </a:solidFill>
+                        <a:latin typeface="Cambria Math" panose="02040503050406030204" pitchFamily="18" charset="0"/>
+                        <a:ea typeface="Cambria Math" panose="02040503050406030204" pitchFamily="18" charset="0"/>
+                      </a:rPr>
+                      <m:t>from</m:t>
+                    </m:r>
+                    <m:r>
+                      <a:rPr lang="it-IT" b="0" i="0" smtClean="0">
+                        <a:solidFill>
+                          <a:schemeClr val="bg1"/>
+                        </a:solidFill>
+                        <a:latin typeface="Cambria Math" panose="02040503050406030204" pitchFamily="18" charset="0"/>
+                        <a:ea typeface="Cambria Math" panose="02040503050406030204" pitchFamily="18" charset="0"/>
+                      </a:rPr>
+                      <m:t> </m:t>
+                    </m:r>
+                    <m:r>
+                      <m:rPr>
+                        <m:sty m:val="p"/>
+                      </m:rPr>
+                      <a:rPr lang="it-IT" b="0" i="0" smtClean="0">
+                        <a:solidFill>
+                          <a:schemeClr val="bg1"/>
+                        </a:solidFill>
+                        <a:latin typeface="Cambria Math" panose="02040503050406030204" pitchFamily="18" charset="0"/>
+                        <a:ea typeface="Cambria Math" panose="02040503050406030204" pitchFamily="18" charset="0"/>
+                      </a:rPr>
+                      <m:t>state</m:t>
+                    </m:r>
+                    <m:r>
+                      <a:rPr lang="it-IT" b="0" i="0" smtClean="0">
+                        <a:solidFill>
+                          <a:schemeClr val="bg1"/>
+                        </a:solidFill>
+                        <a:latin typeface="Cambria Math" panose="02040503050406030204" pitchFamily="18" charset="0"/>
+                        <a:ea typeface="Cambria Math" panose="02040503050406030204" pitchFamily="18" charset="0"/>
+                      </a:rPr>
+                      <m:t> </m:t>
+                    </m:r>
+                    <m:r>
+                      <m:rPr>
+                        <m:sty m:val="p"/>
+                      </m:rPr>
+                      <a:rPr lang="it-IT" b="0" i="0" smtClean="0">
+                        <a:solidFill>
+                          <a:schemeClr val="bg1"/>
+                        </a:solidFill>
+                        <a:latin typeface="Cambria Math" panose="02040503050406030204" pitchFamily="18" charset="0"/>
+                        <a:ea typeface="Cambria Math" panose="02040503050406030204" pitchFamily="18" charset="0"/>
+                      </a:rPr>
+                      <m:t>i</m:t>
+                    </m:r>
+                    <m:r>
+                      <a:rPr lang="it-IT" b="0" i="0" smtClean="0">
+                        <a:solidFill>
+                          <a:schemeClr val="bg1"/>
+                        </a:solidFill>
+                        <a:latin typeface="Cambria Math" panose="02040503050406030204" pitchFamily="18" charset="0"/>
+                        <a:ea typeface="Cambria Math" panose="02040503050406030204" pitchFamily="18" charset="0"/>
+                      </a:rPr>
+                      <m:t> </m:t>
+                    </m:r>
+                    <m:r>
+                      <m:rPr>
+                        <m:sty m:val="p"/>
+                      </m:rPr>
+                      <a:rPr lang="it-IT" b="0" i="0" smtClean="0">
+                        <a:solidFill>
+                          <a:schemeClr val="bg1"/>
+                        </a:solidFill>
+                        <a:latin typeface="Cambria Math" panose="02040503050406030204" pitchFamily="18" charset="0"/>
+                        <a:ea typeface="Cambria Math" panose="02040503050406030204" pitchFamily="18" charset="0"/>
+                      </a:rPr>
+                      <m:t>to</m:t>
+                    </m:r>
+                    <m:r>
+                      <a:rPr lang="it-IT" b="0" i="0" smtClean="0">
+                        <a:solidFill>
+                          <a:schemeClr val="bg1"/>
+                        </a:solidFill>
+                        <a:latin typeface="Cambria Math" panose="02040503050406030204" pitchFamily="18" charset="0"/>
+                        <a:ea typeface="Cambria Math" panose="02040503050406030204" pitchFamily="18" charset="0"/>
+                      </a:rPr>
+                      <m:t> </m:t>
+                    </m:r>
+                    <m:r>
+                      <m:rPr>
+                        <m:sty m:val="p"/>
+                      </m:rPr>
+                      <a:rPr lang="it-IT" b="0" i="0" smtClean="0">
+                        <a:solidFill>
+                          <a:schemeClr val="bg1"/>
+                        </a:solidFill>
+                        <a:latin typeface="Cambria Math" panose="02040503050406030204" pitchFamily="18" charset="0"/>
+                        <a:ea typeface="Cambria Math" panose="02040503050406030204" pitchFamily="18" charset="0"/>
+                      </a:rPr>
+                      <m:t>state</m:t>
+                    </m:r>
+                    <m:r>
+                      <a:rPr lang="it-IT" b="0" i="0" smtClean="0">
+                        <a:solidFill>
+                          <a:schemeClr val="bg1"/>
+                        </a:solidFill>
+                        <a:latin typeface="Cambria Math" panose="02040503050406030204" pitchFamily="18" charset="0"/>
+                        <a:ea typeface="Cambria Math" panose="02040503050406030204" pitchFamily="18" charset="0"/>
+                      </a:rPr>
+                      <m:t> </m:t>
+                    </m:r>
+                    <m:r>
+                      <m:rPr>
+                        <m:sty m:val="p"/>
+                      </m:rPr>
+                      <a:rPr lang="it-IT" b="0" i="0" smtClean="0">
+                        <a:solidFill>
+                          <a:schemeClr val="bg1"/>
+                        </a:solidFill>
+                        <a:latin typeface="Cambria Math" panose="02040503050406030204" pitchFamily="18" charset="0"/>
+                        <a:ea typeface="Cambria Math" panose="02040503050406030204" pitchFamily="18" charset="0"/>
+                      </a:rPr>
+                      <m:t>j</m:t>
+                    </m:r>
+                  </m:oMath>
+                </a14:m>
+                <a:endParaRPr lang="it-IT" b="0" dirty="0">
+                  <a:solidFill>
+                    <a:schemeClr val="bg1"/>
+                  </a:solidFill>
+                  <a:latin typeface="Cambria Math" panose="02040503050406030204" pitchFamily="18" charset="0"/>
+                  <a:ea typeface="Cambria Math" panose="02040503050406030204" pitchFamily="18" charset="0"/>
+                  <a:cs typeface="Arial" panose="020B0604020202020204" pitchFamily="34" charset="0"/>
+                </a:endParaRPr>
+              </a:p>
+              <a:p>
+                <a:pPr marL="285750" indent="-285750">
+                  <a:buFont typeface="Arial" panose="020B0604020202020204" pitchFamily="34" charset="0"/>
+                  <a:buChar char="•"/>
+                </a:pPr>
+                <a14:m>
+                  <m:oMath xmlns:m="http://schemas.openxmlformats.org/officeDocument/2006/math">
+                    <m:r>
+                      <a:rPr lang="it-IT" i="1">
+                        <a:solidFill>
+                          <a:schemeClr val="bg1"/>
+                        </a:solidFill>
+                        <a:latin typeface="Cambria Math" panose="02040503050406030204" pitchFamily="18" charset="0"/>
+                        <a:ea typeface="Cambria Math" panose="02040503050406030204" pitchFamily="18" charset="0"/>
+                      </a:rPr>
+                      <m:t>𝛼</m:t>
+                    </m:r>
+                  </m:oMath>
+                </a14:m>
+                <a:r>
+                  <a:rPr lang="en-US" dirty="0">
+                    <a:solidFill>
+                      <a:schemeClr val="bg1"/>
+                    </a:solidFill>
+                    <a:latin typeface="Cambria Math" panose="02040503050406030204" pitchFamily="18" charset="0"/>
+                    <a:ea typeface="Cambria Math" panose="02040503050406030204" pitchFamily="18" charset="0"/>
+                    <a:cs typeface="Arial" panose="020B0604020202020204" pitchFamily="34" charset="0"/>
+                  </a:rPr>
+                  <a:t> and </a:t>
+                </a:r>
+                <a14:m>
+                  <m:oMath xmlns:m="http://schemas.openxmlformats.org/officeDocument/2006/math">
+                    <m:r>
+                      <a:rPr lang="it-IT" i="1">
+                        <a:solidFill>
+                          <a:schemeClr val="bg1"/>
+                        </a:solidFill>
+                        <a:latin typeface="Cambria Math" panose="02040503050406030204" pitchFamily="18" charset="0"/>
+                        <a:ea typeface="Cambria Math" panose="02040503050406030204" pitchFamily="18" charset="0"/>
+                      </a:rPr>
+                      <m:t>𝛿</m:t>
+                    </m:r>
+                  </m:oMath>
+                </a14:m>
+                <a:r>
+                  <a:rPr lang="en-US" dirty="0">
+                    <a:solidFill>
+                      <a:schemeClr val="bg1"/>
+                    </a:solidFill>
+                    <a:latin typeface="Cambria Math" panose="02040503050406030204" pitchFamily="18" charset="0"/>
+                    <a:ea typeface="Cambria Math" panose="02040503050406030204" pitchFamily="18" charset="0"/>
+                    <a:cs typeface="Arial" panose="020B0604020202020204" pitchFamily="34" charset="0"/>
+                  </a:rPr>
+                  <a:t> = </a:t>
+                </a:r>
+                <a:r>
+                  <a:rPr lang="en-US" dirty="0" err="1">
+                    <a:solidFill>
+                      <a:schemeClr val="bg1"/>
+                    </a:solidFill>
+                    <a:latin typeface="Cambria Math" panose="02040503050406030204" pitchFamily="18" charset="0"/>
+                    <a:ea typeface="Cambria Math" panose="02040503050406030204" pitchFamily="18" charset="0"/>
+                    <a:cs typeface="Arial" panose="020B0604020202020204" pitchFamily="34" charset="0"/>
+                  </a:rPr>
+                  <a:t>allelomimetic</a:t>
+                </a:r>
+                <a:r>
+                  <a:rPr lang="en-US" dirty="0">
+                    <a:solidFill>
+                      <a:schemeClr val="bg1"/>
+                    </a:solidFill>
+                    <a:latin typeface="Cambria Math" panose="02040503050406030204" pitchFamily="18" charset="0"/>
+                    <a:ea typeface="Cambria Math" panose="02040503050406030204" pitchFamily="18" charset="0"/>
+                    <a:cs typeface="Arial" panose="020B0604020202020204" pitchFamily="34" charset="0"/>
+                  </a:rPr>
+                  <a:t> parameters</a:t>
+                </a:r>
+              </a:p>
+              <a:p>
+                <a:pPr marL="285750" indent="-285750">
+                  <a:buFont typeface="Arial" panose="020B0604020202020204" pitchFamily="34" charset="0"/>
+                  <a:buChar char="•"/>
+                </a:pPr>
+                <a14:m>
+                  <m:oMath xmlns:m="http://schemas.openxmlformats.org/officeDocument/2006/math">
+                    <m:sSubSup>
+                      <m:sSubSupPr>
+                        <m:ctrlPr>
+                          <a:rPr lang="it-IT" i="1">
+                            <a:solidFill>
+                              <a:schemeClr val="bg1"/>
+                            </a:solidFill>
+                            <a:latin typeface="Cambria Math" panose="02040503050406030204" pitchFamily="18" charset="0"/>
+                            <a:ea typeface="Cambria Math" panose="02040503050406030204" pitchFamily="18" charset="0"/>
+                          </a:rPr>
+                        </m:ctrlPr>
+                      </m:sSubSupPr>
+                      <m:e>
+                        <m:r>
+                          <a:rPr lang="it-IT" i="1">
+                            <a:solidFill>
+                              <a:schemeClr val="bg1"/>
+                            </a:solidFill>
+                            <a:latin typeface="Cambria Math" panose="02040503050406030204" pitchFamily="18" charset="0"/>
+                            <a:ea typeface="Cambria Math" panose="02040503050406030204" pitchFamily="18" charset="0"/>
+                          </a:rPr>
+                          <m:t>𝑛</m:t>
+                        </m:r>
+                      </m:e>
+                      <m:sub>
+                        <m:r>
+                          <a:rPr lang="it-IT" b="0" i="1" smtClean="0">
+                            <a:solidFill>
+                              <a:schemeClr val="bg1"/>
+                            </a:solidFill>
+                            <a:latin typeface="Cambria Math" panose="02040503050406030204" pitchFamily="18" charset="0"/>
+                            <a:ea typeface="Cambria Math" panose="02040503050406030204" pitchFamily="18" charset="0"/>
+                          </a:rPr>
+                          <m:t>𝑖</m:t>
+                        </m:r>
+                      </m:sub>
+                      <m:sup>
+                        <m:r>
+                          <a:rPr lang="it-IT" i="1">
+                            <a:solidFill>
+                              <a:schemeClr val="bg1"/>
+                            </a:solidFill>
+                            <a:latin typeface="Cambria Math" panose="02040503050406030204" pitchFamily="18" charset="0"/>
+                            <a:ea typeface="Cambria Math" panose="02040503050406030204" pitchFamily="18" charset="0"/>
+                          </a:rPr>
+                          <m:t>𝑡</m:t>
+                        </m:r>
+                      </m:sup>
+                    </m:sSubSup>
+                  </m:oMath>
+                </a14:m>
+                <a:r>
+                  <a:rPr lang="en-US" dirty="0">
+                    <a:solidFill>
+                      <a:schemeClr val="bg1"/>
+                    </a:solidFill>
+                    <a:latin typeface="Cambria Math" panose="02040503050406030204" pitchFamily="18" charset="0"/>
+                    <a:ea typeface="Cambria Math" panose="02040503050406030204" pitchFamily="18" charset="0"/>
+                    <a:cs typeface="Arial" panose="020B0604020202020204" pitchFamily="34" charset="0"/>
+                  </a:rPr>
+                  <a:t> = number of metric </a:t>
+                </a:r>
+                <a:r>
+                  <a:rPr lang="en-US" dirty="0" err="1">
+                    <a:solidFill>
+                      <a:schemeClr val="bg1"/>
+                    </a:solidFill>
+                    <a:latin typeface="Cambria Math" panose="02040503050406030204" pitchFamily="18" charset="0"/>
+                    <a:ea typeface="Cambria Math" panose="02040503050406030204" pitchFamily="18" charset="0"/>
+                    <a:cs typeface="Arial" panose="020B0604020202020204" pitchFamily="34" charset="0"/>
+                  </a:rPr>
+                  <a:t>neighbours</a:t>
+                </a:r>
+                <a:r>
+                  <a:rPr lang="en-US" dirty="0">
+                    <a:solidFill>
+                      <a:schemeClr val="bg1"/>
+                    </a:solidFill>
+                    <a:latin typeface="Cambria Math" panose="02040503050406030204" pitchFamily="18" charset="0"/>
+                    <a:ea typeface="Cambria Math" panose="02040503050406030204" pitchFamily="18" charset="0"/>
+                    <a:cs typeface="Arial" panose="020B0604020202020204" pitchFamily="34" charset="0"/>
+                  </a:rPr>
+                  <a:t> that are in state </a:t>
+                </a:r>
+                <a:r>
+                  <a:rPr lang="en-US" dirty="0" err="1">
+                    <a:solidFill>
+                      <a:schemeClr val="bg1"/>
+                    </a:solidFill>
+                    <a:latin typeface="Cambria Math" panose="02040503050406030204" pitchFamily="18" charset="0"/>
+                    <a:ea typeface="Cambria Math" panose="02040503050406030204" pitchFamily="18" charset="0"/>
+                    <a:cs typeface="Arial" panose="020B0604020202020204" pitchFamily="34" charset="0"/>
+                  </a:rPr>
+                  <a:t>i</a:t>
+                </a:r>
+                <a:r>
+                  <a:rPr lang="en-US" dirty="0">
+                    <a:solidFill>
+                      <a:schemeClr val="bg1"/>
+                    </a:solidFill>
+                    <a:latin typeface="Cambria Math" panose="02040503050406030204" pitchFamily="18" charset="0"/>
+                    <a:ea typeface="Cambria Math" panose="02040503050406030204" pitchFamily="18" charset="0"/>
+                    <a:cs typeface="Arial" panose="020B0604020202020204" pitchFamily="34" charset="0"/>
+                  </a:rPr>
+                  <a:t> at time t</a:t>
+                </a:r>
+              </a:p>
+              <a:p>
+                <a:pPr marL="285750" indent="-285750">
+                  <a:buFont typeface="Arial" panose="020B0604020202020204" pitchFamily="34" charset="0"/>
+                  <a:buChar char="•"/>
+                </a:pPr>
+                <a14:m>
+                  <m:oMath xmlns:m="http://schemas.openxmlformats.org/officeDocument/2006/math">
+                    <m:sSubSup>
+                      <m:sSubSupPr>
+                        <m:ctrlPr>
+                          <a:rPr lang="it-IT" i="1">
+                            <a:solidFill>
+                              <a:schemeClr val="bg1"/>
+                            </a:solidFill>
+                            <a:latin typeface="Cambria Math" panose="02040503050406030204" pitchFamily="18" charset="0"/>
+                            <a:ea typeface="Cambria Math" panose="02040503050406030204" pitchFamily="18" charset="0"/>
+                          </a:rPr>
+                        </m:ctrlPr>
+                      </m:sSubSupPr>
+                      <m:e>
+                        <m:r>
+                          <a:rPr lang="it-IT" i="1">
+                            <a:solidFill>
+                              <a:schemeClr val="bg1"/>
+                            </a:solidFill>
+                            <a:latin typeface="Cambria Math" panose="02040503050406030204" pitchFamily="18" charset="0"/>
+                            <a:ea typeface="Cambria Math" panose="02040503050406030204" pitchFamily="18" charset="0"/>
+                          </a:rPr>
+                          <m:t>𝑙</m:t>
+                        </m:r>
+                      </m:e>
+                      <m:sub>
+                        <m:r>
+                          <a:rPr lang="it-IT" i="1">
+                            <a:solidFill>
+                              <a:schemeClr val="bg1"/>
+                            </a:solidFill>
+                            <a:latin typeface="Cambria Math" panose="02040503050406030204" pitchFamily="18" charset="0"/>
+                            <a:ea typeface="Cambria Math" panose="02040503050406030204" pitchFamily="18" charset="0"/>
+                          </a:rPr>
+                          <m:t>𝑖</m:t>
+                        </m:r>
+                      </m:sub>
+                      <m:sup>
+                        <m:r>
+                          <a:rPr lang="it-IT" i="1">
+                            <a:solidFill>
+                              <a:schemeClr val="bg1"/>
+                            </a:solidFill>
+                            <a:latin typeface="Cambria Math" panose="02040503050406030204" pitchFamily="18" charset="0"/>
+                            <a:ea typeface="Cambria Math" panose="02040503050406030204" pitchFamily="18" charset="0"/>
+                          </a:rPr>
+                          <m:t>𝑡</m:t>
+                        </m:r>
+                      </m:sup>
+                    </m:sSubSup>
+                  </m:oMath>
+                </a14:m>
+                <a:r>
+                  <a:rPr lang="en-US" dirty="0">
+                    <a:solidFill>
+                      <a:schemeClr val="bg1"/>
+                    </a:solidFill>
+                    <a:latin typeface="Cambria Math" panose="02040503050406030204" pitchFamily="18" charset="0"/>
+                    <a:ea typeface="Cambria Math" panose="02040503050406030204" pitchFamily="18" charset="0"/>
+                    <a:cs typeface="Arial" panose="020B0604020202020204" pitchFamily="34" charset="0"/>
+                  </a:rPr>
+                  <a:t> = average distance from sheep </a:t>
+                </a:r>
+                <a:r>
+                  <a:rPr lang="en-US" dirty="0" err="1">
+                    <a:solidFill>
+                      <a:schemeClr val="bg1"/>
+                    </a:solidFill>
+                    <a:latin typeface="Cambria Math" panose="02040503050406030204" pitchFamily="18" charset="0"/>
+                    <a:ea typeface="Cambria Math" panose="02040503050406030204" pitchFamily="18" charset="0"/>
+                    <a:cs typeface="Arial" panose="020B0604020202020204" pitchFamily="34" charset="0"/>
+                  </a:rPr>
+                  <a:t>i</a:t>
+                </a:r>
+                <a:r>
+                  <a:rPr lang="en-US" dirty="0">
+                    <a:solidFill>
+                      <a:schemeClr val="bg1"/>
+                    </a:solidFill>
+                    <a:latin typeface="Cambria Math" panose="02040503050406030204" pitchFamily="18" charset="0"/>
+                    <a:ea typeface="Cambria Math" panose="02040503050406030204" pitchFamily="18" charset="0"/>
+                    <a:cs typeface="Arial" panose="020B0604020202020204" pitchFamily="34" charset="0"/>
+                  </a:rPr>
+                  <a:t> to other </a:t>
+                </a:r>
+                <a:r>
+                  <a:rPr lang="en-US" dirty="0" err="1">
+                    <a:solidFill>
+                      <a:schemeClr val="bg1"/>
+                    </a:solidFill>
+                    <a:latin typeface="Cambria Math" panose="02040503050406030204" pitchFamily="18" charset="0"/>
+                    <a:ea typeface="Cambria Math" panose="02040503050406030204" pitchFamily="18" charset="0"/>
+                    <a:cs typeface="Arial" panose="020B0604020202020204" pitchFamily="34" charset="0"/>
+                  </a:rPr>
+                  <a:t>sheeps</a:t>
+                </a:r>
+                <a:r>
+                  <a:rPr lang="en-US" dirty="0">
+                    <a:solidFill>
+                      <a:schemeClr val="bg1"/>
+                    </a:solidFill>
+                    <a:latin typeface="Cambria Math" panose="02040503050406030204" pitchFamily="18" charset="0"/>
+                    <a:ea typeface="Cambria Math" panose="02040503050406030204" pitchFamily="18" charset="0"/>
+                    <a:cs typeface="Arial" panose="020B0604020202020204" pitchFamily="34" charset="0"/>
+                  </a:rPr>
+                  <a:t> at time t</a:t>
+                </a:r>
+              </a:p>
+              <a:p>
+                <a:pPr marL="285750" indent="-285750">
+                  <a:buFont typeface="Arial" panose="020B0604020202020204" pitchFamily="34" charset="0"/>
+                  <a:buChar char="•"/>
+                </a:pPr>
+                <a14:m>
+                  <m:oMath xmlns:m="http://schemas.openxmlformats.org/officeDocument/2006/math">
+                    <m:sSub>
+                      <m:sSubPr>
+                        <m:ctrlPr>
+                          <a:rPr lang="it-IT" i="1">
+                            <a:solidFill>
+                              <a:schemeClr val="bg1"/>
+                            </a:solidFill>
+                            <a:latin typeface="Cambria Math" panose="02040503050406030204" pitchFamily="18" charset="0"/>
+                            <a:ea typeface="Cambria Math" panose="02040503050406030204" pitchFamily="18" charset="0"/>
+                          </a:rPr>
+                        </m:ctrlPr>
+                      </m:sSubPr>
+                      <m:e>
+                        <m:r>
+                          <a:rPr lang="it-IT" i="1">
+                            <a:solidFill>
+                              <a:schemeClr val="bg1"/>
+                            </a:solidFill>
+                            <a:latin typeface="Cambria Math" panose="02040503050406030204" pitchFamily="18" charset="0"/>
+                            <a:ea typeface="Cambria Math" panose="02040503050406030204" pitchFamily="18" charset="0"/>
+                          </a:rPr>
+                          <m:t>𝑑</m:t>
+                        </m:r>
+                      </m:e>
+                      <m:sub>
+                        <m:r>
+                          <a:rPr lang="it-IT" i="1">
+                            <a:solidFill>
+                              <a:schemeClr val="bg1"/>
+                            </a:solidFill>
+                            <a:latin typeface="Cambria Math" panose="02040503050406030204" pitchFamily="18" charset="0"/>
+                            <a:ea typeface="Cambria Math" panose="02040503050406030204" pitchFamily="18" charset="0"/>
+                          </a:rPr>
+                          <m:t>𝑆</m:t>
+                        </m:r>
+                      </m:sub>
+                    </m:sSub>
+                  </m:oMath>
+                </a14:m>
+                <a:r>
+                  <a:rPr lang="en-US" dirty="0">
+                    <a:solidFill>
+                      <a:schemeClr val="bg1"/>
+                    </a:solidFill>
+                    <a:latin typeface="Cambria Math" panose="02040503050406030204" pitchFamily="18" charset="0"/>
+                    <a:ea typeface="Cambria Math" panose="02040503050406030204" pitchFamily="18" charset="0"/>
+                    <a:cs typeface="Arial" panose="020B0604020202020204" pitchFamily="34" charset="0"/>
+                  </a:rPr>
+                  <a:t> and </a:t>
+                </a:r>
+                <a14:m>
+                  <m:oMath xmlns:m="http://schemas.openxmlformats.org/officeDocument/2006/math">
+                    <m:sSub>
+                      <m:sSubPr>
+                        <m:ctrlPr>
+                          <a:rPr lang="it-IT" i="1">
+                            <a:solidFill>
+                              <a:schemeClr val="bg1"/>
+                            </a:solidFill>
+                            <a:latin typeface="Cambria Math" panose="02040503050406030204" pitchFamily="18" charset="0"/>
+                            <a:ea typeface="Cambria Math" panose="02040503050406030204" pitchFamily="18" charset="0"/>
+                          </a:rPr>
+                        </m:ctrlPr>
+                      </m:sSubPr>
+                      <m:e>
+                        <m:r>
+                          <a:rPr lang="it-IT" i="1">
+                            <a:solidFill>
+                              <a:schemeClr val="bg1"/>
+                            </a:solidFill>
+                            <a:latin typeface="Cambria Math" panose="02040503050406030204" pitchFamily="18" charset="0"/>
+                            <a:ea typeface="Cambria Math" panose="02040503050406030204" pitchFamily="18" charset="0"/>
+                          </a:rPr>
+                          <m:t>𝑑</m:t>
+                        </m:r>
+                      </m:e>
+                      <m:sub>
+                        <m:r>
+                          <a:rPr lang="it-IT" i="1">
+                            <a:solidFill>
+                              <a:schemeClr val="bg1"/>
+                            </a:solidFill>
+                            <a:latin typeface="Cambria Math" panose="02040503050406030204" pitchFamily="18" charset="0"/>
+                            <a:ea typeface="Cambria Math" panose="02040503050406030204" pitchFamily="18" charset="0"/>
+                          </a:rPr>
+                          <m:t>𝑅</m:t>
+                        </m:r>
+                      </m:sub>
+                    </m:sSub>
+                  </m:oMath>
+                </a14:m>
+                <a:r>
+                  <a:rPr lang="en-US" dirty="0">
+                    <a:solidFill>
+                      <a:schemeClr val="bg1"/>
+                    </a:solidFill>
+                    <a:latin typeface="Cambria Math" panose="02040503050406030204" pitchFamily="18" charset="0"/>
+                    <a:ea typeface="Cambria Math" panose="02040503050406030204" pitchFamily="18" charset="0"/>
+                    <a:cs typeface="Arial" panose="020B0604020202020204" pitchFamily="34" charset="0"/>
+                  </a:rPr>
+                  <a:t> = </a:t>
+                </a:r>
+                <a:r>
+                  <a:rPr lang="it-IT" dirty="0" err="1">
+                    <a:solidFill>
+                      <a:schemeClr val="bg1"/>
+                    </a:solidFill>
+                    <a:latin typeface="Cambria Math" panose="02040503050406030204" pitchFamily="18" charset="0"/>
+                    <a:ea typeface="Cambria Math" panose="02040503050406030204" pitchFamily="18" charset="0"/>
+                  </a:rPr>
+                  <a:t>characteristic</a:t>
+                </a:r>
+                <a:r>
+                  <a:rPr lang="it-IT" dirty="0">
+                    <a:solidFill>
+                      <a:schemeClr val="bg1"/>
+                    </a:solidFill>
+                    <a:latin typeface="Cambria Math" panose="02040503050406030204" pitchFamily="18" charset="0"/>
+                    <a:ea typeface="Cambria Math" panose="02040503050406030204" pitchFamily="18" charset="0"/>
+                  </a:rPr>
+                  <a:t> </a:t>
+                </a:r>
+                <a:r>
+                  <a:rPr lang="it-IT" dirty="0" err="1">
+                    <a:solidFill>
+                      <a:schemeClr val="bg1"/>
+                    </a:solidFill>
+                    <a:latin typeface="Cambria Math" panose="02040503050406030204" pitchFamily="18" charset="0"/>
+                    <a:ea typeface="Cambria Math" panose="02040503050406030204" pitchFamily="18" charset="0"/>
+                  </a:rPr>
+                  <a:t>lengths</a:t>
+                </a:r>
+                <a:endParaRPr lang="en-US" dirty="0">
+                  <a:solidFill>
+                    <a:schemeClr val="bg1"/>
+                  </a:solidFill>
+                  <a:latin typeface="Cambria Math" panose="02040503050406030204" pitchFamily="18" charset="0"/>
+                  <a:ea typeface="Cambria Math" panose="02040503050406030204" pitchFamily="18" charset="0"/>
+                  <a:cs typeface="Arial" panose="020B0604020202020204" pitchFamily="34" charset="0"/>
+                </a:endParaRPr>
+              </a:p>
+              <a:p>
+                <a:pPr marL="285750" indent="-285750">
+                  <a:buFont typeface="Arial" panose="020B0604020202020204" pitchFamily="34" charset="0"/>
+                  <a:buChar char="•"/>
+                </a:pPr>
+                <a:endParaRPr lang="en-US" dirty="0">
+                  <a:solidFill>
+                    <a:schemeClr val="bg1"/>
+                  </a:solidFill>
+                  <a:latin typeface="Cambria Math" panose="02040503050406030204" pitchFamily="18" charset="0"/>
+                  <a:ea typeface="Cambria Math" panose="02040503050406030204" pitchFamily="18" charset="0"/>
+                </a:endParaRPr>
+              </a:p>
+              <a:p>
+                <a:endParaRPr lang="en-US" dirty="0">
+                  <a:solidFill>
+                    <a:schemeClr val="bg1"/>
+                  </a:solidFill>
+                </a:endParaRPr>
+              </a:p>
+              <a:p>
+                <a:pPr marL="285750" indent="-285750">
+                  <a:buFont typeface="Arial" panose="020B0604020202020204" pitchFamily="34" charset="0"/>
+                  <a:buChar char="•"/>
+                </a:pPr>
+                <a:endParaRPr lang="en-US" dirty="0">
+                  <a:solidFill>
+                    <a:schemeClr val="bg1"/>
+                  </a:solidFill>
+                </a:endParaRPr>
+              </a:p>
+              <a:p>
+                <a:pPr marL="285750" indent="-285750">
+                  <a:buFont typeface="Arial" panose="020B0604020202020204" pitchFamily="34" charset="0"/>
+                  <a:buChar char="•"/>
+                </a:pPr>
+                <a:endParaRPr lang="en-US" dirty="0">
+                  <a:solidFill>
+                    <a:schemeClr val="bg1"/>
+                  </a:solidFill>
+                </a:endParaRPr>
+              </a:p>
+              <a:p>
+                <a:pPr marL="285750" indent="-285750">
+                  <a:buFont typeface="Arial" panose="020B0604020202020204" pitchFamily="34" charset="0"/>
+                  <a:buChar char="•"/>
+                </a:pPr>
+                <a:endParaRPr lang="en-US" dirty="0">
+                  <a:solidFill>
+                    <a:schemeClr val="bg1"/>
+                  </a:solidFill>
+                </a:endParaRPr>
+              </a:p>
+              <a:p>
+                <a:pPr marL="285750" indent="-285750">
+                  <a:buFont typeface="Arial" panose="020B0604020202020204" pitchFamily="34" charset="0"/>
+                  <a:buChar char="•"/>
+                </a:pPr>
+                <a:endParaRPr lang="en-US" dirty="0">
+                  <a:solidFill>
+                    <a:schemeClr val="bg1"/>
+                  </a:solidFill>
+                </a:endParaRPr>
+              </a:p>
+            </p:txBody>
+          </p:sp>
+        </mc:Choice>
+        <mc:Fallback>
+          <p:sp>
+            <p:nvSpPr>
+              <p:cNvPr id="32" name="CasellaDiTesto 31">
+                <a:extLst>
+                  <a:ext uri="{FF2B5EF4-FFF2-40B4-BE49-F238E27FC236}">
+                    <a16:creationId xmlns:a16="http://schemas.microsoft.com/office/drawing/2014/main" id="{C68EE4C9-B736-4217-85D4-AF450A4234E2}"/>
+                  </a:ext>
+                </a:extLst>
+              </p:cNvPr>
+              <p:cNvSpPr txBox="1">
+                <a:spLocks noRot="1" noChangeAspect="1" noMove="1" noResize="1" noEditPoints="1" noAdjustHandles="1" noChangeArrowheads="1" noChangeShapeType="1" noTextEdit="1"/>
+              </p:cNvSpPr>
+              <p:nvPr/>
+            </p:nvSpPr>
+            <p:spPr>
+              <a:xfrm>
+                <a:off x="0" y="4281738"/>
+                <a:ext cx="6981568" cy="3187796"/>
+              </a:xfrm>
+              <a:prstGeom prst="rect">
+                <a:avLst/>
+              </a:prstGeom>
+              <a:blipFill>
+                <a:blip r:embed="rId8"/>
+                <a:stretch>
+                  <a:fillRect l="-524" t="-191"/>
+                </a:stretch>
+              </a:blipFill>
+            </p:spPr>
+            <p:txBody>
+              <a:bodyPr/>
+              <a:lstStyle/>
+              <a:p>
+                <a:r>
+                  <a:rPr lang="it-IT">
+                    <a:noFill/>
+                  </a:rPr>
+                  <a:t> </a:t>
+                </a:r>
+              </a:p>
+            </p:txBody>
+          </p:sp>
+        </mc:Fallback>
+      </mc:AlternateContent>
+    </p:spTree>
+    <p:extLst>
+      <p:ext uri="{BB962C8B-B14F-4D97-AF65-F5344CB8AC3E}">
+        <p14:creationId xmlns:p14="http://schemas.microsoft.com/office/powerpoint/2010/main" val="2136063251"/>
+      </p:ext>
+    </p:extLst>
+  </p:cSld>
+  <p:clrMapOvr>
+    <a:masterClrMapping/>
+  </p:clrMapOvr>
+</p:sld>
+</file>
+
+<file path=ppt/slides/slide5.xml><?xml version="1.0" encoding="utf-8"?>
+<p:sld xmlns:a="http://schemas.openxmlformats.org/drawingml/2006/main" xmlns:r="http://schemas.openxmlformats.org/officeDocument/2006/relationships" xmlns:p="http://schemas.openxmlformats.org/presentationml/2006/main">
+  <p:cSld>
+    <p:spTree>
+      <p:nvGrpSpPr>
+        <p:cNvPr id="1" name=""/>
+        <p:cNvGrpSpPr/>
+        <p:nvPr/>
+      </p:nvGrpSpPr>
+      <p:grpSpPr>
+        <a:xfrm>
+          <a:off x="0" y="0"/>
+          <a:ext cx="0" cy="0"/>
+          <a:chOff x="0" y="0"/>
+          <a:chExt cx="0" cy="0"/>
+        </a:xfrm>
+      </p:grpSpPr>
+      <p:pic>
+        <p:nvPicPr>
+          <p:cNvPr id="15" name="Immagine 14">
+            <a:extLst>
+              <a:ext uri="{FF2B5EF4-FFF2-40B4-BE49-F238E27FC236}">
+                <a16:creationId xmlns:a16="http://schemas.microsoft.com/office/drawing/2014/main" id="{635B46ED-B948-4441-8651-8E66973614A8}"/>
+              </a:ext>
+            </a:extLst>
+          </p:cNvPr>
+          <p:cNvPicPr>
+            <a:picLocks noChangeAspect="1"/>
+          </p:cNvPicPr>
+          <p:nvPr/>
+        </p:nvPicPr>
+        <p:blipFill>
+          <a:blip r:embed="rId2"/>
+          <a:stretch>
+            <a:fillRect/>
+          </a:stretch>
+        </p:blipFill>
+        <p:spPr>
+          <a:xfrm>
+            <a:off x="0" y="0"/>
+            <a:ext cx="9144000" cy="6858000"/>
+          </a:xfrm>
+          <a:prstGeom prst="rect">
+            <a:avLst/>
+          </a:prstGeom>
+        </p:spPr>
+      </p:pic>
+      <p:pic>
+        <p:nvPicPr>
+          <p:cNvPr id="13" name="Immagine 12">
+            <a:extLst>
+              <a:ext uri="{FF2B5EF4-FFF2-40B4-BE49-F238E27FC236}">
+                <a16:creationId xmlns:a16="http://schemas.microsoft.com/office/drawing/2014/main" id="{2A1CA025-7C12-45BD-BE19-7A2999F3EFEF}"/>
+              </a:ext>
+            </a:extLst>
+          </p:cNvPr>
+          <p:cNvPicPr>
+            <a:picLocks noChangeAspect="1"/>
+          </p:cNvPicPr>
+          <p:nvPr/>
+        </p:nvPicPr>
+        <p:blipFill>
+          <a:blip r:embed="rId3"/>
+          <a:stretch>
+            <a:fillRect/>
+          </a:stretch>
+        </p:blipFill>
+        <p:spPr>
+          <a:xfrm>
+            <a:off x="6487296" y="157954"/>
+            <a:ext cx="926757" cy="700658"/>
+          </a:xfrm>
+          <a:prstGeom prst="rect">
+            <a:avLst/>
+          </a:prstGeom>
+        </p:spPr>
+      </p:pic>
+      <p:sp>
+        <p:nvSpPr>
+          <p:cNvPr id="10" name="CasellaDiTesto 9">
+            <a:extLst>
+              <a:ext uri="{FF2B5EF4-FFF2-40B4-BE49-F238E27FC236}">
+                <a16:creationId xmlns:a16="http://schemas.microsoft.com/office/drawing/2014/main" id="{405CA404-B32B-4FDC-B76F-0EC2E6423E5A}"/>
+              </a:ext>
+            </a:extLst>
+          </p:cNvPr>
+          <p:cNvSpPr txBox="1"/>
+          <p:nvPr/>
+        </p:nvSpPr>
+        <p:spPr>
+          <a:xfrm>
+            <a:off x="5563833" y="6361900"/>
+            <a:ext cx="1940011" cy="369332"/>
+          </a:xfrm>
+          <a:prstGeom prst="rect">
+            <a:avLst/>
+          </a:prstGeom>
+          <a:noFill/>
+        </p:spPr>
+        <p:txBody>
+          <a:bodyPr wrap="square" rtlCol="0">
+            <a:spAutoFit/>
+          </a:bodyPr>
+          <a:lstStyle/>
+          <a:p>
+            <a:r>
+              <a:rPr lang="it-IT" dirty="0">
+                <a:solidFill>
+                  <a:schemeClr val="bg1"/>
+                </a:solidFill>
+              </a:rPr>
+              <a:t>Slide 2/totale</a:t>
+            </a:r>
+          </a:p>
+        </p:txBody>
+      </p:sp>
+    </p:spTree>
+    <p:extLst>
+      <p:ext uri="{BB962C8B-B14F-4D97-AF65-F5344CB8AC3E}">
+        <p14:creationId xmlns:p14="http://schemas.microsoft.com/office/powerpoint/2010/main" val="1665514714"/>
+      </p:ext>
+    </p:extLst>
+  </p:cSld>
+  <p:clrMapOvr>
+    <a:masterClrMapping/>
+  </p:clrMapOvr>
+</p:sld>
+</file>
+
+<file path=ppt/slides/slide6.xml><?xml version="1.0" encoding="utf-8"?>
+<p:sld xmlns:a="http://schemas.openxmlformats.org/drawingml/2006/main" xmlns:r="http://schemas.openxmlformats.org/officeDocument/2006/relationships" xmlns:p="http://schemas.openxmlformats.org/presentationml/2006/main">
+  <p:cSld>
+    <p:spTree>
+      <p:nvGrpSpPr>
+        <p:cNvPr id="1" name=""/>
+        <p:cNvGrpSpPr/>
+        <p:nvPr/>
+      </p:nvGrpSpPr>
+      <p:grpSpPr>
+        <a:xfrm>
+          <a:off x="0" y="0"/>
+          <a:ext cx="0" cy="0"/>
+          <a:chOff x="0" y="0"/>
+          <a:chExt cx="0" cy="0"/>
+        </a:xfrm>
+      </p:grpSpPr>
+      <p:pic>
+        <p:nvPicPr>
+          <p:cNvPr id="15" name="Immagine 14">
+            <a:extLst>
+              <a:ext uri="{FF2B5EF4-FFF2-40B4-BE49-F238E27FC236}">
+                <a16:creationId xmlns:a16="http://schemas.microsoft.com/office/drawing/2014/main" id="{635B46ED-B948-4441-8651-8E66973614A8}"/>
+              </a:ext>
+            </a:extLst>
+          </p:cNvPr>
+          <p:cNvPicPr>
+            <a:picLocks noChangeAspect="1"/>
+          </p:cNvPicPr>
+          <p:nvPr/>
+        </p:nvPicPr>
+        <p:blipFill>
+          <a:blip r:embed="rId2"/>
+          <a:stretch>
+            <a:fillRect/>
+          </a:stretch>
+        </p:blipFill>
+        <p:spPr>
+          <a:xfrm>
+            <a:off x="0" y="0"/>
+            <a:ext cx="9144000" cy="6858000"/>
+          </a:xfrm>
+          <a:prstGeom prst="rect">
+            <a:avLst/>
+          </a:prstGeom>
+        </p:spPr>
+      </p:pic>
+      <p:pic>
+        <p:nvPicPr>
+          <p:cNvPr id="13" name="Immagine 12">
+            <a:extLst>
+              <a:ext uri="{FF2B5EF4-FFF2-40B4-BE49-F238E27FC236}">
+                <a16:creationId xmlns:a16="http://schemas.microsoft.com/office/drawing/2014/main" id="{2A1CA025-7C12-45BD-BE19-7A2999F3EFEF}"/>
+              </a:ext>
+            </a:extLst>
+          </p:cNvPr>
+          <p:cNvPicPr>
+            <a:picLocks noChangeAspect="1"/>
+          </p:cNvPicPr>
+          <p:nvPr/>
+        </p:nvPicPr>
+        <p:blipFill>
+          <a:blip r:embed="rId3"/>
+          <a:stretch>
+            <a:fillRect/>
+          </a:stretch>
+        </p:blipFill>
+        <p:spPr>
+          <a:xfrm>
+            <a:off x="6487296" y="157954"/>
+            <a:ext cx="926757" cy="700658"/>
+          </a:xfrm>
+          <a:prstGeom prst="rect">
+            <a:avLst/>
+          </a:prstGeom>
+        </p:spPr>
+      </p:pic>
+      <p:sp>
+        <p:nvSpPr>
+          <p:cNvPr id="10" name="CasellaDiTesto 9">
+            <a:extLst>
+              <a:ext uri="{FF2B5EF4-FFF2-40B4-BE49-F238E27FC236}">
+                <a16:creationId xmlns:a16="http://schemas.microsoft.com/office/drawing/2014/main" id="{405CA404-B32B-4FDC-B76F-0EC2E6423E5A}"/>
+              </a:ext>
+            </a:extLst>
+          </p:cNvPr>
+          <p:cNvSpPr txBox="1"/>
+          <p:nvPr/>
+        </p:nvSpPr>
+        <p:spPr>
+          <a:xfrm>
+            <a:off x="5563833" y="6361900"/>
+            <a:ext cx="1940011" cy="369332"/>
+          </a:xfrm>
+          <a:prstGeom prst="rect">
+            <a:avLst/>
+          </a:prstGeom>
+          <a:noFill/>
+        </p:spPr>
+        <p:txBody>
+          <a:bodyPr wrap="square" rtlCol="0">
+            <a:spAutoFit/>
+          </a:bodyPr>
+          <a:lstStyle/>
+          <a:p>
+            <a:r>
+              <a:rPr lang="it-IT" dirty="0">
+                <a:solidFill>
+                  <a:schemeClr val="bg1"/>
+                </a:solidFill>
+              </a:rPr>
+              <a:t>Slide 2/totale</a:t>
+            </a:r>
+          </a:p>
+        </p:txBody>
+      </p:sp>
+    </p:spTree>
+    <p:extLst>
+      <p:ext uri="{BB962C8B-B14F-4D97-AF65-F5344CB8AC3E}">
+        <p14:creationId xmlns:p14="http://schemas.microsoft.com/office/powerpoint/2010/main" val="2677027226"/>
+      </p:ext>
+    </p:extLst>
+  </p:cSld>
+  <p:clrMapOvr>
+    <a:masterClrMapping/>
+  </p:clrMapOvr>
+</p:sld>
+</file>
+
+<file path=ppt/slides/slide7.xml><?xml version="1.0" encoding="utf-8"?>
+<p:sld xmlns:a="http://schemas.openxmlformats.org/drawingml/2006/main" xmlns:r="http://schemas.openxmlformats.org/officeDocument/2006/relationships" xmlns:p="http://schemas.openxmlformats.org/presentationml/2006/main">
+  <p:cSld>
+    <p:spTree>
+      <p:nvGrpSpPr>
+        <p:cNvPr id="1" name=""/>
+        <p:cNvGrpSpPr/>
+        <p:nvPr/>
+      </p:nvGrpSpPr>
+      <p:grpSpPr>
+        <a:xfrm>
+          <a:off x="0" y="0"/>
+          <a:ext cx="0" cy="0"/>
+          <a:chOff x="0" y="0"/>
+          <a:chExt cx="0" cy="0"/>
+        </a:xfrm>
+      </p:grpSpPr>
+      <p:pic>
+        <p:nvPicPr>
+          <p:cNvPr id="15" name="Immagine 14">
+            <a:extLst>
+              <a:ext uri="{FF2B5EF4-FFF2-40B4-BE49-F238E27FC236}">
+                <a16:creationId xmlns:a16="http://schemas.microsoft.com/office/drawing/2014/main" id="{635B46ED-B948-4441-8651-8E66973614A8}"/>
+              </a:ext>
+            </a:extLst>
+          </p:cNvPr>
+          <p:cNvPicPr>
+            <a:picLocks noChangeAspect="1"/>
+          </p:cNvPicPr>
+          <p:nvPr/>
+        </p:nvPicPr>
+        <p:blipFill>
+          <a:blip r:embed="rId2"/>
+          <a:stretch>
+            <a:fillRect/>
+          </a:stretch>
+        </p:blipFill>
+        <p:spPr>
+          <a:xfrm>
+            <a:off x="0" y="0"/>
+            <a:ext cx="9144000" cy="6858000"/>
+          </a:xfrm>
+          <a:prstGeom prst="rect">
+            <a:avLst/>
+          </a:prstGeom>
+        </p:spPr>
+      </p:pic>
+      <p:pic>
+        <p:nvPicPr>
+          <p:cNvPr id="13" name="Immagine 12">
+            <a:extLst>
+              <a:ext uri="{FF2B5EF4-FFF2-40B4-BE49-F238E27FC236}">
+                <a16:creationId xmlns:a16="http://schemas.microsoft.com/office/drawing/2014/main" id="{2A1CA025-7C12-45BD-BE19-7A2999F3EFEF}"/>
+              </a:ext>
+            </a:extLst>
+          </p:cNvPr>
+          <p:cNvPicPr>
+            <a:picLocks noChangeAspect="1"/>
+          </p:cNvPicPr>
+          <p:nvPr/>
+        </p:nvPicPr>
+        <p:blipFill>
+          <a:blip r:embed="rId3"/>
+          <a:stretch>
+            <a:fillRect/>
+          </a:stretch>
+        </p:blipFill>
+        <p:spPr>
+          <a:xfrm>
+            <a:off x="6487296" y="157954"/>
+            <a:ext cx="926757" cy="700658"/>
+          </a:xfrm>
+          <a:prstGeom prst="rect">
+            <a:avLst/>
+          </a:prstGeom>
+        </p:spPr>
+      </p:pic>
+      <p:sp>
+        <p:nvSpPr>
+          <p:cNvPr id="10" name="CasellaDiTesto 9">
+            <a:extLst>
+              <a:ext uri="{FF2B5EF4-FFF2-40B4-BE49-F238E27FC236}">
+                <a16:creationId xmlns:a16="http://schemas.microsoft.com/office/drawing/2014/main" id="{405CA404-B32B-4FDC-B76F-0EC2E6423E5A}"/>
+              </a:ext>
+            </a:extLst>
+          </p:cNvPr>
+          <p:cNvSpPr txBox="1"/>
+          <p:nvPr/>
+        </p:nvSpPr>
+        <p:spPr>
+          <a:xfrm>
+            <a:off x="5563833" y="6361900"/>
+            <a:ext cx="1940011" cy="369332"/>
+          </a:xfrm>
+          <a:prstGeom prst="rect">
+            <a:avLst/>
+          </a:prstGeom>
+          <a:noFill/>
+        </p:spPr>
+        <p:txBody>
+          <a:bodyPr wrap="square" rtlCol="0">
+            <a:spAutoFit/>
+          </a:bodyPr>
+          <a:lstStyle/>
+          <a:p>
+            <a:r>
+              <a:rPr lang="it-IT" dirty="0">
+                <a:solidFill>
+                  <a:schemeClr val="bg1"/>
+                </a:solidFill>
+              </a:rPr>
+              <a:t>Slide 2/totale</a:t>
+            </a:r>
+          </a:p>
+        </p:txBody>
+      </p:sp>
+    </p:spTree>
+    <p:extLst>
+      <p:ext uri="{BB962C8B-B14F-4D97-AF65-F5344CB8AC3E}">
+        <p14:creationId xmlns:p14="http://schemas.microsoft.com/office/powerpoint/2010/main" val="809273902"/>
+      </p:ext>
+    </p:extLst>
+  </p:cSld>
+  <p:clrMapOvr>
+    <a:masterClrMapping/>
+  </p:clrMapOvr>
+</p:sld>
+</file>
+
+<file path=ppt/slides/slide8.xml><?xml version="1.0" encoding="utf-8"?>
+<p:sld xmlns:a="http://schemas.openxmlformats.org/drawingml/2006/main" xmlns:r="http://schemas.openxmlformats.org/officeDocument/2006/relationships" xmlns:p="http://schemas.openxmlformats.org/presentationml/2006/main">
+  <p:cSld>
+    <p:spTree>
+      <p:nvGrpSpPr>
+        <p:cNvPr id="1" name=""/>
+        <p:cNvGrpSpPr/>
+        <p:nvPr/>
+      </p:nvGrpSpPr>
+      <p:grpSpPr>
+        <a:xfrm>
+          <a:off x="0" y="0"/>
+          <a:ext cx="0" cy="0"/>
+          <a:chOff x="0" y="0"/>
+          <a:chExt cx="0" cy="0"/>
+        </a:xfrm>
+      </p:grpSpPr>
+      <p:pic>
+        <p:nvPicPr>
+          <p:cNvPr id="15" name="Immagine 14">
+            <a:extLst>
+              <a:ext uri="{FF2B5EF4-FFF2-40B4-BE49-F238E27FC236}">
+                <a16:creationId xmlns:a16="http://schemas.microsoft.com/office/drawing/2014/main" id="{635B46ED-B948-4441-8651-8E66973614A8}"/>
+              </a:ext>
+            </a:extLst>
+          </p:cNvPr>
+          <p:cNvPicPr>
+            <a:picLocks noChangeAspect="1"/>
+          </p:cNvPicPr>
+          <p:nvPr/>
+        </p:nvPicPr>
+        <p:blipFill>
+          <a:blip r:embed="rId2"/>
+          <a:stretch>
+            <a:fillRect/>
+          </a:stretch>
+        </p:blipFill>
+        <p:spPr>
+          <a:xfrm>
+            <a:off x="0" y="0"/>
+            <a:ext cx="9144000" cy="6858000"/>
+          </a:xfrm>
+          <a:prstGeom prst="rect">
+            <a:avLst/>
+          </a:prstGeom>
+        </p:spPr>
+      </p:pic>
+      <p:pic>
+        <p:nvPicPr>
+          <p:cNvPr id="13" name="Immagine 12">
+            <a:extLst>
+              <a:ext uri="{FF2B5EF4-FFF2-40B4-BE49-F238E27FC236}">
+                <a16:creationId xmlns:a16="http://schemas.microsoft.com/office/drawing/2014/main" id="{2A1CA025-7C12-45BD-BE19-7A2999F3EFEF}"/>
+              </a:ext>
+            </a:extLst>
+          </p:cNvPr>
+          <p:cNvPicPr>
+            <a:picLocks noChangeAspect="1"/>
+          </p:cNvPicPr>
+          <p:nvPr/>
+        </p:nvPicPr>
+        <p:blipFill>
+          <a:blip r:embed="rId3"/>
+          <a:stretch>
+            <a:fillRect/>
+          </a:stretch>
+        </p:blipFill>
+        <p:spPr>
+          <a:xfrm>
+            <a:off x="6487296" y="157954"/>
+            <a:ext cx="926757" cy="700658"/>
+          </a:xfrm>
+          <a:prstGeom prst="rect">
+            <a:avLst/>
+          </a:prstGeom>
+        </p:spPr>
+      </p:pic>
+      <p:sp>
+        <p:nvSpPr>
+          <p:cNvPr id="10" name="CasellaDiTesto 9">
+            <a:extLst>
+              <a:ext uri="{FF2B5EF4-FFF2-40B4-BE49-F238E27FC236}">
+                <a16:creationId xmlns:a16="http://schemas.microsoft.com/office/drawing/2014/main" id="{405CA404-B32B-4FDC-B76F-0EC2E6423E5A}"/>
+              </a:ext>
+            </a:extLst>
+          </p:cNvPr>
+          <p:cNvSpPr txBox="1"/>
+          <p:nvPr/>
+        </p:nvSpPr>
+        <p:spPr>
+          <a:xfrm>
+            <a:off x="5563833" y="6361900"/>
+            <a:ext cx="1940011" cy="369332"/>
+          </a:xfrm>
+          <a:prstGeom prst="rect">
+            <a:avLst/>
+          </a:prstGeom>
+          <a:noFill/>
+        </p:spPr>
+        <p:txBody>
+          <a:bodyPr wrap="square" rtlCol="0">
+            <a:spAutoFit/>
+          </a:bodyPr>
+          <a:lstStyle/>
+          <a:p>
+            <a:r>
+              <a:rPr lang="it-IT" dirty="0">
+                <a:solidFill>
+                  <a:schemeClr val="bg1"/>
+                </a:solidFill>
+              </a:rPr>
+              <a:t>Slide 2/totale</a:t>
+            </a:r>
+          </a:p>
+        </p:txBody>
+      </p:sp>
+    </p:spTree>
+    <p:extLst>
+      <p:ext uri="{BB962C8B-B14F-4D97-AF65-F5344CB8AC3E}">
+        <p14:creationId xmlns:p14="http://schemas.microsoft.com/office/powerpoint/2010/main" val="3924937804"/>
+      </p:ext>
+    </p:extLst>
+  </p:cSld>
+  <p:clrMapOvr>
+    <a:masterClrMapping/>
+  </p:clrMapOvr>
+</p:sld>
+</file>
+
+<file path=ppt/slides/slide9.xml><?xml version="1.0" encoding="utf-8"?>
+<p:sld xmlns:a="http://schemas.openxmlformats.org/drawingml/2006/main" xmlns:r="http://schemas.openxmlformats.org/officeDocument/2006/relationships" xmlns:p="http://schemas.openxmlformats.org/presentationml/2006/main">
+  <p:cSld>
+    <p:spTree>
+      <p:nvGrpSpPr>
+        <p:cNvPr id="1" name=""/>
+        <p:cNvGrpSpPr/>
+        <p:nvPr/>
+      </p:nvGrpSpPr>
+      <p:grpSpPr>
+        <a:xfrm>
+          <a:off x="0" y="0"/>
+          <a:ext cx="0" cy="0"/>
+          <a:chOff x="0" y="0"/>
+          <a:chExt cx="0" cy="0"/>
+        </a:xfrm>
+      </p:grpSpPr>
+      <p:pic>
+        <p:nvPicPr>
+          <p:cNvPr id="15" name="Immagine 14">
+            <a:extLst>
+              <a:ext uri="{FF2B5EF4-FFF2-40B4-BE49-F238E27FC236}">
+                <a16:creationId xmlns:a16="http://schemas.microsoft.com/office/drawing/2014/main" id="{635B46ED-B948-4441-8651-8E66973614A8}"/>
+              </a:ext>
+            </a:extLst>
+          </p:cNvPr>
+          <p:cNvPicPr>
+            <a:picLocks noChangeAspect="1"/>
+          </p:cNvPicPr>
+          <p:nvPr/>
+        </p:nvPicPr>
+        <p:blipFill>
+          <a:blip r:embed="rId2"/>
+          <a:stretch>
+            <a:fillRect/>
+          </a:stretch>
+        </p:blipFill>
+        <p:spPr>
+          <a:xfrm>
+            <a:off x="0" y="0"/>
+            <a:ext cx="9144000" cy="6858000"/>
+          </a:xfrm>
+          <a:prstGeom prst="rect">
+            <a:avLst/>
+          </a:prstGeom>
+        </p:spPr>
+      </p:pic>
+      <p:pic>
+        <p:nvPicPr>
+          <p:cNvPr id="13" name="Immagine 12">
+            <a:extLst>
+              <a:ext uri="{FF2B5EF4-FFF2-40B4-BE49-F238E27FC236}">
+                <a16:creationId xmlns:a16="http://schemas.microsoft.com/office/drawing/2014/main" id="{2A1CA025-7C12-45BD-BE19-7A2999F3EFEF}"/>
+              </a:ext>
+            </a:extLst>
+          </p:cNvPr>
+          <p:cNvPicPr>
+            <a:picLocks noChangeAspect="1"/>
+          </p:cNvPicPr>
+          <p:nvPr/>
+        </p:nvPicPr>
+        <p:blipFill>
+          <a:blip r:embed="rId3"/>
+          <a:stretch>
+            <a:fillRect/>
+          </a:stretch>
+        </p:blipFill>
+        <p:spPr>
+          <a:xfrm>
+            <a:off x="6487296" y="157954"/>
+            <a:ext cx="926757" cy="700658"/>
+          </a:xfrm>
+          <a:prstGeom prst="rect">
+            <a:avLst/>
+          </a:prstGeom>
+        </p:spPr>
+      </p:pic>
+      <p:sp>
+        <p:nvSpPr>
+          <p:cNvPr id="10" name="CasellaDiTesto 9">
+            <a:extLst>
+              <a:ext uri="{FF2B5EF4-FFF2-40B4-BE49-F238E27FC236}">
+                <a16:creationId xmlns:a16="http://schemas.microsoft.com/office/drawing/2014/main" id="{405CA404-B32B-4FDC-B76F-0EC2E6423E5A}"/>
+              </a:ext>
+            </a:extLst>
+          </p:cNvPr>
+          <p:cNvSpPr txBox="1"/>
+          <p:nvPr/>
+        </p:nvSpPr>
+        <p:spPr>
+          <a:xfrm>
+            <a:off x="5563833" y="6361900"/>
+            <a:ext cx="1940011" cy="369332"/>
+          </a:xfrm>
+          <a:prstGeom prst="rect">
+            <a:avLst/>
+          </a:prstGeom>
+          <a:noFill/>
+        </p:spPr>
+        <p:txBody>
+          <a:bodyPr wrap="square" rtlCol="0">
+            <a:spAutoFit/>
+          </a:bodyPr>
+          <a:lstStyle/>
+          <a:p>
+            <a:r>
+              <a:rPr lang="it-IT" dirty="0">
+                <a:solidFill>
+                  <a:schemeClr val="bg1"/>
+                </a:solidFill>
+              </a:rPr>
+              <a:t>Slide 2/totale</a:t>
+            </a:r>
+          </a:p>
+        </p:txBody>
+      </p:sp>
+    </p:spTree>
+    <p:extLst>
+      <p:ext uri="{BB962C8B-B14F-4D97-AF65-F5344CB8AC3E}">
+        <p14:creationId xmlns:p14="http://schemas.microsoft.com/office/powerpoint/2010/main" val="2458801158"/>
       </p:ext>
     </p:extLst>
   </p:cSld>

--- a/Presentazione.pptx
+++ b/Presentazione.pptx
@@ -12,9 +12,9 @@
     <p:sldId id="268" r:id="rId3"/>
     <p:sldId id="269" r:id="rId4"/>
     <p:sldId id="270" r:id="rId5"/>
-    <p:sldId id="271" r:id="rId6"/>
-    <p:sldId id="272" r:id="rId7"/>
-    <p:sldId id="273" r:id="rId8"/>
+    <p:sldId id="273" r:id="rId6"/>
+    <p:sldId id="271" r:id="rId7"/>
+    <p:sldId id="272" r:id="rId8"/>
     <p:sldId id="274" r:id="rId9"/>
     <p:sldId id="275" r:id="rId10"/>
     <p:sldId id="276" r:id="rId11"/>
@@ -4689,7 +4689,7 @@
         </p:nvSpPr>
         <p:spPr>
           <a:xfrm>
-            <a:off x="1210962" y="2598003"/>
+            <a:off x="556053" y="3013502"/>
             <a:ext cx="6722076" cy="830997"/>
           </a:xfrm>
           <a:prstGeom prst="rect">
@@ -5452,7 +5452,7 @@
                   <a:schemeClr val="bg1"/>
                 </a:solidFill>
               </a:rPr>
-              <a:t>SHEEP MOVEMENT</a:t>
+              <a:t>SHEEPS MOVEMENT</a:t>
             </a:r>
           </a:p>
         </p:txBody>
@@ -5667,23 +5667,7 @@
                   <a:schemeClr val="bg1"/>
                 </a:solidFill>
               </a:rPr>
-              <a:t> </a:t>
-            </a:r>
-            <a:r>
-              <a:rPr lang="it-IT" dirty="0" err="1">
-                <a:solidFill>
-                  <a:schemeClr val="bg1"/>
-                </a:solidFill>
-              </a:rPr>
-              <a:t>sheeps</a:t>
-            </a:r>
-            <a:r>
-              <a:rPr lang="it-IT" dirty="0">
-                <a:solidFill>
-                  <a:schemeClr val="bg1"/>
-                </a:solidFill>
-              </a:rPr>
-              <a:t> </a:t>
+              <a:t> sheeps </a:t>
             </a:r>
             <a:r>
               <a:rPr lang="it-IT" dirty="0" err="1">
@@ -6020,8 +6004,8 @@
           </a:p>
         </p:txBody>
       </p:sp>
-      <mc:AlternateContent xmlns:mc="http://schemas.openxmlformats.org/markup-compatibility/2006">
-        <mc:Choice xmlns:a14="http://schemas.microsoft.com/office/drawing/2010/main" Requires="a14">
+      <mc:AlternateContent xmlns:mc="http://schemas.openxmlformats.org/markup-compatibility/2006" xmlns:a14="http://schemas.microsoft.com/office/drawing/2010/main">
+        <mc:Choice Requires="a14">
           <p:sp>
             <p:nvSpPr>
               <p:cNvPr id="3" name="CasellaDiTesto 2">
@@ -6050,6 +6034,7 @@
               </a:bodyPr>
               <a:lstStyle/>
               <a:p>
+                <a:pPr/>
                 <a14:m>
                   <m:oMathPara xmlns:m="http://schemas.openxmlformats.org/officeDocument/2006/math">
                     <m:oMathParaPr>
@@ -6128,7 +6113,7 @@
             </p:txBody>
           </p:sp>
         </mc:Choice>
-        <mc:Fallback>
+        <mc:Fallback xmlns="">
           <p:sp>
             <p:nvSpPr>
               <p:cNvPr id="3" name="CasellaDiTesto 2">
@@ -6297,7 +6282,7 @@
                   <a:schemeClr val="bg1"/>
                 </a:solidFill>
               </a:rPr>
-              <a:t>SHEEP MOVEMENT</a:t>
+              <a:t>SHEEPS MOVEMENT</a:t>
             </a:r>
           </a:p>
         </p:txBody>
@@ -6473,7 +6458,7 @@
             </p:nvSpPr>
             <p:spPr>
               <a:xfrm>
-                <a:off x="2304534" y="2287470"/>
+                <a:off x="1829483" y="2325003"/>
                 <a:ext cx="3113903" cy="686598"/>
               </a:xfrm>
               <a:prstGeom prst="rect">
@@ -6770,7 +6755,7 @@
             </p:nvSpPr>
             <p:spPr>
               <a:xfrm>
-                <a:off x="2304534" y="2287470"/>
+                <a:off x="1829483" y="2325003"/>
                 <a:ext cx="3113903" cy="686598"/>
               </a:xfrm>
               <a:prstGeom prst="rect">
@@ -6814,8 +6799,8 @@
         </p:nvCxnSpPr>
         <p:spPr>
           <a:xfrm flipH="1">
-            <a:off x="4957011" y="1895221"/>
-            <a:ext cx="479962" cy="404216"/>
+            <a:off x="4572000" y="1895221"/>
+            <a:ext cx="864973" cy="459531"/>
           </a:xfrm>
           <a:prstGeom prst="straightConnector1">
             <a:avLst/>
@@ -6894,7 +6879,7 @@
             </p:nvSpPr>
             <p:spPr>
               <a:xfrm>
-                <a:off x="2208762" y="3091561"/>
+                <a:off x="1721904" y="3145579"/>
                 <a:ext cx="3113902" cy="795859"/>
               </a:xfrm>
               <a:prstGeom prst="rect">
@@ -7193,7 +7178,7 @@
             </p:nvSpPr>
             <p:spPr>
               <a:xfrm>
-                <a:off x="2208762" y="3091561"/>
+                <a:off x="1721904" y="3145579"/>
                 <a:ext cx="3113902" cy="795859"/>
               </a:xfrm>
               <a:prstGeom prst="rect">
@@ -7276,8 +7261,8 @@
         </p:nvCxnSpPr>
         <p:spPr>
           <a:xfrm flipH="1">
-            <a:off x="5107915" y="2840107"/>
-            <a:ext cx="668971" cy="446508"/>
+            <a:off x="4652149" y="2840107"/>
+            <a:ext cx="1124738" cy="563227"/>
           </a:xfrm>
           <a:prstGeom prst="straightConnector1">
             <a:avLst/>
@@ -7301,8 +7286,8 @@
           </a:fontRef>
         </p:style>
       </p:cxnSp>
-      <mc:AlternateContent xmlns:mc="http://schemas.openxmlformats.org/markup-compatibility/2006">
-        <mc:Choice xmlns:a14="http://schemas.microsoft.com/office/drawing/2010/main" Requires="a14">
+      <mc:AlternateContent xmlns:mc="http://schemas.openxmlformats.org/markup-compatibility/2006" xmlns:a14="http://schemas.microsoft.com/office/drawing/2010/main">
+        <mc:Choice Requires="a14">
           <p:sp>
             <p:nvSpPr>
               <p:cNvPr id="4" name="Rettangolo 3">
@@ -7330,6 +7315,7 @@
               </a:bodyPr>
               <a:lstStyle/>
               <a:p>
+                <a:pPr/>
                 <a14:m>
                   <m:oMathPara xmlns:m="http://schemas.openxmlformats.org/officeDocument/2006/math">
                     <m:oMathParaPr>
@@ -7931,7 +7917,7 @@
             </p:txBody>
           </p:sp>
         </mc:Choice>
-        <mc:Fallback>
+        <mc:Fallback xmlns="">
           <p:sp>
             <p:nvSpPr>
               <p:cNvPr id="4" name="Rettangolo 3">
@@ -8491,7 +8477,7 @@
                   <a:schemeClr val="bg1"/>
                 </a:solidFill>
               </a:rPr>
-              <a:t>SHEEP MOVEMENT</a:t>
+              <a:t>SHEEPS MOVEMENT</a:t>
             </a:r>
           </a:p>
         </p:txBody>
@@ -8651,8 +8637,8 @@
           </a:p>
         </p:txBody>
       </p:sp>
-      <mc:AlternateContent xmlns:mc="http://schemas.openxmlformats.org/markup-compatibility/2006">
-        <mc:Choice xmlns:a14="http://schemas.microsoft.com/office/drawing/2010/main" Requires="a14">
+      <mc:AlternateContent xmlns:mc="http://schemas.openxmlformats.org/markup-compatibility/2006" xmlns:a14="http://schemas.microsoft.com/office/drawing/2010/main">
+        <mc:Choice Requires="a14">
           <p:sp>
             <p:nvSpPr>
               <p:cNvPr id="9" name="CasellaDiTesto 8">
@@ -8948,7 +8934,7 @@
             </p:txBody>
           </p:sp>
         </mc:Choice>
-        <mc:Fallback>
+        <mc:Fallback xmlns="">
           <p:sp>
             <p:nvSpPr>
               <p:cNvPr id="9" name="CasellaDiTesto 8">
@@ -8993,8 +8979,8 @@
           </p:sp>
         </mc:Fallback>
       </mc:AlternateContent>
-      <mc:AlternateContent xmlns:mc="http://schemas.openxmlformats.org/markup-compatibility/2006">
-        <mc:Choice xmlns:a14="http://schemas.microsoft.com/office/drawing/2010/main" Requires="a14">
+      <mc:AlternateContent xmlns:mc="http://schemas.openxmlformats.org/markup-compatibility/2006" xmlns:a14="http://schemas.microsoft.com/office/drawing/2010/main">
+        <mc:Choice Requires="a14">
           <p:sp>
             <p:nvSpPr>
               <p:cNvPr id="27" name="CasellaDiTesto 26">
@@ -9290,7 +9276,7 @@
             </p:txBody>
           </p:sp>
         </mc:Choice>
-        <mc:Fallback>
+        <mc:Fallback xmlns="">
           <p:sp>
             <p:nvSpPr>
               <p:cNvPr id="27" name="CasellaDiTesto 26">
@@ -9335,8 +9321,8 @@
           </p:sp>
         </mc:Fallback>
       </mc:AlternateContent>
-      <mc:AlternateContent xmlns:mc="http://schemas.openxmlformats.org/markup-compatibility/2006">
-        <mc:Choice xmlns:a14="http://schemas.microsoft.com/office/drawing/2010/main" Requires="a14">
+      <mc:AlternateContent xmlns:mc="http://schemas.openxmlformats.org/markup-compatibility/2006" xmlns:a14="http://schemas.microsoft.com/office/drawing/2010/main">
+        <mc:Choice Requires="a14">
           <p:sp>
             <p:nvSpPr>
               <p:cNvPr id="30" name="CasellaDiTesto 29">
@@ -9817,7 +9803,7 @@
             </p:txBody>
           </p:sp>
         </mc:Choice>
-        <mc:Fallback>
+        <mc:Fallback xmlns="">
           <p:sp>
             <p:nvSpPr>
               <p:cNvPr id="30" name="CasellaDiTesto 29">
@@ -9862,8 +9848,8 @@
           </p:sp>
         </mc:Fallback>
       </mc:AlternateContent>
-      <mc:AlternateContent xmlns:mc="http://schemas.openxmlformats.org/markup-compatibility/2006">
-        <mc:Choice xmlns:a14="http://schemas.microsoft.com/office/drawing/2010/main" Requires="a14">
+      <mc:AlternateContent xmlns:mc="http://schemas.openxmlformats.org/markup-compatibility/2006" xmlns:a14="http://schemas.microsoft.com/office/drawing/2010/main">
+        <mc:Choice Requires="a14">
           <p:sp>
             <p:nvSpPr>
               <p:cNvPr id="31" name="CasellaDiTesto 30">
@@ -9892,6 +9878,7 @@
               </a:bodyPr>
               <a:lstStyle/>
               <a:p>
+                <a:pPr/>
                 <a14:m>
                   <m:oMathPara xmlns:m="http://schemas.openxmlformats.org/officeDocument/2006/math">
                     <m:oMathParaPr>
@@ -10335,7 +10322,7 @@
             </p:txBody>
           </p:sp>
         </mc:Choice>
-        <mc:Fallback>
+        <mc:Fallback xmlns="">
           <p:sp>
             <p:nvSpPr>
               <p:cNvPr id="31" name="CasellaDiTesto 30">
@@ -10380,8 +10367,8 @@
           </p:sp>
         </mc:Fallback>
       </mc:AlternateContent>
-      <mc:AlternateContent xmlns:mc="http://schemas.openxmlformats.org/markup-compatibility/2006">
-        <mc:Choice xmlns:a14="http://schemas.microsoft.com/office/drawing/2010/main" Requires="a14">
+      <mc:AlternateContent xmlns:mc="http://schemas.openxmlformats.org/markup-compatibility/2006" xmlns:a14="http://schemas.microsoft.com/office/drawing/2010/main">
+        <mc:Choice Requires="a14">
           <p:sp>
             <p:nvSpPr>
               <p:cNvPr id="32" name="CasellaDiTesto 31">
@@ -11212,7 +11199,7 @@
             </p:txBody>
           </p:sp>
         </mc:Choice>
-        <mc:Fallback>
+        <mc:Fallback xmlns="">
           <p:sp>
             <p:nvSpPr>
               <p:cNvPr id="32" name="CasellaDiTesto 31">
@@ -11386,10 +11373,496 @@
           </a:p>
         </p:txBody>
       </p:sp>
+      <p:sp>
+        <p:nvSpPr>
+          <p:cNvPr id="5" name="CasellaDiTesto 4">
+            <a:extLst>
+              <a:ext uri="{FF2B5EF4-FFF2-40B4-BE49-F238E27FC236}">
+                <a16:creationId xmlns:a16="http://schemas.microsoft.com/office/drawing/2014/main" id="{07198590-0899-4CA5-9140-A2B95A2896C7}"/>
+              </a:ext>
+            </a:extLst>
+          </p:cNvPr>
+          <p:cNvSpPr txBox="1"/>
+          <p:nvPr/>
+        </p:nvSpPr>
+        <p:spPr>
+          <a:xfrm>
+            <a:off x="0" y="157954"/>
+            <a:ext cx="5436973" cy="707886"/>
+          </a:xfrm>
+          <a:prstGeom prst="rect">
+            <a:avLst/>
+          </a:prstGeom>
+          <a:noFill/>
+        </p:spPr>
+        <p:txBody>
+          <a:bodyPr wrap="square" rtlCol="0">
+            <a:spAutoFit/>
+          </a:bodyPr>
+          <a:lstStyle/>
+          <a:p>
+            <a:r>
+              <a:rPr lang="it-IT" sz="4000" dirty="0">
+                <a:solidFill>
+                  <a:schemeClr val="bg1"/>
+                </a:solidFill>
+              </a:rPr>
+              <a:t>SHEEPS MUSIC</a:t>
+            </a:r>
+          </a:p>
+        </p:txBody>
+      </p:sp>
+      <p:pic>
+        <p:nvPicPr>
+          <p:cNvPr id="12" name="Immagine 11">
+            <a:extLst>
+              <a:ext uri="{FF2B5EF4-FFF2-40B4-BE49-F238E27FC236}">
+                <a16:creationId xmlns:a16="http://schemas.microsoft.com/office/drawing/2014/main" id="{9F8FCA08-7684-48CB-87CB-E89BE28F5D5B}"/>
+              </a:ext>
+            </a:extLst>
+          </p:cNvPr>
+          <p:cNvPicPr>
+            <a:picLocks noChangeAspect="1"/>
+          </p:cNvPicPr>
+          <p:nvPr/>
+        </p:nvPicPr>
+        <p:blipFill>
+          <a:blip r:embed="rId4"/>
+          <a:stretch>
+            <a:fillRect/>
+          </a:stretch>
+        </p:blipFill>
+        <p:spPr>
+          <a:xfrm>
+            <a:off x="883694" y="950773"/>
+            <a:ext cx="6620150" cy="586160"/>
+          </a:xfrm>
+          <a:prstGeom prst="rect">
+            <a:avLst/>
+          </a:prstGeom>
+        </p:spPr>
+      </p:pic>
+      <p:pic>
+        <p:nvPicPr>
+          <p:cNvPr id="18" name="Immagine 17">
+            <a:extLst>
+              <a:ext uri="{FF2B5EF4-FFF2-40B4-BE49-F238E27FC236}">
+                <a16:creationId xmlns:a16="http://schemas.microsoft.com/office/drawing/2014/main" id="{7C9853F0-DC58-4D36-BC57-19BAC3FED2B1}"/>
+              </a:ext>
+            </a:extLst>
+          </p:cNvPr>
+          <p:cNvPicPr>
+            <a:picLocks noChangeAspect="1"/>
+          </p:cNvPicPr>
+          <p:nvPr/>
+        </p:nvPicPr>
+        <p:blipFill>
+          <a:blip r:embed="rId5"/>
+          <a:stretch>
+            <a:fillRect/>
+          </a:stretch>
+        </p:blipFill>
+        <p:spPr>
+          <a:xfrm>
+            <a:off x="29825" y="1582631"/>
+            <a:ext cx="1168780" cy="4757301"/>
+          </a:xfrm>
+          <a:prstGeom prst="rect">
+            <a:avLst/>
+          </a:prstGeom>
+        </p:spPr>
+      </p:pic>
+      <p:sp>
+        <p:nvSpPr>
+          <p:cNvPr id="19" name="CasellaDiTesto 18">
+            <a:extLst>
+              <a:ext uri="{FF2B5EF4-FFF2-40B4-BE49-F238E27FC236}">
+                <a16:creationId xmlns:a16="http://schemas.microsoft.com/office/drawing/2014/main" id="{B69E5794-B11A-41CC-8D5C-8C8C5B86BC73}"/>
+              </a:ext>
+            </a:extLst>
+          </p:cNvPr>
+          <p:cNvSpPr txBox="1"/>
+          <p:nvPr/>
+        </p:nvSpPr>
+        <p:spPr>
+          <a:xfrm>
+            <a:off x="1228430" y="2251232"/>
+            <a:ext cx="6005960" cy="338554"/>
+          </a:xfrm>
+          <a:prstGeom prst="rect">
+            <a:avLst/>
+          </a:prstGeom>
+          <a:noFill/>
+        </p:spPr>
+        <p:txBody>
+          <a:bodyPr wrap="square" rtlCol="0">
+            <a:spAutoFit/>
+          </a:bodyPr>
+          <a:lstStyle/>
+          <a:p>
+            <a:r>
+              <a:rPr lang="it-IT" sz="1600" dirty="0">
+                <a:solidFill>
+                  <a:schemeClr val="bg1"/>
+                </a:solidFill>
+              </a:rPr>
+              <a:t>The way the sheeps </a:t>
+            </a:r>
+            <a:r>
+              <a:rPr lang="it-IT" sz="1600" dirty="0" err="1">
+                <a:solidFill>
+                  <a:schemeClr val="bg1"/>
+                </a:solidFill>
+              </a:rPr>
+              <a:t>change</a:t>
+            </a:r>
+            <a:r>
+              <a:rPr lang="it-IT" sz="1600" dirty="0">
+                <a:solidFill>
+                  <a:schemeClr val="bg1"/>
+                </a:solidFill>
+              </a:rPr>
+              <a:t> </a:t>
+            </a:r>
+            <a:r>
+              <a:rPr lang="it-IT" sz="1600" dirty="0" err="1">
+                <a:solidFill>
+                  <a:schemeClr val="bg1"/>
+                </a:solidFill>
+              </a:rPr>
+              <a:t>their</a:t>
+            </a:r>
+            <a:r>
+              <a:rPr lang="it-IT" sz="1600" dirty="0">
+                <a:solidFill>
+                  <a:schemeClr val="bg1"/>
+                </a:solidFill>
+              </a:rPr>
+              <a:t> state </a:t>
+            </a:r>
+            <a:r>
+              <a:rPr lang="it-IT" sz="1600" dirty="0" err="1">
+                <a:solidFill>
+                  <a:schemeClr val="bg1"/>
+                </a:solidFill>
+              </a:rPr>
+              <a:t>is</a:t>
+            </a:r>
+            <a:r>
+              <a:rPr lang="it-IT" sz="1600" dirty="0">
+                <a:solidFill>
+                  <a:schemeClr val="bg1"/>
+                </a:solidFill>
+              </a:rPr>
+              <a:t> </a:t>
+            </a:r>
+            <a:r>
+              <a:rPr lang="it-IT" sz="1600" dirty="0" err="1">
+                <a:solidFill>
+                  <a:schemeClr val="bg1"/>
+                </a:solidFill>
+              </a:rPr>
+              <a:t>used</a:t>
+            </a:r>
+            <a:r>
+              <a:rPr lang="it-IT" sz="1600" dirty="0">
+                <a:solidFill>
+                  <a:schemeClr val="bg1"/>
+                </a:solidFill>
+              </a:rPr>
+              <a:t> to create music.</a:t>
+            </a:r>
+          </a:p>
+        </p:txBody>
+      </p:sp>
+      <p:sp>
+        <p:nvSpPr>
+          <p:cNvPr id="22" name="Rettangolo 21">
+            <a:extLst>
+              <a:ext uri="{FF2B5EF4-FFF2-40B4-BE49-F238E27FC236}">
+                <a16:creationId xmlns:a16="http://schemas.microsoft.com/office/drawing/2014/main" id="{DC8BEEF3-8730-4420-A3A0-8EAA153C03CC}"/>
+              </a:ext>
+            </a:extLst>
+          </p:cNvPr>
+          <p:cNvSpPr/>
+          <p:nvPr/>
+        </p:nvSpPr>
+        <p:spPr>
+          <a:xfrm>
+            <a:off x="1384942" y="3319434"/>
+            <a:ext cx="3096435" cy="461665"/>
+          </a:xfrm>
+          <a:prstGeom prst="rect">
+            <a:avLst/>
+          </a:prstGeom>
+        </p:spPr>
+        <p:txBody>
+          <a:bodyPr wrap="square">
+            <a:spAutoFit/>
+          </a:bodyPr>
+          <a:lstStyle/>
+          <a:p>
+            <a:r>
+              <a:rPr lang="it-IT" sz="2400" dirty="0">
+                <a:solidFill>
+                  <a:srgbClr val="569CD6"/>
+                </a:solidFill>
+                <a:latin typeface="Consolas" panose="020B0609020204030204" pitchFamily="49" charset="0"/>
+              </a:rPr>
+              <a:t>function</a:t>
+            </a:r>
+            <a:r>
+              <a:rPr lang="it-IT" sz="2400" dirty="0">
+                <a:solidFill>
+                  <a:srgbClr val="D4D4D4"/>
+                </a:solidFill>
+                <a:latin typeface="Consolas" panose="020B0609020204030204" pitchFamily="49" charset="0"/>
+              </a:rPr>
+              <a:t> </a:t>
+            </a:r>
+            <a:r>
+              <a:rPr lang="it-IT" sz="2400" dirty="0">
+                <a:solidFill>
+                  <a:srgbClr val="DCDCAA"/>
+                </a:solidFill>
+                <a:latin typeface="Consolas" panose="020B0609020204030204" pitchFamily="49" charset="0"/>
+              </a:rPr>
+              <a:t>play</a:t>
+            </a:r>
+            <a:r>
+              <a:rPr lang="it-IT" sz="2400" dirty="0">
+                <a:solidFill>
+                  <a:srgbClr val="D4D4D4"/>
+                </a:solidFill>
+                <a:latin typeface="Consolas" panose="020B0609020204030204" pitchFamily="49" charset="0"/>
+              </a:rPr>
+              <a:t>(</a:t>
+            </a:r>
+            <a:r>
+              <a:rPr lang="it-IT" sz="2400" dirty="0">
+                <a:solidFill>
+                  <a:srgbClr val="9CDCFE"/>
+                </a:solidFill>
+                <a:latin typeface="Consolas" panose="020B0609020204030204" pitchFamily="49" charset="0"/>
+              </a:rPr>
+              <a:t>n</a:t>
+            </a:r>
+            <a:r>
+              <a:rPr lang="it-IT" sz="2400" dirty="0">
+                <a:solidFill>
+                  <a:srgbClr val="D4D4D4"/>
+                </a:solidFill>
+                <a:latin typeface="Consolas" panose="020B0609020204030204" pitchFamily="49" charset="0"/>
+              </a:rPr>
+              <a:t>)</a:t>
+            </a:r>
+            <a:endParaRPr lang="it-IT" sz="2400" b="0" dirty="0">
+              <a:solidFill>
+                <a:srgbClr val="D4D4D4"/>
+              </a:solidFill>
+              <a:effectLst/>
+              <a:latin typeface="Consolas" panose="020B0609020204030204" pitchFamily="49" charset="0"/>
+            </a:endParaRPr>
+          </a:p>
+        </p:txBody>
+      </p:sp>
+      <p:pic>
+        <p:nvPicPr>
+          <p:cNvPr id="25" name="Immagine 24">
+            <a:extLst>
+              <a:ext uri="{FF2B5EF4-FFF2-40B4-BE49-F238E27FC236}">
+                <a16:creationId xmlns:a16="http://schemas.microsoft.com/office/drawing/2014/main" id="{95BBA525-8EE2-4FDC-B892-16E8844F9549}"/>
+              </a:ext>
+            </a:extLst>
+          </p:cNvPr>
+          <p:cNvPicPr>
+            <a:picLocks noChangeAspect="1"/>
+          </p:cNvPicPr>
+          <p:nvPr/>
+        </p:nvPicPr>
+        <p:blipFill>
+          <a:blip r:embed="rId6">
+            <a:extLst>
+              <a:ext uri="{BEBA8EAE-BF5A-486C-A8C5-ECC9F3942E4B}">
+                <a14:imgProps xmlns:a14="http://schemas.microsoft.com/office/drawing/2010/main">
+                  <a14:imgLayer r:embed="rId7">
+                    <a14:imgEffect>
+                      <a14:backgroundRemoval t="10000" b="90000" l="10000" r="90000"/>
+                    </a14:imgEffect>
+                  </a14:imgLayer>
+                </a14:imgProps>
+              </a:ext>
+            </a:extLst>
+          </a:blip>
+          <a:stretch>
+            <a:fillRect/>
+          </a:stretch>
+        </p:blipFill>
+        <p:spPr>
+          <a:xfrm>
+            <a:off x="4417036" y="2947397"/>
+            <a:ext cx="2651030" cy="1188791"/>
+          </a:xfrm>
+          <a:prstGeom prst="rect">
+            <a:avLst/>
+          </a:prstGeom>
+        </p:spPr>
+      </p:pic>
+      <p:sp>
+        <p:nvSpPr>
+          <p:cNvPr id="26" name="CasellaDiTesto 25">
+            <a:extLst>
+              <a:ext uri="{FF2B5EF4-FFF2-40B4-BE49-F238E27FC236}">
+                <a16:creationId xmlns:a16="http://schemas.microsoft.com/office/drawing/2014/main" id="{5D7DF5BF-B830-4CAD-AC6E-6226794422BF}"/>
+              </a:ext>
+            </a:extLst>
+          </p:cNvPr>
+          <p:cNvSpPr txBox="1"/>
+          <p:nvPr/>
+        </p:nvSpPr>
+        <p:spPr>
+          <a:xfrm>
+            <a:off x="1198605" y="4611618"/>
+            <a:ext cx="5647038" cy="369332"/>
+          </a:xfrm>
+          <a:prstGeom prst="rect">
+            <a:avLst/>
+          </a:prstGeom>
+          <a:noFill/>
+        </p:spPr>
+        <p:txBody>
+          <a:bodyPr wrap="square" rtlCol="0">
+            <a:spAutoFit/>
+          </a:bodyPr>
+          <a:lstStyle/>
+          <a:p>
+            <a:endParaRPr lang="it-IT" dirty="0">
+              <a:solidFill>
+                <a:schemeClr val="bg1"/>
+              </a:solidFill>
+            </a:endParaRPr>
+          </a:p>
+        </p:txBody>
+      </p:sp>
+      <p:pic>
+        <p:nvPicPr>
+          <p:cNvPr id="28" name="Immagine 27">
+            <a:extLst>
+              <a:ext uri="{FF2B5EF4-FFF2-40B4-BE49-F238E27FC236}">
+                <a16:creationId xmlns:a16="http://schemas.microsoft.com/office/drawing/2014/main" id="{3D9A262E-56E2-4CAE-80E4-0D1F9E89EE3A}"/>
+              </a:ext>
+            </a:extLst>
+          </p:cNvPr>
+          <p:cNvPicPr>
+            <a:picLocks noChangeAspect="1"/>
+          </p:cNvPicPr>
+          <p:nvPr/>
+        </p:nvPicPr>
+        <p:blipFill>
+          <a:blip r:embed="rId8">
+            <a:extLst>
+              <a:ext uri="{BEBA8EAE-BF5A-486C-A8C5-ECC9F3942E4B}">
+                <a14:imgProps xmlns:a14="http://schemas.microsoft.com/office/drawing/2010/main">
+                  <a14:imgLayer r:embed="rId9">
+                    <a14:imgEffect>
+                      <a14:backgroundRemoval t="0" b="100000" l="0" r="100000"/>
+                    </a14:imgEffect>
+                  </a14:imgLayer>
+                </a14:imgProps>
+              </a:ext>
+            </a:extLst>
+          </a:blip>
+          <a:stretch>
+            <a:fillRect/>
+          </a:stretch>
+        </p:blipFill>
+        <p:spPr>
+          <a:xfrm>
+            <a:off x="4390354" y="4047163"/>
+            <a:ext cx="2706066" cy="1128910"/>
+          </a:xfrm>
+          <a:prstGeom prst="rect">
+            <a:avLst/>
+          </a:prstGeom>
+        </p:spPr>
+      </p:pic>
+      <p:sp>
+        <p:nvSpPr>
+          <p:cNvPr id="29" name="Rettangolo 28">
+            <a:extLst>
+              <a:ext uri="{FF2B5EF4-FFF2-40B4-BE49-F238E27FC236}">
+                <a16:creationId xmlns:a16="http://schemas.microsoft.com/office/drawing/2014/main" id="{4DD1C36F-405D-4C8E-A567-A85D926DD962}"/>
+              </a:ext>
+            </a:extLst>
+          </p:cNvPr>
+          <p:cNvSpPr/>
+          <p:nvPr/>
+        </p:nvSpPr>
+        <p:spPr>
+          <a:xfrm>
+            <a:off x="1141644" y="4437491"/>
+            <a:ext cx="3583032" cy="461665"/>
+          </a:xfrm>
+          <a:prstGeom prst="rect">
+            <a:avLst/>
+          </a:prstGeom>
+        </p:spPr>
+        <p:txBody>
+          <a:bodyPr wrap="none">
+            <a:spAutoFit/>
+          </a:bodyPr>
+          <a:lstStyle/>
+          <a:p>
+            <a:r>
+              <a:rPr lang="it-IT" sz="2400" dirty="0">
+                <a:solidFill>
+                  <a:srgbClr val="569CD6"/>
+                </a:solidFill>
+                <a:latin typeface="Consolas" panose="020B0609020204030204" pitchFamily="49" charset="0"/>
+              </a:rPr>
+              <a:t>function</a:t>
+            </a:r>
+            <a:r>
+              <a:rPr lang="it-IT" sz="2400" dirty="0">
+                <a:solidFill>
+                  <a:srgbClr val="D4D4D4"/>
+                </a:solidFill>
+                <a:latin typeface="Consolas" panose="020B0609020204030204" pitchFamily="49" charset="0"/>
+              </a:rPr>
+              <a:t> </a:t>
+            </a:r>
+            <a:r>
+              <a:rPr lang="it-IT" sz="2400" dirty="0">
+                <a:solidFill>
+                  <a:srgbClr val="DCDCAA"/>
+                </a:solidFill>
+                <a:latin typeface="Consolas" panose="020B0609020204030204" pitchFamily="49" charset="0"/>
+              </a:rPr>
+              <a:t>playDrums</a:t>
+            </a:r>
+            <a:r>
+              <a:rPr lang="it-IT" sz="2400" dirty="0">
+                <a:solidFill>
+                  <a:srgbClr val="D4D4D4"/>
+                </a:solidFill>
+                <a:latin typeface="Consolas" panose="020B0609020204030204" pitchFamily="49" charset="0"/>
+              </a:rPr>
+              <a:t>()</a:t>
+            </a:r>
+            <a:endParaRPr lang="it-IT" sz="2400" b="0" dirty="0">
+              <a:solidFill>
+                <a:srgbClr val="D4D4D4"/>
+              </a:solidFill>
+              <a:effectLst/>
+              <a:latin typeface="Consolas" panose="020B0609020204030204" pitchFamily="49" charset="0"/>
+            </a:endParaRPr>
+          </a:p>
+        </p:txBody>
+      </p:sp>
     </p:spTree>
     <p:extLst>
       <p:ext uri="{BB962C8B-B14F-4D97-AF65-F5344CB8AC3E}">
-        <p14:creationId xmlns:p14="http://schemas.microsoft.com/office/powerpoint/2010/main" val="1665514714"/>
+        <p14:creationId xmlns:p14="http://schemas.microsoft.com/office/powerpoint/2010/main" val="809273902"/>
       </p:ext>
     </p:extLst>
   </p:cSld>
@@ -11515,10 +11988,1500 @@
           </a:p>
         </p:txBody>
       </p:sp>
+      <p:sp>
+        <p:nvSpPr>
+          <p:cNvPr id="5" name="CasellaDiTesto 4">
+            <a:extLst>
+              <a:ext uri="{FF2B5EF4-FFF2-40B4-BE49-F238E27FC236}">
+                <a16:creationId xmlns:a16="http://schemas.microsoft.com/office/drawing/2014/main" id="{60B5B44A-F65D-446C-80E5-E90C744BFA47}"/>
+              </a:ext>
+            </a:extLst>
+          </p:cNvPr>
+          <p:cNvSpPr txBox="1"/>
+          <p:nvPr/>
+        </p:nvSpPr>
+        <p:spPr>
+          <a:xfrm>
+            <a:off x="0" y="157954"/>
+            <a:ext cx="5436973" cy="707886"/>
+          </a:xfrm>
+          <a:prstGeom prst="rect">
+            <a:avLst/>
+          </a:prstGeom>
+          <a:noFill/>
+        </p:spPr>
+        <p:txBody>
+          <a:bodyPr wrap="square" rtlCol="0">
+            <a:spAutoFit/>
+          </a:bodyPr>
+          <a:lstStyle/>
+          <a:p>
+            <a:r>
+              <a:rPr lang="it-IT" sz="4000" dirty="0">
+                <a:solidFill>
+                  <a:schemeClr val="bg1"/>
+                </a:solidFill>
+              </a:rPr>
+              <a:t>SHEEPS MELODY</a:t>
+            </a:r>
+          </a:p>
+        </p:txBody>
+      </p:sp>
+      <p:sp>
+        <p:nvSpPr>
+          <p:cNvPr id="7" name="Rettangolo 6">
+            <a:extLst>
+              <a:ext uri="{FF2B5EF4-FFF2-40B4-BE49-F238E27FC236}">
+                <a16:creationId xmlns:a16="http://schemas.microsoft.com/office/drawing/2014/main" id="{D4FFC29F-A87C-4378-A3DE-816FA2023B68}"/>
+              </a:ext>
+            </a:extLst>
+          </p:cNvPr>
+          <p:cNvSpPr/>
+          <p:nvPr/>
+        </p:nvSpPr>
+        <p:spPr>
+          <a:xfrm>
+            <a:off x="139219" y="2142819"/>
+            <a:ext cx="7414052" cy="2308324"/>
+          </a:xfrm>
+          <a:prstGeom prst="rect">
+            <a:avLst/>
+          </a:prstGeom>
+        </p:spPr>
+        <p:txBody>
+          <a:bodyPr wrap="square">
+            <a:spAutoFit/>
+          </a:bodyPr>
+          <a:lstStyle/>
+          <a:p>
+            <a:r>
+              <a:rPr lang="it-IT" sz="1200" dirty="0">
+                <a:solidFill>
+                  <a:srgbClr val="6A9955"/>
+                </a:solidFill>
+                <a:latin typeface="Consolas" panose="020B0609020204030204" pitchFamily="49" charset="0"/>
+              </a:rPr>
+              <a:t>//Notes</a:t>
+            </a:r>
+            <a:endParaRPr lang="it-IT" sz="1200" dirty="0">
+              <a:solidFill>
+                <a:srgbClr val="D4D4D4"/>
+              </a:solidFill>
+              <a:latin typeface="Consolas" panose="020B0609020204030204" pitchFamily="49" charset="0"/>
+            </a:endParaRPr>
+          </a:p>
+          <a:p>
+            <a:r>
+              <a:rPr lang="it-IT" sz="1200" dirty="0">
+                <a:solidFill>
+                  <a:srgbClr val="DCDCAA"/>
+                </a:solidFill>
+                <a:latin typeface="Consolas" panose="020B0609020204030204" pitchFamily="49" charset="0"/>
+              </a:rPr>
+              <a:t>setTimeout</a:t>
+            </a:r>
+            <a:r>
+              <a:rPr lang="it-IT" sz="1200" dirty="0">
+                <a:solidFill>
+                  <a:srgbClr val="D4D4D4"/>
+                </a:solidFill>
+                <a:latin typeface="Consolas" panose="020B0609020204030204" pitchFamily="49" charset="0"/>
+              </a:rPr>
+              <a:t>(</a:t>
+            </a:r>
+            <a:r>
+              <a:rPr lang="it-IT" sz="1200" dirty="0">
+                <a:solidFill>
+                  <a:srgbClr val="569CD6"/>
+                </a:solidFill>
+                <a:latin typeface="Consolas" panose="020B0609020204030204" pitchFamily="49" charset="0"/>
+              </a:rPr>
+              <a:t>function</a:t>
+            </a:r>
+            <a:r>
+              <a:rPr lang="it-IT" sz="1200" dirty="0">
+                <a:solidFill>
+                  <a:srgbClr val="D4D4D4"/>
+                </a:solidFill>
+                <a:latin typeface="Consolas" panose="020B0609020204030204" pitchFamily="49" charset="0"/>
+              </a:rPr>
+              <a:t>(){</a:t>
+            </a:r>
+            <a:r>
+              <a:rPr lang="it-IT" sz="1200" dirty="0">
+                <a:solidFill>
+                  <a:srgbClr val="DCDCAA"/>
+                </a:solidFill>
+                <a:latin typeface="Consolas" panose="020B0609020204030204" pitchFamily="49" charset="0"/>
+              </a:rPr>
+              <a:t>play</a:t>
+            </a:r>
+            <a:r>
+              <a:rPr lang="it-IT" sz="1200" dirty="0">
+                <a:solidFill>
+                  <a:srgbClr val="D4D4D4"/>
+                </a:solidFill>
+                <a:latin typeface="Consolas" panose="020B0609020204030204" pitchFamily="49" charset="0"/>
+              </a:rPr>
+              <a:t>(</a:t>
+            </a:r>
+            <a:r>
+              <a:rPr lang="it-IT" sz="1200" dirty="0">
+                <a:solidFill>
+                  <a:srgbClr val="9CDCFE"/>
+                </a:solidFill>
+                <a:latin typeface="Consolas" panose="020B0609020204030204" pitchFamily="49" charset="0"/>
+              </a:rPr>
+              <a:t>ms</a:t>
+            </a:r>
+            <a:r>
+              <a:rPr lang="it-IT" sz="1200" dirty="0">
+                <a:solidFill>
+                  <a:srgbClr val="D4D4D4"/>
+                </a:solidFill>
+                <a:latin typeface="Consolas" panose="020B0609020204030204" pitchFamily="49" charset="0"/>
+              </a:rPr>
+              <a:t>)},</a:t>
+            </a:r>
+            <a:r>
+              <a:rPr lang="it-IT" sz="1200" dirty="0">
+                <a:solidFill>
+                  <a:srgbClr val="B5CEA8"/>
+                </a:solidFill>
+                <a:latin typeface="Consolas" panose="020B0609020204030204" pitchFamily="49" charset="0"/>
+              </a:rPr>
+              <a:t>0</a:t>
+            </a:r>
+            <a:r>
+              <a:rPr lang="it-IT" sz="1200" dirty="0">
+                <a:solidFill>
+                  <a:srgbClr val="D4D4D4"/>
+                </a:solidFill>
+                <a:latin typeface="Consolas" panose="020B0609020204030204" pitchFamily="49" charset="0"/>
+              </a:rPr>
+              <a:t>)</a:t>
+            </a:r>
+          </a:p>
+          <a:p>
+            <a:endParaRPr lang="it-IT" sz="1200" dirty="0">
+              <a:solidFill>
+                <a:srgbClr val="D4D4D4"/>
+              </a:solidFill>
+              <a:latin typeface="Consolas" panose="020B0609020204030204" pitchFamily="49" charset="0"/>
+            </a:endParaRPr>
+          </a:p>
+          <a:p>
+            <a:r>
+              <a:rPr lang="it-IT" sz="1200" dirty="0">
+                <a:solidFill>
+                  <a:srgbClr val="C586C0"/>
+                </a:solidFill>
+                <a:latin typeface="Consolas" panose="020B0609020204030204" pitchFamily="49" charset="0"/>
+              </a:rPr>
+              <a:t>if</a:t>
+            </a:r>
+            <a:r>
+              <a:rPr lang="it-IT" sz="1200" dirty="0">
+                <a:solidFill>
+                  <a:srgbClr val="D4D4D4"/>
+                </a:solidFill>
+                <a:latin typeface="Consolas" panose="020B0609020204030204" pitchFamily="49" charset="0"/>
+              </a:rPr>
+              <a:t>(</a:t>
+            </a:r>
+            <a:r>
+              <a:rPr lang="it-IT" sz="1200" dirty="0">
+                <a:solidFill>
+                  <a:srgbClr val="9CDCFE"/>
+                </a:solidFill>
+                <a:latin typeface="Consolas" panose="020B0609020204030204" pitchFamily="49" charset="0"/>
+              </a:rPr>
+              <a:t>mr</a:t>
+            </a:r>
+            <a:r>
+              <a:rPr lang="it-IT" sz="1200" dirty="0">
+                <a:solidFill>
+                  <a:srgbClr val="D4D4D4"/>
+                </a:solidFill>
+                <a:latin typeface="Consolas" panose="020B0609020204030204" pitchFamily="49" charset="0"/>
+              </a:rPr>
+              <a:t>+</a:t>
+            </a:r>
+            <a:r>
+              <a:rPr lang="it-IT" sz="1200" dirty="0">
+                <a:solidFill>
+                  <a:srgbClr val="9CDCFE"/>
+                </a:solidFill>
+                <a:latin typeface="Consolas" panose="020B0609020204030204" pitchFamily="49" charset="0"/>
+              </a:rPr>
+              <a:t>ms</a:t>
+            </a:r>
+            <a:r>
+              <a:rPr lang="it-IT" sz="1200" dirty="0">
+                <a:solidFill>
+                  <a:srgbClr val="D4D4D4"/>
+                </a:solidFill>
+                <a:latin typeface="Consolas" panose="020B0609020204030204" pitchFamily="49" charset="0"/>
+              </a:rPr>
+              <a:t>+</a:t>
+            </a:r>
+            <a:r>
+              <a:rPr lang="it-IT" sz="1200" dirty="0">
+                <a:solidFill>
+                  <a:srgbClr val="9CDCFE"/>
+                </a:solidFill>
+                <a:latin typeface="Consolas" panose="020B0609020204030204" pitchFamily="49" charset="0"/>
+              </a:rPr>
+              <a:t>mw</a:t>
+            </a:r>
+            <a:r>
+              <a:rPr lang="it-IT" sz="1200" dirty="0">
+                <a:solidFill>
+                  <a:srgbClr val="D4D4D4"/>
+                </a:solidFill>
+                <a:latin typeface="Consolas" panose="020B0609020204030204" pitchFamily="49" charset="0"/>
+              </a:rPr>
+              <a:t>&gt;=</a:t>
+            </a:r>
+            <a:r>
+              <a:rPr lang="it-IT" sz="1200" dirty="0">
+                <a:solidFill>
+                  <a:srgbClr val="B5CEA8"/>
+                </a:solidFill>
+                <a:latin typeface="Consolas" panose="020B0609020204030204" pitchFamily="49" charset="0"/>
+              </a:rPr>
+              <a:t>30</a:t>
+            </a:r>
+            <a:r>
+              <a:rPr lang="it-IT" sz="1200" dirty="0">
+                <a:solidFill>
+                  <a:srgbClr val="D4D4D4"/>
+                </a:solidFill>
+                <a:latin typeface="Consolas" panose="020B0609020204030204" pitchFamily="49" charset="0"/>
+              </a:rPr>
+              <a:t>){</a:t>
+            </a:r>
+          </a:p>
+          <a:p>
+            <a:r>
+              <a:rPr lang="it-IT" sz="1200" dirty="0">
+                <a:solidFill>
+                  <a:srgbClr val="DCDCAA"/>
+                </a:solidFill>
+                <a:latin typeface="Consolas" panose="020B0609020204030204" pitchFamily="49" charset="0"/>
+              </a:rPr>
+              <a:t>setTimeout</a:t>
+            </a:r>
+            <a:r>
+              <a:rPr lang="it-IT" sz="1200" dirty="0">
+                <a:solidFill>
+                  <a:srgbClr val="D4D4D4"/>
+                </a:solidFill>
+                <a:latin typeface="Consolas" panose="020B0609020204030204" pitchFamily="49" charset="0"/>
+              </a:rPr>
+              <a:t>(</a:t>
+            </a:r>
+            <a:r>
+              <a:rPr lang="it-IT" sz="1200" dirty="0">
+                <a:solidFill>
+                  <a:srgbClr val="569CD6"/>
+                </a:solidFill>
+                <a:latin typeface="Consolas" panose="020B0609020204030204" pitchFamily="49" charset="0"/>
+              </a:rPr>
+              <a:t>function</a:t>
+            </a:r>
+            <a:r>
+              <a:rPr lang="it-IT" sz="1200" dirty="0">
+                <a:solidFill>
+                  <a:srgbClr val="D4D4D4"/>
+                </a:solidFill>
+                <a:latin typeface="Consolas" panose="020B0609020204030204" pitchFamily="49" charset="0"/>
+              </a:rPr>
+              <a:t>(){</a:t>
+            </a:r>
+            <a:r>
+              <a:rPr lang="it-IT" sz="1200" dirty="0">
+                <a:solidFill>
+                  <a:srgbClr val="DCDCAA"/>
+                </a:solidFill>
+                <a:latin typeface="Consolas" panose="020B0609020204030204" pitchFamily="49" charset="0"/>
+              </a:rPr>
+              <a:t>play</a:t>
+            </a:r>
+            <a:r>
+              <a:rPr lang="it-IT" sz="1200" dirty="0">
+                <a:solidFill>
+                  <a:srgbClr val="D4D4D4"/>
+                </a:solidFill>
+                <a:latin typeface="Consolas" panose="020B0609020204030204" pitchFamily="49" charset="0"/>
+              </a:rPr>
+              <a:t>(</a:t>
+            </a:r>
+            <a:r>
+              <a:rPr lang="it-IT" sz="1200" dirty="0">
+                <a:solidFill>
+                  <a:srgbClr val="9CDCFE"/>
+                </a:solidFill>
+                <a:latin typeface="Consolas" panose="020B0609020204030204" pitchFamily="49" charset="0"/>
+              </a:rPr>
+              <a:t>mr</a:t>
+            </a:r>
+            <a:r>
+              <a:rPr lang="it-IT" sz="1200" dirty="0">
+                <a:solidFill>
+                  <a:srgbClr val="D4D4D4"/>
+                </a:solidFill>
+                <a:latin typeface="Consolas" panose="020B0609020204030204" pitchFamily="49" charset="0"/>
+              </a:rPr>
+              <a:t>)},(</a:t>
+            </a:r>
+            <a:r>
+              <a:rPr lang="it-IT" sz="1200" dirty="0">
+                <a:solidFill>
+                  <a:srgbClr val="B5CEA8"/>
+                </a:solidFill>
+                <a:latin typeface="Consolas" panose="020B0609020204030204" pitchFamily="49" charset="0"/>
+              </a:rPr>
+              <a:t>2.5</a:t>
+            </a:r>
+            <a:r>
+              <a:rPr lang="it-IT" sz="1200" dirty="0">
+                <a:solidFill>
+                  <a:srgbClr val="D4D4D4"/>
+                </a:solidFill>
+                <a:latin typeface="Consolas" panose="020B0609020204030204" pitchFamily="49" charset="0"/>
+              </a:rPr>
+              <a:t>)/(</a:t>
+            </a:r>
+            <a:r>
+              <a:rPr lang="it-IT" sz="1200" dirty="0">
+                <a:solidFill>
+                  <a:srgbClr val="B5CEA8"/>
+                </a:solidFill>
+                <a:latin typeface="Consolas" panose="020B0609020204030204" pitchFamily="49" charset="0"/>
+              </a:rPr>
+              <a:t>10</a:t>
+            </a:r>
+            <a:r>
+              <a:rPr lang="it-IT" sz="1200" dirty="0">
+                <a:solidFill>
+                  <a:srgbClr val="D4D4D4"/>
+                </a:solidFill>
+                <a:latin typeface="Consolas" panose="020B0609020204030204" pitchFamily="49" charset="0"/>
+              </a:rPr>
+              <a:t>*</a:t>
+            </a:r>
+            <a:r>
+              <a:rPr lang="it-IT" sz="1200" dirty="0">
+                <a:solidFill>
+                  <a:srgbClr val="9CDCFE"/>
+                </a:solidFill>
+                <a:latin typeface="Consolas" panose="020B0609020204030204" pitchFamily="49" charset="0"/>
+              </a:rPr>
+              <a:t>fps</a:t>
+            </a:r>
+            <a:r>
+              <a:rPr lang="it-IT" sz="1200" dirty="0">
+                <a:solidFill>
+                  <a:srgbClr val="D4D4D4"/>
+                </a:solidFill>
+                <a:latin typeface="Consolas" panose="020B0609020204030204" pitchFamily="49" charset="0"/>
+              </a:rPr>
+              <a:t>)*</a:t>
+            </a:r>
+            <a:r>
+              <a:rPr lang="it-IT" sz="1200" dirty="0">
+                <a:solidFill>
+                  <a:srgbClr val="B5CEA8"/>
+                </a:solidFill>
+                <a:latin typeface="Consolas" panose="020B0609020204030204" pitchFamily="49" charset="0"/>
+              </a:rPr>
+              <a:t>1000</a:t>
+            </a:r>
+            <a:r>
+              <a:rPr lang="it-IT" sz="1200" dirty="0">
+                <a:solidFill>
+                  <a:srgbClr val="D4D4D4"/>
+                </a:solidFill>
+                <a:latin typeface="Consolas" panose="020B0609020204030204" pitchFamily="49" charset="0"/>
+              </a:rPr>
+              <a:t>*</a:t>
+            </a:r>
+            <a:r>
+              <a:rPr lang="it-IT" sz="1200" dirty="0">
+                <a:solidFill>
+                  <a:srgbClr val="9CDCFE"/>
+                </a:solidFill>
+                <a:latin typeface="Consolas" panose="020B0609020204030204" pitchFamily="49" charset="0"/>
+              </a:rPr>
+              <a:t>framesPermeasure</a:t>
+            </a:r>
+            <a:r>
+              <a:rPr lang="it-IT" sz="1200" dirty="0">
+                <a:solidFill>
+                  <a:srgbClr val="D4D4D4"/>
+                </a:solidFill>
+                <a:latin typeface="Consolas" panose="020B0609020204030204" pitchFamily="49" charset="0"/>
+              </a:rPr>
+              <a:t>)</a:t>
+            </a:r>
+          </a:p>
+          <a:p>
+            <a:r>
+              <a:rPr lang="it-IT" sz="1200" dirty="0">
+                <a:solidFill>
+                  <a:srgbClr val="D4D4D4"/>
+                </a:solidFill>
+                <a:latin typeface="Consolas" panose="020B0609020204030204" pitchFamily="49" charset="0"/>
+              </a:rPr>
+              <a:t>}</a:t>
+            </a:r>
+          </a:p>
+          <a:p>
+            <a:endParaRPr lang="it-IT" sz="1200" dirty="0">
+              <a:solidFill>
+                <a:srgbClr val="D4D4D4"/>
+              </a:solidFill>
+              <a:latin typeface="Consolas" panose="020B0609020204030204" pitchFamily="49" charset="0"/>
+            </a:endParaRPr>
+          </a:p>
+          <a:p>
+            <a:r>
+              <a:rPr lang="it-IT" sz="1200" dirty="0">
+                <a:solidFill>
+                  <a:srgbClr val="DCDCAA"/>
+                </a:solidFill>
+                <a:latin typeface="Consolas" panose="020B0609020204030204" pitchFamily="49" charset="0"/>
+              </a:rPr>
+              <a:t>setTimeout</a:t>
+            </a:r>
+            <a:r>
+              <a:rPr lang="it-IT" sz="1200" dirty="0">
+                <a:solidFill>
+                  <a:srgbClr val="D4D4D4"/>
+                </a:solidFill>
+                <a:latin typeface="Consolas" panose="020B0609020204030204" pitchFamily="49" charset="0"/>
+              </a:rPr>
+              <a:t>(</a:t>
+            </a:r>
+            <a:r>
+              <a:rPr lang="it-IT" sz="1200" dirty="0">
+                <a:solidFill>
+                  <a:srgbClr val="569CD6"/>
+                </a:solidFill>
+                <a:latin typeface="Consolas" panose="020B0609020204030204" pitchFamily="49" charset="0"/>
+              </a:rPr>
+              <a:t>function</a:t>
+            </a:r>
+            <a:r>
+              <a:rPr lang="it-IT" sz="1200" dirty="0">
+                <a:solidFill>
+                  <a:srgbClr val="D4D4D4"/>
+                </a:solidFill>
+                <a:latin typeface="Consolas" panose="020B0609020204030204" pitchFamily="49" charset="0"/>
+              </a:rPr>
+              <a:t>(){</a:t>
+            </a:r>
+            <a:r>
+              <a:rPr lang="it-IT" sz="1200" dirty="0">
+                <a:solidFill>
+                  <a:srgbClr val="DCDCAA"/>
+                </a:solidFill>
+                <a:latin typeface="Consolas" panose="020B0609020204030204" pitchFamily="49" charset="0"/>
+              </a:rPr>
+              <a:t>play</a:t>
+            </a:r>
+            <a:r>
+              <a:rPr lang="it-IT" sz="1200" dirty="0">
+                <a:solidFill>
+                  <a:srgbClr val="D4D4D4"/>
+                </a:solidFill>
+                <a:latin typeface="Consolas" panose="020B0609020204030204" pitchFamily="49" charset="0"/>
+              </a:rPr>
+              <a:t>(</a:t>
+            </a:r>
+            <a:r>
+              <a:rPr lang="it-IT" sz="1200" dirty="0">
+                <a:solidFill>
+                  <a:srgbClr val="9CDCFE"/>
+                </a:solidFill>
+                <a:latin typeface="Consolas" panose="020B0609020204030204" pitchFamily="49" charset="0"/>
+              </a:rPr>
+              <a:t>ms</a:t>
+            </a:r>
+            <a:r>
+              <a:rPr lang="it-IT" sz="1200" dirty="0">
+                <a:solidFill>
+                  <a:srgbClr val="D4D4D4"/>
+                </a:solidFill>
+                <a:latin typeface="Consolas" panose="020B0609020204030204" pitchFamily="49" charset="0"/>
+              </a:rPr>
+              <a:t>)},(</a:t>
+            </a:r>
+            <a:r>
+              <a:rPr lang="it-IT" sz="1200" dirty="0">
+                <a:solidFill>
+                  <a:srgbClr val="B5CEA8"/>
+                </a:solidFill>
+                <a:latin typeface="Consolas" panose="020B0609020204030204" pitchFamily="49" charset="0"/>
+              </a:rPr>
+              <a:t>5</a:t>
+            </a:r>
+            <a:r>
+              <a:rPr lang="it-IT" sz="1200" dirty="0">
+                <a:solidFill>
+                  <a:srgbClr val="D4D4D4"/>
+                </a:solidFill>
+                <a:latin typeface="Consolas" panose="020B0609020204030204" pitchFamily="49" charset="0"/>
+              </a:rPr>
+              <a:t>)/(</a:t>
+            </a:r>
+            <a:r>
+              <a:rPr lang="it-IT" sz="1200" dirty="0">
+                <a:solidFill>
+                  <a:srgbClr val="B5CEA8"/>
+                </a:solidFill>
+                <a:latin typeface="Consolas" panose="020B0609020204030204" pitchFamily="49" charset="0"/>
+              </a:rPr>
+              <a:t>10</a:t>
+            </a:r>
+            <a:r>
+              <a:rPr lang="it-IT" sz="1200" dirty="0">
+                <a:solidFill>
+                  <a:srgbClr val="D4D4D4"/>
+                </a:solidFill>
+                <a:latin typeface="Consolas" panose="020B0609020204030204" pitchFamily="49" charset="0"/>
+              </a:rPr>
+              <a:t>*</a:t>
+            </a:r>
+            <a:r>
+              <a:rPr lang="it-IT" sz="1200" dirty="0">
+                <a:solidFill>
+                  <a:srgbClr val="9CDCFE"/>
+                </a:solidFill>
+                <a:latin typeface="Consolas" panose="020B0609020204030204" pitchFamily="49" charset="0"/>
+              </a:rPr>
+              <a:t>fps</a:t>
+            </a:r>
+            <a:r>
+              <a:rPr lang="it-IT" sz="1200" dirty="0">
+                <a:solidFill>
+                  <a:srgbClr val="D4D4D4"/>
+                </a:solidFill>
+                <a:latin typeface="Consolas" panose="020B0609020204030204" pitchFamily="49" charset="0"/>
+              </a:rPr>
+              <a:t>)*</a:t>
+            </a:r>
+            <a:r>
+              <a:rPr lang="it-IT" sz="1200" dirty="0">
+                <a:solidFill>
+                  <a:srgbClr val="B5CEA8"/>
+                </a:solidFill>
+                <a:latin typeface="Consolas" panose="020B0609020204030204" pitchFamily="49" charset="0"/>
+              </a:rPr>
+              <a:t>1000</a:t>
+            </a:r>
+            <a:r>
+              <a:rPr lang="it-IT" sz="1200" dirty="0">
+                <a:solidFill>
+                  <a:srgbClr val="D4D4D4"/>
+                </a:solidFill>
+                <a:latin typeface="Consolas" panose="020B0609020204030204" pitchFamily="49" charset="0"/>
+              </a:rPr>
+              <a:t>*</a:t>
+            </a:r>
+            <a:r>
+              <a:rPr lang="it-IT" sz="1200" dirty="0">
+                <a:solidFill>
+                  <a:srgbClr val="9CDCFE"/>
+                </a:solidFill>
+                <a:latin typeface="Consolas" panose="020B0609020204030204" pitchFamily="49" charset="0"/>
+              </a:rPr>
+              <a:t>framesPermeasure</a:t>
+            </a:r>
+            <a:r>
+              <a:rPr lang="it-IT" sz="1200" dirty="0">
+                <a:solidFill>
+                  <a:srgbClr val="D4D4D4"/>
+                </a:solidFill>
+                <a:latin typeface="Consolas" panose="020B0609020204030204" pitchFamily="49" charset="0"/>
+              </a:rPr>
+              <a:t>)</a:t>
+            </a:r>
+          </a:p>
+          <a:p>
+            <a:endParaRPr lang="it-IT" sz="1200" dirty="0">
+              <a:solidFill>
+                <a:srgbClr val="D4D4D4"/>
+              </a:solidFill>
+              <a:latin typeface="Consolas" panose="020B0609020204030204" pitchFamily="49" charset="0"/>
+            </a:endParaRPr>
+          </a:p>
+          <a:p>
+            <a:r>
+              <a:rPr lang="it-IT" sz="1200" dirty="0">
+                <a:solidFill>
+                  <a:srgbClr val="C586C0"/>
+                </a:solidFill>
+                <a:latin typeface="Consolas" panose="020B0609020204030204" pitchFamily="49" charset="0"/>
+              </a:rPr>
+              <a:t>if</a:t>
+            </a:r>
+            <a:r>
+              <a:rPr lang="it-IT" sz="1200" dirty="0">
+                <a:solidFill>
+                  <a:srgbClr val="D4D4D4"/>
+                </a:solidFill>
+                <a:latin typeface="Consolas" panose="020B0609020204030204" pitchFamily="49" charset="0"/>
+              </a:rPr>
+              <a:t>(</a:t>
+            </a:r>
+            <a:r>
+              <a:rPr lang="it-IT" sz="1200" dirty="0">
+                <a:solidFill>
+                  <a:srgbClr val="9CDCFE"/>
+                </a:solidFill>
+                <a:latin typeface="Consolas" panose="020B0609020204030204" pitchFamily="49" charset="0"/>
+              </a:rPr>
+              <a:t>ms</a:t>
+            </a:r>
+            <a:r>
+              <a:rPr lang="it-IT" sz="1200" dirty="0">
+                <a:solidFill>
+                  <a:srgbClr val="D4D4D4"/>
+                </a:solidFill>
+                <a:latin typeface="Consolas" panose="020B0609020204030204" pitchFamily="49" charset="0"/>
+              </a:rPr>
+              <a:t>&gt;=</a:t>
+            </a:r>
+            <a:r>
+              <a:rPr lang="it-IT" sz="1200" dirty="0">
+                <a:solidFill>
+                  <a:srgbClr val="B5CEA8"/>
+                </a:solidFill>
+                <a:latin typeface="Consolas" panose="020B0609020204030204" pitchFamily="49" charset="0"/>
+              </a:rPr>
+              <a:t>10</a:t>
+            </a:r>
+            <a:r>
+              <a:rPr lang="it-IT" sz="1200" dirty="0">
+                <a:solidFill>
+                  <a:srgbClr val="D4D4D4"/>
+                </a:solidFill>
+                <a:latin typeface="Consolas" panose="020B0609020204030204" pitchFamily="49" charset="0"/>
+              </a:rPr>
+              <a:t>){</a:t>
+            </a:r>
+          </a:p>
+          <a:p>
+            <a:r>
+              <a:rPr lang="it-IT" sz="1200" dirty="0">
+                <a:solidFill>
+                  <a:srgbClr val="DCDCAA"/>
+                </a:solidFill>
+                <a:latin typeface="Consolas" panose="020B0609020204030204" pitchFamily="49" charset="0"/>
+              </a:rPr>
+              <a:t>setTimeout</a:t>
+            </a:r>
+            <a:r>
+              <a:rPr lang="it-IT" sz="1200" dirty="0">
+                <a:solidFill>
+                  <a:srgbClr val="D4D4D4"/>
+                </a:solidFill>
+                <a:latin typeface="Consolas" panose="020B0609020204030204" pitchFamily="49" charset="0"/>
+              </a:rPr>
+              <a:t>(</a:t>
+            </a:r>
+            <a:r>
+              <a:rPr lang="it-IT" sz="1200" dirty="0">
+                <a:solidFill>
+                  <a:srgbClr val="569CD6"/>
+                </a:solidFill>
+                <a:latin typeface="Consolas" panose="020B0609020204030204" pitchFamily="49" charset="0"/>
+              </a:rPr>
+              <a:t>function</a:t>
+            </a:r>
+            <a:r>
+              <a:rPr lang="it-IT" sz="1200" dirty="0">
+                <a:solidFill>
+                  <a:srgbClr val="D4D4D4"/>
+                </a:solidFill>
+                <a:latin typeface="Consolas" panose="020B0609020204030204" pitchFamily="49" charset="0"/>
+              </a:rPr>
+              <a:t>(){</a:t>
+            </a:r>
+            <a:r>
+              <a:rPr lang="it-IT" sz="1200" dirty="0">
+                <a:solidFill>
+                  <a:srgbClr val="DCDCAA"/>
+                </a:solidFill>
+                <a:latin typeface="Consolas" panose="020B0609020204030204" pitchFamily="49" charset="0"/>
+              </a:rPr>
+              <a:t>play</a:t>
+            </a:r>
+            <a:r>
+              <a:rPr lang="it-IT" sz="1200" dirty="0">
+                <a:solidFill>
+                  <a:srgbClr val="D4D4D4"/>
+                </a:solidFill>
+                <a:latin typeface="Consolas" panose="020B0609020204030204" pitchFamily="49" charset="0"/>
+              </a:rPr>
+              <a:t>(</a:t>
+            </a:r>
+            <a:r>
+              <a:rPr lang="it-IT" sz="1200" dirty="0">
+                <a:solidFill>
+                  <a:srgbClr val="9CDCFE"/>
+                </a:solidFill>
+                <a:latin typeface="Consolas" panose="020B0609020204030204" pitchFamily="49" charset="0"/>
+              </a:rPr>
+              <a:t>ms</a:t>
+            </a:r>
+            <a:r>
+              <a:rPr lang="it-IT" sz="1200" dirty="0">
+                <a:solidFill>
+                  <a:srgbClr val="D4D4D4"/>
+                </a:solidFill>
+                <a:latin typeface="Consolas" panose="020B0609020204030204" pitchFamily="49" charset="0"/>
+              </a:rPr>
+              <a:t>+</a:t>
+            </a:r>
+            <a:r>
+              <a:rPr lang="it-IT" sz="1200" dirty="0">
+                <a:solidFill>
+                  <a:srgbClr val="9CDCFE"/>
+                </a:solidFill>
+                <a:latin typeface="Consolas" panose="020B0609020204030204" pitchFamily="49" charset="0"/>
+              </a:rPr>
+              <a:t>mw</a:t>
+            </a:r>
+            <a:r>
+              <a:rPr lang="it-IT" sz="1200" dirty="0">
+                <a:solidFill>
+                  <a:srgbClr val="D4D4D4"/>
+                </a:solidFill>
+                <a:latin typeface="Consolas" panose="020B0609020204030204" pitchFamily="49" charset="0"/>
+              </a:rPr>
+              <a:t>+</a:t>
+            </a:r>
+            <a:r>
+              <a:rPr lang="it-IT" sz="1200" dirty="0">
+                <a:solidFill>
+                  <a:srgbClr val="9CDCFE"/>
+                </a:solidFill>
+                <a:latin typeface="Consolas" panose="020B0609020204030204" pitchFamily="49" charset="0"/>
+              </a:rPr>
+              <a:t>mr</a:t>
+            </a:r>
+            <a:r>
+              <a:rPr lang="it-IT" sz="1200" dirty="0">
+                <a:solidFill>
+                  <a:srgbClr val="D4D4D4"/>
+                </a:solidFill>
+                <a:latin typeface="Consolas" panose="020B0609020204030204" pitchFamily="49" charset="0"/>
+              </a:rPr>
+              <a:t>)},(</a:t>
+            </a:r>
+            <a:r>
+              <a:rPr lang="it-IT" sz="1200" dirty="0">
+                <a:solidFill>
+                  <a:srgbClr val="B5CEA8"/>
+                </a:solidFill>
+                <a:latin typeface="Consolas" panose="020B0609020204030204" pitchFamily="49" charset="0"/>
+              </a:rPr>
+              <a:t>7.5</a:t>
+            </a:r>
+            <a:r>
+              <a:rPr lang="it-IT" sz="1200" dirty="0">
+                <a:solidFill>
+                  <a:srgbClr val="D4D4D4"/>
+                </a:solidFill>
+                <a:latin typeface="Consolas" panose="020B0609020204030204" pitchFamily="49" charset="0"/>
+              </a:rPr>
+              <a:t>)/(</a:t>
+            </a:r>
+            <a:r>
+              <a:rPr lang="it-IT" sz="1200" dirty="0">
+                <a:solidFill>
+                  <a:srgbClr val="B5CEA8"/>
+                </a:solidFill>
+                <a:latin typeface="Consolas" panose="020B0609020204030204" pitchFamily="49" charset="0"/>
+              </a:rPr>
+              <a:t>10</a:t>
+            </a:r>
+            <a:r>
+              <a:rPr lang="it-IT" sz="1200" dirty="0">
+                <a:solidFill>
+                  <a:srgbClr val="D4D4D4"/>
+                </a:solidFill>
+                <a:latin typeface="Consolas" panose="020B0609020204030204" pitchFamily="49" charset="0"/>
+              </a:rPr>
+              <a:t>*</a:t>
+            </a:r>
+            <a:r>
+              <a:rPr lang="it-IT" sz="1200" dirty="0">
+                <a:solidFill>
+                  <a:srgbClr val="9CDCFE"/>
+                </a:solidFill>
+                <a:latin typeface="Consolas" panose="020B0609020204030204" pitchFamily="49" charset="0"/>
+              </a:rPr>
+              <a:t>fps</a:t>
+            </a:r>
+            <a:r>
+              <a:rPr lang="it-IT" sz="1200" dirty="0">
+                <a:solidFill>
+                  <a:srgbClr val="D4D4D4"/>
+                </a:solidFill>
+                <a:latin typeface="Consolas" panose="020B0609020204030204" pitchFamily="49" charset="0"/>
+              </a:rPr>
+              <a:t>)*</a:t>
+            </a:r>
+            <a:r>
+              <a:rPr lang="it-IT" sz="1200" dirty="0">
+                <a:solidFill>
+                  <a:srgbClr val="B5CEA8"/>
+                </a:solidFill>
+                <a:latin typeface="Consolas" panose="020B0609020204030204" pitchFamily="49" charset="0"/>
+              </a:rPr>
+              <a:t>1000</a:t>
+            </a:r>
+            <a:r>
+              <a:rPr lang="it-IT" sz="1200" dirty="0">
+                <a:solidFill>
+                  <a:srgbClr val="D4D4D4"/>
+                </a:solidFill>
+                <a:latin typeface="Consolas" panose="020B0609020204030204" pitchFamily="49" charset="0"/>
+              </a:rPr>
+              <a:t>*</a:t>
+            </a:r>
+            <a:r>
+              <a:rPr lang="it-IT" sz="1200" dirty="0">
+                <a:solidFill>
+                  <a:srgbClr val="9CDCFE"/>
+                </a:solidFill>
+                <a:latin typeface="Consolas" panose="020B0609020204030204" pitchFamily="49" charset="0"/>
+              </a:rPr>
+              <a:t>framesPermeasure</a:t>
+            </a:r>
+            <a:r>
+              <a:rPr lang="it-IT" sz="1200" dirty="0">
+                <a:solidFill>
+                  <a:srgbClr val="D4D4D4"/>
+                </a:solidFill>
+                <a:latin typeface="Consolas" panose="020B0609020204030204" pitchFamily="49" charset="0"/>
+              </a:rPr>
+              <a:t>)</a:t>
+            </a:r>
+          </a:p>
+          <a:p>
+            <a:r>
+              <a:rPr lang="it-IT" sz="1200" dirty="0">
+                <a:solidFill>
+                  <a:srgbClr val="D4D4D4"/>
+                </a:solidFill>
+                <a:latin typeface="Consolas" panose="020B0609020204030204" pitchFamily="49" charset="0"/>
+              </a:rPr>
+              <a:t>}</a:t>
+            </a:r>
+            <a:endParaRPr lang="it-IT" sz="1200" b="0" dirty="0">
+              <a:solidFill>
+                <a:srgbClr val="D4D4D4"/>
+              </a:solidFill>
+              <a:effectLst/>
+              <a:latin typeface="Consolas" panose="020B0609020204030204" pitchFamily="49" charset="0"/>
+            </a:endParaRPr>
+          </a:p>
+        </p:txBody>
+      </p:sp>
+      <mc:AlternateContent xmlns:mc="http://schemas.openxmlformats.org/markup-compatibility/2006">
+        <mc:Choice xmlns:a14="http://schemas.microsoft.com/office/drawing/2010/main" Requires="a14">
+          <p:sp>
+            <p:nvSpPr>
+              <p:cNvPr id="11" name="CasellaDiTesto 10">
+                <a:extLst>
+                  <a:ext uri="{FF2B5EF4-FFF2-40B4-BE49-F238E27FC236}">
+                    <a16:creationId xmlns:a16="http://schemas.microsoft.com/office/drawing/2014/main" id="{0F60CB42-178A-4958-B05E-03F23313886C}"/>
+                  </a:ext>
+                </a:extLst>
+              </p:cNvPr>
+              <p:cNvSpPr txBox="1"/>
+              <p:nvPr/>
+            </p:nvSpPr>
+            <p:spPr>
+              <a:xfrm>
+                <a:off x="89792" y="4866153"/>
+                <a:ext cx="6981568" cy="2031325"/>
+              </a:xfrm>
+              <a:prstGeom prst="rect">
+                <a:avLst/>
+              </a:prstGeom>
+              <a:noFill/>
+            </p:spPr>
+            <p:txBody>
+              <a:bodyPr wrap="square" rtlCol="0">
+                <a:spAutoFit/>
+              </a:bodyPr>
+              <a:lstStyle/>
+              <a:p>
+                <a:pPr marL="285750" indent="-285750">
+                  <a:buFont typeface="Arial" panose="020B0604020202020204" pitchFamily="34" charset="0"/>
+                  <a:buChar char="•"/>
+                </a:pPr>
+                <a14:m>
+                  <m:oMath xmlns:m="http://schemas.openxmlformats.org/officeDocument/2006/math">
+                    <m:r>
+                      <a:rPr lang="it-IT" i="1" smtClean="0">
+                        <a:solidFill>
+                          <a:schemeClr val="bg1"/>
+                        </a:solidFill>
+                        <a:latin typeface="Cambria Math" panose="02040503050406030204" pitchFamily="18" charset="0"/>
+                        <a:ea typeface="Cambria Math" panose="02040503050406030204" pitchFamily="18" charset="0"/>
+                      </a:rPr>
+                      <m:t>𝑚</m:t>
+                    </m:r>
+                    <m:r>
+                      <a:rPr lang="it-IT" b="0" i="1" smtClean="0">
+                        <a:solidFill>
+                          <a:schemeClr val="bg1"/>
+                        </a:solidFill>
+                        <a:latin typeface="Cambria Math" panose="02040503050406030204" pitchFamily="18" charset="0"/>
+                        <a:ea typeface="Cambria Math" panose="02040503050406030204" pitchFamily="18" charset="0"/>
+                      </a:rPr>
+                      <m:t>𝑟</m:t>
+                    </m:r>
+                    <m:r>
+                      <a:rPr lang="it-IT" b="0" i="1" smtClean="0">
+                        <a:solidFill>
+                          <a:schemeClr val="bg1"/>
+                        </a:solidFill>
+                        <a:latin typeface="Cambria Math" panose="02040503050406030204" pitchFamily="18" charset="0"/>
+                        <a:ea typeface="Cambria Math" panose="02040503050406030204" pitchFamily="18" charset="0"/>
+                      </a:rPr>
+                      <m:t>,  </m:t>
+                    </m:r>
+                    <m:r>
+                      <a:rPr lang="it-IT" b="0" i="1" smtClean="0">
+                        <a:solidFill>
+                          <a:schemeClr val="bg1"/>
+                        </a:solidFill>
+                        <a:latin typeface="Cambria Math" panose="02040503050406030204" pitchFamily="18" charset="0"/>
+                        <a:ea typeface="Cambria Math" panose="02040503050406030204" pitchFamily="18" charset="0"/>
+                      </a:rPr>
+                      <m:t>𝑚𝑤</m:t>
+                    </m:r>
+                    <m:r>
+                      <a:rPr lang="it-IT" b="0" i="1" smtClean="0">
+                        <a:solidFill>
+                          <a:schemeClr val="bg1"/>
+                        </a:solidFill>
+                        <a:latin typeface="Cambria Math" panose="02040503050406030204" pitchFamily="18" charset="0"/>
+                        <a:ea typeface="Cambria Math" panose="02040503050406030204" pitchFamily="18" charset="0"/>
+                      </a:rPr>
+                      <m:t>,  </m:t>
+                    </m:r>
+                    <m:r>
+                      <a:rPr lang="it-IT" b="0" i="1" smtClean="0">
+                        <a:solidFill>
+                          <a:schemeClr val="bg1"/>
+                        </a:solidFill>
+                        <a:latin typeface="Cambria Math" panose="02040503050406030204" pitchFamily="18" charset="0"/>
+                        <a:ea typeface="Cambria Math" panose="02040503050406030204" pitchFamily="18" charset="0"/>
+                      </a:rPr>
+                      <m:t>𝑚𝑠</m:t>
+                    </m:r>
+                    <m:r>
+                      <a:rPr lang="it-IT" b="0" i="1" smtClean="0">
+                        <a:solidFill>
+                          <a:schemeClr val="bg1"/>
+                        </a:solidFill>
+                        <a:latin typeface="Cambria Math" panose="02040503050406030204" pitchFamily="18" charset="0"/>
+                        <a:ea typeface="Cambria Math" panose="02040503050406030204" pitchFamily="18" charset="0"/>
+                      </a:rPr>
+                      <m:t>= </m:t>
+                    </m:r>
+                  </m:oMath>
+                </a14:m>
+                <a:r>
+                  <a:rPr lang="en-US" dirty="0">
+                    <a:solidFill>
+                      <a:schemeClr val="bg1"/>
+                    </a:solidFill>
+                    <a:latin typeface="Cambria Math" panose="02040503050406030204" pitchFamily="18" charset="0"/>
+                    <a:ea typeface="Cambria Math" panose="02040503050406030204" pitchFamily="18" charset="0"/>
+                  </a:rPr>
+                  <a:t>number of </a:t>
+                </a:r>
+                <a:r>
+                  <a:rPr lang="en-US" dirty="0" err="1">
+                    <a:solidFill>
+                      <a:schemeClr val="bg1"/>
+                    </a:solidFill>
+                    <a:latin typeface="Cambria Math" panose="02040503050406030204" pitchFamily="18" charset="0"/>
+                    <a:ea typeface="Cambria Math" panose="02040503050406030204" pitchFamily="18" charset="0"/>
+                  </a:rPr>
+                  <a:t>sheeps</a:t>
+                </a:r>
+                <a:r>
+                  <a:rPr lang="en-US" dirty="0">
+                    <a:solidFill>
+                      <a:schemeClr val="bg1"/>
+                    </a:solidFill>
+                    <a:latin typeface="Cambria Math" panose="02040503050406030204" pitchFamily="18" charset="0"/>
+                    <a:ea typeface="Cambria Math" panose="02040503050406030204" pitchFamily="18" charset="0"/>
+                  </a:rPr>
+                  <a:t> that respectively started running, walking or stopped</a:t>
+                </a:r>
+              </a:p>
+              <a:p>
+                <a:endParaRPr lang="en-US" dirty="0">
+                  <a:solidFill>
+                    <a:schemeClr val="bg1"/>
+                  </a:solidFill>
+                </a:endParaRPr>
+              </a:p>
+              <a:p>
+                <a:pPr marL="285750" indent="-285750">
+                  <a:buFont typeface="Arial" panose="020B0604020202020204" pitchFamily="34" charset="0"/>
+                  <a:buChar char="•"/>
+                </a:pPr>
+                <a:endParaRPr lang="en-US" dirty="0">
+                  <a:solidFill>
+                    <a:schemeClr val="bg1"/>
+                  </a:solidFill>
+                </a:endParaRPr>
+              </a:p>
+              <a:p>
+                <a:pPr marL="285750" indent="-285750">
+                  <a:buFont typeface="Arial" panose="020B0604020202020204" pitchFamily="34" charset="0"/>
+                  <a:buChar char="•"/>
+                </a:pPr>
+                <a:endParaRPr lang="en-US" dirty="0">
+                  <a:solidFill>
+                    <a:schemeClr val="bg1"/>
+                  </a:solidFill>
+                </a:endParaRPr>
+              </a:p>
+              <a:p>
+                <a:pPr marL="285750" indent="-285750">
+                  <a:buFont typeface="Arial" panose="020B0604020202020204" pitchFamily="34" charset="0"/>
+                  <a:buChar char="•"/>
+                </a:pPr>
+                <a:endParaRPr lang="en-US" dirty="0">
+                  <a:solidFill>
+                    <a:schemeClr val="bg1"/>
+                  </a:solidFill>
+                </a:endParaRPr>
+              </a:p>
+              <a:p>
+                <a:pPr marL="285750" indent="-285750">
+                  <a:buFont typeface="Arial" panose="020B0604020202020204" pitchFamily="34" charset="0"/>
+                  <a:buChar char="•"/>
+                </a:pPr>
+                <a:endParaRPr lang="en-US" dirty="0">
+                  <a:solidFill>
+                    <a:schemeClr val="bg1"/>
+                  </a:solidFill>
+                </a:endParaRPr>
+              </a:p>
+            </p:txBody>
+          </p:sp>
+        </mc:Choice>
+        <mc:Fallback>
+          <p:sp>
+            <p:nvSpPr>
+              <p:cNvPr id="11" name="CasellaDiTesto 10">
+                <a:extLst>
+                  <a:ext uri="{FF2B5EF4-FFF2-40B4-BE49-F238E27FC236}">
+                    <a16:creationId xmlns:a16="http://schemas.microsoft.com/office/drawing/2014/main" id="{0F60CB42-178A-4958-B05E-03F23313886C}"/>
+                  </a:ext>
+                </a:extLst>
+              </p:cNvPr>
+              <p:cNvSpPr txBox="1">
+                <a:spLocks noRot="1" noChangeAspect="1" noMove="1" noResize="1" noEditPoints="1" noAdjustHandles="1" noChangeArrowheads="1" noChangeShapeType="1" noTextEdit="1"/>
+              </p:cNvSpPr>
+              <p:nvPr/>
+            </p:nvSpPr>
+            <p:spPr>
+              <a:xfrm>
+                <a:off x="89792" y="4866153"/>
+                <a:ext cx="6981568" cy="2031325"/>
+              </a:xfrm>
+              <a:prstGeom prst="rect">
+                <a:avLst/>
+              </a:prstGeom>
+              <a:blipFill>
+                <a:blip r:embed="rId4"/>
+                <a:stretch>
+                  <a:fillRect l="-611" t="-1802"/>
+                </a:stretch>
+              </a:blipFill>
+            </p:spPr>
+            <p:txBody>
+              <a:bodyPr/>
+              <a:lstStyle/>
+              <a:p>
+                <a:r>
+                  <a:rPr lang="it-IT">
+                    <a:noFill/>
+                  </a:rPr>
+                  <a:t> </a:t>
+                </a:r>
+              </a:p>
+            </p:txBody>
+          </p:sp>
+        </mc:Fallback>
+      </mc:AlternateContent>
+      <p:sp>
+        <p:nvSpPr>
+          <p:cNvPr id="8" name="CasellaDiTesto 7">
+            <a:extLst>
+              <a:ext uri="{FF2B5EF4-FFF2-40B4-BE49-F238E27FC236}">
+                <a16:creationId xmlns:a16="http://schemas.microsoft.com/office/drawing/2014/main" id="{4D104B56-4E5A-4593-B017-0E569798CF78}"/>
+              </a:ext>
+            </a:extLst>
+          </p:cNvPr>
+          <p:cNvSpPr txBox="1"/>
+          <p:nvPr/>
+        </p:nvSpPr>
+        <p:spPr>
+          <a:xfrm>
+            <a:off x="89792" y="976184"/>
+            <a:ext cx="6805278" cy="923330"/>
+          </a:xfrm>
+          <a:prstGeom prst="rect">
+            <a:avLst/>
+          </a:prstGeom>
+          <a:noFill/>
+        </p:spPr>
+        <p:txBody>
+          <a:bodyPr wrap="square" rtlCol="0">
+            <a:spAutoFit/>
+          </a:bodyPr>
+          <a:lstStyle/>
+          <a:p>
+            <a:r>
+              <a:rPr lang="it-IT" dirty="0">
+                <a:solidFill>
+                  <a:schemeClr val="bg1"/>
+                </a:solidFill>
+              </a:rPr>
+              <a:t>The following code </a:t>
+            </a:r>
+            <a:r>
+              <a:rPr lang="it-IT" dirty="0" err="1">
+                <a:solidFill>
+                  <a:schemeClr val="bg1"/>
+                </a:solidFill>
+              </a:rPr>
+              <a:t>is</a:t>
+            </a:r>
+            <a:r>
+              <a:rPr lang="it-IT" dirty="0">
+                <a:solidFill>
+                  <a:schemeClr val="bg1"/>
+                </a:solidFill>
+              </a:rPr>
+              <a:t> </a:t>
+            </a:r>
+            <a:r>
+              <a:rPr lang="it-IT" dirty="0" err="1">
+                <a:solidFill>
+                  <a:schemeClr val="bg1"/>
+                </a:solidFill>
+              </a:rPr>
+              <a:t>executed</a:t>
+            </a:r>
+            <a:r>
+              <a:rPr lang="it-IT" dirty="0">
+                <a:solidFill>
+                  <a:schemeClr val="bg1"/>
+                </a:solidFill>
+              </a:rPr>
+              <a:t> once </a:t>
+            </a:r>
+            <a:r>
+              <a:rPr lang="it-IT" dirty="0" err="1">
+                <a:solidFill>
+                  <a:schemeClr val="bg1"/>
+                </a:solidFill>
+              </a:rPr>
+              <a:t>every</a:t>
+            </a:r>
+            <a:r>
+              <a:rPr lang="it-IT" dirty="0">
+                <a:solidFill>
+                  <a:schemeClr val="bg1"/>
+                </a:solidFill>
+              </a:rPr>
+              <a:t> n frames, </a:t>
+            </a:r>
+            <a:r>
+              <a:rPr lang="it-IT" dirty="0" err="1">
+                <a:solidFill>
+                  <a:schemeClr val="bg1"/>
+                </a:solidFill>
+              </a:rPr>
+              <a:t>depending</a:t>
+            </a:r>
+            <a:r>
+              <a:rPr lang="it-IT" dirty="0">
+                <a:solidFill>
+                  <a:schemeClr val="bg1"/>
+                </a:solidFill>
+              </a:rPr>
+              <a:t> on </a:t>
+            </a:r>
+            <a:r>
+              <a:rPr lang="it-IT" dirty="0" err="1">
+                <a:solidFill>
+                  <a:schemeClr val="bg1"/>
+                </a:solidFill>
+              </a:rPr>
+              <a:t>how</a:t>
+            </a:r>
+            <a:r>
+              <a:rPr lang="it-IT" dirty="0">
+                <a:solidFill>
+                  <a:schemeClr val="bg1"/>
+                </a:solidFill>
+              </a:rPr>
+              <a:t> fast the BPM </a:t>
+            </a:r>
+            <a:r>
+              <a:rPr lang="it-IT" dirty="0" err="1">
+                <a:solidFill>
+                  <a:schemeClr val="bg1"/>
+                </a:solidFill>
+              </a:rPr>
+              <a:t>is</a:t>
+            </a:r>
+            <a:r>
+              <a:rPr lang="it-IT" dirty="0">
+                <a:solidFill>
+                  <a:schemeClr val="bg1"/>
+                </a:solidFill>
+              </a:rPr>
+              <a:t> set. </a:t>
+            </a:r>
+          </a:p>
+          <a:p>
+            <a:r>
+              <a:rPr lang="it-IT" dirty="0">
+                <a:solidFill>
+                  <a:schemeClr val="bg1"/>
+                </a:solidFill>
+              </a:rPr>
+              <a:t>The </a:t>
+            </a:r>
+            <a:r>
+              <a:rPr lang="it-IT" dirty="0" err="1">
+                <a:solidFill>
+                  <a:schemeClr val="bg1"/>
+                </a:solidFill>
+              </a:rPr>
+              <a:t>four</a:t>
+            </a:r>
+            <a:r>
+              <a:rPr lang="it-IT" dirty="0">
+                <a:solidFill>
+                  <a:schemeClr val="bg1"/>
+                </a:solidFill>
+              </a:rPr>
+              <a:t> notes are </a:t>
+            </a:r>
+            <a:r>
+              <a:rPr lang="it-IT" dirty="0" err="1">
+                <a:solidFill>
+                  <a:schemeClr val="bg1"/>
+                </a:solidFill>
+              </a:rPr>
+              <a:t>equally</a:t>
+            </a:r>
+            <a:r>
+              <a:rPr lang="it-IT" dirty="0">
+                <a:solidFill>
+                  <a:schemeClr val="bg1"/>
+                </a:solidFill>
+              </a:rPr>
+              <a:t> </a:t>
+            </a:r>
+            <a:r>
+              <a:rPr lang="it-IT" dirty="0" err="1">
+                <a:solidFill>
+                  <a:schemeClr val="bg1"/>
+                </a:solidFill>
+              </a:rPr>
+              <a:t>spaced</a:t>
+            </a:r>
+            <a:r>
+              <a:rPr lang="it-IT" dirty="0">
+                <a:solidFill>
+                  <a:schemeClr val="bg1"/>
+                </a:solidFill>
+              </a:rPr>
+              <a:t> inside </a:t>
+            </a:r>
+            <a:r>
+              <a:rPr lang="it-IT" dirty="0" err="1">
+                <a:solidFill>
+                  <a:schemeClr val="bg1"/>
+                </a:solidFill>
+              </a:rPr>
+              <a:t>each</a:t>
+            </a:r>
+            <a:r>
+              <a:rPr lang="it-IT" dirty="0">
+                <a:solidFill>
+                  <a:schemeClr val="bg1"/>
+                </a:solidFill>
+              </a:rPr>
+              <a:t> </a:t>
+            </a:r>
+            <a:r>
+              <a:rPr lang="it-IT" dirty="0" err="1">
+                <a:solidFill>
+                  <a:schemeClr val="bg1"/>
+                </a:solidFill>
+              </a:rPr>
+              <a:t>measure</a:t>
+            </a:r>
+            <a:r>
+              <a:rPr lang="it-IT" dirty="0">
+                <a:solidFill>
+                  <a:schemeClr val="bg1"/>
+                </a:solidFill>
+              </a:rPr>
+              <a:t>.</a:t>
+            </a:r>
+          </a:p>
+        </p:txBody>
+      </p:sp>
+      <p:pic>
+        <p:nvPicPr>
+          <p:cNvPr id="12" name="Immagine 11">
+            <a:extLst>
+              <a:ext uri="{FF2B5EF4-FFF2-40B4-BE49-F238E27FC236}">
+                <a16:creationId xmlns:a16="http://schemas.microsoft.com/office/drawing/2014/main" id="{03E37A17-8984-4746-8695-F989916C6A1C}"/>
+              </a:ext>
+            </a:extLst>
+          </p:cNvPr>
+          <p:cNvPicPr>
+            <a:picLocks noChangeAspect="1"/>
+          </p:cNvPicPr>
+          <p:nvPr/>
+        </p:nvPicPr>
+        <p:blipFill>
+          <a:blip r:embed="rId5">
+            <a:extLst>
+              <a:ext uri="{BEBA8EAE-BF5A-486C-A8C5-ECC9F3942E4B}">
+                <a14:imgProps xmlns:a14="http://schemas.microsoft.com/office/drawing/2010/main">
+                  <a14:imgLayer r:embed="rId6">
+                    <a14:imgEffect>
+                      <a14:backgroundRemoval t="0" b="100000" l="0" r="100000"/>
+                    </a14:imgEffect>
+                  </a14:imgLayer>
+                </a14:imgProps>
+              </a:ext>
+            </a:extLst>
+          </a:blip>
+          <a:stretch>
+            <a:fillRect/>
+          </a:stretch>
+        </p:blipFill>
+        <p:spPr>
+          <a:xfrm>
+            <a:off x="4311120" y="2051981"/>
+            <a:ext cx="2505425" cy="619211"/>
+          </a:xfrm>
+          <a:prstGeom prst="rect">
+            <a:avLst/>
+          </a:prstGeom>
+        </p:spPr>
+      </p:pic>
+      <p:sp>
+        <p:nvSpPr>
+          <p:cNvPr id="14" name="CasellaDiTesto 13">
+            <a:extLst>
+              <a:ext uri="{FF2B5EF4-FFF2-40B4-BE49-F238E27FC236}">
+                <a16:creationId xmlns:a16="http://schemas.microsoft.com/office/drawing/2014/main" id="{270DA01D-FA38-4543-B771-25FF4D09E35A}"/>
+              </a:ext>
+            </a:extLst>
+          </p:cNvPr>
+          <p:cNvSpPr txBox="1"/>
+          <p:nvPr/>
+        </p:nvSpPr>
+        <p:spPr>
+          <a:xfrm>
+            <a:off x="4287796" y="2051981"/>
+            <a:ext cx="877329" cy="369332"/>
+          </a:xfrm>
+          <a:prstGeom prst="rect">
+            <a:avLst/>
+          </a:prstGeom>
+          <a:noFill/>
+        </p:spPr>
+        <p:txBody>
+          <a:bodyPr wrap="square" rtlCol="0">
+            <a:spAutoFit/>
+          </a:bodyPr>
+          <a:lstStyle/>
+          <a:p>
+            <a:r>
+              <a:rPr lang="it-IT" dirty="0">
+                <a:solidFill>
+                  <a:schemeClr val="bg1"/>
+                </a:solidFill>
+              </a:rPr>
+              <a:t>BPM</a:t>
+            </a:r>
+          </a:p>
+        </p:txBody>
+      </p:sp>
+      <p:cxnSp>
+        <p:nvCxnSpPr>
+          <p:cNvPr id="17" name="Connettore 2 16">
+            <a:extLst>
+              <a:ext uri="{FF2B5EF4-FFF2-40B4-BE49-F238E27FC236}">
+                <a16:creationId xmlns:a16="http://schemas.microsoft.com/office/drawing/2014/main" id="{C0934E89-3799-4E0E-B05C-62B3CBB5B79C}"/>
+              </a:ext>
+            </a:extLst>
+          </p:cNvPr>
+          <p:cNvCxnSpPr>
+            <a:cxnSpLocks/>
+          </p:cNvCxnSpPr>
+          <p:nvPr/>
+        </p:nvCxnSpPr>
+        <p:spPr>
+          <a:xfrm flipH="1" flipV="1">
+            <a:off x="4930347" y="2607299"/>
+            <a:ext cx="135923" cy="229024"/>
+          </a:xfrm>
+          <a:prstGeom prst="straightConnector1">
+            <a:avLst/>
+          </a:prstGeom>
+          <a:ln>
+            <a:tailEnd type="triangle"/>
+          </a:ln>
+        </p:spPr>
+        <p:style>
+          <a:lnRef idx="2">
+            <a:schemeClr val="accent1"/>
+          </a:lnRef>
+          <a:fillRef idx="0">
+            <a:schemeClr val="accent1"/>
+          </a:fillRef>
+          <a:effectRef idx="1">
+            <a:schemeClr val="accent1"/>
+          </a:effectRef>
+          <a:fontRef idx="minor">
+            <a:schemeClr val="tx1"/>
+          </a:fontRef>
+        </p:style>
+      </p:cxnSp>
     </p:spTree>
     <p:extLst>
       <p:ext uri="{BB962C8B-B14F-4D97-AF65-F5344CB8AC3E}">
-        <p14:creationId xmlns:p14="http://schemas.microsoft.com/office/powerpoint/2010/main" val="2677027226"/>
+        <p14:creationId xmlns:p14="http://schemas.microsoft.com/office/powerpoint/2010/main" val="1665514714"/>
       </p:ext>
     </p:extLst>
   </p:cSld>
@@ -11644,10 +13607,3831 @@
           </a:p>
         </p:txBody>
       </p:sp>
+      <p:sp>
+        <p:nvSpPr>
+          <p:cNvPr id="5" name="CasellaDiTesto 4">
+            <a:extLst>
+              <a:ext uri="{FF2B5EF4-FFF2-40B4-BE49-F238E27FC236}">
+                <a16:creationId xmlns:a16="http://schemas.microsoft.com/office/drawing/2014/main" id="{B99F6604-B585-446E-B3D3-702DC3DE8AC2}"/>
+              </a:ext>
+            </a:extLst>
+          </p:cNvPr>
+          <p:cNvSpPr txBox="1"/>
+          <p:nvPr/>
+        </p:nvSpPr>
+        <p:spPr>
+          <a:xfrm>
+            <a:off x="0" y="157954"/>
+            <a:ext cx="5436973" cy="707886"/>
+          </a:xfrm>
+          <a:prstGeom prst="rect">
+            <a:avLst/>
+          </a:prstGeom>
+          <a:noFill/>
+        </p:spPr>
+        <p:txBody>
+          <a:bodyPr wrap="square" rtlCol="0">
+            <a:spAutoFit/>
+          </a:bodyPr>
+          <a:lstStyle/>
+          <a:p>
+            <a:r>
+              <a:rPr lang="it-IT" sz="4000" dirty="0">
+                <a:solidFill>
+                  <a:schemeClr val="bg1"/>
+                </a:solidFill>
+              </a:rPr>
+              <a:t>SHEEPS DRUMS</a:t>
+            </a:r>
+          </a:p>
+        </p:txBody>
+      </p:sp>
+      <p:sp>
+        <p:nvSpPr>
+          <p:cNvPr id="2" name="Rettangolo 1">
+            <a:extLst>
+              <a:ext uri="{FF2B5EF4-FFF2-40B4-BE49-F238E27FC236}">
+                <a16:creationId xmlns:a16="http://schemas.microsoft.com/office/drawing/2014/main" id="{3EC8CA96-FAEF-4DB6-B1E3-CCCA6A475C36}"/>
+              </a:ext>
+            </a:extLst>
+          </p:cNvPr>
+          <p:cNvSpPr/>
+          <p:nvPr/>
+        </p:nvSpPr>
+        <p:spPr>
+          <a:xfrm>
+            <a:off x="0" y="972153"/>
+            <a:ext cx="8513805" cy="5262979"/>
+          </a:xfrm>
+          <a:prstGeom prst="rect">
+            <a:avLst/>
+          </a:prstGeom>
+        </p:spPr>
+        <p:txBody>
+          <a:bodyPr wrap="square">
+            <a:spAutoFit/>
+          </a:bodyPr>
+          <a:lstStyle/>
+          <a:p>
+            <a:r>
+              <a:rPr lang="it-IT" sz="800" dirty="0">
+                <a:solidFill>
+                  <a:srgbClr val="C586C0"/>
+                </a:solidFill>
+                <a:latin typeface="Consolas" panose="020B0609020204030204" pitchFamily="49" charset="0"/>
+              </a:rPr>
+              <a:t>if</a:t>
+            </a:r>
+            <a:r>
+              <a:rPr lang="it-IT" sz="800" dirty="0">
+                <a:solidFill>
+                  <a:srgbClr val="D4D4D4"/>
+                </a:solidFill>
+                <a:latin typeface="Consolas" panose="020B0609020204030204" pitchFamily="49" charset="0"/>
+              </a:rPr>
+              <a:t> (</a:t>
+            </a:r>
+            <a:r>
+              <a:rPr lang="it-IT" sz="800" dirty="0">
+                <a:solidFill>
+                  <a:srgbClr val="9CDCFE"/>
+                </a:solidFill>
+                <a:latin typeface="Consolas" panose="020B0609020204030204" pitchFamily="49" charset="0"/>
+              </a:rPr>
+              <a:t>mr</a:t>
+            </a:r>
+            <a:r>
+              <a:rPr lang="it-IT" sz="800" dirty="0">
+                <a:solidFill>
+                  <a:srgbClr val="D4D4D4"/>
+                </a:solidFill>
+                <a:latin typeface="Consolas" panose="020B0609020204030204" pitchFamily="49" charset="0"/>
+              </a:rPr>
+              <a:t>&gt;=</a:t>
+            </a:r>
+            <a:r>
+              <a:rPr lang="it-IT" sz="800" dirty="0">
+                <a:solidFill>
+                  <a:srgbClr val="B5CEA8"/>
+                </a:solidFill>
+                <a:latin typeface="Consolas" panose="020B0609020204030204" pitchFamily="49" charset="0"/>
+              </a:rPr>
+              <a:t>10</a:t>
+            </a:r>
+            <a:r>
+              <a:rPr lang="it-IT" sz="800" dirty="0">
+                <a:solidFill>
+                  <a:srgbClr val="D4D4D4"/>
+                </a:solidFill>
+                <a:latin typeface="Consolas" panose="020B0609020204030204" pitchFamily="49" charset="0"/>
+              </a:rPr>
+              <a:t>) </a:t>
+            </a:r>
+          </a:p>
+          <a:p>
+            <a:r>
+              <a:rPr lang="it-IT" sz="800" dirty="0">
+                <a:solidFill>
+                  <a:srgbClr val="D4D4D4"/>
+                </a:solidFill>
+                <a:latin typeface="Consolas" panose="020B0609020204030204" pitchFamily="49" charset="0"/>
+              </a:rPr>
+              <a:t>    </a:t>
+            </a:r>
+            <a:r>
+              <a:rPr lang="it-IT" sz="800" dirty="0" err="1">
+                <a:solidFill>
+                  <a:srgbClr val="9CDCFE"/>
+                </a:solidFill>
+                <a:latin typeface="Consolas" panose="020B0609020204030204" pitchFamily="49" charset="0"/>
+              </a:rPr>
+              <a:t>crash</a:t>
+            </a:r>
+            <a:r>
+              <a:rPr lang="it-IT" sz="800" dirty="0" err="1">
+                <a:solidFill>
+                  <a:srgbClr val="D4D4D4"/>
+                </a:solidFill>
+                <a:latin typeface="Consolas" panose="020B0609020204030204" pitchFamily="49" charset="0"/>
+              </a:rPr>
+              <a:t>.</a:t>
+            </a:r>
+            <a:r>
+              <a:rPr lang="it-IT" sz="800" dirty="0" err="1">
+                <a:solidFill>
+                  <a:srgbClr val="DCDCAA"/>
+                </a:solidFill>
+                <a:latin typeface="Consolas" panose="020B0609020204030204" pitchFamily="49" charset="0"/>
+              </a:rPr>
+              <a:t>play</a:t>
+            </a:r>
+            <a:r>
+              <a:rPr lang="it-IT" sz="800" dirty="0">
+                <a:solidFill>
+                  <a:srgbClr val="D4D4D4"/>
+                </a:solidFill>
+                <a:latin typeface="Consolas" panose="020B0609020204030204" pitchFamily="49" charset="0"/>
+              </a:rPr>
+              <a:t>()</a:t>
+            </a:r>
+          </a:p>
+          <a:p>
+            <a:r>
+              <a:rPr lang="it-IT" sz="800" dirty="0">
+                <a:solidFill>
+                  <a:srgbClr val="D4D4D4"/>
+                </a:solidFill>
+                <a:latin typeface="Consolas" panose="020B0609020204030204" pitchFamily="49" charset="0"/>
+              </a:rPr>
+              <a:t>  </a:t>
+            </a:r>
+            <a:r>
+              <a:rPr lang="it-IT" sz="800" dirty="0">
+                <a:solidFill>
+                  <a:srgbClr val="C586C0"/>
+                </a:solidFill>
+                <a:latin typeface="Consolas" panose="020B0609020204030204" pitchFamily="49" charset="0"/>
+              </a:rPr>
+              <a:t>else</a:t>
+            </a:r>
+            <a:r>
+              <a:rPr lang="it-IT" sz="800" dirty="0">
+                <a:solidFill>
+                  <a:srgbClr val="D4D4D4"/>
+                </a:solidFill>
+                <a:latin typeface="Consolas" panose="020B0609020204030204" pitchFamily="49" charset="0"/>
+              </a:rPr>
+              <a:t> </a:t>
+            </a:r>
+            <a:r>
+              <a:rPr lang="it-IT" sz="800" dirty="0">
+                <a:solidFill>
+                  <a:srgbClr val="C586C0"/>
+                </a:solidFill>
+                <a:latin typeface="Consolas" panose="020B0609020204030204" pitchFamily="49" charset="0"/>
+              </a:rPr>
+              <a:t>if</a:t>
+            </a:r>
+            <a:r>
+              <a:rPr lang="it-IT" sz="800" dirty="0">
+                <a:solidFill>
+                  <a:srgbClr val="D4D4D4"/>
+                </a:solidFill>
+                <a:latin typeface="Consolas" panose="020B0609020204030204" pitchFamily="49" charset="0"/>
+              </a:rPr>
+              <a:t> (</a:t>
+            </a:r>
+            <a:r>
+              <a:rPr lang="it-IT" sz="800" dirty="0">
+                <a:solidFill>
+                  <a:srgbClr val="9CDCFE"/>
+                </a:solidFill>
+                <a:latin typeface="Consolas" panose="020B0609020204030204" pitchFamily="49" charset="0"/>
+              </a:rPr>
+              <a:t>mr</a:t>
+            </a:r>
+            <a:r>
+              <a:rPr lang="it-IT" sz="800" dirty="0">
+                <a:solidFill>
+                  <a:srgbClr val="D4D4D4"/>
+                </a:solidFill>
+                <a:latin typeface="Consolas" panose="020B0609020204030204" pitchFamily="49" charset="0"/>
+              </a:rPr>
+              <a:t>&gt;=</a:t>
+            </a:r>
+            <a:r>
+              <a:rPr lang="it-IT" sz="800" dirty="0">
+                <a:solidFill>
+                  <a:srgbClr val="B5CEA8"/>
+                </a:solidFill>
+                <a:latin typeface="Consolas" panose="020B0609020204030204" pitchFamily="49" charset="0"/>
+              </a:rPr>
+              <a:t>5</a:t>
+            </a:r>
+            <a:r>
+              <a:rPr lang="it-IT" sz="800" dirty="0">
+                <a:solidFill>
+                  <a:srgbClr val="D4D4D4"/>
+                </a:solidFill>
+                <a:latin typeface="Consolas" panose="020B0609020204030204" pitchFamily="49" charset="0"/>
+              </a:rPr>
+              <a:t>) </a:t>
+            </a:r>
+          </a:p>
+          <a:p>
+            <a:r>
+              <a:rPr lang="it-IT" sz="800" dirty="0">
+                <a:solidFill>
+                  <a:srgbClr val="D4D4D4"/>
+                </a:solidFill>
+                <a:latin typeface="Consolas" panose="020B0609020204030204" pitchFamily="49" charset="0"/>
+              </a:rPr>
+              <a:t>    </a:t>
+            </a:r>
+            <a:r>
+              <a:rPr lang="it-IT" sz="800" dirty="0" err="1">
+                <a:solidFill>
+                  <a:srgbClr val="9CDCFE"/>
+                </a:solidFill>
+                <a:latin typeface="Consolas" panose="020B0609020204030204" pitchFamily="49" charset="0"/>
+              </a:rPr>
+              <a:t>ride</a:t>
+            </a:r>
+            <a:r>
+              <a:rPr lang="it-IT" sz="800" dirty="0" err="1">
+                <a:solidFill>
+                  <a:srgbClr val="D4D4D4"/>
+                </a:solidFill>
+                <a:latin typeface="Consolas" panose="020B0609020204030204" pitchFamily="49" charset="0"/>
+              </a:rPr>
+              <a:t>.</a:t>
+            </a:r>
+            <a:r>
+              <a:rPr lang="it-IT" sz="800" dirty="0" err="1">
+                <a:solidFill>
+                  <a:srgbClr val="DCDCAA"/>
+                </a:solidFill>
+                <a:latin typeface="Consolas" panose="020B0609020204030204" pitchFamily="49" charset="0"/>
+              </a:rPr>
+              <a:t>play</a:t>
+            </a:r>
+            <a:r>
+              <a:rPr lang="it-IT" sz="800" dirty="0">
+                <a:solidFill>
+                  <a:srgbClr val="D4D4D4"/>
+                </a:solidFill>
+                <a:latin typeface="Consolas" panose="020B0609020204030204" pitchFamily="49" charset="0"/>
+              </a:rPr>
+              <a:t>()</a:t>
+            </a:r>
+          </a:p>
+          <a:p>
+            <a:r>
+              <a:rPr lang="it-IT" sz="800" dirty="0">
+                <a:solidFill>
+                  <a:srgbClr val="D4D4D4"/>
+                </a:solidFill>
+                <a:latin typeface="Consolas" panose="020B0609020204030204" pitchFamily="49" charset="0"/>
+              </a:rPr>
+              <a:t>  </a:t>
+            </a:r>
+            <a:r>
+              <a:rPr lang="it-IT" sz="800" dirty="0">
+                <a:solidFill>
+                  <a:srgbClr val="C586C0"/>
+                </a:solidFill>
+                <a:latin typeface="Consolas" panose="020B0609020204030204" pitchFamily="49" charset="0"/>
+              </a:rPr>
+              <a:t>else</a:t>
+            </a:r>
+            <a:r>
+              <a:rPr lang="it-IT" sz="800" dirty="0">
+                <a:solidFill>
+                  <a:srgbClr val="D4D4D4"/>
+                </a:solidFill>
+                <a:latin typeface="Consolas" panose="020B0609020204030204" pitchFamily="49" charset="0"/>
+              </a:rPr>
+              <a:t> </a:t>
+            </a:r>
+            <a:r>
+              <a:rPr lang="it-IT" sz="800" dirty="0">
+                <a:solidFill>
+                  <a:srgbClr val="C586C0"/>
+                </a:solidFill>
+                <a:latin typeface="Consolas" panose="020B0609020204030204" pitchFamily="49" charset="0"/>
+              </a:rPr>
+              <a:t>if</a:t>
+            </a:r>
+            <a:r>
+              <a:rPr lang="it-IT" sz="800" dirty="0">
+                <a:solidFill>
+                  <a:srgbClr val="D4D4D4"/>
+                </a:solidFill>
+                <a:latin typeface="Consolas" panose="020B0609020204030204" pitchFamily="49" charset="0"/>
+              </a:rPr>
+              <a:t> (</a:t>
+            </a:r>
+            <a:r>
+              <a:rPr lang="it-IT" sz="800" dirty="0" err="1">
+                <a:solidFill>
+                  <a:srgbClr val="9CDCFE"/>
+                </a:solidFill>
+                <a:latin typeface="Consolas" panose="020B0609020204030204" pitchFamily="49" charset="0"/>
+              </a:rPr>
+              <a:t>n_pecore_stay</a:t>
+            </a:r>
+            <a:r>
+              <a:rPr lang="it-IT" sz="800" dirty="0">
+                <a:solidFill>
+                  <a:srgbClr val="D4D4D4"/>
+                </a:solidFill>
+                <a:latin typeface="Consolas" panose="020B0609020204030204" pitchFamily="49" charset="0"/>
+              </a:rPr>
+              <a:t>&lt;</a:t>
+            </a:r>
+            <a:r>
+              <a:rPr lang="it-IT" sz="800" dirty="0">
+                <a:solidFill>
+                  <a:srgbClr val="B5CEA8"/>
+                </a:solidFill>
+                <a:latin typeface="Consolas" panose="020B0609020204030204" pitchFamily="49" charset="0"/>
+              </a:rPr>
+              <a:t>5</a:t>
+            </a:r>
+            <a:r>
+              <a:rPr lang="it-IT" sz="800" dirty="0">
+                <a:solidFill>
+                  <a:srgbClr val="D4D4D4"/>
+                </a:solidFill>
+                <a:latin typeface="Consolas" panose="020B0609020204030204" pitchFamily="49" charset="0"/>
+              </a:rPr>
+              <a:t>)</a:t>
+            </a:r>
+          </a:p>
+          <a:p>
+            <a:r>
+              <a:rPr lang="it-IT" sz="800" dirty="0">
+                <a:solidFill>
+                  <a:srgbClr val="D4D4D4"/>
+                </a:solidFill>
+                <a:latin typeface="Consolas" panose="020B0609020204030204" pitchFamily="49" charset="0"/>
+              </a:rPr>
+              <a:t>    </a:t>
+            </a:r>
+            <a:r>
+              <a:rPr lang="it-IT" sz="800" dirty="0" err="1">
+                <a:solidFill>
+                  <a:srgbClr val="9CDCFE"/>
+                </a:solidFill>
+                <a:latin typeface="Consolas" panose="020B0609020204030204" pitchFamily="49" charset="0"/>
+              </a:rPr>
+              <a:t>kick</a:t>
+            </a:r>
+            <a:r>
+              <a:rPr lang="it-IT" sz="800" dirty="0" err="1">
+                <a:solidFill>
+                  <a:srgbClr val="D4D4D4"/>
+                </a:solidFill>
+                <a:latin typeface="Consolas" panose="020B0609020204030204" pitchFamily="49" charset="0"/>
+              </a:rPr>
+              <a:t>.</a:t>
+            </a:r>
+            <a:r>
+              <a:rPr lang="it-IT" sz="800" dirty="0" err="1">
+                <a:solidFill>
+                  <a:srgbClr val="DCDCAA"/>
+                </a:solidFill>
+                <a:latin typeface="Consolas" panose="020B0609020204030204" pitchFamily="49" charset="0"/>
+              </a:rPr>
+              <a:t>play</a:t>
+            </a:r>
+            <a:r>
+              <a:rPr lang="it-IT" sz="800" dirty="0">
+                <a:solidFill>
+                  <a:srgbClr val="D4D4D4"/>
+                </a:solidFill>
+                <a:latin typeface="Consolas" panose="020B0609020204030204" pitchFamily="49" charset="0"/>
+              </a:rPr>
+              <a:t>()</a:t>
+            </a:r>
+          </a:p>
+          <a:p>
+            <a:br>
+              <a:rPr lang="it-IT" sz="800" dirty="0">
+                <a:solidFill>
+                  <a:srgbClr val="D4D4D4"/>
+                </a:solidFill>
+                <a:latin typeface="Consolas" panose="020B0609020204030204" pitchFamily="49" charset="0"/>
+              </a:rPr>
+            </a:br>
+            <a:r>
+              <a:rPr lang="it-IT" sz="800" dirty="0">
+                <a:solidFill>
+                  <a:srgbClr val="D4D4D4"/>
+                </a:solidFill>
+                <a:latin typeface="Consolas" panose="020B0609020204030204" pitchFamily="49" charset="0"/>
+              </a:rPr>
+              <a:t>  </a:t>
+            </a:r>
+            <a:r>
+              <a:rPr lang="it-IT" sz="800" dirty="0">
+                <a:solidFill>
+                  <a:srgbClr val="C586C0"/>
+                </a:solidFill>
+                <a:latin typeface="Consolas" panose="020B0609020204030204" pitchFamily="49" charset="0"/>
+              </a:rPr>
+              <a:t>if</a:t>
+            </a:r>
+            <a:r>
+              <a:rPr lang="it-IT" sz="800" dirty="0">
+                <a:solidFill>
+                  <a:srgbClr val="D4D4D4"/>
+                </a:solidFill>
+                <a:latin typeface="Consolas" panose="020B0609020204030204" pitchFamily="49" charset="0"/>
+              </a:rPr>
+              <a:t> (</a:t>
+            </a:r>
+            <a:r>
+              <a:rPr lang="it-IT" sz="800" dirty="0">
+                <a:solidFill>
+                  <a:srgbClr val="9CDCFE"/>
+                </a:solidFill>
+                <a:latin typeface="Consolas" panose="020B0609020204030204" pitchFamily="49" charset="0"/>
+              </a:rPr>
+              <a:t>n_pecore_stay</a:t>
+            </a:r>
+            <a:r>
+              <a:rPr lang="it-IT" sz="800" dirty="0">
+                <a:solidFill>
+                  <a:srgbClr val="D4D4D4"/>
+                </a:solidFill>
+                <a:latin typeface="Consolas" panose="020B0609020204030204" pitchFamily="49" charset="0"/>
+              </a:rPr>
+              <a:t>&lt;</a:t>
+            </a:r>
+            <a:r>
+              <a:rPr lang="it-IT" sz="800" dirty="0">
+                <a:solidFill>
+                  <a:srgbClr val="B5CEA8"/>
+                </a:solidFill>
+                <a:latin typeface="Consolas" panose="020B0609020204030204" pitchFamily="49" charset="0"/>
+              </a:rPr>
+              <a:t>25</a:t>
+            </a:r>
+            <a:r>
+              <a:rPr lang="it-IT" sz="800" dirty="0">
+                <a:solidFill>
+                  <a:srgbClr val="D4D4D4"/>
+                </a:solidFill>
+                <a:latin typeface="Consolas" panose="020B0609020204030204" pitchFamily="49" charset="0"/>
+              </a:rPr>
+              <a:t>){</a:t>
+            </a:r>
+          </a:p>
+          <a:p>
+            <a:r>
+              <a:rPr lang="it-IT" sz="800" dirty="0">
+                <a:solidFill>
+                  <a:srgbClr val="D4D4D4"/>
+                </a:solidFill>
+                <a:latin typeface="Consolas" panose="020B0609020204030204" pitchFamily="49" charset="0"/>
+              </a:rPr>
+              <a:t>    </a:t>
+            </a:r>
+            <a:r>
+              <a:rPr lang="it-IT" sz="800" dirty="0">
+                <a:solidFill>
+                  <a:srgbClr val="C586C0"/>
+                </a:solidFill>
+                <a:latin typeface="Consolas" panose="020B0609020204030204" pitchFamily="49" charset="0"/>
+              </a:rPr>
+              <a:t>if</a:t>
+            </a:r>
+            <a:r>
+              <a:rPr lang="it-IT" sz="800" dirty="0">
+                <a:solidFill>
+                  <a:srgbClr val="D4D4D4"/>
+                </a:solidFill>
+                <a:latin typeface="Consolas" panose="020B0609020204030204" pitchFamily="49" charset="0"/>
+              </a:rPr>
+              <a:t> (</a:t>
+            </a:r>
+            <a:r>
+              <a:rPr lang="it-IT" sz="800" dirty="0">
+                <a:solidFill>
+                  <a:srgbClr val="9CDCFE"/>
+                </a:solidFill>
+                <a:latin typeface="Consolas" panose="020B0609020204030204" pitchFamily="49" charset="0"/>
+              </a:rPr>
+              <a:t>ms</a:t>
+            </a:r>
+            <a:r>
+              <a:rPr lang="it-IT" sz="800" dirty="0">
+                <a:solidFill>
+                  <a:srgbClr val="D4D4D4"/>
+                </a:solidFill>
+                <a:latin typeface="Consolas" panose="020B0609020204030204" pitchFamily="49" charset="0"/>
+              </a:rPr>
+              <a:t>&lt;</a:t>
+            </a:r>
+            <a:r>
+              <a:rPr lang="it-IT" sz="800" dirty="0">
+                <a:solidFill>
+                  <a:srgbClr val="B5CEA8"/>
+                </a:solidFill>
+                <a:latin typeface="Consolas" panose="020B0609020204030204" pitchFamily="49" charset="0"/>
+              </a:rPr>
+              <a:t>3</a:t>
+            </a:r>
+            <a:r>
+              <a:rPr lang="it-IT" sz="800" dirty="0">
+                <a:solidFill>
+                  <a:srgbClr val="D4D4D4"/>
+                </a:solidFill>
+                <a:latin typeface="Consolas" panose="020B0609020204030204" pitchFamily="49" charset="0"/>
+              </a:rPr>
+              <a:t>)   </a:t>
+            </a:r>
+          </a:p>
+          <a:p>
+            <a:r>
+              <a:rPr lang="it-IT" sz="800" dirty="0">
+                <a:solidFill>
+                  <a:srgbClr val="D4D4D4"/>
+                </a:solidFill>
+                <a:latin typeface="Consolas" panose="020B0609020204030204" pitchFamily="49" charset="0"/>
+              </a:rPr>
+              <a:t>      </a:t>
+            </a:r>
+            <a:r>
+              <a:rPr lang="it-IT" sz="800" dirty="0">
+                <a:solidFill>
+                  <a:srgbClr val="DCDCAA"/>
+                </a:solidFill>
+                <a:latin typeface="Consolas" panose="020B0609020204030204" pitchFamily="49" charset="0"/>
+              </a:rPr>
+              <a:t>setTimeout</a:t>
+            </a:r>
+            <a:r>
+              <a:rPr lang="it-IT" sz="800" dirty="0">
+                <a:solidFill>
+                  <a:srgbClr val="D4D4D4"/>
+                </a:solidFill>
+                <a:latin typeface="Consolas" panose="020B0609020204030204" pitchFamily="49" charset="0"/>
+              </a:rPr>
+              <a:t>(</a:t>
+            </a:r>
+            <a:r>
+              <a:rPr lang="it-IT" sz="800" dirty="0">
+                <a:solidFill>
+                  <a:srgbClr val="569CD6"/>
+                </a:solidFill>
+                <a:latin typeface="Consolas" panose="020B0609020204030204" pitchFamily="49" charset="0"/>
+              </a:rPr>
+              <a:t>function</a:t>
+            </a:r>
+            <a:r>
+              <a:rPr lang="it-IT" sz="800" dirty="0">
+                <a:solidFill>
+                  <a:srgbClr val="D4D4D4"/>
+                </a:solidFill>
+                <a:latin typeface="Consolas" panose="020B0609020204030204" pitchFamily="49" charset="0"/>
+              </a:rPr>
+              <a:t>(){</a:t>
+            </a:r>
+            <a:r>
+              <a:rPr lang="it-IT" sz="800" dirty="0">
+                <a:solidFill>
+                  <a:srgbClr val="DCDCAA"/>
+                </a:solidFill>
+                <a:latin typeface="Consolas" panose="020B0609020204030204" pitchFamily="49" charset="0"/>
+              </a:rPr>
+              <a:t>rewind</a:t>
+            </a:r>
+            <a:r>
+              <a:rPr lang="it-IT" sz="800" dirty="0">
+                <a:solidFill>
+                  <a:srgbClr val="D4D4D4"/>
+                </a:solidFill>
+                <a:latin typeface="Consolas" panose="020B0609020204030204" pitchFamily="49" charset="0"/>
+              </a:rPr>
+              <a:t>(</a:t>
+            </a:r>
+            <a:r>
+              <a:rPr lang="it-IT" sz="800" dirty="0" err="1">
+                <a:solidFill>
+                  <a:srgbClr val="9CDCFE"/>
+                </a:solidFill>
+                <a:latin typeface="Consolas" panose="020B0609020204030204" pitchFamily="49" charset="0"/>
+              </a:rPr>
+              <a:t>closed_hat</a:t>
+            </a:r>
+            <a:r>
+              <a:rPr lang="it-IT" sz="800" dirty="0">
+                <a:solidFill>
+                  <a:srgbClr val="D4D4D4"/>
+                </a:solidFill>
+                <a:latin typeface="Consolas" panose="020B0609020204030204" pitchFamily="49" charset="0"/>
+              </a:rPr>
+              <a:t>)},(</a:t>
+            </a:r>
+            <a:r>
+              <a:rPr lang="it-IT" sz="800" dirty="0">
+                <a:solidFill>
+                  <a:srgbClr val="B5CEA8"/>
+                </a:solidFill>
+                <a:latin typeface="Consolas" panose="020B0609020204030204" pitchFamily="49" charset="0"/>
+              </a:rPr>
+              <a:t>2.5</a:t>
+            </a:r>
+            <a:r>
+              <a:rPr lang="it-IT" sz="800" dirty="0">
+                <a:solidFill>
+                  <a:srgbClr val="D4D4D4"/>
+                </a:solidFill>
+                <a:latin typeface="Consolas" panose="020B0609020204030204" pitchFamily="49" charset="0"/>
+              </a:rPr>
+              <a:t>)/(</a:t>
+            </a:r>
+            <a:r>
+              <a:rPr lang="it-IT" sz="800" dirty="0">
+                <a:solidFill>
+                  <a:srgbClr val="B5CEA8"/>
+                </a:solidFill>
+                <a:latin typeface="Consolas" panose="020B0609020204030204" pitchFamily="49" charset="0"/>
+              </a:rPr>
+              <a:t>10</a:t>
+            </a:r>
+            <a:r>
+              <a:rPr lang="it-IT" sz="800" dirty="0">
+                <a:solidFill>
+                  <a:srgbClr val="D4D4D4"/>
+                </a:solidFill>
+                <a:latin typeface="Consolas" panose="020B0609020204030204" pitchFamily="49" charset="0"/>
+              </a:rPr>
+              <a:t>*</a:t>
+            </a:r>
+            <a:r>
+              <a:rPr lang="it-IT" sz="800" dirty="0">
+                <a:solidFill>
+                  <a:srgbClr val="9CDCFE"/>
+                </a:solidFill>
+                <a:latin typeface="Consolas" panose="020B0609020204030204" pitchFamily="49" charset="0"/>
+              </a:rPr>
+              <a:t>fps</a:t>
+            </a:r>
+            <a:r>
+              <a:rPr lang="it-IT" sz="800" dirty="0">
+                <a:solidFill>
+                  <a:srgbClr val="D4D4D4"/>
+                </a:solidFill>
+                <a:latin typeface="Consolas" panose="020B0609020204030204" pitchFamily="49" charset="0"/>
+              </a:rPr>
+              <a:t>)*</a:t>
+            </a:r>
+            <a:r>
+              <a:rPr lang="it-IT" sz="800" dirty="0">
+                <a:solidFill>
+                  <a:srgbClr val="B5CEA8"/>
+                </a:solidFill>
+                <a:latin typeface="Consolas" panose="020B0609020204030204" pitchFamily="49" charset="0"/>
+              </a:rPr>
+              <a:t>1000</a:t>
+            </a:r>
+            <a:r>
+              <a:rPr lang="it-IT" sz="800" dirty="0">
+                <a:solidFill>
+                  <a:srgbClr val="D4D4D4"/>
+                </a:solidFill>
+                <a:latin typeface="Consolas" panose="020B0609020204030204" pitchFamily="49" charset="0"/>
+              </a:rPr>
+              <a:t>*</a:t>
+            </a:r>
+            <a:r>
+              <a:rPr lang="it-IT" sz="800" dirty="0">
+                <a:solidFill>
+                  <a:srgbClr val="9CDCFE"/>
+                </a:solidFill>
+                <a:latin typeface="Consolas" panose="020B0609020204030204" pitchFamily="49" charset="0"/>
+              </a:rPr>
+              <a:t>framesPermeasure</a:t>
+            </a:r>
+            <a:r>
+              <a:rPr lang="it-IT" sz="800" dirty="0">
+                <a:solidFill>
+                  <a:srgbClr val="D4D4D4"/>
+                </a:solidFill>
+                <a:latin typeface="Consolas" panose="020B0609020204030204" pitchFamily="49" charset="0"/>
+              </a:rPr>
+              <a:t>)</a:t>
+            </a:r>
+          </a:p>
+          <a:p>
+            <a:r>
+              <a:rPr lang="it-IT" sz="800" dirty="0">
+                <a:solidFill>
+                  <a:srgbClr val="D4D4D4"/>
+                </a:solidFill>
+                <a:latin typeface="Consolas" panose="020B0609020204030204" pitchFamily="49" charset="0"/>
+              </a:rPr>
+              <a:t>    </a:t>
+            </a:r>
+            <a:r>
+              <a:rPr lang="it-IT" sz="800" dirty="0">
+                <a:solidFill>
+                  <a:srgbClr val="C586C0"/>
+                </a:solidFill>
+                <a:latin typeface="Consolas" panose="020B0609020204030204" pitchFamily="49" charset="0"/>
+              </a:rPr>
+              <a:t>else</a:t>
+            </a:r>
+            <a:r>
+              <a:rPr lang="it-IT" sz="800" dirty="0">
+                <a:solidFill>
+                  <a:srgbClr val="D4D4D4"/>
+                </a:solidFill>
+                <a:latin typeface="Consolas" panose="020B0609020204030204" pitchFamily="49" charset="0"/>
+              </a:rPr>
+              <a:t> </a:t>
+            </a:r>
+            <a:r>
+              <a:rPr lang="it-IT" sz="800" dirty="0">
+                <a:solidFill>
+                  <a:srgbClr val="C586C0"/>
+                </a:solidFill>
+                <a:latin typeface="Consolas" panose="020B0609020204030204" pitchFamily="49" charset="0"/>
+              </a:rPr>
+              <a:t>if</a:t>
+            </a:r>
+            <a:r>
+              <a:rPr lang="it-IT" sz="800" dirty="0">
+                <a:solidFill>
+                  <a:srgbClr val="D4D4D4"/>
+                </a:solidFill>
+                <a:latin typeface="Consolas" panose="020B0609020204030204" pitchFamily="49" charset="0"/>
+              </a:rPr>
+              <a:t> (</a:t>
+            </a:r>
+            <a:r>
+              <a:rPr lang="it-IT" sz="800" dirty="0">
+                <a:solidFill>
+                  <a:srgbClr val="9CDCFE"/>
+                </a:solidFill>
+                <a:latin typeface="Consolas" panose="020B0609020204030204" pitchFamily="49" charset="0"/>
+              </a:rPr>
+              <a:t>ms</a:t>
+            </a:r>
+            <a:r>
+              <a:rPr lang="it-IT" sz="800" dirty="0">
+                <a:solidFill>
+                  <a:srgbClr val="D4D4D4"/>
+                </a:solidFill>
+                <a:latin typeface="Consolas" panose="020B0609020204030204" pitchFamily="49" charset="0"/>
+              </a:rPr>
+              <a:t>&lt;</a:t>
+            </a:r>
+            <a:r>
+              <a:rPr lang="it-IT" sz="800" dirty="0">
+                <a:solidFill>
+                  <a:srgbClr val="B5CEA8"/>
+                </a:solidFill>
+                <a:latin typeface="Consolas" panose="020B0609020204030204" pitchFamily="49" charset="0"/>
+              </a:rPr>
+              <a:t>15</a:t>
+            </a:r>
+            <a:r>
+              <a:rPr lang="it-IT" sz="800" dirty="0">
+                <a:solidFill>
+                  <a:srgbClr val="D4D4D4"/>
+                </a:solidFill>
+                <a:latin typeface="Consolas" panose="020B0609020204030204" pitchFamily="49" charset="0"/>
+              </a:rPr>
+              <a:t>) </a:t>
+            </a:r>
+          </a:p>
+          <a:p>
+            <a:r>
+              <a:rPr lang="it-IT" sz="800" dirty="0">
+                <a:solidFill>
+                  <a:srgbClr val="D4D4D4"/>
+                </a:solidFill>
+                <a:latin typeface="Consolas" panose="020B0609020204030204" pitchFamily="49" charset="0"/>
+              </a:rPr>
+              <a:t>      </a:t>
+            </a:r>
+            <a:r>
+              <a:rPr lang="it-IT" sz="800" dirty="0">
+                <a:solidFill>
+                  <a:srgbClr val="DCDCAA"/>
+                </a:solidFill>
+                <a:latin typeface="Consolas" panose="020B0609020204030204" pitchFamily="49" charset="0"/>
+              </a:rPr>
+              <a:t>setTimeout</a:t>
+            </a:r>
+            <a:r>
+              <a:rPr lang="it-IT" sz="800" dirty="0">
+                <a:solidFill>
+                  <a:srgbClr val="D4D4D4"/>
+                </a:solidFill>
+                <a:latin typeface="Consolas" panose="020B0609020204030204" pitchFamily="49" charset="0"/>
+              </a:rPr>
+              <a:t>(</a:t>
+            </a:r>
+            <a:r>
+              <a:rPr lang="it-IT" sz="800" dirty="0">
+                <a:solidFill>
+                  <a:srgbClr val="569CD6"/>
+                </a:solidFill>
+                <a:latin typeface="Consolas" panose="020B0609020204030204" pitchFamily="49" charset="0"/>
+              </a:rPr>
+              <a:t>function</a:t>
+            </a:r>
+            <a:r>
+              <a:rPr lang="it-IT" sz="800" dirty="0">
+                <a:solidFill>
+                  <a:srgbClr val="D4D4D4"/>
+                </a:solidFill>
+                <a:latin typeface="Consolas" panose="020B0609020204030204" pitchFamily="49" charset="0"/>
+              </a:rPr>
+              <a:t>(){</a:t>
+            </a:r>
+            <a:r>
+              <a:rPr lang="it-IT" sz="800" dirty="0">
+                <a:solidFill>
+                  <a:srgbClr val="DCDCAA"/>
+                </a:solidFill>
+                <a:latin typeface="Consolas" panose="020B0609020204030204" pitchFamily="49" charset="0"/>
+              </a:rPr>
+              <a:t>rewind</a:t>
+            </a:r>
+            <a:r>
+              <a:rPr lang="it-IT" sz="800" dirty="0">
+                <a:solidFill>
+                  <a:srgbClr val="D4D4D4"/>
+                </a:solidFill>
+                <a:latin typeface="Consolas" panose="020B0609020204030204" pitchFamily="49" charset="0"/>
+              </a:rPr>
+              <a:t>(</a:t>
+            </a:r>
+            <a:r>
+              <a:rPr lang="it-IT" sz="800" dirty="0" err="1">
+                <a:solidFill>
+                  <a:srgbClr val="9CDCFE"/>
+                </a:solidFill>
+                <a:latin typeface="Consolas" panose="020B0609020204030204" pitchFamily="49" charset="0"/>
+              </a:rPr>
+              <a:t>closed_hat</a:t>
+            </a:r>
+            <a:r>
+              <a:rPr lang="it-IT" sz="800" dirty="0">
+                <a:solidFill>
+                  <a:srgbClr val="D4D4D4"/>
+                </a:solidFill>
+                <a:latin typeface="Consolas" panose="020B0609020204030204" pitchFamily="49" charset="0"/>
+              </a:rPr>
+              <a:t>)},(</a:t>
+            </a:r>
+            <a:r>
+              <a:rPr lang="it-IT" sz="800" dirty="0">
+                <a:solidFill>
+                  <a:srgbClr val="B5CEA8"/>
+                </a:solidFill>
+                <a:latin typeface="Consolas" panose="020B0609020204030204" pitchFamily="49" charset="0"/>
+              </a:rPr>
+              <a:t>5</a:t>
+            </a:r>
+            <a:r>
+              <a:rPr lang="it-IT" sz="800" dirty="0">
+                <a:solidFill>
+                  <a:srgbClr val="D4D4D4"/>
+                </a:solidFill>
+                <a:latin typeface="Consolas" panose="020B0609020204030204" pitchFamily="49" charset="0"/>
+              </a:rPr>
+              <a:t>)/(</a:t>
+            </a:r>
+            <a:r>
+              <a:rPr lang="it-IT" sz="800" dirty="0">
+                <a:solidFill>
+                  <a:srgbClr val="B5CEA8"/>
+                </a:solidFill>
+                <a:latin typeface="Consolas" panose="020B0609020204030204" pitchFamily="49" charset="0"/>
+              </a:rPr>
+              <a:t>10</a:t>
+            </a:r>
+            <a:r>
+              <a:rPr lang="it-IT" sz="800" dirty="0">
+                <a:solidFill>
+                  <a:srgbClr val="D4D4D4"/>
+                </a:solidFill>
+                <a:latin typeface="Consolas" panose="020B0609020204030204" pitchFamily="49" charset="0"/>
+              </a:rPr>
+              <a:t>*</a:t>
+            </a:r>
+            <a:r>
+              <a:rPr lang="it-IT" sz="800" dirty="0">
+                <a:solidFill>
+                  <a:srgbClr val="9CDCFE"/>
+                </a:solidFill>
+                <a:latin typeface="Consolas" panose="020B0609020204030204" pitchFamily="49" charset="0"/>
+              </a:rPr>
+              <a:t>fps</a:t>
+            </a:r>
+            <a:r>
+              <a:rPr lang="it-IT" sz="800" dirty="0">
+                <a:solidFill>
+                  <a:srgbClr val="D4D4D4"/>
+                </a:solidFill>
+                <a:latin typeface="Consolas" panose="020B0609020204030204" pitchFamily="49" charset="0"/>
+              </a:rPr>
+              <a:t>)*</a:t>
+            </a:r>
+            <a:r>
+              <a:rPr lang="it-IT" sz="800" dirty="0">
+                <a:solidFill>
+                  <a:srgbClr val="B5CEA8"/>
+                </a:solidFill>
+                <a:latin typeface="Consolas" panose="020B0609020204030204" pitchFamily="49" charset="0"/>
+              </a:rPr>
+              <a:t>1000</a:t>
+            </a:r>
+            <a:r>
+              <a:rPr lang="it-IT" sz="800" dirty="0">
+                <a:solidFill>
+                  <a:srgbClr val="D4D4D4"/>
+                </a:solidFill>
+                <a:latin typeface="Consolas" panose="020B0609020204030204" pitchFamily="49" charset="0"/>
+              </a:rPr>
+              <a:t>*</a:t>
+            </a:r>
+            <a:r>
+              <a:rPr lang="it-IT" sz="800" dirty="0">
+                <a:solidFill>
+                  <a:srgbClr val="9CDCFE"/>
+                </a:solidFill>
+                <a:latin typeface="Consolas" panose="020B0609020204030204" pitchFamily="49" charset="0"/>
+              </a:rPr>
+              <a:t>framesPermeasure</a:t>
+            </a:r>
+            <a:r>
+              <a:rPr lang="it-IT" sz="800" dirty="0">
+                <a:solidFill>
+                  <a:srgbClr val="D4D4D4"/>
+                </a:solidFill>
+                <a:latin typeface="Consolas" panose="020B0609020204030204" pitchFamily="49" charset="0"/>
+              </a:rPr>
+              <a:t>)</a:t>
+            </a:r>
+          </a:p>
+          <a:p>
+            <a:r>
+              <a:rPr lang="it-IT" sz="800" dirty="0">
+                <a:solidFill>
+                  <a:srgbClr val="D4D4D4"/>
+                </a:solidFill>
+                <a:latin typeface="Consolas" panose="020B0609020204030204" pitchFamily="49" charset="0"/>
+              </a:rPr>
+              <a:t>    </a:t>
+            </a:r>
+            <a:r>
+              <a:rPr lang="it-IT" sz="800" dirty="0">
+                <a:solidFill>
+                  <a:srgbClr val="C586C0"/>
+                </a:solidFill>
+                <a:latin typeface="Consolas" panose="020B0609020204030204" pitchFamily="49" charset="0"/>
+              </a:rPr>
+              <a:t>if</a:t>
+            </a:r>
+            <a:r>
+              <a:rPr lang="it-IT" sz="800" dirty="0">
+                <a:solidFill>
+                  <a:srgbClr val="D4D4D4"/>
+                </a:solidFill>
+                <a:latin typeface="Consolas" panose="020B0609020204030204" pitchFamily="49" charset="0"/>
+              </a:rPr>
+              <a:t> (</a:t>
+            </a:r>
+            <a:r>
+              <a:rPr lang="it-IT" sz="800" dirty="0">
+                <a:solidFill>
+                  <a:srgbClr val="9CDCFE"/>
+                </a:solidFill>
+                <a:latin typeface="Consolas" panose="020B0609020204030204" pitchFamily="49" charset="0"/>
+              </a:rPr>
+              <a:t>ms</a:t>
+            </a:r>
+            <a:r>
+              <a:rPr lang="it-IT" sz="800" dirty="0">
+                <a:solidFill>
+                  <a:srgbClr val="D4D4D4"/>
+                </a:solidFill>
+                <a:latin typeface="Consolas" panose="020B0609020204030204" pitchFamily="49" charset="0"/>
+              </a:rPr>
+              <a:t>==</a:t>
+            </a:r>
+            <a:r>
+              <a:rPr lang="it-IT" sz="800" dirty="0">
+                <a:solidFill>
+                  <a:srgbClr val="B5CEA8"/>
+                </a:solidFill>
+                <a:latin typeface="Consolas" panose="020B0609020204030204" pitchFamily="49" charset="0"/>
+              </a:rPr>
+              <a:t>0</a:t>
+            </a:r>
+            <a:r>
+              <a:rPr lang="it-IT" sz="800" dirty="0">
+                <a:solidFill>
+                  <a:srgbClr val="D4D4D4"/>
+                </a:solidFill>
+                <a:latin typeface="Consolas" panose="020B0609020204030204" pitchFamily="49" charset="0"/>
+              </a:rPr>
+              <a:t>) </a:t>
+            </a:r>
+          </a:p>
+          <a:p>
+            <a:r>
+              <a:rPr lang="it-IT" sz="800" dirty="0">
+                <a:solidFill>
+                  <a:srgbClr val="D4D4D4"/>
+                </a:solidFill>
+                <a:latin typeface="Consolas" panose="020B0609020204030204" pitchFamily="49" charset="0"/>
+              </a:rPr>
+              <a:t>      </a:t>
+            </a:r>
+            <a:r>
+              <a:rPr lang="it-IT" sz="800" dirty="0">
+                <a:solidFill>
+                  <a:srgbClr val="DCDCAA"/>
+                </a:solidFill>
+                <a:latin typeface="Consolas" panose="020B0609020204030204" pitchFamily="49" charset="0"/>
+              </a:rPr>
+              <a:t>setTimeout</a:t>
+            </a:r>
+            <a:r>
+              <a:rPr lang="it-IT" sz="800" dirty="0">
+                <a:solidFill>
+                  <a:srgbClr val="D4D4D4"/>
+                </a:solidFill>
+                <a:latin typeface="Consolas" panose="020B0609020204030204" pitchFamily="49" charset="0"/>
+              </a:rPr>
+              <a:t>(</a:t>
+            </a:r>
+            <a:r>
+              <a:rPr lang="it-IT" sz="800" dirty="0">
+                <a:solidFill>
+                  <a:srgbClr val="569CD6"/>
+                </a:solidFill>
+                <a:latin typeface="Consolas" panose="020B0609020204030204" pitchFamily="49" charset="0"/>
+              </a:rPr>
+              <a:t>function</a:t>
+            </a:r>
+            <a:r>
+              <a:rPr lang="it-IT" sz="800" dirty="0">
+                <a:solidFill>
+                  <a:srgbClr val="D4D4D4"/>
+                </a:solidFill>
+                <a:latin typeface="Consolas" panose="020B0609020204030204" pitchFamily="49" charset="0"/>
+              </a:rPr>
+              <a:t>(){</a:t>
+            </a:r>
+            <a:r>
+              <a:rPr lang="it-IT" sz="800" dirty="0">
+                <a:solidFill>
+                  <a:srgbClr val="DCDCAA"/>
+                </a:solidFill>
+                <a:latin typeface="Consolas" panose="020B0609020204030204" pitchFamily="49" charset="0"/>
+              </a:rPr>
+              <a:t>rewind</a:t>
+            </a:r>
+            <a:r>
+              <a:rPr lang="it-IT" sz="800" dirty="0">
+                <a:solidFill>
+                  <a:srgbClr val="D4D4D4"/>
+                </a:solidFill>
+                <a:latin typeface="Consolas" panose="020B0609020204030204" pitchFamily="49" charset="0"/>
+              </a:rPr>
+              <a:t>(</a:t>
+            </a:r>
+            <a:r>
+              <a:rPr lang="it-IT" sz="800" dirty="0" err="1">
+                <a:solidFill>
+                  <a:srgbClr val="9CDCFE"/>
+                </a:solidFill>
+                <a:latin typeface="Consolas" panose="020B0609020204030204" pitchFamily="49" charset="0"/>
+              </a:rPr>
+              <a:t>closed_hat</a:t>
+            </a:r>
+            <a:r>
+              <a:rPr lang="it-IT" sz="800" dirty="0">
+                <a:solidFill>
+                  <a:srgbClr val="D4D4D4"/>
+                </a:solidFill>
+                <a:latin typeface="Consolas" panose="020B0609020204030204" pitchFamily="49" charset="0"/>
+              </a:rPr>
+              <a:t>)},(</a:t>
+            </a:r>
+            <a:r>
+              <a:rPr lang="it-IT" sz="800" dirty="0">
+                <a:solidFill>
+                  <a:srgbClr val="B5CEA8"/>
+                </a:solidFill>
+                <a:latin typeface="Consolas" panose="020B0609020204030204" pitchFamily="49" charset="0"/>
+              </a:rPr>
+              <a:t>7.5</a:t>
+            </a:r>
+            <a:r>
+              <a:rPr lang="it-IT" sz="800" dirty="0">
+                <a:solidFill>
+                  <a:srgbClr val="D4D4D4"/>
+                </a:solidFill>
+                <a:latin typeface="Consolas" panose="020B0609020204030204" pitchFamily="49" charset="0"/>
+              </a:rPr>
+              <a:t>)/(</a:t>
+            </a:r>
+            <a:r>
+              <a:rPr lang="it-IT" sz="800" dirty="0">
+                <a:solidFill>
+                  <a:srgbClr val="B5CEA8"/>
+                </a:solidFill>
+                <a:latin typeface="Consolas" panose="020B0609020204030204" pitchFamily="49" charset="0"/>
+              </a:rPr>
+              <a:t>10</a:t>
+            </a:r>
+            <a:r>
+              <a:rPr lang="it-IT" sz="800" dirty="0">
+                <a:solidFill>
+                  <a:srgbClr val="D4D4D4"/>
+                </a:solidFill>
+                <a:latin typeface="Consolas" panose="020B0609020204030204" pitchFamily="49" charset="0"/>
+              </a:rPr>
+              <a:t>*</a:t>
+            </a:r>
+            <a:r>
+              <a:rPr lang="it-IT" sz="800" dirty="0">
+                <a:solidFill>
+                  <a:srgbClr val="9CDCFE"/>
+                </a:solidFill>
+                <a:latin typeface="Consolas" panose="020B0609020204030204" pitchFamily="49" charset="0"/>
+              </a:rPr>
+              <a:t>fps</a:t>
+            </a:r>
+            <a:r>
+              <a:rPr lang="it-IT" sz="800" dirty="0">
+                <a:solidFill>
+                  <a:srgbClr val="D4D4D4"/>
+                </a:solidFill>
+                <a:latin typeface="Consolas" panose="020B0609020204030204" pitchFamily="49" charset="0"/>
+              </a:rPr>
+              <a:t>)*</a:t>
+            </a:r>
+            <a:r>
+              <a:rPr lang="it-IT" sz="800" dirty="0">
+                <a:solidFill>
+                  <a:srgbClr val="B5CEA8"/>
+                </a:solidFill>
+                <a:latin typeface="Consolas" panose="020B0609020204030204" pitchFamily="49" charset="0"/>
+              </a:rPr>
+              <a:t>1000</a:t>
+            </a:r>
+            <a:r>
+              <a:rPr lang="it-IT" sz="800" dirty="0">
+                <a:solidFill>
+                  <a:srgbClr val="D4D4D4"/>
+                </a:solidFill>
+                <a:latin typeface="Consolas" panose="020B0609020204030204" pitchFamily="49" charset="0"/>
+              </a:rPr>
+              <a:t>*</a:t>
+            </a:r>
+            <a:r>
+              <a:rPr lang="it-IT" sz="800" dirty="0">
+                <a:solidFill>
+                  <a:srgbClr val="9CDCFE"/>
+                </a:solidFill>
+                <a:latin typeface="Consolas" panose="020B0609020204030204" pitchFamily="49" charset="0"/>
+              </a:rPr>
+              <a:t>framesPermeasure</a:t>
+            </a:r>
+            <a:r>
+              <a:rPr lang="it-IT" sz="800" dirty="0">
+                <a:solidFill>
+                  <a:srgbClr val="D4D4D4"/>
+                </a:solidFill>
+                <a:latin typeface="Consolas" panose="020B0609020204030204" pitchFamily="49" charset="0"/>
+              </a:rPr>
+              <a:t>)</a:t>
+            </a:r>
+          </a:p>
+          <a:p>
+            <a:r>
+              <a:rPr lang="it-IT" sz="800" dirty="0">
+                <a:solidFill>
+                  <a:srgbClr val="D4D4D4"/>
+                </a:solidFill>
+                <a:latin typeface="Consolas" panose="020B0609020204030204" pitchFamily="49" charset="0"/>
+              </a:rPr>
+              <a:t>  }</a:t>
+            </a:r>
+          </a:p>
+          <a:p>
+            <a:br>
+              <a:rPr lang="it-IT" sz="800" dirty="0">
+                <a:solidFill>
+                  <a:srgbClr val="D4D4D4"/>
+                </a:solidFill>
+                <a:latin typeface="Consolas" panose="020B0609020204030204" pitchFamily="49" charset="0"/>
+              </a:rPr>
+            </a:br>
+            <a:r>
+              <a:rPr lang="it-IT" sz="800" dirty="0">
+                <a:solidFill>
+                  <a:srgbClr val="D4D4D4"/>
+                </a:solidFill>
+                <a:latin typeface="Consolas" panose="020B0609020204030204" pitchFamily="49" charset="0"/>
+              </a:rPr>
+              <a:t>  </a:t>
+            </a:r>
+            <a:r>
+              <a:rPr lang="it-IT" sz="800" dirty="0">
+                <a:solidFill>
+                  <a:srgbClr val="C586C0"/>
+                </a:solidFill>
+                <a:latin typeface="Consolas" panose="020B0609020204030204" pitchFamily="49" charset="0"/>
+              </a:rPr>
+              <a:t>if</a:t>
+            </a:r>
+            <a:r>
+              <a:rPr lang="it-IT" sz="800" dirty="0">
+                <a:solidFill>
+                  <a:srgbClr val="D4D4D4"/>
+                </a:solidFill>
+                <a:latin typeface="Consolas" panose="020B0609020204030204" pitchFamily="49" charset="0"/>
+              </a:rPr>
+              <a:t> (</a:t>
+            </a:r>
+            <a:r>
+              <a:rPr lang="it-IT" sz="800" dirty="0">
+                <a:solidFill>
+                  <a:srgbClr val="9CDCFE"/>
+                </a:solidFill>
+                <a:latin typeface="Consolas" panose="020B0609020204030204" pitchFamily="49" charset="0"/>
+              </a:rPr>
+              <a:t>ms</a:t>
+            </a:r>
+            <a:r>
+              <a:rPr lang="it-IT" sz="800" dirty="0">
+                <a:solidFill>
+                  <a:srgbClr val="D4D4D4"/>
+                </a:solidFill>
+                <a:latin typeface="Consolas" panose="020B0609020204030204" pitchFamily="49" charset="0"/>
+              </a:rPr>
+              <a:t>&lt;</a:t>
+            </a:r>
+            <a:r>
+              <a:rPr lang="it-IT" sz="800" dirty="0">
+                <a:solidFill>
+                  <a:srgbClr val="B5CEA8"/>
+                </a:solidFill>
+                <a:latin typeface="Consolas" panose="020B0609020204030204" pitchFamily="49" charset="0"/>
+              </a:rPr>
+              <a:t>25</a:t>
+            </a:r>
+            <a:r>
+              <a:rPr lang="it-IT" sz="800" dirty="0">
+                <a:solidFill>
+                  <a:srgbClr val="D4D4D4"/>
+                </a:solidFill>
+                <a:latin typeface="Consolas" panose="020B0609020204030204" pitchFamily="49" charset="0"/>
+              </a:rPr>
+              <a:t>){</a:t>
+            </a:r>
+          </a:p>
+          <a:p>
+            <a:r>
+              <a:rPr lang="it-IT" sz="800" dirty="0">
+                <a:solidFill>
+                  <a:srgbClr val="D4D4D4"/>
+                </a:solidFill>
+                <a:latin typeface="Consolas" panose="020B0609020204030204" pitchFamily="49" charset="0"/>
+              </a:rPr>
+              <a:t>    </a:t>
+            </a:r>
+            <a:r>
+              <a:rPr lang="it-IT" sz="800" dirty="0">
+                <a:solidFill>
+                  <a:srgbClr val="C586C0"/>
+                </a:solidFill>
+                <a:latin typeface="Consolas" panose="020B0609020204030204" pitchFamily="49" charset="0"/>
+              </a:rPr>
+              <a:t>if</a:t>
+            </a:r>
+            <a:r>
+              <a:rPr lang="it-IT" sz="800" dirty="0">
+                <a:solidFill>
+                  <a:srgbClr val="D4D4D4"/>
+                </a:solidFill>
+                <a:latin typeface="Consolas" panose="020B0609020204030204" pitchFamily="49" charset="0"/>
+              </a:rPr>
+              <a:t> (</a:t>
+            </a:r>
+            <a:r>
+              <a:rPr lang="it-IT" sz="800" dirty="0">
+                <a:solidFill>
+                  <a:srgbClr val="9CDCFE"/>
+                </a:solidFill>
+                <a:latin typeface="Consolas" panose="020B0609020204030204" pitchFamily="49" charset="0"/>
+              </a:rPr>
+              <a:t>ms</a:t>
+            </a:r>
+            <a:r>
+              <a:rPr lang="it-IT" sz="800" dirty="0">
+                <a:solidFill>
+                  <a:srgbClr val="D4D4D4"/>
+                </a:solidFill>
+                <a:latin typeface="Consolas" panose="020B0609020204030204" pitchFamily="49" charset="0"/>
+              </a:rPr>
+              <a:t>&gt;=</a:t>
+            </a:r>
+            <a:r>
+              <a:rPr lang="it-IT" sz="800" dirty="0">
+                <a:solidFill>
+                  <a:srgbClr val="B5CEA8"/>
+                </a:solidFill>
+                <a:latin typeface="Consolas" panose="020B0609020204030204" pitchFamily="49" charset="0"/>
+              </a:rPr>
+              <a:t>15</a:t>
+            </a:r>
+            <a:r>
+              <a:rPr lang="it-IT" sz="800" dirty="0">
+                <a:solidFill>
+                  <a:srgbClr val="D4D4D4"/>
+                </a:solidFill>
+                <a:latin typeface="Consolas" panose="020B0609020204030204" pitchFamily="49" charset="0"/>
+              </a:rPr>
+              <a:t>) </a:t>
+            </a:r>
+          </a:p>
+          <a:p>
+            <a:r>
+              <a:rPr lang="it-IT" sz="800" dirty="0">
+                <a:solidFill>
+                  <a:srgbClr val="D4D4D4"/>
+                </a:solidFill>
+                <a:latin typeface="Consolas" panose="020B0609020204030204" pitchFamily="49" charset="0"/>
+              </a:rPr>
+              <a:t>      </a:t>
+            </a:r>
+            <a:r>
+              <a:rPr lang="it-IT" sz="800" dirty="0">
+                <a:solidFill>
+                  <a:srgbClr val="DCDCAA"/>
+                </a:solidFill>
+                <a:latin typeface="Consolas" panose="020B0609020204030204" pitchFamily="49" charset="0"/>
+              </a:rPr>
+              <a:t>setTimeout</a:t>
+            </a:r>
+            <a:r>
+              <a:rPr lang="it-IT" sz="800" dirty="0">
+                <a:solidFill>
+                  <a:srgbClr val="D4D4D4"/>
+                </a:solidFill>
+                <a:latin typeface="Consolas" panose="020B0609020204030204" pitchFamily="49" charset="0"/>
+              </a:rPr>
+              <a:t>(</a:t>
+            </a:r>
+            <a:r>
+              <a:rPr lang="it-IT" sz="800" dirty="0">
+                <a:solidFill>
+                  <a:srgbClr val="569CD6"/>
+                </a:solidFill>
+                <a:latin typeface="Consolas" panose="020B0609020204030204" pitchFamily="49" charset="0"/>
+              </a:rPr>
+              <a:t>function</a:t>
+            </a:r>
+            <a:r>
+              <a:rPr lang="it-IT" sz="800" dirty="0">
+                <a:solidFill>
+                  <a:srgbClr val="D4D4D4"/>
+                </a:solidFill>
+                <a:latin typeface="Consolas" panose="020B0609020204030204" pitchFamily="49" charset="0"/>
+              </a:rPr>
+              <a:t>(){</a:t>
+            </a:r>
+            <a:r>
+              <a:rPr lang="it-IT" sz="800" dirty="0">
+                <a:solidFill>
+                  <a:srgbClr val="DCDCAA"/>
+                </a:solidFill>
+                <a:latin typeface="Consolas" panose="020B0609020204030204" pitchFamily="49" charset="0"/>
+              </a:rPr>
+              <a:t>rewind</a:t>
+            </a:r>
+            <a:r>
+              <a:rPr lang="it-IT" sz="800" dirty="0">
+                <a:solidFill>
+                  <a:srgbClr val="D4D4D4"/>
+                </a:solidFill>
+                <a:latin typeface="Consolas" panose="020B0609020204030204" pitchFamily="49" charset="0"/>
+              </a:rPr>
+              <a:t>(</a:t>
+            </a:r>
+            <a:r>
+              <a:rPr lang="it-IT" sz="800" dirty="0" err="1">
+                <a:solidFill>
+                  <a:srgbClr val="9CDCFE"/>
+                </a:solidFill>
+                <a:latin typeface="Consolas" panose="020B0609020204030204" pitchFamily="49" charset="0"/>
+              </a:rPr>
+              <a:t>snare</a:t>
+            </a:r>
+            <a:r>
+              <a:rPr lang="it-IT" sz="800" dirty="0">
+                <a:solidFill>
+                  <a:srgbClr val="D4D4D4"/>
+                </a:solidFill>
+                <a:latin typeface="Consolas" panose="020B0609020204030204" pitchFamily="49" charset="0"/>
+              </a:rPr>
+              <a:t>)},(</a:t>
+            </a:r>
+            <a:r>
+              <a:rPr lang="it-IT" sz="800" dirty="0">
+                <a:solidFill>
+                  <a:srgbClr val="B5CEA8"/>
+                </a:solidFill>
+                <a:latin typeface="Consolas" panose="020B0609020204030204" pitchFamily="49" charset="0"/>
+              </a:rPr>
+              <a:t>2.5</a:t>
+            </a:r>
+            <a:r>
+              <a:rPr lang="it-IT" sz="800" dirty="0">
+                <a:solidFill>
+                  <a:srgbClr val="D4D4D4"/>
+                </a:solidFill>
+                <a:latin typeface="Consolas" panose="020B0609020204030204" pitchFamily="49" charset="0"/>
+              </a:rPr>
+              <a:t>)/(</a:t>
+            </a:r>
+            <a:r>
+              <a:rPr lang="it-IT" sz="800" dirty="0">
+                <a:solidFill>
+                  <a:srgbClr val="B5CEA8"/>
+                </a:solidFill>
+                <a:latin typeface="Consolas" panose="020B0609020204030204" pitchFamily="49" charset="0"/>
+              </a:rPr>
+              <a:t>10</a:t>
+            </a:r>
+            <a:r>
+              <a:rPr lang="it-IT" sz="800" dirty="0">
+                <a:solidFill>
+                  <a:srgbClr val="D4D4D4"/>
+                </a:solidFill>
+                <a:latin typeface="Consolas" panose="020B0609020204030204" pitchFamily="49" charset="0"/>
+              </a:rPr>
+              <a:t>*</a:t>
+            </a:r>
+            <a:r>
+              <a:rPr lang="it-IT" sz="800" dirty="0">
+                <a:solidFill>
+                  <a:srgbClr val="9CDCFE"/>
+                </a:solidFill>
+                <a:latin typeface="Consolas" panose="020B0609020204030204" pitchFamily="49" charset="0"/>
+              </a:rPr>
+              <a:t>fps</a:t>
+            </a:r>
+            <a:r>
+              <a:rPr lang="it-IT" sz="800" dirty="0">
+                <a:solidFill>
+                  <a:srgbClr val="D4D4D4"/>
+                </a:solidFill>
+                <a:latin typeface="Consolas" panose="020B0609020204030204" pitchFamily="49" charset="0"/>
+              </a:rPr>
+              <a:t>)*</a:t>
+            </a:r>
+            <a:r>
+              <a:rPr lang="it-IT" sz="800" dirty="0">
+                <a:solidFill>
+                  <a:srgbClr val="B5CEA8"/>
+                </a:solidFill>
+                <a:latin typeface="Consolas" panose="020B0609020204030204" pitchFamily="49" charset="0"/>
+              </a:rPr>
+              <a:t>1000</a:t>
+            </a:r>
+            <a:r>
+              <a:rPr lang="it-IT" sz="800" dirty="0">
+                <a:solidFill>
+                  <a:srgbClr val="D4D4D4"/>
+                </a:solidFill>
+                <a:latin typeface="Consolas" panose="020B0609020204030204" pitchFamily="49" charset="0"/>
+              </a:rPr>
+              <a:t>*</a:t>
+            </a:r>
+            <a:r>
+              <a:rPr lang="it-IT" sz="800" dirty="0">
+                <a:solidFill>
+                  <a:srgbClr val="9CDCFE"/>
+                </a:solidFill>
+                <a:latin typeface="Consolas" panose="020B0609020204030204" pitchFamily="49" charset="0"/>
+              </a:rPr>
+              <a:t>framesPermeasure</a:t>
+            </a:r>
+            <a:r>
+              <a:rPr lang="it-IT" sz="800" dirty="0">
+                <a:solidFill>
+                  <a:srgbClr val="D4D4D4"/>
+                </a:solidFill>
+                <a:latin typeface="Consolas" panose="020B0609020204030204" pitchFamily="49" charset="0"/>
+              </a:rPr>
+              <a:t>)</a:t>
+            </a:r>
+          </a:p>
+          <a:p>
+            <a:r>
+              <a:rPr lang="it-IT" sz="800" dirty="0">
+                <a:solidFill>
+                  <a:srgbClr val="D4D4D4"/>
+                </a:solidFill>
+                <a:latin typeface="Consolas" panose="020B0609020204030204" pitchFamily="49" charset="0"/>
+              </a:rPr>
+              <a:t>    </a:t>
+            </a:r>
+            <a:r>
+              <a:rPr lang="it-IT" sz="800" dirty="0">
+                <a:solidFill>
+                  <a:srgbClr val="C586C0"/>
+                </a:solidFill>
+                <a:latin typeface="Consolas" panose="020B0609020204030204" pitchFamily="49" charset="0"/>
+              </a:rPr>
+              <a:t>else</a:t>
+            </a:r>
+            <a:r>
+              <a:rPr lang="it-IT" sz="800" dirty="0">
+                <a:solidFill>
+                  <a:srgbClr val="D4D4D4"/>
+                </a:solidFill>
+                <a:latin typeface="Consolas" panose="020B0609020204030204" pitchFamily="49" charset="0"/>
+              </a:rPr>
+              <a:t> </a:t>
+            </a:r>
+            <a:r>
+              <a:rPr lang="it-IT" sz="800" dirty="0">
+                <a:solidFill>
+                  <a:srgbClr val="C586C0"/>
+                </a:solidFill>
+                <a:latin typeface="Consolas" panose="020B0609020204030204" pitchFamily="49" charset="0"/>
+              </a:rPr>
+              <a:t>if</a:t>
+            </a:r>
+            <a:r>
+              <a:rPr lang="it-IT" sz="800" dirty="0">
+                <a:solidFill>
+                  <a:srgbClr val="D4D4D4"/>
+                </a:solidFill>
+                <a:latin typeface="Consolas" panose="020B0609020204030204" pitchFamily="49" charset="0"/>
+              </a:rPr>
+              <a:t> (</a:t>
+            </a:r>
+            <a:r>
+              <a:rPr lang="it-IT" sz="800" dirty="0">
+                <a:solidFill>
+                  <a:srgbClr val="9CDCFE"/>
+                </a:solidFill>
+                <a:latin typeface="Consolas" panose="020B0609020204030204" pitchFamily="49" charset="0"/>
+              </a:rPr>
+              <a:t>ms</a:t>
+            </a:r>
+            <a:r>
+              <a:rPr lang="it-IT" sz="800" dirty="0">
+                <a:solidFill>
+                  <a:srgbClr val="D4D4D4"/>
+                </a:solidFill>
+                <a:latin typeface="Consolas" panose="020B0609020204030204" pitchFamily="49" charset="0"/>
+              </a:rPr>
+              <a:t>&gt;=</a:t>
+            </a:r>
+            <a:r>
+              <a:rPr lang="it-IT" sz="800" dirty="0">
+                <a:solidFill>
+                  <a:srgbClr val="B5CEA8"/>
+                </a:solidFill>
+                <a:latin typeface="Consolas" panose="020B0609020204030204" pitchFamily="49" charset="0"/>
+              </a:rPr>
+              <a:t>10</a:t>
+            </a:r>
+            <a:r>
+              <a:rPr lang="it-IT" sz="800" dirty="0">
+                <a:solidFill>
+                  <a:srgbClr val="D4D4D4"/>
+                </a:solidFill>
+                <a:latin typeface="Consolas" panose="020B0609020204030204" pitchFamily="49" charset="0"/>
+              </a:rPr>
+              <a:t>) </a:t>
+            </a:r>
+          </a:p>
+          <a:p>
+            <a:r>
+              <a:rPr lang="it-IT" sz="800" dirty="0">
+                <a:solidFill>
+                  <a:srgbClr val="D4D4D4"/>
+                </a:solidFill>
+                <a:latin typeface="Consolas" panose="020B0609020204030204" pitchFamily="49" charset="0"/>
+              </a:rPr>
+              <a:t>      </a:t>
+            </a:r>
+            <a:r>
+              <a:rPr lang="it-IT" sz="800" dirty="0">
+                <a:solidFill>
+                  <a:srgbClr val="DCDCAA"/>
+                </a:solidFill>
+                <a:latin typeface="Consolas" panose="020B0609020204030204" pitchFamily="49" charset="0"/>
+              </a:rPr>
+              <a:t>setTimeout</a:t>
+            </a:r>
+            <a:r>
+              <a:rPr lang="it-IT" sz="800" dirty="0">
+                <a:solidFill>
+                  <a:srgbClr val="D4D4D4"/>
+                </a:solidFill>
+                <a:latin typeface="Consolas" panose="020B0609020204030204" pitchFamily="49" charset="0"/>
+              </a:rPr>
+              <a:t>(</a:t>
+            </a:r>
+            <a:r>
+              <a:rPr lang="it-IT" sz="800" dirty="0">
+                <a:solidFill>
+                  <a:srgbClr val="569CD6"/>
+                </a:solidFill>
+                <a:latin typeface="Consolas" panose="020B0609020204030204" pitchFamily="49" charset="0"/>
+              </a:rPr>
+              <a:t>function</a:t>
+            </a:r>
+            <a:r>
+              <a:rPr lang="it-IT" sz="800" dirty="0">
+                <a:solidFill>
+                  <a:srgbClr val="D4D4D4"/>
+                </a:solidFill>
+                <a:latin typeface="Consolas" panose="020B0609020204030204" pitchFamily="49" charset="0"/>
+              </a:rPr>
+              <a:t>(){</a:t>
+            </a:r>
+            <a:r>
+              <a:rPr lang="it-IT" sz="800" dirty="0">
+                <a:solidFill>
+                  <a:srgbClr val="DCDCAA"/>
+                </a:solidFill>
+                <a:latin typeface="Consolas" panose="020B0609020204030204" pitchFamily="49" charset="0"/>
+              </a:rPr>
+              <a:t>rewind</a:t>
+            </a:r>
+            <a:r>
+              <a:rPr lang="it-IT" sz="800" dirty="0">
+                <a:solidFill>
+                  <a:srgbClr val="D4D4D4"/>
+                </a:solidFill>
+                <a:latin typeface="Consolas" panose="020B0609020204030204" pitchFamily="49" charset="0"/>
+              </a:rPr>
+              <a:t>(</a:t>
+            </a:r>
+            <a:r>
+              <a:rPr lang="it-IT" sz="800" dirty="0" err="1">
+                <a:solidFill>
+                  <a:srgbClr val="9CDCFE"/>
+                </a:solidFill>
+                <a:latin typeface="Consolas" panose="020B0609020204030204" pitchFamily="49" charset="0"/>
+              </a:rPr>
+              <a:t>snare</a:t>
+            </a:r>
+            <a:r>
+              <a:rPr lang="it-IT" sz="800" dirty="0">
+                <a:solidFill>
+                  <a:srgbClr val="D4D4D4"/>
+                </a:solidFill>
+                <a:latin typeface="Consolas" panose="020B0609020204030204" pitchFamily="49" charset="0"/>
+              </a:rPr>
+              <a:t>)},(</a:t>
+            </a:r>
+            <a:r>
+              <a:rPr lang="it-IT" sz="800" dirty="0">
+                <a:solidFill>
+                  <a:srgbClr val="B5CEA8"/>
+                </a:solidFill>
+                <a:latin typeface="Consolas" panose="020B0609020204030204" pitchFamily="49" charset="0"/>
+              </a:rPr>
+              <a:t>5</a:t>
+            </a:r>
+            <a:r>
+              <a:rPr lang="it-IT" sz="800" dirty="0">
+                <a:solidFill>
+                  <a:srgbClr val="D4D4D4"/>
+                </a:solidFill>
+                <a:latin typeface="Consolas" panose="020B0609020204030204" pitchFamily="49" charset="0"/>
+              </a:rPr>
+              <a:t>)/(</a:t>
+            </a:r>
+            <a:r>
+              <a:rPr lang="it-IT" sz="800" dirty="0">
+                <a:solidFill>
+                  <a:srgbClr val="B5CEA8"/>
+                </a:solidFill>
+                <a:latin typeface="Consolas" panose="020B0609020204030204" pitchFamily="49" charset="0"/>
+              </a:rPr>
+              <a:t>10</a:t>
+            </a:r>
+            <a:r>
+              <a:rPr lang="it-IT" sz="800" dirty="0">
+                <a:solidFill>
+                  <a:srgbClr val="D4D4D4"/>
+                </a:solidFill>
+                <a:latin typeface="Consolas" panose="020B0609020204030204" pitchFamily="49" charset="0"/>
+              </a:rPr>
+              <a:t>*</a:t>
+            </a:r>
+            <a:r>
+              <a:rPr lang="it-IT" sz="800" dirty="0">
+                <a:solidFill>
+                  <a:srgbClr val="9CDCFE"/>
+                </a:solidFill>
+                <a:latin typeface="Consolas" panose="020B0609020204030204" pitchFamily="49" charset="0"/>
+              </a:rPr>
+              <a:t>fps</a:t>
+            </a:r>
+            <a:r>
+              <a:rPr lang="it-IT" sz="800" dirty="0">
+                <a:solidFill>
+                  <a:srgbClr val="D4D4D4"/>
+                </a:solidFill>
+                <a:latin typeface="Consolas" panose="020B0609020204030204" pitchFamily="49" charset="0"/>
+              </a:rPr>
+              <a:t>)*</a:t>
+            </a:r>
+            <a:r>
+              <a:rPr lang="it-IT" sz="800" dirty="0">
+                <a:solidFill>
+                  <a:srgbClr val="B5CEA8"/>
+                </a:solidFill>
+                <a:latin typeface="Consolas" panose="020B0609020204030204" pitchFamily="49" charset="0"/>
+              </a:rPr>
+              <a:t>1000</a:t>
+            </a:r>
+            <a:r>
+              <a:rPr lang="it-IT" sz="800" dirty="0">
+                <a:solidFill>
+                  <a:srgbClr val="D4D4D4"/>
+                </a:solidFill>
+                <a:latin typeface="Consolas" panose="020B0609020204030204" pitchFamily="49" charset="0"/>
+              </a:rPr>
+              <a:t>*</a:t>
+            </a:r>
+            <a:r>
+              <a:rPr lang="it-IT" sz="800" dirty="0">
+                <a:solidFill>
+                  <a:srgbClr val="9CDCFE"/>
+                </a:solidFill>
+                <a:latin typeface="Consolas" panose="020B0609020204030204" pitchFamily="49" charset="0"/>
+              </a:rPr>
+              <a:t>framesPermeasure</a:t>
+            </a:r>
+            <a:r>
+              <a:rPr lang="it-IT" sz="800" dirty="0">
+                <a:solidFill>
+                  <a:srgbClr val="D4D4D4"/>
+                </a:solidFill>
+                <a:latin typeface="Consolas" panose="020B0609020204030204" pitchFamily="49" charset="0"/>
+              </a:rPr>
+              <a:t>)</a:t>
+            </a:r>
+          </a:p>
+          <a:p>
+            <a:r>
+              <a:rPr lang="it-IT" sz="800" dirty="0">
+                <a:solidFill>
+                  <a:srgbClr val="D4D4D4"/>
+                </a:solidFill>
+                <a:latin typeface="Consolas" panose="020B0609020204030204" pitchFamily="49" charset="0"/>
+              </a:rPr>
+              <a:t>    </a:t>
+            </a:r>
+            <a:r>
+              <a:rPr lang="it-IT" sz="800" dirty="0">
+                <a:solidFill>
+                  <a:srgbClr val="C586C0"/>
+                </a:solidFill>
+                <a:latin typeface="Consolas" panose="020B0609020204030204" pitchFamily="49" charset="0"/>
+              </a:rPr>
+              <a:t>if</a:t>
+            </a:r>
+            <a:r>
+              <a:rPr lang="it-IT" sz="800" dirty="0">
+                <a:solidFill>
+                  <a:srgbClr val="D4D4D4"/>
+                </a:solidFill>
+                <a:latin typeface="Consolas" panose="020B0609020204030204" pitchFamily="49" charset="0"/>
+              </a:rPr>
+              <a:t> (</a:t>
+            </a:r>
+            <a:r>
+              <a:rPr lang="it-IT" sz="800" dirty="0">
+                <a:solidFill>
+                  <a:srgbClr val="9CDCFE"/>
+                </a:solidFill>
+                <a:latin typeface="Consolas" panose="020B0609020204030204" pitchFamily="49" charset="0"/>
+              </a:rPr>
+              <a:t>ms</a:t>
+            </a:r>
+            <a:r>
+              <a:rPr lang="it-IT" sz="800" dirty="0">
+                <a:solidFill>
+                  <a:srgbClr val="D4D4D4"/>
+                </a:solidFill>
+                <a:latin typeface="Consolas" panose="020B0609020204030204" pitchFamily="49" charset="0"/>
+              </a:rPr>
+              <a:t>&gt;=</a:t>
+            </a:r>
+            <a:r>
+              <a:rPr lang="it-IT" sz="800" dirty="0">
+                <a:solidFill>
+                  <a:srgbClr val="B5CEA8"/>
+                </a:solidFill>
+                <a:latin typeface="Consolas" panose="020B0609020204030204" pitchFamily="49" charset="0"/>
+              </a:rPr>
+              <a:t>2</a:t>
+            </a:r>
+            <a:r>
+              <a:rPr lang="it-IT" sz="800" dirty="0">
+                <a:solidFill>
+                  <a:srgbClr val="D4D4D4"/>
+                </a:solidFill>
+                <a:latin typeface="Consolas" panose="020B0609020204030204" pitchFamily="49" charset="0"/>
+              </a:rPr>
+              <a:t>) </a:t>
+            </a:r>
+          </a:p>
+          <a:p>
+            <a:r>
+              <a:rPr lang="it-IT" sz="800" dirty="0">
+                <a:solidFill>
+                  <a:srgbClr val="D4D4D4"/>
+                </a:solidFill>
+                <a:latin typeface="Consolas" panose="020B0609020204030204" pitchFamily="49" charset="0"/>
+              </a:rPr>
+              <a:t>      </a:t>
+            </a:r>
+            <a:r>
+              <a:rPr lang="it-IT" sz="800" dirty="0">
+                <a:solidFill>
+                  <a:srgbClr val="DCDCAA"/>
+                </a:solidFill>
+                <a:latin typeface="Consolas" panose="020B0609020204030204" pitchFamily="49" charset="0"/>
+              </a:rPr>
+              <a:t>setTimeout</a:t>
+            </a:r>
+            <a:r>
+              <a:rPr lang="it-IT" sz="800" dirty="0">
+                <a:solidFill>
+                  <a:srgbClr val="D4D4D4"/>
+                </a:solidFill>
+                <a:latin typeface="Consolas" panose="020B0609020204030204" pitchFamily="49" charset="0"/>
+              </a:rPr>
+              <a:t>(</a:t>
+            </a:r>
+            <a:r>
+              <a:rPr lang="it-IT" sz="800" dirty="0">
+                <a:solidFill>
+                  <a:srgbClr val="569CD6"/>
+                </a:solidFill>
+                <a:latin typeface="Consolas" panose="020B0609020204030204" pitchFamily="49" charset="0"/>
+              </a:rPr>
+              <a:t>function</a:t>
+            </a:r>
+            <a:r>
+              <a:rPr lang="it-IT" sz="800" dirty="0">
+                <a:solidFill>
+                  <a:srgbClr val="D4D4D4"/>
+                </a:solidFill>
+                <a:latin typeface="Consolas" panose="020B0609020204030204" pitchFamily="49" charset="0"/>
+              </a:rPr>
+              <a:t>(){</a:t>
+            </a:r>
+            <a:r>
+              <a:rPr lang="it-IT" sz="800" dirty="0">
+                <a:solidFill>
+                  <a:srgbClr val="DCDCAA"/>
+                </a:solidFill>
+                <a:latin typeface="Consolas" panose="020B0609020204030204" pitchFamily="49" charset="0"/>
+              </a:rPr>
+              <a:t>rewind</a:t>
+            </a:r>
+            <a:r>
+              <a:rPr lang="it-IT" sz="800" dirty="0">
+                <a:solidFill>
+                  <a:srgbClr val="D4D4D4"/>
+                </a:solidFill>
+                <a:latin typeface="Consolas" panose="020B0609020204030204" pitchFamily="49" charset="0"/>
+              </a:rPr>
+              <a:t>(</a:t>
+            </a:r>
+            <a:r>
+              <a:rPr lang="it-IT" sz="800" dirty="0" err="1">
+                <a:solidFill>
+                  <a:srgbClr val="9CDCFE"/>
+                </a:solidFill>
+                <a:latin typeface="Consolas" panose="020B0609020204030204" pitchFamily="49" charset="0"/>
+              </a:rPr>
+              <a:t>snare</a:t>
+            </a:r>
+            <a:r>
+              <a:rPr lang="it-IT" sz="800" dirty="0">
+                <a:solidFill>
+                  <a:srgbClr val="D4D4D4"/>
+                </a:solidFill>
+                <a:latin typeface="Consolas" panose="020B0609020204030204" pitchFamily="49" charset="0"/>
+              </a:rPr>
+              <a:t>)},(</a:t>
+            </a:r>
+            <a:r>
+              <a:rPr lang="it-IT" sz="800" dirty="0">
+                <a:solidFill>
+                  <a:srgbClr val="B5CEA8"/>
+                </a:solidFill>
+                <a:latin typeface="Consolas" panose="020B0609020204030204" pitchFamily="49" charset="0"/>
+              </a:rPr>
+              <a:t>7.5</a:t>
+            </a:r>
+            <a:r>
+              <a:rPr lang="it-IT" sz="800" dirty="0">
+                <a:solidFill>
+                  <a:srgbClr val="D4D4D4"/>
+                </a:solidFill>
+                <a:latin typeface="Consolas" panose="020B0609020204030204" pitchFamily="49" charset="0"/>
+              </a:rPr>
+              <a:t>)/(</a:t>
+            </a:r>
+            <a:r>
+              <a:rPr lang="it-IT" sz="800" dirty="0">
+                <a:solidFill>
+                  <a:srgbClr val="B5CEA8"/>
+                </a:solidFill>
+                <a:latin typeface="Consolas" panose="020B0609020204030204" pitchFamily="49" charset="0"/>
+              </a:rPr>
+              <a:t>10</a:t>
+            </a:r>
+            <a:r>
+              <a:rPr lang="it-IT" sz="800" dirty="0">
+                <a:solidFill>
+                  <a:srgbClr val="D4D4D4"/>
+                </a:solidFill>
+                <a:latin typeface="Consolas" panose="020B0609020204030204" pitchFamily="49" charset="0"/>
+              </a:rPr>
+              <a:t>*</a:t>
+            </a:r>
+            <a:r>
+              <a:rPr lang="it-IT" sz="800" dirty="0">
+                <a:solidFill>
+                  <a:srgbClr val="9CDCFE"/>
+                </a:solidFill>
+                <a:latin typeface="Consolas" panose="020B0609020204030204" pitchFamily="49" charset="0"/>
+              </a:rPr>
+              <a:t>fps</a:t>
+            </a:r>
+            <a:r>
+              <a:rPr lang="it-IT" sz="800" dirty="0">
+                <a:solidFill>
+                  <a:srgbClr val="D4D4D4"/>
+                </a:solidFill>
+                <a:latin typeface="Consolas" panose="020B0609020204030204" pitchFamily="49" charset="0"/>
+              </a:rPr>
+              <a:t>)*</a:t>
+            </a:r>
+            <a:r>
+              <a:rPr lang="it-IT" sz="800" dirty="0">
+                <a:solidFill>
+                  <a:srgbClr val="B5CEA8"/>
+                </a:solidFill>
+                <a:latin typeface="Consolas" panose="020B0609020204030204" pitchFamily="49" charset="0"/>
+              </a:rPr>
+              <a:t>1000</a:t>
+            </a:r>
+            <a:r>
+              <a:rPr lang="it-IT" sz="800" dirty="0">
+                <a:solidFill>
+                  <a:srgbClr val="D4D4D4"/>
+                </a:solidFill>
+                <a:latin typeface="Consolas" panose="020B0609020204030204" pitchFamily="49" charset="0"/>
+              </a:rPr>
+              <a:t>*</a:t>
+            </a:r>
+            <a:r>
+              <a:rPr lang="it-IT" sz="800" dirty="0">
+                <a:solidFill>
+                  <a:srgbClr val="9CDCFE"/>
+                </a:solidFill>
+                <a:latin typeface="Consolas" panose="020B0609020204030204" pitchFamily="49" charset="0"/>
+              </a:rPr>
+              <a:t>framesPermeasure</a:t>
+            </a:r>
+            <a:r>
+              <a:rPr lang="it-IT" sz="800" dirty="0">
+                <a:solidFill>
+                  <a:srgbClr val="D4D4D4"/>
+                </a:solidFill>
+                <a:latin typeface="Consolas" panose="020B0609020204030204" pitchFamily="49" charset="0"/>
+              </a:rPr>
+              <a:t>)</a:t>
+            </a:r>
+          </a:p>
+          <a:p>
+            <a:r>
+              <a:rPr lang="it-IT" sz="800" dirty="0">
+                <a:solidFill>
+                  <a:srgbClr val="D4D4D4"/>
+                </a:solidFill>
+                <a:latin typeface="Consolas" panose="020B0609020204030204" pitchFamily="49" charset="0"/>
+              </a:rPr>
+              <a:t>  }</a:t>
+            </a:r>
+          </a:p>
+          <a:p>
+            <a:r>
+              <a:rPr lang="it-IT" sz="800" dirty="0">
+                <a:solidFill>
+                  <a:srgbClr val="D4D4D4"/>
+                </a:solidFill>
+                <a:latin typeface="Consolas" panose="020B0609020204030204" pitchFamily="49" charset="0"/>
+              </a:rPr>
+              <a:t>  </a:t>
+            </a:r>
+          </a:p>
+          <a:p>
+            <a:r>
+              <a:rPr lang="it-IT" sz="800" dirty="0">
+                <a:solidFill>
+                  <a:srgbClr val="D4D4D4"/>
+                </a:solidFill>
+                <a:latin typeface="Consolas" panose="020B0609020204030204" pitchFamily="49" charset="0"/>
+              </a:rPr>
+              <a:t>  </a:t>
+            </a:r>
+            <a:r>
+              <a:rPr lang="it-IT" sz="800" dirty="0">
+                <a:solidFill>
+                  <a:srgbClr val="C586C0"/>
+                </a:solidFill>
+                <a:latin typeface="Consolas" panose="020B0609020204030204" pitchFamily="49" charset="0"/>
+              </a:rPr>
+              <a:t>if</a:t>
+            </a:r>
+            <a:r>
+              <a:rPr lang="it-IT" sz="800" dirty="0">
+                <a:solidFill>
+                  <a:srgbClr val="D4D4D4"/>
+                </a:solidFill>
+                <a:latin typeface="Consolas" panose="020B0609020204030204" pitchFamily="49" charset="0"/>
+              </a:rPr>
+              <a:t> (</a:t>
+            </a:r>
+            <a:r>
+              <a:rPr lang="it-IT" sz="800" dirty="0">
+                <a:solidFill>
+                  <a:srgbClr val="9CDCFE"/>
+                </a:solidFill>
+                <a:latin typeface="Consolas" panose="020B0609020204030204" pitchFamily="49" charset="0"/>
+              </a:rPr>
+              <a:t>ms</a:t>
+            </a:r>
+            <a:r>
+              <a:rPr lang="it-IT" sz="800" dirty="0">
+                <a:solidFill>
+                  <a:srgbClr val="D4D4D4"/>
+                </a:solidFill>
+                <a:latin typeface="Consolas" panose="020B0609020204030204" pitchFamily="49" charset="0"/>
+              </a:rPr>
+              <a:t>&lt;</a:t>
+            </a:r>
+            <a:r>
+              <a:rPr lang="it-IT" sz="800" dirty="0">
+                <a:solidFill>
+                  <a:srgbClr val="B5CEA8"/>
+                </a:solidFill>
+                <a:latin typeface="Consolas" panose="020B0609020204030204" pitchFamily="49" charset="0"/>
+              </a:rPr>
+              <a:t>25</a:t>
+            </a:r>
+            <a:r>
+              <a:rPr lang="it-IT" sz="800" dirty="0">
+                <a:solidFill>
+                  <a:srgbClr val="D4D4D4"/>
+                </a:solidFill>
+                <a:latin typeface="Consolas" panose="020B0609020204030204" pitchFamily="49" charset="0"/>
+              </a:rPr>
+              <a:t>){</a:t>
+            </a:r>
+          </a:p>
+          <a:p>
+            <a:r>
+              <a:rPr lang="it-IT" sz="800" dirty="0">
+                <a:solidFill>
+                  <a:srgbClr val="D4D4D4"/>
+                </a:solidFill>
+                <a:latin typeface="Consolas" panose="020B0609020204030204" pitchFamily="49" charset="0"/>
+              </a:rPr>
+              <a:t>    </a:t>
+            </a:r>
+            <a:r>
+              <a:rPr lang="it-IT" sz="800" dirty="0">
+                <a:solidFill>
+                  <a:srgbClr val="C586C0"/>
+                </a:solidFill>
+                <a:latin typeface="Consolas" panose="020B0609020204030204" pitchFamily="49" charset="0"/>
+              </a:rPr>
+              <a:t>if</a:t>
+            </a:r>
+            <a:r>
+              <a:rPr lang="it-IT" sz="800" dirty="0">
+                <a:solidFill>
+                  <a:srgbClr val="D4D4D4"/>
+                </a:solidFill>
+                <a:latin typeface="Consolas" panose="020B0609020204030204" pitchFamily="49" charset="0"/>
+              </a:rPr>
+              <a:t> (</a:t>
+            </a:r>
+            <a:r>
+              <a:rPr lang="it-IT" sz="800" dirty="0" err="1">
+                <a:solidFill>
+                  <a:srgbClr val="9CDCFE"/>
+                </a:solidFill>
+                <a:latin typeface="Consolas" panose="020B0609020204030204" pitchFamily="49" charset="0"/>
+              </a:rPr>
+              <a:t>mw</a:t>
+            </a:r>
+            <a:r>
+              <a:rPr lang="it-IT" sz="800" dirty="0">
+                <a:solidFill>
+                  <a:srgbClr val="D4D4D4"/>
+                </a:solidFill>
+                <a:latin typeface="Consolas" panose="020B0609020204030204" pitchFamily="49" charset="0"/>
+              </a:rPr>
+              <a:t>&gt;=</a:t>
+            </a:r>
+            <a:r>
+              <a:rPr lang="it-IT" sz="800" dirty="0">
+                <a:solidFill>
+                  <a:srgbClr val="B5CEA8"/>
+                </a:solidFill>
+                <a:latin typeface="Consolas" panose="020B0609020204030204" pitchFamily="49" charset="0"/>
+              </a:rPr>
+              <a:t>20</a:t>
+            </a:r>
+            <a:r>
+              <a:rPr lang="it-IT" sz="800" dirty="0">
+                <a:solidFill>
+                  <a:srgbClr val="D4D4D4"/>
+                </a:solidFill>
+                <a:latin typeface="Consolas" panose="020B0609020204030204" pitchFamily="49" charset="0"/>
+              </a:rPr>
+              <a:t>) </a:t>
+            </a:r>
+          </a:p>
+          <a:p>
+            <a:r>
+              <a:rPr lang="it-IT" sz="800" dirty="0">
+                <a:solidFill>
+                  <a:srgbClr val="D4D4D4"/>
+                </a:solidFill>
+                <a:latin typeface="Consolas" panose="020B0609020204030204" pitchFamily="49" charset="0"/>
+              </a:rPr>
+              <a:t>      </a:t>
+            </a:r>
+            <a:r>
+              <a:rPr lang="it-IT" sz="800" dirty="0">
+                <a:solidFill>
+                  <a:srgbClr val="DCDCAA"/>
+                </a:solidFill>
+                <a:latin typeface="Consolas" panose="020B0609020204030204" pitchFamily="49" charset="0"/>
+              </a:rPr>
+              <a:t>setTimeout</a:t>
+            </a:r>
+            <a:r>
+              <a:rPr lang="it-IT" sz="800" dirty="0">
+                <a:solidFill>
+                  <a:srgbClr val="D4D4D4"/>
+                </a:solidFill>
+                <a:latin typeface="Consolas" panose="020B0609020204030204" pitchFamily="49" charset="0"/>
+              </a:rPr>
+              <a:t>(</a:t>
+            </a:r>
+            <a:r>
+              <a:rPr lang="it-IT" sz="800" dirty="0">
+                <a:solidFill>
+                  <a:srgbClr val="569CD6"/>
+                </a:solidFill>
+                <a:latin typeface="Consolas" panose="020B0609020204030204" pitchFamily="49" charset="0"/>
+              </a:rPr>
+              <a:t>function</a:t>
+            </a:r>
+            <a:r>
+              <a:rPr lang="it-IT" sz="800" dirty="0">
+                <a:solidFill>
+                  <a:srgbClr val="D4D4D4"/>
+                </a:solidFill>
+                <a:latin typeface="Consolas" panose="020B0609020204030204" pitchFamily="49" charset="0"/>
+              </a:rPr>
+              <a:t>(){</a:t>
+            </a:r>
+            <a:r>
+              <a:rPr lang="it-IT" sz="800" dirty="0">
+                <a:solidFill>
+                  <a:srgbClr val="DCDCAA"/>
+                </a:solidFill>
+                <a:latin typeface="Consolas" panose="020B0609020204030204" pitchFamily="49" charset="0"/>
+              </a:rPr>
+              <a:t>rewind</a:t>
+            </a:r>
+            <a:r>
+              <a:rPr lang="it-IT" sz="800" dirty="0">
+                <a:solidFill>
+                  <a:srgbClr val="D4D4D4"/>
+                </a:solidFill>
+                <a:latin typeface="Consolas" panose="020B0609020204030204" pitchFamily="49" charset="0"/>
+              </a:rPr>
+              <a:t>(</a:t>
+            </a:r>
+            <a:r>
+              <a:rPr lang="it-IT" sz="800" dirty="0" err="1">
+                <a:solidFill>
+                  <a:srgbClr val="9CDCFE"/>
+                </a:solidFill>
+                <a:latin typeface="Consolas" panose="020B0609020204030204" pitchFamily="49" charset="0"/>
+              </a:rPr>
+              <a:t>open_hat</a:t>
+            </a:r>
+            <a:r>
+              <a:rPr lang="it-IT" sz="800" dirty="0">
+                <a:solidFill>
+                  <a:srgbClr val="D4D4D4"/>
+                </a:solidFill>
+                <a:latin typeface="Consolas" panose="020B0609020204030204" pitchFamily="49" charset="0"/>
+              </a:rPr>
+              <a:t>)},(</a:t>
+            </a:r>
+            <a:r>
+              <a:rPr lang="it-IT" sz="800" dirty="0">
+                <a:solidFill>
+                  <a:srgbClr val="B5CEA8"/>
+                </a:solidFill>
+                <a:latin typeface="Consolas" panose="020B0609020204030204" pitchFamily="49" charset="0"/>
+              </a:rPr>
+              <a:t>2.5</a:t>
+            </a:r>
+            <a:r>
+              <a:rPr lang="it-IT" sz="800" dirty="0">
+                <a:solidFill>
+                  <a:srgbClr val="D4D4D4"/>
+                </a:solidFill>
+                <a:latin typeface="Consolas" panose="020B0609020204030204" pitchFamily="49" charset="0"/>
+              </a:rPr>
+              <a:t>)/(</a:t>
+            </a:r>
+            <a:r>
+              <a:rPr lang="it-IT" sz="800" dirty="0">
+                <a:solidFill>
+                  <a:srgbClr val="B5CEA8"/>
+                </a:solidFill>
+                <a:latin typeface="Consolas" panose="020B0609020204030204" pitchFamily="49" charset="0"/>
+              </a:rPr>
+              <a:t>10</a:t>
+            </a:r>
+            <a:r>
+              <a:rPr lang="it-IT" sz="800" dirty="0">
+                <a:solidFill>
+                  <a:srgbClr val="D4D4D4"/>
+                </a:solidFill>
+                <a:latin typeface="Consolas" panose="020B0609020204030204" pitchFamily="49" charset="0"/>
+              </a:rPr>
+              <a:t>*</a:t>
+            </a:r>
+            <a:r>
+              <a:rPr lang="it-IT" sz="800" dirty="0">
+                <a:solidFill>
+                  <a:srgbClr val="9CDCFE"/>
+                </a:solidFill>
+                <a:latin typeface="Consolas" panose="020B0609020204030204" pitchFamily="49" charset="0"/>
+              </a:rPr>
+              <a:t>fps</a:t>
+            </a:r>
+            <a:r>
+              <a:rPr lang="it-IT" sz="800" dirty="0">
+                <a:solidFill>
+                  <a:srgbClr val="D4D4D4"/>
+                </a:solidFill>
+                <a:latin typeface="Consolas" panose="020B0609020204030204" pitchFamily="49" charset="0"/>
+              </a:rPr>
+              <a:t>)*</a:t>
+            </a:r>
+            <a:r>
+              <a:rPr lang="it-IT" sz="800" dirty="0">
+                <a:solidFill>
+                  <a:srgbClr val="B5CEA8"/>
+                </a:solidFill>
+                <a:latin typeface="Consolas" panose="020B0609020204030204" pitchFamily="49" charset="0"/>
+              </a:rPr>
+              <a:t>1000</a:t>
+            </a:r>
+            <a:r>
+              <a:rPr lang="it-IT" sz="800" dirty="0">
+                <a:solidFill>
+                  <a:srgbClr val="D4D4D4"/>
+                </a:solidFill>
+                <a:latin typeface="Consolas" panose="020B0609020204030204" pitchFamily="49" charset="0"/>
+              </a:rPr>
+              <a:t>*</a:t>
+            </a:r>
+            <a:r>
+              <a:rPr lang="it-IT" sz="800" dirty="0">
+                <a:solidFill>
+                  <a:srgbClr val="9CDCFE"/>
+                </a:solidFill>
+                <a:latin typeface="Consolas" panose="020B0609020204030204" pitchFamily="49" charset="0"/>
+              </a:rPr>
+              <a:t>framesPermeasure</a:t>
+            </a:r>
+            <a:r>
+              <a:rPr lang="it-IT" sz="800" dirty="0">
+                <a:solidFill>
+                  <a:srgbClr val="D4D4D4"/>
+                </a:solidFill>
+                <a:latin typeface="Consolas" panose="020B0609020204030204" pitchFamily="49" charset="0"/>
+              </a:rPr>
+              <a:t>)</a:t>
+            </a:r>
+          </a:p>
+          <a:p>
+            <a:r>
+              <a:rPr lang="it-IT" sz="800" dirty="0">
+                <a:solidFill>
+                  <a:srgbClr val="D4D4D4"/>
+                </a:solidFill>
+                <a:latin typeface="Consolas" panose="020B0609020204030204" pitchFamily="49" charset="0"/>
+              </a:rPr>
+              <a:t>    </a:t>
+            </a:r>
+            <a:r>
+              <a:rPr lang="it-IT" sz="800" dirty="0">
+                <a:solidFill>
+                  <a:srgbClr val="C586C0"/>
+                </a:solidFill>
+                <a:latin typeface="Consolas" panose="020B0609020204030204" pitchFamily="49" charset="0"/>
+              </a:rPr>
+              <a:t>else</a:t>
+            </a:r>
+            <a:r>
+              <a:rPr lang="it-IT" sz="800" dirty="0">
+                <a:solidFill>
+                  <a:srgbClr val="D4D4D4"/>
+                </a:solidFill>
+                <a:latin typeface="Consolas" panose="020B0609020204030204" pitchFamily="49" charset="0"/>
+              </a:rPr>
+              <a:t> </a:t>
+            </a:r>
+            <a:r>
+              <a:rPr lang="it-IT" sz="800" dirty="0">
+                <a:solidFill>
+                  <a:srgbClr val="C586C0"/>
+                </a:solidFill>
+                <a:latin typeface="Consolas" panose="020B0609020204030204" pitchFamily="49" charset="0"/>
+              </a:rPr>
+              <a:t>if</a:t>
+            </a:r>
+            <a:r>
+              <a:rPr lang="it-IT" sz="800" dirty="0">
+                <a:solidFill>
+                  <a:srgbClr val="D4D4D4"/>
+                </a:solidFill>
+                <a:latin typeface="Consolas" panose="020B0609020204030204" pitchFamily="49" charset="0"/>
+              </a:rPr>
+              <a:t> (</a:t>
+            </a:r>
+            <a:r>
+              <a:rPr lang="it-IT" sz="800" dirty="0" err="1">
+                <a:solidFill>
+                  <a:srgbClr val="9CDCFE"/>
+                </a:solidFill>
+                <a:latin typeface="Consolas" panose="020B0609020204030204" pitchFamily="49" charset="0"/>
+              </a:rPr>
+              <a:t>mw</a:t>
+            </a:r>
+            <a:r>
+              <a:rPr lang="it-IT" sz="800" dirty="0">
+                <a:solidFill>
+                  <a:srgbClr val="D4D4D4"/>
+                </a:solidFill>
+                <a:latin typeface="Consolas" panose="020B0609020204030204" pitchFamily="49" charset="0"/>
+              </a:rPr>
+              <a:t>&gt;=</a:t>
+            </a:r>
+            <a:r>
+              <a:rPr lang="it-IT" sz="800" dirty="0">
+                <a:solidFill>
+                  <a:srgbClr val="B5CEA8"/>
+                </a:solidFill>
+                <a:latin typeface="Consolas" panose="020B0609020204030204" pitchFamily="49" charset="0"/>
+              </a:rPr>
+              <a:t>10</a:t>
+            </a:r>
+            <a:r>
+              <a:rPr lang="it-IT" sz="800" dirty="0">
+                <a:solidFill>
+                  <a:srgbClr val="D4D4D4"/>
+                </a:solidFill>
+                <a:latin typeface="Consolas" panose="020B0609020204030204" pitchFamily="49" charset="0"/>
+              </a:rPr>
+              <a:t>) </a:t>
+            </a:r>
+          </a:p>
+          <a:p>
+            <a:r>
+              <a:rPr lang="it-IT" sz="800" dirty="0">
+                <a:solidFill>
+                  <a:srgbClr val="D4D4D4"/>
+                </a:solidFill>
+                <a:latin typeface="Consolas" panose="020B0609020204030204" pitchFamily="49" charset="0"/>
+              </a:rPr>
+              <a:t>      </a:t>
+            </a:r>
+            <a:r>
+              <a:rPr lang="it-IT" sz="800" dirty="0">
+                <a:solidFill>
+                  <a:srgbClr val="DCDCAA"/>
+                </a:solidFill>
+                <a:latin typeface="Consolas" panose="020B0609020204030204" pitchFamily="49" charset="0"/>
+              </a:rPr>
+              <a:t>setTimeout</a:t>
+            </a:r>
+            <a:r>
+              <a:rPr lang="it-IT" sz="800" dirty="0">
+                <a:solidFill>
+                  <a:srgbClr val="D4D4D4"/>
+                </a:solidFill>
+                <a:latin typeface="Consolas" panose="020B0609020204030204" pitchFamily="49" charset="0"/>
+              </a:rPr>
+              <a:t>(</a:t>
+            </a:r>
+            <a:r>
+              <a:rPr lang="it-IT" sz="800" dirty="0">
+                <a:solidFill>
+                  <a:srgbClr val="569CD6"/>
+                </a:solidFill>
+                <a:latin typeface="Consolas" panose="020B0609020204030204" pitchFamily="49" charset="0"/>
+              </a:rPr>
+              <a:t>function</a:t>
+            </a:r>
+            <a:r>
+              <a:rPr lang="it-IT" sz="800" dirty="0">
+                <a:solidFill>
+                  <a:srgbClr val="D4D4D4"/>
+                </a:solidFill>
+                <a:latin typeface="Consolas" panose="020B0609020204030204" pitchFamily="49" charset="0"/>
+              </a:rPr>
+              <a:t>(){</a:t>
+            </a:r>
+            <a:r>
+              <a:rPr lang="it-IT" sz="800" dirty="0">
+                <a:solidFill>
+                  <a:srgbClr val="DCDCAA"/>
+                </a:solidFill>
+                <a:latin typeface="Consolas" panose="020B0609020204030204" pitchFamily="49" charset="0"/>
+              </a:rPr>
+              <a:t>rewind</a:t>
+            </a:r>
+            <a:r>
+              <a:rPr lang="it-IT" sz="800" dirty="0">
+                <a:solidFill>
+                  <a:srgbClr val="D4D4D4"/>
+                </a:solidFill>
+                <a:latin typeface="Consolas" panose="020B0609020204030204" pitchFamily="49" charset="0"/>
+              </a:rPr>
+              <a:t>(</a:t>
+            </a:r>
+            <a:r>
+              <a:rPr lang="it-IT" sz="800" dirty="0" err="1">
+                <a:solidFill>
+                  <a:srgbClr val="9CDCFE"/>
+                </a:solidFill>
+                <a:latin typeface="Consolas" panose="020B0609020204030204" pitchFamily="49" charset="0"/>
+              </a:rPr>
+              <a:t>open_hat</a:t>
+            </a:r>
+            <a:r>
+              <a:rPr lang="it-IT" sz="800" dirty="0">
+                <a:solidFill>
+                  <a:srgbClr val="D4D4D4"/>
+                </a:solidFill>
+                <a:latin typeface="Consolas" panose="020B0609020204030204" pitchFamily="49" charset="0"/>
+              </a:rPr>
+              <a:t>)},(</a:t>
+            </a:r>
+            <a:r>
+              <a:rPr lang="it-IT" sz="800" dirty="0">
+                <a:solidFill>
+                  <a:srgbClr val="B5CEA8"/>
+                </a:solidFill>
+                <a:latin typeface="Consolas" panose="020B0609020204030204" pitchFamily="49" charset="0"/>
+              </a:rPr>
+              <a:t>5</a:t>
+            </a:r>
+            <a:r>
+              <a:rPr lang="it-IT" sz="800" dirty="0">
+                <a:solidFill>
+                  <a:srgbClr val="D4D4D4"/>
+                </a:solidFill>
+                <a:latin typeface="Consolas" panose="020B0609020204030204" pitchFamily="49" charset="0"/>
+              </a:rPr>
+              <a:t>)/(</a:t>
+            </a:r>
+            <a:r>
+              <a:rPr lang="it-IT" sz="800" dirty="0">
+                <a:solidFill>
+                  <a:srgbClr val="B5CEA8"/>
+                </a:solidFill>
+                <a:latin typeface="Consolas" panose="020B0609020204030204" pitchFamily="49" charset="0"/>
+              </a:rPr>
+              <a:t>10</a:t>
+            </a:r>
+            <a:r>
+              <a:rPr lang="it-IT" sz="800" dirty="0">
+                <a:solidFill>
+                  <a:srgbClr val="D4D4D4"/>
+                </a:solidFill>
+                <a:latin typeface="Consolas" panose="020B0609020204030204" pitchFamily="49" charset="0"/>
+              </a:rPr>
+              <a:t>*</a:t>
+            </a:r>
+            <a:r>
+              <a:rPr lang="it-IT" sz="800" dirty="0">
+                <a:solidFill>
+                  <a:srgbClr val="9CDCFE"/>
+                </a:solidFill>
+                <a:latin typeface="Consolas" panose="020B0609020204030204" pitchFamily="49" charset="0"/>
+              </a:rPr>
+              <a:t>fps</a:t>
+            </a:r>
+            <a:r>
+              <a:rPr lang="it-IT" sz="800" dirty="0">
+                <a:solidFill>
+                  <a:srgbClr val="D4D4D4"/>
+                </a:solidFill>
+                <a:latin typeface="Consolas" panose="020B0609020204030204" pitchFamily="49" charset="0"/>
+              </a:rPr>
+              <a:t>)*</a:t>
+            </a:r>
+            <a:r>
+              <a:rPr lang="it-IT" sz="800" dirty="0">
+                <a:solidFill>
+                  <a:srgbClr val="B5CEA8"/>
+                </a:solidFill>
+                <a:latin typeface="Consolas" panose="020B0609020204030204" pitchFamily="49" charset="0"/>
+              </a:rPr>
+              <a:t>1000</a:t>
+            </a:r>
+            <a:r>
+              <a:rPr lang="it-IT" sz="800" dirty="0">
+                <a:solidFill>
+                  <a:srgbClr val="D4D4D4"/>
+                </a:solidFill>
+                <a:latin typeface="Consolas" panose="020B0609020204030204" pitchFamily="49" charset="0"/>
+              </a:rPr>
+              <a:t>*</a:t>
+            </a:r>
+            <a:r>
+              <a:rPr lang="it-IT" sz="800" dirty="0">
+                <a:solidFill>
+                  <a:srgbClr val="9CDCFE"/>
+                </a:solidFill>
+                <a:latin typeface="Consolas" panose="020B0609020204030204" pitchFamily="49" charset="0"/>
+              </a:rPr>
+              <a:t>framesPermeasure</a:t>
+            </a:r>
+            <a:r>
+              <a:rPr lang="it-IT" sz="800" dirty="0">
+                <a:solidFill>
+                  <a:srgbClr val="D4D4D4"/>
+                </a:solidFill>
+                <a:latin typeface="Consolas" panose="020B0609020204030204" pitchFamily="49" charset="0"/>
+              </a:rPr>
+              <a:t>)</a:t>
+            </a:r>
+          </a:p>
+          <a:p>
+            <a:r>
+              <a:rPr lang="it-IT" sz="800" dirty="0">
+                <a:solidFill>
+                  <a:srgbClr val="D4D4D4"/>
+                </a:solidFill>
+                <a:latin typeface="Consolas" panose="020B0609020204030204" pitchFamily="49" charset="0"/>
+              </a:rPr>
+              <a:t>    </a:t>
+            </a:r>
+            <a:r>
+              <a:rPr lang="it-IT" sz="800" dirty="0">
+                <a:solidFill>
+                  <a:srgbClr val="C586C0"/>
+                </a:solidFill>
+                <a:latin typeface="Consolas" panose="020B0609020204030204" pitchFamily="49" charset="0"/>
+              </a:rPr>
+              <a:t>if</a:t>
+            </a:r>
+            <a:r>
+              <a:rPr lang="it-IT" sz="800" dirty="0">
+                <a:solidFill>
+                  <a:srgbClr val="D4D4D4"/>
+                </a:solidFill>
+                <a:latin typeface="Consolas" panose="020B0609020204030204" pitchFamily="49" charset="0"/>
+              </a:rPr>
+              <a:t> (</a:t>
+            </a:r>
+            <a:r>
+              <a:rPr lang="it-IT" sz="800" dirty="0" err="1">
+                <a:solidFill>
+                  <a:srgbClr val="9CDCFE"/>
+                </a:solidFill>
+                <a:latin typeface="Consolas" panose="020B0609020204030204" pitchFamily="49" charset="0"/>
+              </a:rPr>
+              <a:t>mw</a:t>
+            </a:r>
+            <a:r>
+              <a:rPr lang="it-IT" sz="800" dirty="0">
+                <a:solidFill>
+                  <a:srgbClr val="D4D4D4"/>
+                </a:solidFill>
+                <a:latin typeface="Consolas" panose="020B0609020204030204" pitchFamily="49" charset="0"/>
+              </a:rPr>
+              <a:t>&gt;=</a:t>
+            </a:r>
+            <a:r>
+              <a:rPr lang="it-IT" sz="800" dirty="0">
+                <a:solidFill>
+                  <a:srgbClr val="B5CEA8"/>
+                </a:solidFill>
+                <a:latin typeface="Consolas" panose="020B0609020204030204" pitchFamily="49" charset="0"/>
+              </a:rPr>
+              <a:t>5</a:t>
+            </a:r>
+            <a:r>
+              <a:rPr lang="it-IT" sz="800" dirty="0">
+                <a:solidFill>
+                  <a:srgbClr val="D4D4D4"/>
+                </a:solidFill>
+                <a:latin typeface="Consolas" panose="020B0609020204030204" pitchFamily="49" charset="0"/>
+              </a:rPr>
+              <a:t>) </a:t>
+            </a:r>
+          </a:p>
+          <a:p>
+            <a:r>
+              <a:rPr lang="it-IT" sz="800" dirty="0">
+                <a:solidFill>
+                  <a:srgbClr val="D4D4D4"/>
+                </a:solidFill>
+                <a:latin typeface="Consolas" panose="020B0609020204030204" pitchFamily="49" charset="0"/>
+              </a:rPr>
+              <a:t>      </a:t>
+            </a:r>
+            <a:r>
+              <a:rPr lang="it-IT" sz="800" dirty="0">
+                <a:solidFill>
+                  <a:srgbClr val="DCDCAA"/>
+                </a:solidFill>
+                <a:latin typeface="Consolas" panose="020B0609020204030204" pitchFamily="49" charset="0"/>
+              </a:rPr>
+              <a:t>setTimeout</a:t>
+            </a:r>
+            <a:r>
+              <a:rPr lang="it-IT" sz="800" dirty="0">
+                <a:solidFill>
+                  <a:srgbClr val="D4D4D4"/>
+                </a:solidFill>
+                <a:latin typeface="Consolas" panose="020B0609020204030204" pitchFamily="49" charset="0"/>
+              </a:rPr>
+              <a:t>(</a:t>
+            </a:r>
+            <a:r>
+              <a:rPr lang="it-IT" sz="800" dirty="0">
+                <a:solidFill>
+                  <a:srgbClr val="569CD6"/>
+                </a:solidFill>
+                <a:latin typeface="Consolas" panose="020B0609020204030204" pitchFamily="49" charset="0"/>
+              </a:rPr>
+              <a:t>function</a:t>
+            </a:r>
+            <a:r>
+              <a:rPr lang="it-IT" sz="800" dirty="0">
+                <a:solidFill>
+                  <a:srgbClr val="D4D4D4"/>
+                </a:solidFill>
+                <a:latin typeface="Consolas" panose="020B0609020204030204" pitchFamily="49" charset="0"/>
+              </a:rPr>
+              <a:t>(){</a:t>
+            </a:r>
+            <a:r>
+              <a:rPr lang="it-IT" sz="800" dirty="0">
+                <a:solidFill>
+                  <a:srgbClr val="DCDCAA"/>
+                </a:solidFill>
+                <a:latin typeface="Consolas" panose="020B0609020204030204" pitchFamily="49" charset="0"/>
+              </a:rPr>
+              <a:t>rewind</a:t>
+            </a:r>
+            <a:r>
+              <a:rPr lang="it-IT" sz="800" dirty="0">
+                <a:solidFill>
+                  <a:srgbClr val="D4D4D4"/>
+                </a:solidFill>
+                <a:latin typeface="Consolas" panose="020B0609020204030204" pitchFamily="49" charset="0"/>
+              </a:rPr>
+              <a:t>(</a:t>
+            </a:r>
+            <a:r>
+              <a:rPr lang="it-IT" sz="800" dirty="0" err="1">
+                <a:solidFill>
+                  <a:srgbClr val="9CDCFE"/>
+                </a:solidFill>
+                <a:latin typeface="Consolas" panose="020B0609020204030204" pitchFamily="49" charset="0"/>
+              </a:rPr>
+              <a:t>open_hat</a:t>
+            </a:r>
+            <a:r>
+              <a:rPr lang="it-IT" sz="800" dirty="0">
+                <a:solidFill>
+                  <a:srgbClr val="D4D4D4"/>
+                </a:solidFill>
+                <a:latin typeface="Consolas" panose="020B0609020204030204" pitchFamily="49" charset="0"/>
+              </a:rPr>
+              <a:t>)},(</a:t>
+            </a:r>
+            <a:r>
+              <a:rPr lang="it-IT" sz="800" dirty="0">
+                <a:solidFill>
+                  <a:srgbClr val="B5CEA8"/>
+                </a:solidFill>
+                <a:latin typeface="Consolas" panose="020B0609020204030204" pitchFamily="49" charset="0"/>
+              </a:rPr>
+              <a:t>7.5</a:t>
+            </a:r>
+            <a:r>
+              <a:rPr lang="it-IT" sz="800" dirty="0">
+                <a:solidFill>
+                  <a:srgbClr val="D4D4D4"/>
+                </a:solidFill>
+                <a:latin typeface="Consolas" panose="020B0609020204030204" pitchFamily="49" charset="0"/>
+              </a:rPr>
+              <a:t>)/(</a:t>
+            </a:r>
+            <a:r>
+              <a:rPr lang="it-IT" sz="800" dirty="0">
+                <a:solidFill>
+                  <a:srgbClr val="B5CEA8"/>
+                </a:solidFill>
+                <a:latin typeface="Consolas" panose="020B0609020204030204" pitchFamily="49" charset="0"/>
+              </a:rPr>
+              <a:t>10</a:t>
+            </a:r>
+            <a:r>
+              <a:rPr lang="it-IT" sz="800" dirty="0">
+                <a:solidFill>
+                  <a:srgbClr val="D4D4D4"/>
+                </a:solidFill>
+                <a:latin typeface="Consolas" panose="020B0609020204030204" pitchFamily="49" charset="0"/>
+              </a:rPr>
+              <a:t>*</a:t>
+            </a:r>
+            <a:r>
+              <a:rPr lang="it-IT" sz="800" dirty="0">
+                <a:solidFill>
+                  <a:srgbClr val="9CDCFE"/>
+                </a:solidFill>
+                <a:latin typeface="Consolas" panose="020B0609020204030204" pitchFamily="49" charset="0"/>
+              </a:rPr>
+              <a:t>fps</a:t>
+            </a:r>
+            <a:r>
+              <a:rPr lang="it-IT" sz="800" dirty="0">
+                <a:solidFill>
+                  <a:srgbClr val="D4D4D4"/>
+                </a:solidFill>
+                <a:latin typeface="Consolas" panose="020B0609020204030204" pitchFamily="49" charset="0"/>
+              </a:rPr>
+              <a:t>)*</a:t>
+            </a:r>
+            <a:r>
+              <a:rPr lang="it-IT" sz="800" dirty="0">
+                <a:solidFill>
+                  <a:srgbClr val="B5CEA8"/>
+                </a:solidFill>
+                <a:latin typeface="Consolas" panose="020B0609020204030204" pitchFamily="49" charset="0"/>
+              </a:rPr>
+              <a:t>1000</a:t>
+            </a:r>
+            <a:r>
+              <a:rPr lang="it-IT" sz="800" dirty="0">
+                <a:solidFill>
+                  <a:srgbClr val="D4D4D4"/>
+                </a:solidFill>
+                <a:latin typeface="Consolas" panose="020B0609020204030204" pitchFamily="49" charset="0"/>
+              </a:rPr>
+              <a:t>*</a:t>
+            </a:r>
+            <a:r>
+              <a:rPr lang="it-IT" sz="800" dirty="0">
+                <a:solidFill>
+                  <a:srgbClr val="9CDCFE"/>
+                </a:solidFill>
+                <a:latin typeface="Consolas" panose="020B0609020204030204" pitchFamily="49" charset="0"/>
+              </a:rPr>
+              <a:t>framesPermeasure</a:t>
+            </a:r>
+            <a:r>
+              <a:rPr lang="it-IT" sz="800" dirty="0">
+                <a:solidFill>
+                  <a:srgbClr val="D4D4D4"/>
+                </a:solidFill>
+                <a:latin typeface="Consolas" panose="020B0609020204030204" pitchFamily="49" charset="0"/>
+              </a:rPr>
+              <a:t>)</a:t>
+            </a:r>
+          </a:p>
+          <a:p>
+            <a:r>
+              <a:rPr lang="it-IT" sz="800" dirty="0">
+                <a:solidFill>
+                  <a:srgbClr val="D4D4D4"/>
+                </a:solidFill>
+                <a:latin typeface="Consolas" panose="020B0609020204030204" pitchFamily="49" charset="0"/>
+              </a:rPr>
+              <a:t>  }</a:t>
+            </a:r>
+          </a:p>
+          <a:p>
+            <a:br>
+              <a:rPr lang="it-IT" sz="800" dirty="0">
+                <a:solidFill>
+                  <a:srgbClr val="D4D4D4"/>
+                </a:solidFill>
+                <a:latin typeface="Consolas" panose="020B0609020204030204" pitchFamily="49" charset="0"/>
+              </a:rPr>
+            </a:br>
+            <a:r>
+              <a:rPr lang="it-IT" sz="800" dirty="0">
+                <a:solidFill>
+                  <a:srgbClr val="D4D4D4"/>
+                </a:solidFill>
+                <a:latin typeface="Consolas" panose="020B0609020204030204" pitchFamily="49" charset="0"/>
+              </a:rPr>
+              <a:t>  </a:t>
+            </a:r>
+            <a:r>
+              <a:rPr lang="it-IT" sz="800" dirty="0">
+                <a:solidFill>
+                  <a:srgbClr val="C586C0"/>
+                </a:solidFill>
+                <a:latin typeface="Consolas" panose="020B0609020204030204" pitchFamily="49" charset="0"/>
+              </a:rPr>
+              <a:t>if</a:t>
+            </a:r>
+            <a:r>
+              <a:rPr lang="it-IT" sz="800" dirty="0">
+                <a:solidFill>
+                  <a:srgbClr val="D4D4D4"/>
+                </a:solidFill>
+                <a:latin typeface="Consolas" panose="020B0609020204030204" pitchFamily="49" charset="0"/>
+              </a:rPr>
+              <a:t> (</a:t>
+            </a:r>
+            <a:r>
+              <a:rPr lang="it-IT" sz="800" dirty="0">
+                <a:solidFill>
+                  <a:srgbClr val="9CDCFE"/>
+                </a:solidFill>
+                <a:latin typeface="Consolas" panose="020B0609020204030204" pitchFamily="49" charset="0"/>
+              </a:rPr>
+              <a:t>n_pecore_stay</a:t>
+            </a:r>
+            <a:r>
+              <a:rPr lang="it-IT" sz="800" dirty="0">
+                <a:solidFill>
+                  <a:srgbClr val="D4D4D4"/>
+                </a:solidFill>
+                <a:latin typeface="Consolas" panose="020B0609020204030204" pitchFamily="49" charset="0"/>
+              </a:rPr>
+              <a:t>&gt;=</a:t>
+            </a:r>
+            <a:r>
+              <a:rPr lang="it-IT" sz="800" dirty="0">
+                <a:solidFill>
+                  <a:srgbClr val="B5CEA8"/>
+                </a:solidFill>
+                <a:latin typeface="Consolas" panose="020B0609020204030204" pitchFamily="49" charset="0"/>
+              </a:rPr>
+              <a:t>30</a:t>
+            </a:r>
+            <a:r>
+              <a:rPr lang="it-IT" sz="800" dirty="0">
+                <a:solidFill>
+                  <a:srgbClr val="D4D4D4"/>
+                </a:solidFill>
+                <a:latin typeface="Consolas" panose="020B0609020204030204" pitchFamily="49" charset="0"/>
+              </a:rPr>
+              <a:t>){</a:t>
+            </a:r>
+          </a:p>
+          <a:p>
+            <a:r>
+              <a:rPr lang="it-IT" sz="800" dirty="0">
+                <a:solidFill>
+                  <a:srgbClr val="D4D4D4"/>
+                </a:solidFill>
+                <a:latin typeface="Consolas" panose="020B0609020204030204" pitchFamily="49" charset="0"/>
+              </a:rPr>
+              <a:t>    </a:t>
+            </a:r>
+            <a:r>
+              <a:rPr lang="it-IT" sz="800" dirty="0">
+                <a:solidFill>
+                  <a:srgbClr val="C586C0"/>
+                </a:solidFill>
+                <a:latin typeface="Consolas" panose="020B0609020204030204" pitchFamily="49" charset="0"/>
+              </a:rPr>
+              <a:t>if</a:t>
+            </a:r>
+            <a:r>
+              <a:rPr lang="it-IT" sz="800" dirty="0">
+                <a:solidFill>
+                  <a:srgbClr val="D4D4D4"/>
+                </a:solidFill>
+                <a:latin typeface="Consolas" panose="020B0609020204030204" pitchFamily="49" charset="0"/>
+              </a:rPr>
+              <a:t> (</a:t>
+            </a:r>
+            <a:r>
+              <a:rPr lang="it-IT" sz="800" dirty="0" err="1">
+                <a:solidFill>
+                  <a:srgbClr val="9CDCFE"/>
+                </a:solidFill>
+                <a:latin typeface="Consolas" panose="020B0609020204030204" pitchFamily="49" charset="0"/>
+              </a:rPr>
+              <a:t>mw</a:t>
+            </a:r>
+            <a:r>
+              <a:rPr lang="it-IT" sz="800" dirty="0">
+                <a:solidFill>
+                  <a:srgbClr val="D4D4D4"/>
+                </a:solidFill>
+                <a:latin typeface="Consolas" panose="020B0609020204030204" pitchFamily="49" charset="0"/>
+              </a:rPr>
+              <a:t>&lt;</a:t>
+            </a:r>
+            <a:r>
+              <a:rPr lang="it-IT" sz="800" dirty="0">
+                <a:solidFill>
+                  <a:srgbClr val="B5CEA8"/>
+                </a:solidFill>
+                <a:latin typeface="Consolas" panose="020B0609020204030204" pitchFamily="49" charset="0"/>
+              </a:rPr>
+              <a:t>3</a:t>
+            </a:r>
+            <a:r>
+              <a:rPr lang="it-IT" sz="800" dirty="0">
+                <a:solidFill>
+                  <a:srgbClr val="D4D4D4"/>
+                </a:solidFill>
+                <a:latin typeface="Consolas" panose="020B0609020204030204" pitchFamily="49" charset="0"/>
+              </a:rPr>
+              <a:t>) </a:t>
+            </a:r>
+          </a:p>
+          <a:p>
+            <a:r>
+              <a:rPr lang="it-IT" sz="800" dirty="0">
+                <a:solidFill>
+                  <a:srgbClr val="D4D4D4"/>
+                </a:solidFill>
+                <a:latin typeface="Consolas" panose="020B0609020204030204" pitchFamily="49" charset="0"/>
+              </a:rPr>
+              <a:t>      </a:t>
+            </a:r>
+            <a:r>
+              <a:rPr lang="it-IT" sz="800" dirty="0">
+                <a:solidFill>
+                  <a:srgbClr val="DCDCAA"/>
+                </a:solidFill>
+                <a:latin typeface="Consolas" panose="020B0609020204030204" pitchFamily="49" charset="0"/>
+              </a:rPr>
+              <a:t>setTimeout</a:t>
+            </a:r>
+            <a:r>
+              <a:rPr lang="it-IT" sz="800" dirty="0">
+                <a:solidFill>
+                  <a:srgbClr val="D4D4D4"/>
+                </a:solidFill>
+                <a:latin typeface="Consolas" panose="020B0609020204030204" pitchFamily="49" charset="0"/>
+              </a:rPr>
+              <a:t>(</a:t>
+            </a:r>
+            <a:r>
+              <a:rPr lang="it-IT" sz="800" dirty="0">
+                <a:solidFill>
+                  <a:srgbClr val="569CD6"/>
+                </a:solidFill>
+                <a:latin typeface="Consolas" panose="020B0609020204030204" pitchFamily="49" charset="0"/>
+              </a:rPr>
+              <a:t>function</a:t>
+            </a:r>
+            <a:r>
+              <a:rPr lang="it-IT" sz="800" dirty="0">
+                <a:solidFill>
+                  <a:srgbClr val="D4D4D4"/>
+                </a:solidFill>
+                <a:latin typeface="Consolas" panose="020B0609020204030204" pitchFamily="49" charset="0"/>
+              </a:rPr>
+              <a:t>(){</a:t>
+            </a:r>
+            <a:r>
+              <a:rPr lang="it-IT" sz="800" dirty="0">
+                <a:solidFill>
+                  <a:srgbClr val="DCDCAA"/>
+                </a:solidFill>
+                <a:latin typeface="Consolas" panose="020B0609020204030204" pitchFamily="49" charset="0"/>
+              </a:rPr>
+              <a:t>rewind</a:t>
+            </a:r>
+            <a:r>
+              <a:rPr lang="it-IT" sz="800" dirty="0">
+                <a:solidFill>
+                  <a:srgbClr val="D4D4D4"/>
+                </a:solidFill>
+                <a:latin typeface="Consolas" panose="020B0609020204030204" pitchFamily="49" charset="0"/>
+              </a:rPr>
+              <a:t>(</a:t>
+            </a:r>
+            <a:r>
+              <a:rPr lang="it-IT" sz="800" dirty="0" err="1">
+                <a:solidFill>
+                  <a:srgbClr val="9CDCFE"/>
+                </a:solidFill>
+                <a:latin typeface="Consolas" panose="020B0609020204030204" pitchFamily="49" charset="0"/>
+              </a:rPr>
+              <a:t>tom</a:t>
+            </a:r>
+            <a:r>
+              <a:rPr lang="it-IT" sz="800" dirty="0">
+                <a:solidFill>
+                  <a:srgbClr val="D4D4D4"/>
+                </a:solidFill>
+                <a:latin typeface="Consolas" panose="020B0609020204030204" pitchFamily="49" charset="0"/>
+              </a:rPr>
+              <a:t>)},(</a:t>
+            </a:r>
+            <a:r>
+              <a:rPr lang="it-IT" sz="800" dirty="0">
+                <a:solidFill>
+                  <a:srgbClr val="B5CEA8"/>
+                </a:solidFill>
+                <a:latin typeface="Consolas" panose="020B0609020204030204" pitchFamily="49" charset="0"/>
+              </a:rPr>
+              <a:t>2.5</a:t>
+            </a:r>
+            <a:r>
+              <a:rPr lang="it-IT" sz="800" dirty="0">
+                <a:solidFill>
+                  <a:srgbClr val="D4D4D4"/>
+                </a:solidFill>
+                <a:latin typeface="Consolas" panose="020B0609020204030204" pitchFamily="49" charset="0"/>
+              </a:rPr>
+              <a:t>)/(</a:t>
+            </a:r>
+            <a:r>
+              <a:rPr lang="it-IT" sz="800" dirty="0">
+                <a:solidFill>
+                  <a:srgbClr val="B5CEA8"/>
+                </a:solidFill>
+                <a:latin typeface="Consolas" panose="020B0609020204030204" pitchFamily="49" charset="0"/>
+              </a:rPr>
+              <a:t>10</a:t>
+            </a:r>
+            <a:r>
+              <a:rPr lang="it-IT" sz="800" dirty="0">
+                <a:solidFill>
+                  <a:srgbClr val="D4D4D4"/>
+                </a:solidFill>
+                <a:latin typeface="Consolas" panose="020B0609020204030204" pitchFamily="49" charset="0"/>
+              </a:rPr>
+              <a:t>*</a:t>
+            </a:r>
+            <a:r>
+              <a:rPr lang="it-IT" sz="800" dirty="0">
+                <a:solidFill>
+                  <a:srgbClr val="9CDCFE"/>
+                </a:solidFill>
+                <a:latin typeface="Consolas" panose="020B0609020204030204" pitchFamily="49" charset="0"/>
+              </a:rPr>
+              <a:t>fps</a:t>
+            </a:r>
+            <a:r>
+              <a:rPr lang="it-IT" sz="800" dirty="0">
+                <a:solidFill>
+                  <a:srgbClr val="D4D4D4"/>
+                </a:solidFill>
+                <a:latin typeface="Consolas" panose="020B0609020204030204" pitchFamily="49" charset="0"/>
+              </a:rPr>
+              <a:t>)*</a:t>
+            </a:r>
+            <a:r>
+              <a:rPr lang="it-IT" sz="800" dirty="0">
+                <a:solidFill>
+                  <a:srgbClr val="B5CEA8"/>
+                </a:solidFill>
+                <a:latin typeface="Consolas" panose="020B0609020204030204" pitchFamily="49" charset="0"/>
+              </a:rPr>
+              <a:t>1000</a:t>
+            </a:r>
+            <a:r>
+              <a:rPr lang="it-IT" sz="800" dirty="0">
+                <a:solidFill>
+                  <a:srgbClr val="D4D4D4"/>
+                </a:solidFill>
+                <a:latin typeface="Consolas" panose="020B0609020204030204" pitchFamily="49" charset="0"/>
+              </a:rPr>
+              <a:t>*</a:t>
+            </a:r>
+            <a:r>
+              <a:rPr lang="it-IT" sz="800" dirty="0">
+                <a:solidFill>
+                  <a:srgbClr val="9CDCFE"/>
+                </a:solidFill>
+                <a:latin typeface="Consolas" panose="020B0609020204030204" pitchFamily="49" charset="0"/>
+              </a:rPr>
+              <a:t>framesPermeasure</a:t>
+            </a:r>
+            <a:r>
+              <a:rPr lang="it-IT" sz="800" dirty="0">
+                <a:solidFill>
+                  <a:srgbClr val="D4D4D4"/>
+                </a:solidFill>
+                <a:latin typeface="Consolas" panose="020B0609020204030204" pitchFamily="49" charset="0"/>
+              </a:rPr>
+              <a:t>)</a:t>
+            </a:r>
+          </a:p>
+          <a:p>
+            <a:r>
+              <a:rPr lang="it-IT" sz="800" dirty="0">
+                <a:solidFill>
+                  <a:srgbClr val="D4D4D4"/>
+                </a:solidFill>
+                <a:latin typeface="Consolas" panose="020B0609020204030204" pitchFamily="49" charset="0"/>
+              </a:rPr>
+              <a:t>    </a:t>
+            </a:r>
+            <a:r>
+              <a:rPr lang="it-IT" sz="800" dirty="0">
+                <a:solidFill>
+                  <a:srgbClr val="C586C0"/>
+                </a:solidFill>
+                <a:latin typeface="Consolas" panose="020B0609020204030204" pitchFamily="49" charset="0"/>
+              </a:rPr>
+              <a:t>else</a:t>
+            </a:r>
+            <a:r>
+              <a:rPr lang="it-IT" sz="800" dirty="0">
+                <a:solidFill>
+                  <a:srgbClr val="D4D4D4"/>
+                </a:solidFill>
+                <a:latin typeface="Consolas" panose="020B0609020204030204" pitchFamily="49" charset="0"/>
+              </a:rPr>
+              <a:t> </a:t>
+            </a:r>
+            <a:r>
+              <a:rPr lang="it-IT" sz="800" dirty="0">
+                <a:solidFill>
+                  <a:srgbClr val="C586C0"/>
+                </a:solidFill>
+                <a:latin typeface="Consolas" panose="020B0609020204030204" pitchFamily="49" charset="0"/>
+              </a:rPr>
+              <a:t>if</a:t>
+            </a:r>
+            <a:r>
+              <a:rPr lang="it-IT" sz="800" dirty="0">
+                <a:solidFill>
+                  <a:srgbClr val="D4D4D4"/>
+                </a:solidFill>
+                <a:latin typeface="Consolas" panose="020B0609020204030204" pitchFamily="49" charset="0"/>
+              </a:rPr>
+              <a:t> (</a:t>
+            </a:r>
+            <a:r>
+              <a:rPr lang="it-IT" sz="800" dirty="0" err="1">
+                <a:solidFill>
+                  <a:srgbClr val="9CDCFE"/>
+                </a:solidFill>
+                <a:latin typeface="Consolas" panose="020B0609020204030204" pitchFamily="49" charset="0"/>
+              </a:rPr>
+              <a:t>mw</a:t>
+            </a:r>
+            <a:r>
+              <a:rPr lang="it-IT" sz="800" dirty="0">
+                <a:solidFill>
+                  <a:srgbClr val="D4D4D4"/>
+                </a:solidFill>
+                <a:latin typeface="Consolas" panose="020B0609020204030204" pitchFamily="49" charset="0"/>
+              </a:rPr>
+              <a:t>&lt;</a:t>
+            </a:r>
+            <a:r>
+              <a:rPr lang="it-IT" sz="800" dirty="0">
+                <a:solidFill>
+                  <a:srgbClr val="B5CEA8"/>
+                </a:solidFill>
+                <a:latin typeface="Consolas" panose="020B0609020204030204" pitchFamily="49" charset="0"/>
+              </a:rPr>
+              <a:t>5</a:t>
+            </a:r>
+            <a:r>
+              <a:rPr lang="it-IT" sz="800" dirty="0">
+                <a:solidFill>
+                  <a:srgbClr val="D4D4D4"/>
+                </a:solidFill>
+                <a:latin typeface="Consolas" panose="020B0609020204030204" pitchFamily="49" charset="0"/>
+              </a:rPr>
+              <a:t>) </a:t>
+            </a:r>
+          </a:p>
+          <a:p>
+            <a:r>
+              <a:rPr lang="it-IT" sz="800" dirty="0">
+                <a:solidFill>
+                  <a:srgbClr val="D4D4D4"/>
+                </a:solidFill>
+                <a:latin typeface="Consolas" panose="020B0609020204030204" pitchFamily="49" charset="0"/>
+              </a:rPr>
+              <a:t>      </a:t>
+            </a:r>
+            <a:r>
+              <a:rPr lang="it-IT" sz="800" dirty="0">
+                <a:solidFill>
+                  <a:srgbClr val="DCDCAA"/>
+                </a:solidFill>
+                <a:latin typeface="Consolas" panose="020B0609020204030204" pitchFamily="49" charset="0"/>
+              </a:rPr>
+              <a:t>setTimeout</a:t>
+            </a:r>
+            <a:r>
+              <a:rPr lang="it-IT" sz="800" dirty="0">
+                <a:solidFill>
+                  <a:srgbClr val="D4D4D4"/>
+                </a:solidFill>
+                <a:latin typeface="Consolas" panose="020B0609020204030204" pitchFamily="49" charset="0"/>
+              </a:rPr>
+              <a:t>(</a:t>
+            </a:r>
+            <a:r>
+              <a:rPr lang="it-IT" sz="800" dirty="0">
+                <a:solidFill>
+                  <a:srgbClr val="569CD6"/>
+                </a:solidFill>
+                <a:latin typeface="Consolas" panose="020B0609020204030204" pitchFamily="49" charset="0"/>
+              </a:rPr>
+              <a:t>function</a:t>
+            </a:r>
+            <a:r>
+              <a:rPr lang="it-IT" sz="800" dirty="0">
+                <a:solidFill>
+                  <a:srgbClr val="D4D4D4"/>
+                </a:solidFill>
+                <a:latin typeface="Consolas" panose="020B0609020204030204" pitchFamily="49" charset="0"/>
+              </a:rPr>
+              <a:t>(){</a:t>
+            </a:r>
+            <a:r>
+              <a:rPr lang="it-IT" sz="800" dirty="0">
+                <a:solidFill>
+                  <a:srgbClr val="DCDCAA"/>
+                </a:solidFill>
+                <a:latin typeface="Consolas" panose="020B0609020204030204" pitchFamily="49" charset="0"/>
+              </a:rPr>
+              <a:t>rewind</a:t>
+            </a:r>
+            <a:r>
+              <a:rPr lang="it-IT" sz="800" dirty="0">
+                <a:solidFill>
+                  <a:srgbClr val="D4D4D4"/>
+                </a:solidFill>
+                <a:latin typeface="Consolas" panose="020B0609020204030204" pitchFamily="49" charset="0"/>
+              </a:rPr>
+              <a:t>(</a:t>
+            </a:r>
+            <a:r>
+              <a:rPr lang="it-IT" sz="800" dirty="0" err="1">
+                <a:solidFill>
+                  <a:srgbClr val="9CDCFE"/>
+                </a:solidFill>
+                <a:latin typeface="Consolas" panose="020B0609020204030204" pitchFamily="49" charset="0"/>
+              </a:rPr>
+              <a:t>tom</a:t>
+            </a:r>
+            <a:r>
+              <a:rPr lang="it-IT" sz="800" dirty="0">
+                <a:solidFill>
+                  <a:srgbClr val="D4D4D4"/>
+                </a:solidFill>
+                <a:latin typeface="Consolas" panose="020B0609020204030204" pitchFamily="49" charset="0"/>
+              </a:rPr>
+              <a:t>)},(</a:t>
+            </a:r>
+            <a:r>
+              <a:rPr lang="it-IT" sz="800" dirty="0">
+                <a:solidFill>
+                  <a:srgbClr val="B5CEA8"/>
+                </a:solidFill>
+                <a:latin typeface="Consolas" panose="020B0609020204030204" pitchFamily="49" charset="0"/>
+              </a:rPr>
+              <a:t>5</a:t>
+            </a:r>
+            <a:r>
+              <a:rPr lang="it-IT" sz="800" dirty="0">
+                <a:solidFill>
+                  <a:srgbClr val="D4D4D4"/>
+                </a:solidFill>
+                <a:latin typeface="Consolas" panose="020B0609020204030204" pitchFamily="49" charset="0"/>
+              </a:rPr>
+              <a:t>)/(</a:t>
+            </a:r>
+            <a:r>
+              <a:rPr lang="it-IT" sz="800" dirty="0">
+                <a:solidFill>
+                  <a:srgbClr val="B5CEA8"/>
+                </a:solidFill>
+                <a:latin typeface="Consolas" panose="020B0609020204030204" pitchFamily="49" charset="0"/>
+              </a:rPr>
+              <a:t>10</a:t>
+            </a:r>
+            <a:r>
+              <a:rPr lang="it-IT" sz="800" dirty="0">
+                <a:solidFill>
+                  <a:srgbClr val="D4D4D4"/>
+                </a:solidFill>
+                <a:latin typeface="Consolas" panose="020B0609020204030204" pitchFamily="49" charset="0"/>
+              </a:rPr>
+              <a:t>*</a:t>
+            </a:r>
+            <a:r>
+              <a:rPr lang="it-IT" sz="800" dirty="0">
+                <a:solidFill>
+                  <a:srgbClr val="9CDCFE"/>
+                </a:solidFill>
+                <a:latin typeface="Consolas" panose="020B0609020204030204" pitchFamily="49" charset="0"/>
+              </a:rPr>
+              <a:t>fps</a:t>
+            </a:r>
+            <a:r>
+              <a:rPr lang="it-IT" sz="800" dirty="0">
+                <a:solidFill>
+                  <a:srgbClr val="D4D4D4"/>
+                </a:solidFill>
+                <a:latin typeface="Consolas" panose="020B0609020204030204" pitchFamily="49" charset="0"/>
+              </a:rPr>
+              <a:t>)*</a:t>
+            </a:r>
+            <a:r>
+              <a:rPr lang="it-IT" sz="800" dirty="0">
+                <a:solidFill>
+                  <a:srgbClr val="B5CEA8"/>
+                </a:solidFill>
+                <a:latin typeface="Consolas" panose="020B0609020204030204" pitchFamily="49" charset="0"/>
+              </a:rPr>
+              <a:t>1000</a:t>
+            </a:r>
+            <a:r>
+              <a:rPr lang="it-IT" sz="800" dirty="0">
+                <a:solidFill>
+                  <a:srgbClr val="D4D4D4"/>
+                </a:solidFill>
+                <a:latin typeface="Consolas" panose="020B0609020204030204" pitchFamily="49" charset="0"/>
+              </a:rPr>
+              <a:t>*</a:t>
+            </a:r>
+            <a:r>
+              <a:rPr lang="it-IT" sz="800" dirty="0">
+                <a:solidFill>
+                  <a:srgbClr val="9CDCFE"/>
+                </a:solidFill>
+                <a:latin typeface="Consolas" panose="020B0609020204030204" pitchFamily="49" charset="0"/>
+              </a:rPr>
+              <a:t>framesPermeasure</a:t>
+            </a:r>
+            <a:r>
+              <a:rPr lang="it-IT" sz="800" dirty="0">
+                <a:solidFill>
+                  <a:srgbClr val="D4D4D4"/>
+                </a:solidFill>
+                <a:latin typeface="Consolas" panose="020B0609020204030204" pitchFamily="49" charset="0"/>
+              </a:rPr>
+              <a:t>)</a:t>
+            </a:r>
+          </a:p>
+          <a:p>
+            <a:r>
+              <a:rPr lang="it-IT" sz="800" dirty="0">
+                <a:solidFill>
+                  <a:srgbClr val="D4D4D4"/>
+                </a:solidFill>
+                <a:latin typeface="Consolas" panose="020B0609020204030204" pitchFamily="49" charset="0"/>
+              </a:rPr>
+              <a:t>    </a:t>
+            </a:r>
+            <a:r>
+              <a:rPr lang="it-IT" sz="800" dirty="0">
+                <a:solidFill>
+                  <a:srgbClr val="C586C0"/>
+                </a:solidFill>
+                <a:latin typeface="Consolas" panose="020B0609020204030204" pitchFamily="49" charset="0"/>
+              </a:rPr>
+              <a:t>if</a:t>
+            </a:r>
+            <a:r>
+              <a:rPr lang="it-IT" sz="800" dirty="0">
+                <a:solidFill>
+                  <a:srgbClr val="D4D4D4"/>
+                </a:solidFill>
+                <a:latin typeface="Consolas" panose="020B0609020204030204" pitchFamily="49" charset="0"/>
+              </a:rPr>
+              <a:t> (</a:t>
+            </a:r>
+            <a:r>
+              <a:rPr lang="it-IT" sz="800" dirty="0" err="1">
+                <a:solidFill>
+                  <a:srgbClr val="9CDCFE"/>
+                </a:solidFill>
+                <a:latin typeface="Consolas" panose="020B0609020204030204" pitchFamily="49" charset="0"/>
+              </a:rPr>
+              <a:t>mw</a:t>
+            </a:r>
+            <a:r>
+              <a:rPr lang="it-IT" sz="800" dirty="0">
+                <a:solidFill>
+                  <a:srgbClr val="D4D4D4"/>
+                </a:solidFill>
+                <a:latin typeface="Consolas" panose="020B0609020204030204" pitchFamily="49" charset="0"/>
+              </a:rPr>
+              <a:t>==</a:t>
+            </a:r>
+            <a:r>
+              <a:rPr lang="it-IT" sz="800" dirty="0">
+                <a:solidFill>
+                  <a:srgbClr val="B5CEA8"/>
+                </a:solidFill>
+                <a:latin typeface="Consolas" panose="020B0609020204030204" pitchFamily="49" charset="0"/>
+              </a:rPr>
+              <a:t>0</a:t>
+            </a:r>
+            <a:r>
+              <a:rPr lang="it-IT" sz="800" dirty="0">
+                <a:solidFill>
+                  <a:srgbClr val="D4D4D4"/>
+                </a:solidFill>
+                <a:latin typeface="Consolas" panose="020B0609020204030204" pitchFamily="49" charset="0"/>
+              </a:rPr>
+              <a:t>) </a:t>
+            </a:r>
+          </a:p>
+          <a:p>
+            <a:r>
+              <a:rPr lang="it-IT" sz="800" dirty="0">
+                <a:solidFill>
+                  <a:srgbClr val="D4D4D4"/>
+                </a:solidFill>
+                <a:latin typeface="Consolas" panose="020B0609020204030204" pitchFamily="49" charset="0"/>
+              </a:rPr>
+              <a:t>      </a:t>
+            </a:r>
+            <a:r>
+              <a:rPr lang="it-IT" sz="800" dirty="0">
+                <a:solidFill>
+                  <a:srgbClr val="DCDCAA"/>
+                </a:solidFill>
+                <a:latin typeface="Consolas" panose="020B0609020204030204" pitchFamily="49" charset="0"/>
+              </a:rPr>
+              <a:t>setTimeout</a:t>
+            </a:r>
+            <a:r>
+              <a:rPr lang="it-IT" sz="800" dirty="0">
+                <a:solidFill>
+                  <a:srgbClr val="D4D4D4"/>
+                </a:solidFill>
+                <a:latin typeface="Consolas" panose="020B0609020204030204" pitchFamily="49" charset="0"/>
+              </a:rPr>
+              <a:t>(</a:t>
+            </a:r>
+            <a:r>
+              <a:rPr lang="it-IT" sz="800" dirty="0">
+                <a:solidFill>
+                  <a:srgbClr val="569CD6"/>
+                </a:solidFill>
+                <a:latin typeface="Consolas" panose="020B0609020204030204" pitchFamily="49" charset="0"/>
+              </a:rPr>
+              <a:t>function</a:t>
+            </a:r>
+            <a:r>
+              <a:rPr lang="it-IT" sz="800" dirty="0">
+                <a:solidFill>
+                  <a:srgbClr val="D4D4D4"/>
+                </a:solidFill>
+                <a:latin typeface="Consolas" panose="020B0609020204030204" pitchFamily="49" charset="0"/>
+              </a:rPr>
+              <a:t>(){</a:t>
+            </a:r>
+            <a:r>
+              <a:rPr lang="it-IT" sz="800" dirty="0">
+                <a:solidFill>
+                  <a:srgbClr val="DCDCAA"/>
+                </a:solidFill>
+                <a:latin typeface="Consolas" panose="020B0609020204030204" pitchFamily="49" charset="0"/>
+              </a:rPr>
+              <a:t>rewind</a:t>
+            </a:r>
+            <a:r>
+              <a:rPr lang="it-IT" sz="800" dirty="0">
+                <a:solidFill>
+                  <a:srgbClr val="D4D4D4"/>
+                </a:solidFill>
+                <a:latin typeface="Consolas" panose="020B0609020204030204" pitchFamily="49" charset="0"/>
+              </a:rPr>
+              <a:t>(</a:t>
+            </a:r>
+            <a:r>
+              <a:rPr lang="it-IT" sz="800" dirty="0" err="1">
+                <a:solidFill>
+                  <a:srgbClr val="9CDCFE"/>
+                </a:solidFill>
+                <a:latin typeface="Consolas" panose="020B0609020204030204" pitchFamily="49" charset="0"/>
+              </a:rPr>
+              <a:t>tom</a:t>
+            </a:r>
+            <a:r>
+              <a:rPr lang="it-IT" sz="800" dirty="0">
+                <a:solidFill>
+                  <a:srgbClr val="D4D4D4"/>
+                </a:solidFill>
+                <a:latin typeface="Consolas" panose="020B0609020204030204" pitchFamily="49" charset="0"/>
+              </a:rPr>
+              <a:t>)},(</a:t>
+            </a:r>
+            <a:r>
+              <a:rPr lang="it-IT" sz="800" dirty="0">
+                <a:solidFill>
+                  <a:srgbClr val="B5CEA8"/>
+                </a:solidFill>
+                <a:latin typeface="Consolas" panose="020B0609020204030204" pitchFamily="49" charset="0"/>
+              </a:rPr>
+              <a:t>7.5</a:t>
+            </a:r>
+            <a:r>
+              <a:rPr lang="it-IT" sz="800" dirty="0">
+                <a:solidFill>
+                  <a:srgbClr val="D4D4D4"/>
+                </a:solidFill>
+                <a:latin typeface="Consolas" panose="020B0609020204030204" pitchFamily="49" charset="0"/>
+              </a:rPr>
+              <a:t>)/(</a:t>
+            </a:r>
+            <a:r>
+              <a:rPr lang="it-IT" sz="800" dirty="0">
+                <a:solidFill>
+                  <a:srgbClr val="B5CEA8"/>
+                </a:solidFill>
+                <a:latin typeface="Consolas" panose="020B0609020204030204" pitchFamily="49" charset="0"/>
+              </a:rPr>
+              <a:t>10</a:t>
+            </a:r>
+            <a:r>
+              <a:rPr lang="it-IT" sz="800" dirty="0">
+                <a:solidFill>
+                  <a:srgbClr val="D4D4D4"/>
+                </a:solidFill>
+                <a:latin typeface="Consolas" panose="020B0609020204030204" pitchFamily="49" charset="0"/>
+              </a:rPr>
+              <a:t>*</a:t>
+            </a:r>
+            <a:r>
+              <a:rPr lang="it-IT" sz="800" dirty="0">
+                <a:solidFill>
+                  <a:srgbClr val="9CDCFE"/>
+                </a:solidFill>
+                <a:latin typeface="Consolas" panose="020B0609020204030204" pitchFamily="49" charset="0"/>
+              </a:rPr>
+              <a:t>fps</a:t>
+            </a:r>
+            <a:r>
+              <a:rPr lang="it-IT" sz="800" dirty="0">
+                <a:solidFill>
+                  <a:srgbClr val="D4D4D4"/>
+                </a:solidFill>
+                <a:latin typeface="Consolas" panose="020B0609020204030204" pitchFamily="49" charset="0"/>
+              </a:rPr>
+              <a:t>)*</a:t>
+            </a:r>
+            <a:r>
+              <a:rPr lang="it-IT" sz="800" dirty="0">
+                <a:solidFill>
+                  <a:srgbClr val="B5CEA8"/>
+                </a:solidFill>
+                <a:latin typeface="Consolas" panose="020B0609020204030204" pitchFamily="49" charset="0"/>
+              </a:rPr>
+              <a:t>1000</a:t>
+            </a:r>
+            <a:r>
+              <a:rPr lang="it-IT" sz="800" dirty="0">
+                <a:solidFill>
+                  <a:srgbClr val="D4D4D4"/>
+                </a:solidFill>
+                <a:latin typeface="Consolas" panose="020B0609020204030204" pitchFamily="49" charset="0"/>
+              </a:rPr>
+              <a:t>*</a:t>
+            </a:r>
+            <a:r>
+              <a:rPr lang="it-IT" sz="800" dirty="0">
+                <a:solidFill>
+                  <a:srgbClr val="9CDCFE"/>
+                </a:solidFill>
+                <a:latin typeface="Consolas" panose="020B0609020204030204" pitchFamily="49" charset="0"/>
+              </a:rPr>
+              <a:t>framesPermeasure</a:t>
+            </a:r>
+            <a:r>
+              <a:rPr lang="it-IT" sz="800" dirty="0">
+                <a:solidFill>
+                  <a:srgbClr val="D4D4D4"/>
+                </a:solidFill>
+                <a:latin typeface="Consolas" panose="020B0609020204030204" pitchFamily="49" charset="0"/>
+              </a:rPr>
+              <a:t>)</a:t>
+            </a:r>
+          </a:p>
+          <a:p>
+            <a:r>
+              <a:rPr lang="it-IT" sz="800" dirty="0">
+                <a:solidFill>
+                  <a:srgbClr val="D4D4D4"/>
+                </a:solidFill>
+                <a:latin typeface="Consolas" panose="020B0609020204030204" pitchFamily="49" charset="0"/>
+              </a:rPr>
+              <a:t>  }</a:t>
+            </a:r>
+            <a:endParaRPr lang="it-IT" sz="800" b="0" dirty="0">
+              <a:solidFill>
+                <a:srgbClr val="D4D4D4"/>
+              </a:solidFill>
+              <a:effectLst/>
+              <a:latin typeface="Consolas" panose="020B0609020204030204" pitchFamily="49" charset="0"/>
+            </a:endParaRPr>
+          </a:p>
+        </p:txBody>
+      </p:sp>
+      <p:sp>
+        <p:nvSpPr>
+          <p:cNvPr id="3" name="CasellaDiTesto 2">
+            <a:extLst>
+              <a:ext uri="{FF2B5EF4-FFF2-40B4-BE49-F238E27FC236}">
+                <a16:creationId xmlns:a16="http://schemas.microsoft.com/office/drawing/2014/main" id="{21D91D6F-0F4C-4509-AEFB-CDC8991686F7}"/>
+              </a:ext>
+            </a:extLst>
+          </p:cNvPr>
+          <p:cNvSpPr txBox="1"/>
+          <p:nvPr/>
+        </p:nvSpPr>
+        <p:spPr>
+          <a:xfrm>
+            <a:off x="2718486" y="964925"/>
+            <a:ext cx="4596714" cy="738664"/>
+          </a:xfrm>
+          <a:prstGeom prst="rect">
+            <a:avLst/>
+          </a:prstGeom>
+          <a:noFill/>
+          <a:ln>
+            <a:noFill/>
+          </a:ln>
+        </p:spPr>
+        <p:style>
+          <a:lnRef idx="0">
+            <a:scrgbClr r="0" g="0" b="0"/>
+          </a:lnRef>
+          <a:fillRef idx="0">
+            <a:scrgbClr r="0" g="0" b="0"/>
+          </a:fillRef>
+          <a:effectRef idx="0">
+            <a:scrgbClr r="0" g="0" b="0"/>
+          </a:effectRef>
+          <a:fontRef idx="minor">
+            <a:schemeClr val="accent3"/>
+          </a:fontRef>
+        </p:style>
+        <p:txBody>
+          <a:bodyPr wrap="square" rtlCol="0">
+            <a:spAutoFit/>
+          </a:bodyPr>
+          <a:lstStyle/>
+          <a:p>
+            <a:r>
+              <a:rPr lang="it-IT" sz="1400" dirty="0">
+                <a:solidFill>
+                  <a:schemeClr val="bg1"/>
+                </a:solidFill>
+              </a:rPr>
+              <a:t>Drums are played using a similar logic, some conditions </a:t>
+            </a:r>
+          </a:p>
+          <a:p>
+            <a:r>
+              <a:rPr lang="it-IT" sz="1400" dirty="0">
+                <a:solidFill>
+                  <a:schemeClr val="bg1"/>
+                </a:solidFill>
+              </a:rPr>
+              <a:t>are related to the number of sheeps that stopped in the </a:t>
+            </a:r>
+          </a:p>
+          <a:p>
+            <a:r>
+              <a:rPr lang="it-IT" sz="1400" dirty="0">
+                <a:solidFill>
+                  <a:schemeClr val="bg1"/>
+                </a:solidFill>
+              </a:rPr>
+              <a:t>particular frame</a:t>
+            </a:r>
+          </a:p>
+        </p:txBody>
+      </p:sp>
+      <p:cxnSp>
+        <p:nvCxnSpPr>
+          <p:cNvPr id="6" name="Connettore 2 5">
+            <a:extLst>
+              <a:ext uri="{FF2B5EF4-FFF2-40B4-BE49-F238E27FC236}">
+                <a16:creationId xmlns:a16="http://schemas.microsoft.com/office/drawing/2014/main" id="{3515F53A-0DDF-4CD3-869F-57CB4EF811C0}"/>
+              </a:ext>
+            </a:extLst>
+          </p:cNvPr>
+          <p:cNvCxnSpPr>
+            <a:cxnSpLocks/>
+          </p:cNvCxnSpPr>
+          <p:nvPr/>
+        </p:nvCxnSpPr>
+        <p:spPr>
+          <a:xfrm flipH="1">
+            <a:off x="1495168" y="1532238"/>
+            <a:ext cx="1223319" cy="321276"/>
+          </a:xfrm>
+          <a:prstGeom prst="straightConnector1">
+            <a:avLst/>
+          </a:prstGeom>
+          <a:ln>
+            <a:tailEnd type="triangle"/>
+          </a:ln>
+        </p:spPr>
+        <p:style>
+          <a:lnRef idx="2">
+            <a:schemeClr val="accent1"/>
+          </a:lnRef>
+          <a:fillRef idx="0">
+            <a:schemeClr val="accent1"/>
+          </a:fillRef>
+          <a:effectRef idx="1">
+            <a:schemeClr val="accent1"/>
+          </a:effectRef>
+          <a:fontRef idx="minor">
+            <a:schemeClr val="tx1"/>
+          </a:fontRef>
+        </p:style>
+      </p:cxnSp>
     </p:spTree>
     <p:extLst>
       <p:ext uri="{BB962C8B-B14F-4D97-AF65-F5344CB8AC3E}">
-        <p14:creationId xmlns:p14="http://schemas.microsoft.com/office/powerpoint/2010/main" val="809273902"/>
+        <p14:creationId xmlns:p14="http://schemas.microsoft.com/office/powerpoint/2010/main" val="2677027226"/>
       </p:ext>
     </p:extLst>
   </p:cSld>

--- a/Presentazione.pptx
+++ b/Presentazione.pptx
@@ -497,7 +497,7 @@
               <a:pPr>
                 <a:defRPr/>
               </a:pPr>
-              <a:t>‹N›</a:t>
+              <a:t>‹#›</a:t>
             </a:fld>
             <a:endParaRPr lang="en-GB" altLang="en-US"/>
           </a:p>
@@ -1052,7 +1052,7 @@
               <a:pPr>
                 <a:defRPr/>
               </a:pPr>
-              <a:t>‹N›</a:t>
+              <a:t>‹#›</a:t>
             </a:fld>
             <a:endParaRPr lang="en-GB" altLang="en-US"/>
           </a:p>
@@ -1248,7 +1248,7 @@
               <a:pPr>
                 <a:defRPr/>
               </a:pPr>
-              <a:t>‹N›</a:t>
+              <a:t>‹#›</a:t>
             </a:fld>
             <a:endParaRPr lang="en-GB" altLang="en-US"/>
           </a:p>
@@ -1454,7 +1454,7 @@
               <a:pPr>
                 <a:defRPr/>
               </a:pPr>
-              <a:t>‹N›</a:t>
+              <a:t>‹#›</a:t>
             </a:fld>
             <a:endParaRPr lang="en-GB" altLang="en-US"/>
           </a:p>
@@ -1628,7 +1628,7 @@
               <a:pPr>
                 <a:defRPr/>
               </a:pPr>
-              <a:t>‹N›</a:t>
+              <a:t>‹#›</a:t>
             </a:fld>
             <a:endParaRPr lang="en-GB" altLang="en-US"/>
           </a:p>
@@ -1891,7 +1891,7 @@
               <a:pPr>
                 <a:defRPr/>
               </a:pPr>
-              <a:t>‹N›</a:t>
+              <a:t>‹#›</a:t>
             </a:fld>
             <a:endParaRPr lang="en-GB" altLang="en-US"/>
           </a:p>
@@ -2085,7 +2085,7 @@
               <a:pPr>
                 <a:defRPr/>
               </a:pPr>
-              <a:t>‹N›</a:t>
+              <a:t>‹#›</a:t>
             </a:fld>
             <a:endParaRPr lang="en-GB" altLang="en-US"/>
           </a:p>
@@ -2281,7 +2281,7 @@
               <a:pPr>
                 <a:defRPr/>
               </a:pPr>
-              <a:t>‹N›</a:t>
+              <a:t>‹#›</a:t>
             </a:fld>
             <a:endParaRPr lang="en-GB" altLang="en-US"/>
           </a:p>
@@ -2499,7 +2499,7 @@
               <a:pPr>
                 <a:defRPr/>
               </a:pPr>
-              <a:t>‹N›</a:t>
+              <a:t>‹#›</a:t>
             </a:fld>
             <a:endParaRPr lang="en-GB" altLang="en-US"/>
           </a:p>
@@ -2813,7 +2813,7 @@
               <a:pPr>
                 <a:defRPr/>
               </a:pPr>
-              <a:t>‹N›</a:t>
+              <a:t>‹#›</a:t>
             </a:fld>
             <a:endParaRPr lang="en-GB" altLang="en-US"/>
           </a:p>
@@ -3261,7 +3261,7 @@
               <a:pPr>
                 <a:defRPr/>
               </a:pPr>
-              <a:t>‹N›</a:t>
+              <a:t>‹#›</a:t>
             </a:fld>
             <a:endParaRPr lang="en-GB" altLang="en-US"/>
           </a:p>
@@ -3405,7 +3405,7 @@
               <a:pPr>
                 <a:defRPr/>
               </a:pPr>
-              <a:t>‹N›</a:t>
+              <a:t>‹#›</a:t>
             </a:fld>
             <a:endParaRPr lang="en-GB" altLang="en-US"/>
           </a:p>
@@ -3526,7 +3526,7 @@
               <a:pPr>
                 <a:defRPr/>
               </a:pPr>
-              <a:t>‹N›</a:t>
+              <a:t>‹#›</a:t>
             </a:fld>
             <a:endParaRPr lang="en-GB" altLang="en-US"/>
           </a:p>
@@ -3829,7 +3829,7 @@
               <a:pPr>
                 <a:defRPr/>
               </a:pPr>
-              <a:t>‹N›</a:t>
+              <a:t>‹#›</a:t>
             </a:fld>
             <a:endParaRPr lang="en-GB" altLang="en-US"/>
           </a:p>
@@ -4218,7 +4218,7 @@
               <a:pPr>
                 <a:defRPr/>
               </a:pPr>
-              <a:t>‹N›</a:t>
+              <a:t>‹#›</a:t>
             </a:fld>
             <a:endParaRPr lang="en-GB" altLang="en-US"/>
           </a:p>
@@ -6442,8 +6442,8 @@
           </a:p>
         </p:txBody>
       </p:sp>
-      <mc:AlternateContent xmlns:mc="http://schemas.openxmlformats.org/markup-compatibility/2006">
-        <mc:Choice xmlns:a14="http://schemas.microsoft.com/office/drawing/2010/main" Requires="a14">
+      <mc:AlternateContent xmlns:mc="http://schemas.openxmlformats.org/markup-compatibility/2006" xmlns:a14="http://schemas.microsoft.com/office/drawing/2010/main">
+        <mc:Choice Requires="a14">
           <p:sp>
             <p:nvSpPr>
               <p:cNvPr id="3" name="CasellaDiTesto 2">
@@ -6738,7 +6738,7 @@
             </p:txBody>
           </p:sp>
         </mc:Choice>
-        <mc:Fallback>
+        <mc:Fallback xmlns="">
           <p:sp>
             <p:nvSpPr>
               <p:cNvPr id="3" name="CasellaDiTesto 2">
@@ -6863,8 +6863,8 @@
           </a:p>
         </p:txBody>
       </p:sp>
-      <mc:AlternateContent xmlns:mc="http://schemas.openxmlformats.org/markup-compatibility/2006">
-        <mc:Choice xmlns:a14="http://schemas.microsoft.com/office/drawing/2010/main" Requires="a14">
+      <mc:AlternateContent xmlns:mc="http://schemas.openxmlformats.org/markup-compatibility/2006" xmlns:a14="http://schemas.microsoft.com/office/drawing/2010/main">
+        <mc:Choice Requires="a14">
           <p:sp>
             <p:nvSpPr>
               <p:cNvPr id="18" name="CasellaDiTesto 17">
@@ -7161,7 +7161,7 @@
             </p:txBody>
           </p:sp>
         </mc:Choice>
-        <mc:Fallback>
+        <mc:Fallback xmlns="">
           <p:sp>
             <p:nvSpPr>
               <p:cNvPr id="18" name="CasellaDiTesto 17">
@@ -12893,8 +12893,8 @@
           </a:p>
         </p:txBody>
       </p:sp>
-      <mc:AlternateContent xmlns:mc="http://schemas.openxmlformats.org/markup-compatibility/2006">
-        <mc:Choice xmlns:a14="http://schemas.microsoft.com/office/drawing/2010/main" Requires="a14">
+      <mc:AlternateContent xmlns:mc="http://schemas.openxmlformats.org/markup-compatibility/2006" xmlns:a14="http://schemas.microsoft.com/office/drawing/2010/main">
+        <mc:Choice Requires="a14">
           <p:sp>
             <p:nvSpPr>
               <p:cNvPr id="11" name="CasellaDiTesto 10">
@@ -13086,7 +13086,7 @@
             </p:txBody>
           </p:sp>
         </mc:Choice>
-        <mc:Fallback>
+        <mc:Fallback xmlns="">
           <p:sp>
             <p:nvSpPr>
               <p:cNvPr id="11" name="CasellaDiTesto 10">
@@ -17554,6 +17554,276 @@
               </a:rPr>
               <a:t>Slide 2/totale</a:t>
             </a:r>
+          </a:p>
+        </p:txBody>
+      </p:sp>
+      <p:sp>
+        <p:nvSpPr>
+          <p:cNvPr id="5" name="CasellaDiTesto 4">
+            <a:extLst>
+              <a:ext uri="{FF2B5EF4-FFF2-40B4-BE49-F238E27FC236}">
+                <a16:creationId xmlns:a16="http://schemas.microsoft.com/office/drawing/2014/main" id="{3BFB3C99-530C-40C5-A630-530A1B43225F}"/>
+              </a:ext>
+            </a:extLst>
+          </p:cNvPr>
+          <p:cNvSpPr txBox="1"/>
+          <p:nvPr/>
+        </p:nvSpPr>
+        <p:spPr>
+          <a:xfrm>
+            <a:off x="123567" y="157954"/>
+            <a:ext cx="5436973" cy="707886"/>
+          </a:xfrm>
+          <a:prstGeom prst="rect">
+            <a:avLst/>
+          </a:prstGeom>
+          <a:noFill/>
+        </p:spPr>
+        <p:txBody>
+          <a:bodyPr wrap="square" rtlCol="0">
+            <a:spAutoFit/>
+          </a:bodyPr>
+          <a:lstStyle/>
+          <a:p>
+            <a:r>
+              <a:rPr lang="it-IT" sz="4000" dirty="0">
+                <a:solidFill>
+                  <a:schemeClr val="bg1"/>
+                </a:solidFill>
+              </a:rPr>
+              <a:t>SHEEPS MIX</a:t>
+            </a:r>
+          </a:p>
+        </p:txBody>
+      </p:sp>
+      <p:sp>
+        <p:nvSpPr>
+          <p:cNvPr id="6" name="Rettangolo 1">
+            <a:extLst>
+              <a:ext uri="{FF2B5EF4-FFF2-40B4-BE49-F238E27FC236}">
+                <a16:creationId xmlns:a16="http://schemas.microsoft.com/office/drawing/2014/main" id="{FD424009-4158-4D33-8181-D3AFAC80D5E2}"/>
+              </a:ext>
+            </a:extLst>
+          </p:cNvPr>
+          <p:cNvSpPr/>
+          <p:nvPr/>
+        </p:nvSpPr>
+        <p:spPr>
+          <a:xfrm>
+            <a:off x="0" y="972153"/>
+            <a:ext cx="7414053" cy="738664"/>
+          </a:xfrm>
+          <a:prstGeom prst="rect">
+            <a:avLst/>
+          </a:prstGeom>
+        </p:spPr>
+        <p:txBody>
+          <a:bodyPr wrap="square">
+            <a:spAutoFit/>
+          </a:bodyPr>
+          <a:lstStyle/>
+          <a:p>
+            <a:endParaRPr lang="it-IT" sz="1400" dirty="0">
+              <a:solidFill>
+                <a:srgbClr val="D4D4D4"/>
+              </a:solidFill>
+              <a:latin typeface="+mj-lt"/>
+            </a:endParaRPr>
+          </a:p>
+          <a:p>
+            <a:r>
+              <a:rPr lang="it-IT" sz="1400" dirty="0" err="1">
+                <a:solidFill>
+                  <a:srgbClr val="D4D4D4"/>
+                </a:solidFill>
+                <a:latin typeface="+mj-lt"/>
+              </a:rPr>
+              <a:t>Spatial</a:t>
+            </a:r>
+            <a:r>
+              <a:rPr lang="it-IT" sz="1400" dirty="0">
+                <a:solidFill>
+                  <a:srgbClr val="D4D4D4"/>
+                </a:solidFill>
+                <a:latin typeface="+mj-lt"/>
+              </a:rPr>
+              <a:t> audio mix </a:t>
+            </a:r>
+            <a:r>
+              <a:rPr lang="it-IT" sz="1400" dirty="0" err="1">
+                <a:solidFill>
+                  <a:srgbClr val="D4D4D4"/>
+                </a:solidFill>
+                <a:latin typeface="+mj-lt"/>
+              </a:rPr>
+              <a:t>depending</a:t>
+            </a:r>
+            <a:r>
+              <a:rPr lang="it-IT" sz="1400" dirty="0">
+                <a:solidFill>
+                  <a:srgbClr val="D4D4D4"/>
+                </a:solidFill>
+                <a:latin typeface="+mj-lt"/>
+              </a:rPr>
+              <a:t> on the relative position of the </a:t>
+            </a:r>
+            <a:r>
+              <a:rPr lang="it-IT" sz="1400" dirty="0" err="1">
+                <a:solidFill>
+                  <a:srgbClr val="D4D4D4"/>
+                </a:solidFill>
+                <a:latin typeface="+mj-lt"/>
+              </a:rPr>
+              <a:t>listener</a:t>
+            </a:r>
+            <a:r>
+              <a:rPr lang="it-IT" sz="1400" dirty="0">
+                <a:solidFill>
+                  <a:srgbClr val="D4D4D4"/>
+                </a:solidFill>
+                <a:latin typeface="+mj-lt"/>
+              </a:rPr>
+              <a:t> (</a:t>
+            </a:r>
+            <a:r>
+              <a:rPr lang="it-IT" sz="1400" dirty="0" err="1">
+                <a:solidFill>
+                  <a:srgbClr val="D4D4D4"/>
+                </a:solidFill>
+                <a:latin typeface="+mj-lt"/>
+              </a:rPr>
+              <a:t>sheeperd</a:t>
+            </a:r>
+            <a:r>
+              <a:rPr lang="it-IT" sz="1400" dirty="0">
+                <a:solidFill>
+                  <a:srgbClr val="D4D4D4"/>
+                </a:solidFill>
+                <a:latin typeface="+mj-lt"/>
+              </a:rPr>
+              <a:t>) </a:t>
+            </a:r>
+            <a:r>
+              <a:rPr lang="it-IT" sz="1400" dirty="0" err="1">
+                <a:solidFill>
+                  <a:srgbClr val="D4D4D4"/>
+                </a:solidFill>
+                <a:latin typeface="+mj-lt"/>
+              </a:rPr>
+              <a:t>regarding</a:t>
+            </a:r>
+            <a:r>
+              <a:rPr lang="it-IT" sz="1400" dirty="0">
+                <a:solidFill>
+                  <a:srgbClr val="D4D4D4"/>
+                </a:solidFill>
+                <a:latin typeface="+mj-lt"/>
+              </a:rPr>
+              <a:t> the </a:t>
+            </a:r>
+            <a:r>
+              <a:rPr lang="it-IT" sz="1400" dirty="0" err="1">
+                <a:solidFill>
+                  <a:srgbClr val="D4D4D4"/>
+                </a:solidFill>
+                <a:latin typeface="+mj-lt"/>
+              </a:rPr>
+              <a:t>herd</a:t>
+            </a:r>
+            <a:r>
+              <a:rPr lang="it-IT" sz="1400" dirty="0">
+                <a:solidFill>
+                  <a:srgbClr val="D4D4D4"/>
+                </a:solidFill>
+                <a:latin typeface="+mj-lt"/>
+              </a:rPr>
+              <a:t> center of mass</a:t>
+            </a:r>
+            <a:endParaRPr lang="it-IT" sz="1400" b="0" dirty="0">
+              <a:solidFill>
+                <a:srgbClr val="D4D4D4"/>
+              </a:solidFill>
+              <a:effectLst/>
+              <a:latin typeface="+mj-lt"/>
+            </a:endParaRPr>
+          </a:p>
+        </p:txBody>
+      </p:sp>
+      <p:pic>
+        <p:nvPicPr>
+          <p:cNvPr id="7" name="Picture 6">
+            <a:extLst>
+              <a:ext uri="{FF2B5EF4-FFF2-40B4-BE49-F238E27FC236}">
+                <a16:creationId xmlns:a16="http://schemas.microsoft.com/office/drawing/2014/main" id="{767CB52C-A71C-4D83-8855-D45BF87E7B7D}"/>
+              </a:ext>
+            </a:extLst>
+          </p:cNvPr>
+          <p:cNvPicPr>
+            <a:picLocks noChangeAspect="1"/>
+          </p:cNvPicPr>
+          <p:nvPr/>
+        </p:nvPicPr>
+        <p:blipFill>
+          <a:blip r:embed="rId4"/>
+          <a:stretch>
+            <a:fillRect/>
+          </a:stretch>
+        </p:blipFill>
+        <p:spPr>
+          <a:xfrm>
+            <a:off x="911440" y="2065278"/>
+            <a:ext cx="5107619" cy="3359856"/>
+          </a:xfrm>
+          <a:prstGeom prst="rect">
+            <a:avLst/>
+          </a:prstGeom>
+        </p:spPr>
+      </p:pic>
+      <p:sp>
+        <p:nvSpPr>
+          <p:cNvPr id="8" name="Action Button: Sound 7">
+            <a:hlinkClick r:id="" action="ppaction://noaction" highlightClick="1">
+              <a:snd r:embed="rId5" name="applause.wav"/>
+            </a:hlinkClick>
+            <a:extLst>
+              <a:ext uri="{FF2B5EF4-FFF2-40B4-BE49-F238E27FC236}">
+                <a16:creationId xmlns:a16="http://schemas.microsoft.com/office/drawing/2014/main" id="{DD1407FD-C706-4C54-9823-606090D5E386}"/>
+              </a:ext>
+            </a:extLst>
+          </p:cNvPr>
+          <p:cNvSpPr/>
+          <p:nvPr/>
+        </p:nvSpPr>
+        <p:spPr>
+          <a:xfrm>
+            <a:off x="2068496" y="3282944"/>
+            <a:ext cx="648071" cy="578842"/>
+          </a:xfrm>
+          <a:prstGeom prst="actionButtonSound">
+            <a:avLst/>
+          </a:prstGeom>
+          <a:ln/>
+        </p:spPr>
+        <p:style>
+          <a:lnRef idx="2">
+            <a:schemeClr val="dk1"/>
+          </a:lnRef>
+          <a:fillRef idx="1">
+            <a:schemeClr val="lt1"/>
+          </a:fillRef>
+          <a:effectRef idx="0">
+            <a:schemeClr val="dk1"/>
+          </a:effectRef>
+          <a:fontRef idx="minor">
+            <a:schemeClr val="dk1"/>
+          </a:fontRef>
+        </p:style>
+        <p:txBody>
+          <a:bodyPr rtlCol="0" anchor="ctr"/>
+          <a:lstStyle/>
+          <a:p>
+            <a:pPr algn="ctr"/>
+            <a:endParaRPr lang="en-US"/>
           </a:p>
         </p:txBody>
       </p:sp>

--- a/Presentazione.pptx
+++ b/Presentazione.pptx
@@ -497,7 +497,7 @@
               <a:pPr>
                 <a:defRPr/>
               </a:pPr>
-              <a:t>‹#›</a:t>
+              <a:t>‹N›</a:t>
             </a:fld>
             <a:endParaRPr lang="en-GB" altLang="en-US"/>
           </a:p>
@@ -1052,7 +1052,7 @@
               <a:pPr>
                 <a:defRPr/>
               </a:pPr>
-              <a:t>‹#›</a:t>
+              <a:t>‹N›</a:t>
             </a:fld>
             <a:endParaRPr lang="en-GB" altLang="en-US"/>
           </a:p>
@@ -1248,7 +1248,7 @@
               <a:pPr>
                 <a:defRPr/>
               </a:pPr>
-              <a:t>‹#›</a:t>
+              <a:t>‹N›</a:t>
             </a:fld>
             <a:endParaRPr lang="en-GB" altLang="en-US"/>
           </a:p>
@@ -1454,7 +1454,7 @@
               <a:pPr>
                 <a:defRPr/>
               </a:pPr>
-              <a:t>‹#›</a:t>
+              <a:t>‹N›</a:t>
             </a:fld>
             <a:endParaRPr lang="en-GB" altLang="en-US"/>
           </a:p>
@@ -1628,7 +1628,7 @@
               <a:pPr>
                 <a:defRPr/>
               </a:pPr>
-              <a:t>‹#›</a:t>
+              <a:t>‹N›</a:t>
             </a:fld>
             <a:endParaRPr lang="en-GB" altLang="en-US"/>
           </a:p>
@@ -1891,7 +1891,7 @@
               <a:pPr>
                 <a:defRPr/>
               </a:pPr>
-              <a:t>‹#›</a:t>
+              <a:t>‹N›</a:t>
             </a:fld>
             <a:endParaRPr lang="en-GB" altLang="en-US"/>
           </a:p>
@@ -2085,7 +2085,7 @@
               <a:pPr>
                 <a:defRPr/>
               </a:pPr>
-              <a:t>‹#›</a:t>
+              <a:t>‹N›</a:t>
             </a:fld>
             <a:endParaRPr lang="en-GB" altLang="en-US"/>
           </a:p>
@@ -2281,7 +2281,7 @@
               <a:pPr>
                 <a:defRPr/>
               </a:pPr>
-              <a:t>‹#›</a:t>
+              <a:t>‹N›</a:t>
             </a:fld>
             <a:endParaRPr lang="en-GB" altLang="en-US"/>
           </a:p>
@@ -2499,7 +2499,7 @@
               <a:pPr>
                 <a:defRPr/>
               </a:pPr>
-              <a:t>‹#›</a:t>
+              <a:t>‹N›</a:t>
             </a:fld>
             <a:endParaRPr lang="en-GB" altLang="en-US"/>
           </a:p>
@@ -2813,7 +2813,7 @@
               <a:pPr>
                 <a:defRPr/>
               </a:pPr>
-              <a:t>‹#›</a:t>
+              <a:t>‹N›</a:t>
             </a:fld>
             <a:endParaRPr lang="en-GB" altLang="en-US"/>
           </a:p>
@@ -3261,7 +3261,7 @@
               <a:pPr>
                 <a:defRPr/>
               </a:pPr>
-              <a:t>‹#›</a:t>
+              <a:t>‹N›</a:t>
             </a:fld>
             <a:endParaRPr lang="en-GB" altLang="en-US"/>
           </a:p>
@@ -3405,7 +3405,7 @@
               <a:pPr>
                 <a:defRPr/>
               </a:pPr>
-              <a:t>‹#›</a:t>
+              <a:t>‹N›</a:t>
             </a:fld>
             <a:endParaRPr lang="en-GB" altLang="en-US"/>
           </a:p>
@@ -3526,7 +3526,7 @@
               <a:pPr>
                 <a:defRPr/>
               </a:pPr>
-              <a:t>‹#›</a:t>
+              <a:t>‹N›</a:t>
             </a:fld>
             <a:endParaRPr lang="en-GB" altLang="en-US"/>
           </a:p>
@@ -3829,7 +3829,7 @@
               <a:pPr>
                 <a:defRPr/>
               </a:pPr>
-              <a:t>‹#›</a:t>
+              <a:t>‹N›</a:t>
             </a:fld>
             <a:endParaRPr lang="en-GB" altLang="en-US"/>
           </a:p>
@@ -4218,7 +4218,7 @@
               <a:pPr>
                 <a:defRPr/>
               </a:pPr>
-              <a:t>‹#›</a:t>
+              <a:t>‹N›</a:t>
             </a:fld>
             <a:endParaRPr lang="en-GB" altLang="en-US"/>
           </a:p>
@@ -12027,872 +12027,6 @@
           </a:p>
         </p:txBody>
       </p:sp>
-      <p:sp>
-        <p:nvSpPr>
-          <p:cNvPr id="7" name="Rettangolo 6">
-            <a:extLst>
-              <a:ext uri="{FF2B5EF4-FFF2-40B4-BE49-F238E27FC236}">
-                <a16:creationId xmlns:a16="http://schemas.microsoft.com/office/drawing/2014/main" id="{D4FFC29F-A87C-4378-A3DE-816FA2023B68}"/>
-              </a:ext>
-            </a:extLst>
-          </p:cNvPr>
-          <p:cNvSpPr/>
-          <p:nvPr/>
-        </p:nvSpPr>
-        <p:spPr>
-          <a:xfrm>
-            <a:off x="139219" y="2142819"/>
-            <a:ext cx="7414052" cy="2308324"/>
-          </a:xfrm>
-          <a:prstGeom prst="rect">
-            <a:avLst/>
-          </a:prstGeom>
-        </p:spPr>
-        <p:txBody>
-          <a:bodyPr wrap="square">
-            <a:spAutoFit/>
-          </a:bodyPr>
-          <a:lstStyle/>
-          <a:p>
-            <a:r>
-              <a:rPr lang="it-IT" sz="1200" dirty="0">
-                <a:solidFill>
-                  <a:srgbClr val="6A9955"/>
-                </a:solidFill>
-                <a:latin typeface="Consolas" panose="020B0609020204030204" pitchFamily="49" charset="0"/>
-              </a:rPr>
-              <a:t>//Notes</a:t>
-            </a:r>
-            <a:endParaRPr lang="it-IT" sz="1200" dirty="0">
-              <a:solidFill>
-                <a:srgbClr val="D4D4D4"/>
-              </a:solidFill>
-              <a:latin typeface="Consolas" panose="020B0609020204030204" pitchFamily="49" charset="0"/>
-            </a:endParaRPr>
-          </a:p>
-          <a:p>
-            <a:r>
-              <a:rPr lang="it-IT" sz="1200" dirty="0">
-                <a:solidFill>
-                  <a:srgbClr val="DCDCAA"/>
-                </a:solidFill>
-                <a:latin typeface="Consolas" panose="020B0609020204030204" pitchFamily="49" charset="0"/>
-              </a:rPr>
-              <a:t>setTimeout</a:t>
-            </a:r>
-            <a:r>
-              <a:rPr lang="it-IT" sz="1200" dirty="0">
-                <a:solidFill>
-                  <a:srgbClr val="D4D4D4"/>
-                </a:solidFill>
-                <a:latin typeface="Consolas" panose="020B0609020204030204" pitchFamily="49" charset="0"/>
-              </a:rPr>
-              <a:t>(</a:t>
-            </a:r>
-            <a:r>
-              <a:rPr lang="it-IT" sz="1200" dirty="0">
-                <a:solidFill>
-                  <a:srgbClr val="569CD6"/>
-                </a:solidFill>
-                <a:latin typeface="Consolas" panose="020B0609020204030204" pitchFamily="49" charset="0"/>
-              </a:rPr>
-              <a:t>function</a:t>
-            </a:r>
-            <a:r>
-              <a:rPr lang="it-IT" sz="1200" dirty="0">
-                <a:solidFill>
-                  <a:srgbClr val="D4D4D4"/>
-                </a:solidFill>
-                <a:latin typeface="Consolas" panose="020B0609020204030204" pitchFamily="49" charset="0"/>
-              </a:rPr>
-              <a:t>(){</a:t>
-            </a:r>
-            <a:r>
-              <a:rPr lang="it-IT" sz="1200" dirty="0">
-                <a:solidFill>
-                  <a:srgbClr val="DCDCAA"/>
-                </a:solidFill>
-                <a:latin typeface="Consolas" panose="020B0609020204030204" pitchFamily="49" charset="0"/>
-              </a:rPr>
-              <a:t>play</a:t>
-            </a:r>
-            <a:r>
-              <a:rPr lang="it-IT" sz="1200" dirty="0">
-                <a:solidFill>
-                  <a:srgbClr val="D4D4D4"/>
-                </a:solidFill>
-                <a:latin typeface="Consolas" panose="020B0609020204030204" pitchFamily="49" charset="0"/>
-              </a:rPr>
-              <a:t>(</a:t>
-            </a:r>
-            <a:r>
-              <a:rPr lang="it-IT" sz="1200" dirty="0">
-                <a:solidFill>
-                  <a:srgbClr val="9CDCFE"/>
-                </a:solidFill>
-                <a:latin typeface="Consolas" panose="020B0609020204030204" pitchFamily="49" charset="0"/>
-              </a:rPr>
-              <a:t>ms</a:t>
-            </a:r>
-            <a:r>
-              <a:rPr lang="it-IT" sz="1200" dirty="0">
-                <a:solidFill>
-                  <a:srgbClr val="D4D4D4"/>
-                </a:solidFill>
-                <a:latin typeface="Consolas" panose="020B0609020204030204" pitchFamily="49" charset="0"/>
-              </a:rPr>
-              <a:t>)},</a:t>
-            </a:r>
-            <a:r>
-              <a:rPr lang="it-IT" sz="1200" dirty="0">
-                <a:solidFill>
-                  <a:srgbClr val="B5CEA8"/>
-                </a:solidFill>
-                <a:latin typeface="Consolas" panose="020B0609020204030204" pitchFamily="49" charset="0"/>
-              </a:rPr>
-              <a:t>0</a:t>
-            </a:r>
-            <a:r>
-              <a:rPr lang="it-IT" sz="1200" dirty="0">
-                <a:solidFill>
-                  <a:srgbClr val="D4D4D4"/>
-                </a:solidFill>
-                <a:latin typeface="Consolas" panose="020B0609020204030204" pitchFamily="49" charset="0"/>
-              </a:rPr>
-              <a:t>)</a:t>
-            </a:r>
-          </a:p>
-          <a:p>
-            <a:endParaRPr lang="it-IT" sz="1200" dirty="0">
-              <a:solidFill>
-                <a:srgbClr val="D4D4D4"/>
-              </a:solidFill>
-              <a:latin typeface="Consolas" panose="020B0609020204030204" pitchFamily="49" charset="0"/>
-            </a:endParaRPr>
-          </a:p>
-          <a:p>
-            <a:r>
-              <a:rPr lang="it-IT" sz="1200" dirty="0">
-                <a:solidFill>
-                  <a:srgbClr val="C586C0"/>
-                </a:solidFill>
-                <a:latin typeface="Consolas" panose="020B0609020204030204" pitchFamily="49" charset="0"/>
-              </a:rPr>
-              <a:t>if</a:t>
-            </a:r>
-            <a:r>
-              <a:rPr lang="it-IT" sz="1200" dirty="0">
-                <a:solidFill>
-                  <a:srgbClr val="D4D4D4"/>
-                </a:solidFill>
-                <a:latin typeface="Consolas" panose="020B0609020204030204" pitchFamily="49" charset="0"/>
-              </a:rPr>
-              <a:t>(</a:t>
-            </a:r>
-            <a:r>
-              <a:rPr lang="it-IT" sz="1200" dirty="0">
-                <a:solidFill>
-                  <a:srgbClr val="9CDCFE"/>
-                </a:solidFill>
-                <a:latin typeface="Consolas" panose="020B0609020204030204" pitchFamily="49" charset="0"/>
-              </a:rPr>
-              <a:t>mr</a:t>
-            </a:r>
-            <a:r>
-              <a:rPr lang="it-IT" sz="1200" dirty="0">
-                <a:solidFill>
-                  <a:srgbClr val="D4D4D4"/>
-                </a:solidFill>
-                <a:latin typeface="Consolas" panose="020B0609020204030204" pitchFamily="49" charset="0"/>
-              </a:rPr>
-              <a:t>+</a:t>
-            </a:r>
-            <a:r>
-              <a:rPr lang="it-IT" sz="1200" dirty="0">
-                <a:solidFill>
-                  <a:srgbClr val="9CDCFE"/>
-                </a:solidFill>
-                <a:latin typeface="Consolas" panose="020B0609020204030204" pitchFamily="49" charset="0"/>
-              </a:rPr>
-              <a:t>ms</a:t>
-            </a:r>
-            <a:r>
-              <a:rPr lang="it-IT" sz="1200" dirty="0">
-                <a:solidFill>
-                  <a:srgbClr val="D4D4D4"/>
-                </a:solidFill>
-                <a:latin typeface="Consolas" panose="020B0609020204030204" pitchFamily="49" charset="0"/>
-              </a:rPr>
-              <a:t>+</a:t>
-            </a:r>
-            <a:r>
-              <a:rPr lang="it-IT" sz="1200" dirty="0">
-                <a:solidFill>
-                  <a:srgbClr val="9CDCFE"/>
-                </a:solidFill>
-                <a:latin typeface="Consolas" panose="020B0609020204030204" pitchFamily="49" charset="0"/>
-              </a:rPr>
-              <a:t>mw</a:t>
-            </a:r>
-            <a:r>
-              <a:rPr lang="it-IT" sz="1200" dirty="0">
-                <a:solidFill>
-                  <a:srgbClr val="D4D4D4"/>
-                </a:solidFill>
-                <a:latin typeface="Consolas" panose="020B0609020204030204" pitchFamily="49" charset="0"/>
-              </a:rPr>
-              <a:t>&gt;=</a:t>
-            </a:r>
-            <a:r>
-              <a:rPr lang="it-IT" sz="1200" dirty="0">
-                <a:solidFill>
-                  <a:srgbClr val="B5CEA8"/>
-                </a:solidFill>
-                <a:latin typeface="Consolas" panose="020B0609020204030204" pitchFamily="49" charset="0"/>
-              </a:rPr>
-              <a:t>30</a:t>
-            </a:r>
-            <a:r>
-              <a:rPr lang="it-IT" sz="1200" dirty="0">
-                <a:solidFill>
-                  <a:srgbClr val="D4D4D4"/>
-                </a:solidFill>
-                <a:latin typeface="Consolas" panose="020B0609020204030204" pitchFamily="49" charset="0"/>
-              </a:rPr>
-              <a:t>){</a:t>
-            </a:r>
-          </a:p>
-          <a:p>
-            <a:r>
-              <a:rPr lang="it-IT" sz="1200" dirty="0">
-                <a:solidFill>
-                  <a:srgbClr val="DCDCAA"/>
-                </a:solidFill>
-                <a:latin typeface="Consolas" panose="020B0609020204030204" pitchFamily="49" charset="0"/>
-              </a:rPr>
-              <a:t>setTimeout</a:t>
-            </a:r>
-            <a:r>
-              <a:rPr lang="it-IT" sz="1200" dirty="0">
-                <a:solidFill>
-                  <a:srgbClr val="D4D4D4"/>
-                </a:solidFill>
-                <a:latin typeface="Consolas" panose="020B0609020204030204" pitchFamily="49" charset="0"/>
-              </a:rPr>
-              <a:t>(</a:t>
-            </a:r>
-            <a:r>
-              <a:rPr lang="it-IT" sz="1200" dirty="0">
-                <a:solidFill>
-                  <a:srgbClr val="569CD6"/>
-                </a:solidFill>
-                <a:latin typeface="Consolas" panose="020B0609020204030204" pitchFamily="49" charset="0"/>
-              </a:rPr>
-              <a:t>function</a:t>
-            </a:r>
-            <a:r>
-              <a:rPr lang="it-IT" sz="1200" dirty="0">
-                <a:solidFill>
-                  <a:srgbClr val="D4D4D4"/>
-                </a:solidFill>
-                <a:latin typeface="Consolas" panose="020B0609020204030204" pitchFamily="49" charset="0"/>
-              </a:rPr>
-              <a:t>(){</a:t>
-            </a:r>
-            <a:r>
-              <a:rPr lang="it-IT" sz="1200" dirty="0">
-                <a:solidFill>
-                  <a:srgbClr val="DCDCAA"/>
-                </a:solidFill>
-                <a:latin typeface="Consolas" panose="020B0609020204030204" pitchFamily="49" charset="0"/>
-              </a:rPr>
-              <a:t>play</a:t>
-            </a:r>
-            <a:r>
-              <a:rPr lang="it-IT" sz="1200" dirty="0">
-                <a:solidFill>
-                  <a:srgbClr val="D4D4D4"/>
-                </a:solidFill>
-                <a:latin typeface="Consolas" panose="020B0609020204030204" pitchFamily="49" charset="0"/>
-              </a:rPr>
-              <a:t>(</a:t>
-            </a:r>
-            <a:r>
-              <a:rPr lang="it-IT" sz="1200" dirty="0">
-                <a:solidFill>
-                  <a:srgbClr val="9CDCFE"/>
-                </a:solidFill>
-                <a:latin typeface="Consolas" panose="020B0609020204030204" pitchFamily="49" charset="0"/>
-              </a:rPr>
-              <a:t>mr</a:t>
-            </a:r>
-            <a:r>
-              <a:rPr lang="it-IT" sz="1200" dirty="0">
-                <a:solidFill>
-                  <a:srgbClr val="D4D4D4"/>
-                </a:solidFill>
-                <a:latin typeface="Consolas" panose="020B0609020204030204" pitchFamily="49" charset="0"/>
-              </a:rPr>
-              <a:t>)},(</a:t>
-            </a:r>
-            <a:r>
-              <a:rPr lang="it-IT" sz="1200" dirty="0">
-                <a:solidFill>
-                  <a:srgbClr val="B5CEA8"/>
-                </a:solidFill>
-                <a:latin typeface="Consolas" panose="020B0609020204030204" pitchFamily="49" charset="0"/>
-              </a:rPr>
-              <a:t>2.5</a:t>
-            </a:r>
-            <a:r>
-              <a:rPr lang="it-IT" sz="1200" dirty="0">
-                <a:solidFill>
-                  <a:srgbClr val="D4D4D4"/>
-                </a:solidFill>
-                <a:latin typeface="Consolas" panose="020B0609020204030204" pitchFamily="49" charset="0"/>
-              </a:rPr>
-              <a:t>)/(</a:t>
-            </a:r>
-            <a:r>
-              <a:rPr lang="it-IT" sz="1200" dirty="0">
-                <a:solidFill>
-                  <a:srgbClr val="B5CEA8"/>
-                </a:solidFill>
-                <a:latin typeface="Consolas" panose="020B0609020204030204" pitchFamily="49" charset="0"/>
-              </a:rPr>
-              <a:t>10</a:t>
-            </a:r>
-            <a:r>
-              <a:rPr lang="it-IT" sz="1200" dirty="0">
-                <a:solidFill>
-                  <a:srgbClr val="D4D4D4"/>
-                </a:solidFill>
-                <a:latin typeface="Consolas" panose="020B0609020204030204" pitchFamily="49" charset="0"/>
-              </a:rPr>
-              <a:t>*</a:t>
-            </a:r>
-            <a:r>
-              <a:rPr lang="it-IT" sz="1200" dirty="0">
-                <a:solidFill>
-                  <a:srgbClr val="9CDCFE"/>
-                </a:solidFill>
-                <a:latin typeface="Consolas" panose="020B0609020204030204" pitchFamily="49" charset="0"/>
-              </a:rPr>
-              <a:t>fps</a:t>
-            </a:r>
-            <a:r>
-              <a:rPr lang="it-IT" sz="1200" dirty="0">
-                <a:solidFill>
-                  <a:srgbClr val="D4D4D4"/>
-                </a:solidFill>
-                <a:latin typeface="Consolas" panose="020B0609020204030204" pitchFamily="49" charset="0"/>
-              </a:rPr>
-              <a:t>)*</a:t>
-            </a:r>
-            <a:r>
-              <a:rPr lang="it-IT" sz="1200" dirty="0">
-                <a:solidFill>
-                  <a:srgbClr val="B5CEA8"/>
-                </a:solidFill>
-                <a:latin typeface="Consolas" panose="020B0609020204030204" pitchFamily="49" charset="0"/>
-              </a:rPr>
-              <a:t>1000</a:t>
-            </a:r>
-            <a:r>
-              <a:rPr lang="it-IT" sz="1200" dirty="0">
-                <a:solidFill>
-                  <a:srgbClr val="D4D4D4"/>
-                </a:solidFill>
-                <a:latin typeface="Consolas" panose="020B0609020204030204" pitchFamily="49" charset="0"/>
-              </a:rPr>
-              <a:t>*</a:t>
-            </a:r>
-            <a:r>
-              <a:rPr lang="it-IT" sz="1200" dirty="0">
-                <a:solidFill>
-                  <a:srgbClr val="9CDCFE"/>
-                </a:solidFill>
-                <a:latin typeface="Consolas" panose="020B0609020204030204" pitchFamily="49" charset="0"/>
-              </a:rPr>
-              <a:t>framesPermeasure</a:t>
-            </a:r>
-            <a:r>
-              <a:rPr lang="it-IT" sz="1200" dirty="0">
-                <a:solidFill>
-                  <a:srgbClr val="D4D4D4"/>
-                </a:solidFill>
-                <a:latin typeface="Consolas" panose="020B0609020204030204" pitchFamily="49" charset="0"/>
-              </a:rPr>
-              <a:t>)</a:t>
-            </a:r>
-          </a:p>
-          <a:p>
-            <a:r>
-              <a:rPr lang="it-IT" sz="1200" dirty="0">
-                <a:solidFill>
-                  <a:srgbClr val="D4D4D4"/>
-                </a:solidFill>
-                <a:latin typeface="Consolas" panose="020B0609020204030204" pitchFamily="49" charset="0"/>
-              </a:rPr>
-              <a:t>}</a:t>
-            </a:r>
-          </a:p>
-          <a:p>
-            <a:endParaRPr lang="it-IT" sz="1200" dirty="0">
-              <a:solidFill>
-                <a:srgbClr val="D4D4D4"/>
-              </a:solidFill>
-              <a:latin typeface="Consolas" panose="020B0609020204030204" pitchFamily="49" charset="0"/>
-            </a:endParaRPr>
-          </a:p>
-          <a:p>
-            <a:r>
-              <a:rPr lang="it-IT" sz="1200" dirty="0">
-                <a:solidFill>
-                  <a:srgbClr val="DCDCAA"/>
-                </a:solidFill>
-                <a:latin typeface="Consolas" panose="020B0609020204030204" pitchFamily="49" charset="0"/>
-              </a:rPr>
-              <a:t>setTimeout</a:t>
-            </a:r>
-            <a:r>
-              <a:rPr lang="it-IT" sz="1200" dirty="0">
-                <a:solidFill>
-                  <a:srgbClr val="D4D4D4"/>
-                </a:solidFill>
-                <a:latin typeface="Consolas" panose="020B0609020204030204" pitchFamily="49" charset="0"/>
-              </a:rPr>
-              <a:t>(</a:t>
-            </a:r>
-            <a:r>
-              <a:rPr lang="it-IT" sz="1200" dirty="0">
-                <a:solidFill>
-                  <a:srgbClr val="569CD6"/>
-                </a:solidFill>
-                <a:latin typeface="Consolas" panose="020B0609020204030204" pitchFamily="49" charset="0"/>
-              </a:rPr>
-              <a:t>function</a:t>
-            </a:r>
-            <a:r>
-              <a:rPr lang="it-IT" sz="1200" dirty="0">
-                <a:solidFill>
-                  <a:srgbClr val="D4D4D4"/>
-                </a:solidFill>
-                <a:latin typeface="Consolas" panose="020B0609020204030204" pitchFamily="49" charset="0"/>
-              </a:rPr>
-              <a:t>(){</a:t>
-            </a:r>
-            <a:r>
-              <a:rPr lang="it-IT" sz="1200" dirty="0">
-                <a:solidFill>
-                  <a:srgbClr val="DCDCAA"/>
-                </a:solidFill>
-                <a:latin typeface="Consolas" panose="020B0609020204030204" pitchFamily="49" charset="0"/>
-              </a:rPr>
-              <a:t>play</a:t>
-            </a:r>
-            <a:r>
-              <a:rPr lang="it-IT" sz="1200" dirty="0">
-                <a:solidFill>
-                  <a:srgbClr val="D4D4D4"/>
-                </a:solidFill>
-                <a:latin typeface="Consolas" panose="020B0609020204030204" pitchFamily="49" charset="0"/>
-              </a:rPr>
-              <a:t>(</a:t>
-            </a:r>
-            <a:r>
-              <a:rPr lang="it-IT" sz="1200" dirty="0">
-                <a:solidFill>
-                  <a:srgbClr val="9CDCFE"/>
-                </a:solidFill>
-                <a:latin typeface="Consolas" panose="020B0609020204030204" pitchFamily="49" charset="0"/>
-              </a:rPr>
-              <a:t>ms</a:t>
-            </a:r>
-            <a:r>
-              <a:rPr lang="it-IT" sz="1200" dirty="0">
-                <a:solidFill>
-                  <a:srgbClr val="D4D4D4"/>
-                </a:solidFill>
-                <a:latin typeface="Consolas" panose="020B0609020204030204" pitchFamily="49" charset="0"/>
-              </a:rPr>
-              <a:t>)},(</a:t>
-            </a:r>
-            <a:r>
-              <a:rPr lang="it-IT" sz="1200" dirty="0">
-                <a:solidFill>
-                  <a:srgbClr val="B5CEA8"/>
-                </a:solidFill>
-                <a:latin typeface="Consolas" panose="020B0609020204030204" pitchFamily="49" charset="0"/>
-              </a:rPr>
-              <a:t>5</a:t>
-            </a:r>
-            <a:r>
-              <a:rPr lang="it-IT" sz="1200" dirty="0">
-                <a:solidFill>
-                  <a:srgbClr val="D4D4D4"/>
-                </a:solidFill>
-                <a:latin typeface="Consolas" panose="020B0609020204030204" pitchFamily="49" charset="0"/>
-              </a:rPr>
-              <a:t>)/(</a:t>
-            </a:r>
-            <a:r>
-              <a:rPr lang="it-IT" sz="1200" dirty="0">
-                <a:solidFill>
-                  <a:srgbClr val="B5CEA8"/>
-                </a:solidFill>
-                <a:latin typeface="Consolas" panose="020B0609020204030204" pitchFamily="49" charset="0"/>
-              </a:rPr>
-              <a:t>10</a:t>
-            </a:r>
-            <a:r>
-              <a:rPr lang="it-IT" sz="1200" dirty="0">
-                <a:solidFill>
-                  <a:srgbClr val="D4D4D4"/>
-                </a:solidFill>
-                <a:latin typeface="Consolas" panose="020B0609020204030204" pitchFamily="49" charset="0"/>
-              </a:rPr>
-              <a:t>*</a:t>
-            </a:r>
-            <a:r>
-              <a:rPr lang="it-IT" sz="1200" dirty="0">
-                <a:solidFill>
-                  <a:srgbClr val="9CDCFE"/>
-                </a:solidFill>
-                <a:latin typeface="Consolas" panose="020B0609020204030204" pitchFamily="49" charset="0"/>
-              </a:rPr>
-              <a:t>fps</a:t>
-            </a:r>
-            <a:r>
-              <a:rPr lang="it-IT" sz="1200" dirty="0">
-                <a:solidFill>
-                  <a:srgbClr val="D4D4D4"/>
-                </a:solidFill>
-                <a:latin typeface="Consolas" panose="020B0609020204030204" pitchFamily="49" charset="0"/>
-              </a:rPr>
-              <a:t>)*</a:t>
-            </a:r>
-            <a:r>
-              <a:rPr lang="it-IT" sz="1200" dirty="0">
-                <a:solidFill>
-                  <a:srgbClr val="B5CEA8"/>
-                </a:solidFill>
-                <a:latin typeface="Consolas" panose="020B0609020204030204" pitchFamily="49" charset="0"/>
-              </a:rPr>
-              <a:t>1000</a:t>
-            </a:r>
-            <a:r>
-              <a:rPr lang="it-IT" sz="1200" dirty="0">
-                <a:solidFill>
-                  <a:srgbClr val="D4D4D4"/>
-                </a:solidFill>
-                <a:latin typeface="Consolas" panose="020B0609020204030204" pitchFamily="49" charset="0"/>
-              </a:rPr>
-              <a:t>*</a:t>
-            </a:r>
-            <a:r>
-              <a:rPr lang="it-IT" sz="1200" dirty="0">
-                <a:solidFill>
-                  <a:srgbClr val="9CDCFE"/>
-                </a:solidFill>
-                <a:latin typeface="Consolas" panose="020B0609020204030204" pitchFamily="49" charset="0"/>
-              </a:rPr>
-              <a:t>framesPermeasure</a:t>
-            </a:r>
-            <a:r>
-              <a:rPr lang="it-IT" sz="1200" dirty="0">
-                <a:solidFill>
-                  <a:srgbClr val="D4D4D4"/>
-                </a:solidFill>
-                <a:latin typeface="Consolas" panose="020B0609020204030204" pitchFamily="49" charset="0"/>
-              </a:rPr>
-              <a:t>)</a:t>
-            </a:r>
-          </a:p>
-          <a:p>
-            <a:endParaRPr lang="it-IT" sz="1200" dirty="0">
-              <a:solidFill>
-                <a:srgbClr val="D4D4D4"/>
-              </a:solidFill>
-              <a:latin typeface="Consolas" panose="020B0609020204030204" pitchFamily="49" charset="0"/>
-            </a:endParaRPr>
-          </a:p>
-          <a:p>
-            <a:r>
-              <a:rPr lang="it-IT" sz="1200" dirty="0">
-                <a:solidFill>
-                  <a:srgbClr val="C586C0"/>
-                </a:solidFill>
-                <a:latin typeface="Consolas" panose="020B0609020204030204" pitchFamily="49" charset="0"/>
-              </a:rPr>
-              <a:t>if</a:t>
-            </a:r>
-            <a:r>
-              <a:rPr lang="it-IT" sz="1200" dirty="0">
-                <a:solidFill>
-                  <a:srgbClr val="D4D4D4"/>
-                </a:solidFill>
-                <a:latin typeface="Consolas" panose="020B0609020204030204" pitchFamily="49" charset="0"/>
-              </a:rPr>
-              <a:t>(</a:t>
-            </a:r>
-            <a:r>
-              <a:rPr lang="it-IT" sz="1200" dirty="0">
-                <a:solidFill>
-                  <a:srgbClr val="9CDCFE"/>
-                </a:solidFill>
-                <a:latin typeface="Consolas" panose="020B0609020204030204" pitchFamily="49" charset="0"/>
-              </a:rPr>
-              <a:t>ms</a:t>
-            </a:r>
-            <a:r>
-              <a:rPr lang="it-IT" sz="1200" dirty="0">
-                <a:solidFill>
-                  <a:srgbClr val="D4D4D4"/>
-                </a:solidFill>
-                <a:latin typeface="Consolas" panose="020B0609020204030204" pitchFamily="49" charset="0"/>
-              </a:rPr>
-              <a:t>&gt;=</a:t>
-            </a:r>
-            <a:r>
-              <a:rPr lang="it-IT" sz="1200" dirty="0">
-                <a:solidFill>
-                  <a:srgbClr val="B5CEA8"/>
-                </a:solidFill>
-                <a:latin typeface="Consolas" panose="020B0609020204030204" pitchFamily="49" charset="0"/>
-              </a:rPr>
-              <a:t>10</a:t>
-            </a:r>
-            <a:r>
-              <a:rPr lang="it-IT" sz="1200" dirty="0">
-                <a:solidFill>
-                  <a:srgbClr val="D4D4D4"/>
-                </a:solidFill>
-                <a:latin typeface="Consolas" panose="020B0609020204030204" pitchFamily="49" charset="0"/>
-              </a:rPr>
-              <a:t>){</a:t>
-            </a:r>
-          </a:p>
-          <a:p>
-            <a:r>
-              <a:rPr lang="it-IT" sz="1200" dirty="0">
-                <a:solidFill>
-                  <a:srgbClr val="DCDCAA"/>
-                </a:solidFill>
-                <a:latin typeface="Consolas" panose="020B0609020204030204" pitchFamily="49" charset="0"/>
-              </a:rPr>
-              <a:t>setTimeout</a:t>
-            </a:r>
-            <a:r>
-              <a:rPr lang="it-IT" sz="1200" dirty="0">
-                <a:solidFill>
-                  <a:srgbClr val="D4D4D4"/>
-                </a:solidFill>
-                <a:latin typeface="Consolas" panose="020B0609020204030204" pitchFamily="49" charset="0"/>
-              </a:rPr>
-              <a:t>(</a:t>
-            </a:r>
-            <a:r>
-              <a:rPr lang="it-IT" sz="1200" dirty="0">
-                <a:solidFill>
-                  <a:srgbClr val="569CD6"/>
-                </a:solidFill>
-                <a:latin typeface="Consolas" panose="020B0609020204030204" pitchFamily="49" charset="0"/>
-              </a:rPr>
-              <a:t>function</a:t>
-            </a:r>
-            <a:r>
-              <a:rPr lang="it-IT" sz="1200" dirty="0">
-                <a:solidFill>
-                  <a:srgbClr val="D4D4D4"/>
-                </a:solidFill>
-                <a:latin typeface="Consolas" panose="020B0609020204030204" pitchFamily="49" charset="0"/>
-              </a:rPr>
-              <a:t>(){</a:t>
-            </a:r>
-            <a:r>
-              <a:rPr lang="it-IT" sz="1200" dirty="0">
-                <a:solidFill>
-                  <a:srgbClr val="DCDCAA"/>
-                </a:solidFill>
-                <a:latin typeface="Consolas" panose="020B0609020204030204" pitchFamily="49" charset="0"/>
-              </a:rPr>
-              <a:t>play</a:t>
-            </a:r>
-            <a:r>
-              <a:rPr lang="it-IT" sz="1200" dirty="0">
-                <a:solidFill>
-                  <a:srgbClr val="D4D4D4"/>
-                </a:solidFill>
-                <a:latin typeface="Consolas" panose="020B0609020204030204" pitchFamily="49" charset="0"/>
-              </a:rPr>
-              <a:t>(</a:t>
-            </a:r>
-            <a:r>
-              <a:rPr lang="it-IT" sz="1200" dirty="0">
-                <a:solidFill>
-                  <a:srgbClr val="9CDCFE"/>
-                </a:solidFill>
-                <a:latin typeface="Consolas" panose="020B0609020204030204" pitchFamily="49" charset="0"/>
-              </a:rPr>
-              <a:t>ms</a:t>
-            </a:r>
-            <a:r>
-              <a:rPr lang="it-IT" sz="1200" dirty="0">
-                <a:solidFill>
-                  <a:srgbClr val="D4D4D4"/>
-                </a:solidFill>
-                <a:latin typeface="Consolas" panose="020B0609020204030204" pitchFamily="49" charset="0"/>
-              </a:rPr>
-              <a:t>+</a:t>
-            </a:r>
-            <a:r>
-              <a:rPr lang="it-IT" sz="1200" dirty="0">
-                <a:solidFill>
-                  <a:srgbClr val="9CDCFE"/>
-                </a:solidFill>
-                <a:latin typeface="Consolas" panose="020B0609020204030204" pitchFamily="49" charset="0"/>
-              </a:rPr>
-              <a:t>mw</a:t>
-            </a:r>
-            <a:r>
-              <a:rPr lang="it-IT" sz="1200" dirty="0">
-                <a:solidFill>
-                  <a:srgbClr val="D4D4D4"/>
-                </a:solidFill>
-                <a:latin typeface="Consolas" panose="020B0609020204030204" pitchFamily="49" charset="0"/>
-              </a:rPr>
-              <a:t>+</a:t>
-            </a:r>
-            <a:r>
-              <a:rPr lang="it-IT" sz="1200" dirty="0">
-                <a:solidFill>
-                  <a:srgbClr val="9CDCFE"/>
-                </a:solidFill>
-                <a:latin typeface="Consolas" panose="020B0609020204030204" pitchFamily="49" charset="0"/>
-              </a:rPr>
-              <a:t>mr</a:t>
-            </a:r>
-            <a:r>
-              <a:rPr lang="it-IT" sz="1200" dirty="0">
-                <a:solidFill>
-                  <a:srgbClr val="D4D4D4"/>
-                </a:solidFill>
-                <a:latin typeface="Consolas" panose="020B0609020204030204" pitchFamily="49" charset="0"/>
-              </a:rPr>
-              <a:t>)},(</a:t>
-            </a:r>
-            <a:r>
-              <a:rPr lang="it-IT" sz="1200" dirty="0">
-                <a:solidFill>
-                  <a:srgbClr val="B5CEA8"/>
-                </a:solidFill>
-                <a:latin typeface="Consolas" panose="020B0609020204030204" pitchFamily="49" charset="0"/>
-              </a:rPr>
-              <a:t>7.5</a:t>
-            </a:r>
-            <a:r>
-              <a:rPr lang="it-IT" sz="1200" dirty="0">
-                <a:solidFill>
-                  <a:srgbClr val="D4D4D4"/>
-                </a:solidFill>
-                <a:latin typeface="Consolas" panose="020B0609020204030204" pitchFamily="49" charset="0"/>
-              </a:rPr>
-              <a:t>)/(</a:t>
-            </a:r>
-            <a:r>
-              <a:rPr lang="it-IT" sz="1200" dirty="0">
-                <a:solidFill>
-                  <a:srgbClr val="B5CEA8"/>
-                </a:solidFill>
-                <a:latin typeface="Consolas" panose="020B0609020204030204" pitchFamily="49" charset="0"/>
-              </a:rPr>
-              <a:t>10</a:t>
-            </a:r>
-            <a:r>
-              <a:rPr lang="it-IT" sz="1200" dirty="0">
-                <a:solidFill>
-                  <a:srgbClr val="D4D4D4"/>
-                </a:solidFill>
-                <a:latin typeface="Consolas" panose="020B0609020204030204" pitchFamily="49" charset="0"/>
-              </a:rPr>
-              <a:t>*</a:t>
-            </a:r>
-            <a:r>
-              <a:rPr lang="it-IT" sz="1200" dirty="0">
-                <a:solidFill>
-                  <a:srgbClr val="9CDCFE"/>
-                </a:solidFill>
-                <a:latin typeface="Consolas" panose="020B0609020204030204" pitchFamily="49" charset="0"/>
-              </a:rPr>
-              <a:t>fps</a:t>
-            </a:r>
-            <a:r>
-              <a:rPr lang="it-IT" sz="1200" dirty="0">
-                <a:solidFill>
-                  <a:srgbClr val="D4D4D4"/>
-                </a:solidFill>
-                <a:latin typeface="Consolas" panose="020B0609020204030204" pitchFamily="49" charset="0"/>
-              </a:rPr>
-              <a:t>)*</a:t>
-            </a:r>
-            <a:r>
-              <a:rPr lang="it-IT" sz="1200" dirty="0">
-                <a:solidFill>
-                  <a:srgbClr val="B5CEA8"/>
-                </a:solidFill>
-                <a:latin typeface="Consolas" panose="020B0609020204030204" pitchFamily="49" charset="0"/>
-              </a:rPr>
-              <a:t>1000</a:t>
-            </a:r>
-            <a:r>
-              <a:rPr lang="it-IT" sz="1200" dirty="0">
-                <a:solidFill>
-                  <a:srgbClr val="D4D4D4"/>
-                </a:solidFill>
-                <a:latin typeface="Consolas" panose="020B0609020204030204" pitchFamily="49" charset="0"/>
-              </a:rPr>
-              <a:t>*</a:t>
-            </a:r>
-            <a:r>
-              <a:rPr lang="it-IT" sz="1200" dirty="0">
-                <a:solidFill>
-                  <a:srgbClr val="9CDCFE"/>
-                </a:solidFill>
-                <a:latin typeface="Consolas" panose="020B0609020204030204" pitchFamily="49" charset="0"/>
-              </a:rPr>
-              <a:t>framesPermeasure</a:t>
-            </a:r>
-            <a:r>
-              <a:rPr lang="it-IT" sz="1200" dirty="0">
-                <a:solidFill>
-                  <a:srgbClr val="D4D4D4"/>
-                </a:solidFill>
-                <a:latin typeface="Consolas" panose="020B0609020204030204" pitchFamily="49" charset="0"/>
-              </a:rPr>
-              <a:t>)</a:t>
-            </a:r>
-          </a:p>
-          <a:p>
-            <a:r>
-              <a:rPr lang="it-IT" sz="1200" dirty="0">
-                <a:solidFill>
-                  <a:srgbClr val="D4D4D4"/>
-                </a:solidFill>
-                <a:latin typeface="Consolas" panose="020B0609020204030204" pitchFamily="49" charset="0"/>
-              </a:rPr>
-              <a:t>}</a:t>
-            </a:r>
-            <a:endParaRPr lang="it-IT" sz="1200" b="0" dirty="0">
-              <a:solidFill>
-                <a:srgbClr val="D4D4D4"/>
-              </a:solidFill>
-              <a:effectLst/>
-              <a:latin typeface="Consolas" panose="020B0609020204030204" pitchFamily="49" charset="0"/>
-            </a:endParaRPr>
-          </a:p>
-        </p:txBody>
-      </p:sp>
       <mc:AlternateContent xmlns:mc="http://schemas.openxmlformats.org/markup-compatibility/2006" xmlns:a14="http://schemas.microsoft.com/office/drawing/2010/main">
         <mc:Choice Requires="a14">
           <p:sp>
@@ -13159,6 +12293,10 @@
           </a:bodyPr>
           <a:lstStyle/>
           <a:p>
+            <a:pPr marL="285750" indent="-285750">
+              <a:buFont typeface="Arial" panose="020B0604020202020204" pitchFamily="34" charset="0"/>
+              <a:buChar char="•"/>
+            </a:pPr>
             <a:r>
               <a:rPr lang="it-IT" dirty="0">
                 <a:solidFill>
@@ -13261,17 +12399,7 @@
                   <a:schemeClr val="bg1"/>
                 </a:solidFill>
               </a:rPr>
-              <a:t> set. </a:t>
-            </a:r>
-          </a:p>
-          <a:p>
-            <a:r>
-              <a:rPr lang="it-IT" dirty="0">
-                <a:solidFill>
-                  <a:schemeClr val="bg1"/>
-                </a:solidFill>
-              </a:rPr>
-              <a:t>The </a:t>
+              <a:t> set. The </a:t>
             </a:r>
             <a:r>
               <a:rPr lang="it-IT" dirty="0" err="1">
@@ -13453,8 +12581,8 @@
         </p:nvCxnSpPr>
         <p:spPr>
           <a:xfrm flipH="1" flipV="1">
-            <a:off x="4930347" y="2607299"/>
-            <a:ext cx="135923" cy="229024"/>
+            <a:off x="4930348" y="2607299"/>
+            <a:ext cx="148279" cy="417447"/>
           </a:xfrm>
           <a:prstGeom prst="straightConnector1">
             <a:avLst/>
@@ -13478,6 +12606,723 @@
           </a:fontRef>
         </p:style>
       </p:cxnSp>
+      <p:sp>
+        <p:nvSpPr>
+          <p:cNvPr id="2" name="Rettangolo 1">
+            <a:extLst>
+              <a:ext uri="{FF2B5EF4-FFF2-40B4-BE49-F238E27FC236}">
+                <a16:creationId xmlns:a16="http://schemas.microsoft.com/office/drawing/2014/main" id="{18A6AF72-BCA7-431A-AA59-93DEAEDC81DD}"/>
+              </a:ext>
+            </a:extLst>
+          </p:cNvPr>
+          <p:cNvSpPr/>
+          <p:nvPr/>
+        </p:nvSpPr>
+        <p:spPr>
+          <a:xfrm>
+            <a:off x="0" y="2672854"/>
+            <a:ext cx="7954458" cy="1046440"/>
+          </a:xfrm>
+          <a:prstGeom prst="rect">
+            <a:avLst/>
+          </a:prstGeom>
+        </p:spPr>
+        <p:txBody>
+          <a:bodyPr wrap="square">
+            <a:spAutoFit/>
+          </a:bodyPr>
+          <a:lstStyle/>
+          <a:p>
+            <a:r>
+              <a:rPr lang="it-IT" sz="1200" dirty="0">
+                <a:solidFill>
+                  <a:srgbClr val="D4D4D4"/>
+                </a:solidFill>
+                <a:latin typeface="Consolas" panose="020B0609020204030204" pitchFamily="49" charset="0"/>
+              </a:rPr>
+              <a:t>    </a:t>
+            </a:r>
+            <a:r>
+              <a:rPr lang="it-IT" sz="1200" dirty="0">
+                <a:solidFill>
+                  <a:srgbClr val="6A9955"/>
+                </a:solidFill>
+                <a:latin typeface="Consolas" panose="020B0609020204030204" pitchFamily="49" charset="0"/>
+              </a:rPr>
+              <a:t>//Notes</a:t>
+            </a:r>
+            <a:endParaRPr lang="it-IT" sz="1200" dirty="0">
+              <a:solidFill>
+                <a:srgbClr val="D4D4D4"/>
+              </a:solidFill>
+              <a:latin typeface="Consolas" panose="020B0609020204030204" pitchFamily="49" charset="0"/>
+            </a:endParaRPr>
+          </a:p>
+          <a:p>
+            <a:r>
+              <a:rPr lang="it-IT" sz="1200" dirty="0">
+                <a:solidFill>
+                  <a:srgbClr val="D4D4D4"/>
+                </a:solidFill>
+                <a:latin typeface="Consolas" panose="020B0609020204030204" pitchFamily="49" charset="0"/>
+              </a:rPr>
+              <a:t>    </a:t>
+            </a:r>
+            <a:r>
+              <a:rPr lang="it-IT" sz="1200" dirty="0">
+                <a:solidFill>
+                  <a:srgbClr val="DCDCAA"/>
+                </a:solidFill>
+                <a:latin typeface="Consolas" panose="020B0609020204030204" pitchFamily="49" charset="0"/>
+              </a:rPr>
+              <a:t>setTimeout</a:t>
+            </a:r>
+            <a:r>
+              <a:rPr lang="it-IT" sz="1200" dirty="0">
+                <a:solidFill>
+                  <a:srgbClr val="D4D4D4"/>
+                </a:solidFill>
+                <a:latin typeface="Consolas" panose="020B0609020204030204" pitchFamily="49" charset="0"/>
+              </a:rPr>
+              <a:t>(</a:t>
+            </a:r>
+            <a:r>
+              <a:rPr lang="it-IT" sz="1200" dirty="0">
+                <a:solidFill>
+                  <a:srgbClr val="569CD6"/>
+                </a:solidFill>
+                <a:latin typeface="Consolas" panose="020B0609020204030204" pitchFamily="49" charset="0"/>
+              </a:rPr>
+              <a:t>function</a:t>
+            </a:r>
+            <a:r>
+              <a:rPr lang="it-IT" sz="1200" dirty="0">
+                <a:solidFill>
+                  <a:srgbClr val="D4D4D4"/>
+                </a:solidFill>
+                <a:latin typeface="Consolas" panose="020B0609020204030204" pitchFamily="49" charset="0"/>
+              </a:rPr>
+              <a:t>(){</a:t>
+            </a:r>
+            <a:r>
+              <a:rPr lang="it-IT" sz="1200" dirty="0">
+                <a:solidFill>
+                  <a:srgbClr val="DCDCAA"/>
+                </a:solidFill>
+                <a:latin typeface="Consolas" panose="020B0609020204030204" pitchFamily="49" charset="0"/>
+              </a:rPr>
+              <a:t>play</a:t>
+            </a:r>
+            <a:r>
+              <a:rPr lang="it-IT" sz="1200" dirty="0">
+                <a:solidFill>
+                  <a:srgbClr val="D4D4D4"/>
+                </a:solidFill>
+                <a:latin typeface="Consolas" panose="020B0609020204030204" pitchFamily="49" charset="0"/>
+              </a:rPr>
+              <a:t>(</a:t>
+            </a:r>
+            <a:r>
+              <a:rPr lang="it-IT" sz="1200" dirty="0">
+                <a:solidFill>
+                  <a:srgbClr val="9CDCFE"/>
+                </a:solidFill>
+                <a:latin typeface="Consolas" panose="020B0609020204030204" pitchFamily="49" charset="0"/>
+              </a:rPr>
+              <a:t>ms</a:t>
+            </a:r>
+            <a:r>
+              <a:rPr lang="it-IT" sz="1200" dirty="0">
+                <a:solidFill>
+                  <a:srgbClr val="D4D4D4"/>
+                </a:solidFill>
+                <a:latin typeface="Consolas" panose="020B0609020204030204" pitchFamily="49" charset="0"/>
+              </a:rPr>
+              <a:t>)},</a:t>
+            </a:r>
+            <a:r>
+              <a:rPr lang="it-IT" sz="1200" dirty="0">
+                <a:solidFill>
+                  <a:srgbClr val="B5CEA8"/>
+                </a:solidFill>
+                <a:latin typeface="Consolas" panose="020B0609020204030204" pitchFamily="49" charset="0"/>
+              </a:rPr>
+              <a:t>0</a:t>
+            </a:r>
+            <a:r>
+              <a:rPr lang="it-IT" sz="1200" dirty="0">
+                <a:solidFill>
+                  <a:srgbClr val="D4D4D4"/>
+                </a:solidFill>
+                <a:latin typeface="Consolas" panose="020B0609020204030204" pitchFamily="49" charset="0"/>
+              </a:rPr>
+              <a:t>)</a:t>
+            </a:r>
+          </a:p>
+          <a:p>
+            <a:r>
+              <a:rPr lang="it-IT" sz="1200" dirty="0">
+                <a:solidFill>
+                  <a:srgbClr val="D4D4D4"/>
+                </a:solidFill>
+                <a:latin typeface="Consolas" panose="020B0609020204030204" pitchFamily="49" charset="0"/>
+              </a:rPr>
+              <a:t>    </a:t>
+            </a:r>
+            <a:r>
+              <a:rPr lang="it-IT" sz="1200" dirty="0">
+                <a:solidFill>
+                  <a:srgbClr val="DCDCAA"/>
+                </a:solidFill>
+                <a:latin typeface="Consolas" panose="020B0609020204030204" pitchFamily="49" charset="0"/>
+              </a:rPr>
+              <a:t>setTimeout</a:t>
+            </a:r>
+            <a:r>
+              <a:rPr lang="it-IT" sz="1200" dirty="0">
+                <a:solidFill>
+                  <a:srgbClr val="D4D4D4"/>
+                </a:solidFill>
+                <a:latin typeface="Consolas" panose="020B0609020204030204" pitchFamily="49" charset="0"/>
+              </a:rPr>
+              <a:t>(</a:t>
+            </a:r>
+            <a:r>
+              <a:rPr lang="it-IT" sz="1200" dirty="0">
+                <a:solidFill>
+                  <a:srgbClr val="569CD6"/>
+                </a:solidFill>
+                <a:latin typeface="Consolas" panose="020B0609020204030204" pitchFamily="49" charset="0"/>
+              </a:rPr>
+              <a:t>function</a:t>
+            </a:r>
+            <a:r>
+              <a:rPr lang="it-IT" sz="1200" dirty="0">
+                <a:solidFill>
+                  <a:srgbClr val="D4D4D4"/>
+                </a:solidFill>
+                <a:latin typeface="Consolas" panose="020B0609020204030204" pitchFamily="49" charset="0"/>
+              </a:rPr>
+              <a:t>(){</a:t>
+            </a:r>
+            <a:r>
+              <a:rPr lang="it-IT" sz="1200" dirty="0">
+                <a:solidFill>
+                  <a:srgbClr val="DCDCAA"/>
+                </a:solidFill>
+                <a:latin typeface="Consolas" panose="020B0609020204030204" pitchFamily="49" charset="0"/>
+              </a:rPr>
+              <a:t>play</a:t>
+            </a:r>
+            <a:r>
+              <a:rPr lang="it-IT" sz="1200" dirty="0">
+                <a:solidFill>
+                  <a:srgbClr val="D4D4D4"/>
+                </a:solidFill>
+                <a:latin typeface="Consolas" panose="020B0609020204030204" pitchFamily="49" charset="0"/>
+              </a:rPr>
+              <a:t>(</a:t>
+            </a:r>
+            <a:r>
+              <a:rPr lang="it-IT" sz="1200" dirty="0" err="1">
+                <a:solidFill>
+                  <a:srgbClr val="9CDCFE"/>
+                </a:solidFill>
+                <a:latin typeface="Consolas" panose="020B0609020204030204" pitchFamily="49" charset="0"/>
+              </a:rPr>
+              <a:t>mr</a:t>
+            </a:r>
+            <a:r>
+              <a:rPr lang="it-IT" sz="1200" dirty="0">
+                <a:solidFill>
+                  <a:srgbClr val="D4D4D4"/>
+                </a:solidFill>
+                <a:latin typeface="Consolas" panose="020B0609020204030204" pitchFamily="49" charset="0"/>
+              </a:rPr>
+              <a:t>)},(</a:t>
+            </a:r>
+            <a:r>
+              <a:rPr lang="it-IT" sz="1200" dirty="0">
+                <a:solidFill>
+                  <a:srgbClr val="B5CEA8"/>
+                </a:solidFill>
+                <a:latin typeface="Consolas" panose="020B0609020204030204" pitchFamily="49" charset="0"/>
+              </a:rPr>
+              <a:t>2.5</a:t>
+            </a:r>
+            <a:r>
+              <a:rPr lang="it-IT" sz="1200" dirty="0">
+                <a:solidFill>
+                  <a:srgbClr val="D4D4D4"/>
+                </a:solidFill>
+                <a:latin typeface="Consolas" panose="020B0609020204030204" pitchFamily="49" charset="0"/>
+              </a:rPr>
+              <a:t>)/(</a:t>
+            </a:r>
+            <a:r>
+              <a:rPr lang="it-IT" sz="1200" dirty="0">
+                <a:solidFill>
+                  <a:srgbClr val="B5CEA8"/>
+                </a:solidFill>
+                <a:latin typeface="Consolas" panose="020B0609020204030204" pitchFamily="49" charset="0"/>
+              </a:rPr>
+              <a:t>ì0</a:t>
+            </a:r>
+            <a:r>
+              <a:rPr lang="it-IT" sz="1200" dirty="0">
+                <a:solidFill>
+                  <a:srgbClr val="D4D4D4"/>
+                </a:solidFill>
+                <a:latin typeface="Consolas" panose="020B0609020204030204" pitchFamily="49" charset="0"/>
+              </a:rPr>
+              <a:t>*</a:t>
+            </a:r>
+            <a:r>
+              <a:rPr lang="it-IT" sz="1200" dirty="0">
+                <a:solidFill>
+                  <a:srgbClr val="9CDCFE"/>
+                </a:solidFill>
+                <a:latin typeface="Consolas" panose="020B0609020204030204" pitchFamily="49" charset="0"/>
+              </a:rPr>
+              <a:t>fps</a:t>
+            </a:r>
+            <a:r>
+              <a:rPr lang="it-IT" sz="1200" dirty="0">
+                <a:solidFill>
+                  <a:srgbClr val="D4D4D4"/>
+                </a:solidFill>
+                <a:latin typeface="Consolas" panose="020B0609020204030204" pitchFamily="49" charset="0"/>
+              </a:rPr>
+              <a:t>)*</a:t>
+            </a:r>
+            <a:r>
+              <a:rPr lang="it-IT" sz="1200" dirty="0">
+                <a:solidFill>
+                  <a:srgbClr val="B5CEA8"/>
+                </a:solidFill>
+                <a:latin typeface="Consolas" panose="020B0609020204030204" pitchFamily="49" charset="0"/>
+              </a:rPr>
+              <a:t>1000</a:t>
+            </a:r>
+            <a:r>
+              <a:rPr lang="it-IT" sz="1200" dirty="0">
+                <a:solidFill>
+                  <a:srgbClr val="D4D4D4"/>
+                </a:solidFill>
+                <a:latin typeface="Consolas" panose="020B0609020204030204" pitchFamily="49" charset="0"/>
+              </a:rPr>
+              <a:t>*</a:t>
+            </a:r>
+            <a:r>
+              <a:rPr lang="it-IT" sz="1200" dirty="0">
+                <a:solidFill>
+                  <a:srgbClr val="9CDCFE"/>
+                </a:solidFill>
+                <a:latin typeface="Consolas" panose="020B0609020204030204" pitchFamily="49" charset="0"/>
+              </a:rPr>
+              <a:t>framesPermeasure</a:t>
+            </a:r>
+            <a:r>
+              <a:rPr lang="it-IT" sz="1200" dirty="0">
+                <a:solidFill>
+                  <a:srgbClr val="D4D4D4"/>
+                </a:solidFill>
+                <a:latin typeface="Consolas" panose="020B0609020204030204" pitchFamily="49" charset="0"/>
+              </a:rPr>
+              <a:t>)</a:t>
+            </a:r>
+          </a:p>
+          <a:p>
+            <a:r>
+              <a:rPr lang="it-IT" sz="1200" dirty="0">
+                <a:solidFill>
+                  <a:srgbClr val="D4D4D4"/>
+                </a:solidFill>
+                <a:latin typeface="Consolas" panose="020B0609020204030204" pitchFamily="49" charset="0"/>
+              </a:rPr>
+              <a:t>    </a:t>
+            </a:r>
+            <a:r>
+              <a:rPr lang="it-IT" sz="1200" dirty="0">
+                <a:solidFill>
+                  <a:srgbClr val="DCDCAA"/>
+                </a:solidFill>
+                <a:latin typeface="Consolas" panose="020B0609020204030204" pitchFamily="49" charset="0"/>
+              </a:rPr>
+              <a:t>setTimeout</a:t>
+            </a:r>
+            <a:r>
+              <a:rPr lang="it-IT" sz="1200" dirty="0">
+                <a:solidFill>
+                  <a:srgbClr val="D4D4D4"/>
+                </a:solidFill>
+                <a:latin typeface="Consolas" panose="020B0609020204030204" pitchFamily="49" charset="0"/>
+              </a:rPr>
+              <a:t>(</a:t>
+            </a:r>
+            <a:r>
+              <a:rPr lang="it-IT" sz="1200" dirty="0">
+                <a:solidFill>
+                  <a:srgbClr val="569CD6"/>
+                </a:solidFill>
+                <a:latin typeface="Consolas" panose="020B0609020204030204" pitchFamily="49" charset="0"/>
+              </a:rPr>
+              <a:t>function</a:t>
+            </a:r>
+            <a:r>
+              <a:rPr lang="it-IT" sz="1200" dirty="0">
+                <a:solidFill>
+                  <a:srgbClr val="D4D4D4"/>
+                </a:solidFill>
+                <a:latin typeface="Consolas" panose="020B0609020204030204" pitchFamily="49" charset="0"/>
+              </a:rPr>
+              <a:t>(){</a:t>
+            </a:r>
+            <a:r>
+              <a:rPr lang="it-IT" sz="1200" dirty="0">
+                <a:solidFill>
+                  <a:srgbClr val="DCDCAA"/>
+                </a:solidFill>
+                <a:latin typeface="Consolas" panose="020B0609020204030204" pitchFamily="49" charset="0"/>
+              </a:rPr>
+              <a:t>play</a:t>
+            </a:r>
+            <a:r>
+              <a:rPr lang="it-IT" sz="1200" dirty="0">
+                <a:solidFill>
+                  <a:srgbClr val="D4D4D4"/>
+                </a:solidFill>
+                <a:latin typeface="Consolas" panose="020B0609020204030204" pitchFamily="49" charset="0"/>
+              </a:rPr>
+              <a:t>(</a:t>
+            </a:r>
+            <a:r>
+              <a:rPr lang="it-IT" sz="1200" dirty="0">
+                <a:solidFill>
+                  <a:srgbClr val="9CDCFE"/>
+                </a:solidFill>
+                <a:latin typeface="Consolas" panose="020B0609020204030204" pitchFamily="49" charset="0"/>
+              </a:rPr>
+              <a:t>ms</a:t>
+            </a:r>
+            <a:r>
+              <a:rPr lang="it-IT" sz="1200" dirty="0">
+                <a:solidFill>
+                  <a:srgbClr val="D4D4D4"/>
+                </a:solidFill>
+                <a:latin typeface="Consolas" panose="020B0609020204030204" pitchFamily="49" charset="0"/>
+              </a:rPr>
+              <a:t>)},(</a:t>
+            </a:r>
+            <a:r>
+              <a:rPr lang="it-IT" sz="1200" dirty="0">
+                <a:solidFill>
+                  <a:srgbClr val="B5CEA8"/>
+                </a:solidFill>
+                <a:latin typeface="Consolas" panose="020B0609020204030204" pitchFamily="49" charset="0"/>
+              </a:rPr>
+              <a:t>5</a:t>
+            </a:r>
+            <a:r>
+              <a:rPr lang="it-IT" sz="1200" dirty="0">
+                <a:solidFill>
+                  <a:srgbClr val="D4D4D4"/>
+                </a:solidFill>
+                <a:latin typeface="Consolas" panose="020B0609020204030204" pitchFamily="49" charset="0"/>
+              </a:rPr>
+              <a:t>)/(</a:t>
+            </a:r>
+            <a:r>
+              <a:rPr lang="it-IT" sz="1200" dirty="0">
+                <a:solidFill>
+                  <a:srgbClr val="B5CEA8"/>
+                </a:solidFill>
+                <a:latin typeface="Consolas" panose="020B0609020204030204" pitchFamily="49" charset="0"/>
+              </a:rPr>
+              <a:t>10</a:t>
+            </a:r>
+            <a:r>
+              <a:rPr lang="it-IT" sz="1200" dirty="0">
+                <a:solidFill>
+                  <a:srgbClr val="D4D4D4"/>
+                </a:solidFill>
+                <a:latin typeface="Consolas" panose="020B0609020204030204" pitchFamily="49" charset="0"/>
+              </a:rPr>
+              <a:t>*</a:t>
+            </a:r>
+            <a:r>
+              <a:rPr lang="it-IT" sz="1200" dirty="0">
+                <a:solidFill>
+                  <a:srgbClr val="9CDCFE"/>
+                </a:solidFill>
+                <a:latin typeface="Consolas" panose="020B0609020204030204" pitchFamily="49" charset="0"/>
+              </a:rPr>
+              <a:t>fps</a:t>
+            </a:r>
+            <a:r>
+              <a:rPr lang="it-IT" sz="1200" dirty="0">
+                <a:solidFill>
+                  <a:srgbClr val="D4D4D4"/>
+                </a:solidFill>
+                <a:latin typeface="Consolas" panose="020B0609020204030204" pitchFamily="49" charset="0"/>
+              </a:rPr>
+              <a:t>)*</a:t>
+            </a:r>
+            <a:r>
+              <a:rPr lang="it-IT" sz="1200" dirty="0">
+                <a:solidFill>
+                  <a:srgbClr val="B5CEA8"/>
+                </a:solidFill>
+                <a:latin typeface="Consolas" panose="020B0609020204030204" pitchFamily="49" charset="0"/>
+              </a:rPr>
+              <a:t>1000</a:t>
+            </a:r>
+            <a:r>
+              <a:rPr lang="it-IT" sz="1200" dirty="0">
+                <a:solidFill>
+                  <a:srgbClr val="D4D4D4"/>
+                </a:solidFill>
+                <a:latin typeface="Consolas" panose="020B0609020204030204" pitchFamily="49" charset="0"/>
+              </a:rPr>
+              <a:t>*</a:t>
+            </a:r>
+            <a:r>
+              <a:rPr lang="it-IT" sz="1200" dirty="0">
+                <a:solidFill>
+                  <a:srgbClr val="9CDCFE"/>
+                </a:solidFill>
+                <a:latin typeface="Consolas" panose="020B0609020204030204" pitchFamily="49" charset="0"/>
+              </a:rPr>
+              <a:t>framesPermeasure</a:t>
+            </a:r>
+            <a:r>
+              <a:rPr lang="it-IT" sz="1200" dirty="0">
+                <a:solidFill>
+                  <a:srgbClr val="D4D4D4"/>
+                </a:solidFill>
+                <a:latin typeface="Consolas" panose="020B0609020204030204" pitchFamily="49" charset="0"/>
+              </a:rPr>
+              <a:t>)</a:t>
+            </a:r>
+          </a:p>
+          <a:p>
+            <a:r>
+              <a:rPr lang="it-IT" sz="1200" dirty="0">
+                <a:solidFill>
+                  <a:srgbClr val="D4D4D4"/>
+                </a:solidFill>
+                <a:latin typeface="Consolas" panose="020B0609020204030204" pitchFamily="49" charset="0"/>
+              </a:rPr>
+              <a:t>    </a:t>
+            </a:r>
+            <a:r>
+              <a:rPr lang="it-IT" sz="1200" dirty="0">
+                <a:solidFill>
+                  <a:srgbClr val="DCDCAA"/>
+                </a:solidFill>
+                <a:latin typeface="Consolas" panose="020B0609020204030204" pitchFamily="49" charset="0"/>
+              </a:rPr>
+              <a:t>setTimeout</a:t>
+            </a:r>
+            <a:r>
+              <a:rPr lang="it-IT" sz="1200" dirty="0">
+                <a:solidFill>
+                  <a:srgbClr val="D4D4D4"/>
+                </a:solidFill>
+                <a:latin typeface="Consolas" panose="020B0609020204030204" pitchFamily="49" charset="0"/>
+              </a:rPr>
+              <a:t>(</a:t>
+            </a:r>
+            <a:r>
+              <a:rPr lang="it-IT" sz="1200" dirty="0">
+                <a:solidFill>
+                  <a:srgbClr val="569CD6"/>
+                </a:solidFill>
+                <a:latin typeface="Consolas" panose="020B0609020204030204" pitchFamily="49" charset="0"/>
+              </a:rPr>
+              <a:t>function</a:t>
+            </a:r>
+            <a:r>
+              <a:rPr lang="it-IT" sz="1200" dirty="0">
+                <a:solidFill>
+                  <a:srgbClr val="D4D4D4"/>
+                </a:solidFill>
+                <a:latin typeface="Consolas" panose="020B0609020204030204" pitchFamily="49" charset="0"/>
+              </a:rPr>
+              <a:t>(){</a:t>
+            </a:r>
+            <a:r>
+              <a:rPr lang="it-IT" sz="1200" dirty="0">
+                <a:solidFill>
+                  <a:srgbClr val="DCDCAA"/>
+                </a:solidFill>
+                <a:latin typeface="Consolas" panose="020B0609020204030204" pitchFamily="49" charset="0"/>
+              </a:rPr>
+              <a:t>play</a:t>
+            </a:r>
+            <a:r>
+              <a:rPr lang="it-IT" sz="1200" dirty="0">
+                <a:solidFill>
+                  <a:srgbClr val="D4D4D4"/>
+                </a:solidFill>
+                <a:latin typeface="Consolas" panose="020B0609020204030204" pitchFamily="49" charset="0"/>
+              </a:rPr>
+              <a:t>(</a:t>
+            </a:r>
+            <a:r>
+              <a:rPr lang="it-IT" sz="1200" dirty="0">
+                <a:solidFill>
+                  <a:srgbClr val="9CDCFE"/>
+                </a:solidFill>
+                <a:latin typeface="Consolas" panose="020B0609020204030204" pitchFamily="49" charset="0"/>
+              </a:rPr>
+              <a:t>ms</a:t>
+            </a:r>
+            <a:r>
+              <a:rPr lang="it-IT" sz="1200" dirty="0">
+                <a:solidFill>
+                  <a:srgbClr val="D4D4D4"/>
+                </a:solidFill>
+                <a:latin typeface="Consolas" panose="020B0609020204030204" pitchFamily="49" charset="0"/>
+              </a:rPr>
+              <a:t>+</a:t>
+            </a:r>
+            <a:r>
+              <a:rPr lang="it-IT" sz="1200" dirty="0">
+                <a:solidFill>
+                  <a:srgbClr val="9CDCFE"/>
+                </a:solidFill>
+                <a:latin typeface="Consolas" panose="020B0609020204030204" pitchFamily="49" charset="0"/>
+              </a:rPr>
+              <a:t>mw</a:t>
+            </a:r>
+            <a:r>
+              <a:rPr lang="it-IT" sz="1200" dirty="0">
+                <a:solidFill>
+                  <a:srgbClr val="D4D4D4"/>
+                </a:solidFill>
+                <a:latin typeface="Consolas" panose="020B0609020204030204" pitchFamily="49" charset="0"/>
+              </a:rPr>
+              <a:t>+</a:t>
+            </a:r>
+            <a:r>
+              <a:rPr lang="it-IT" sz="1200" dirty="0">
+                <a:solidFill>
+                  <a:srgbClr val="9CDCFE"/>
+                </a:solidFill>
+                <a:latin typeface="Consolas" panose="020B0609020204030204" pitchFamily="49" charset="0"/>
+              </a:rPr>
+              <a:t>mr</a:t>
+            </a:r>
+            <a:r>
+              <a:rPr lang="it-IT" sz="1200" dirty="0">
+                <a:solidFill>
+                  <a:srgbClr val="D4D4D4"/>
+                </a:solidFill>
+                <a:latin typeface="Consolas" panose="020B0609020204030204" pitchFamily="49" charset="0"/>
+              </a:rPr>
+              <a:t>)},(</a:t>
+            </a:r>
+            <a:r>
+              <a:rPr lang="it-IT" sz="1200" dirty="0">
+                <a:solidFill>
+                  <a:srgbClr val="B5CEA8"/>
+                </a:solidFill>
+                <a:latin typeface="Consolas" panose="020B0609020204030204" pitchFamily="49" charset="0"/>
+              </a:rPr>
+              <a:t>7.5</a:t>
+            </a:r>
+            <a:r>
+              <a:rPr lang="it-IT" sz="1200" dirty="0">
+                <a:solidFill>
+                  <a:srgbClr val="D4D4D4"/>
+                </a:solidFill>
+                <a:latin typeface="Consolas" panose="020B0609020204030204" pitchFamily="49" charset="0"/>
+              </a:rPr>
+              <a:t>)/(</a:t>
+            </a:r>
+            <a:r>
+              <a:rPr lang="it-IT" sz="1200" dirty="0">
+                <a:solidFill>
+                  <a:srgbClr val="B5CEA8"/>
+                </a:solidFill>
+                <a:latin typeface="Consolas" panose="020B0609020204030204" pitchFamily="49" charset="0"/>
+              </a:rPr>
+              <a:t>10</a:t>
+            </a:r>
+            <a:r>
+              <a:rPr lang="it-IT" sz="1200" dirty="0">
+                <a:solidFill>
+                  <a:srgbClr val="D4D4D4"/>
+                </a:solidFill>
+                <a:latin typeface="Consolas" panose="020B0609020204030204" pitchFamily="49" charset="0"/>
+              </a:rPr>
+              <a:t>*</a:t>
+            </a:r>
+            <a:r>
+              <a:rPr lang="it-IT" sz="1200" dirty="0">
+                <a:solidFill>
+                  <a:srgbClr val="9CDCFE"/>
+                </a:solidFill>
+                <a:latin typeface="Consolas" panose="020B0609020204030204" pitchFamily="49" charset="0"/>
+              </a:rPr>
+              <a:t>fps</a:t>
+            </a:r>
+            <a:r>
+              <a:rPr lang="it-IT" sz="1200" dirty="0">
+                <a:solidFill>
+                  <a:srgbClr val="D4D4D4"/>
+                </a:solidFill>
+                <a:latin typeface="Consolas" panose="020B0609020204030204" pitchFamily="49" charset="0"/>
+              </a:rPr>
+              <a:t>)*</a:t>
+            </a:r>
+            <a:r>
+              <a:rPr lang="it-IT" sz="1200" dirty="0">
+                <a:solidFill>
+                  <a:srgbClr val="B5CEA8"/>
+                </a:solidFill>
+                <a:latin typeface="Consolas" panose="020B0609020204030204" pitchFamily="49" charset="0"/>
+              </a:rPr>
+              <a:t>1000</a:t>
+            </a:r>
+            <a:r>
+              <a:rPr lang="it-IT" sz="1200" dirty="0">
+                <a:solidFill>
+                  <a:srgbClr val="D4D4D4"/>
+                </a:solidFill>
+                <a:latin typeface="Consolas" panose="020B0609020204030204" pitchFamily="49" charset="0"/>
+              </a:rPr>
+              <a:t>*</a:t>
+            </a:r>
+            <a:r>
+              <a:rPr lang="it-IT" sz="1200" dirty="0">
+                <a:solidFill>
+                  <a:srgbClr val="9CDCFE"/>
+                </a:solidFill>
+                <a:latin typeface="Consolas" panose="020B0609020204030204" pitchFamily="49" charset="0"/>
+              </a:rPr>
+              <a:t>framesPermeasure</a:t>
+            </a:r>
+            <a:r>
+              <a:rPr lang="it-IT" sz="1400" dirty="0">
+                <a:solidFill>
+                  <a:srgbClr val="D4D4D4"/>
+                </a:solidFill>
+                <a:latin typeface="Consolas" panose="020B0609020204030204" pitchFamily="49" charset="0"/>
+              </a:rPr>
+              <a:t>)</a:t>
+            </a:r>
+            <a:endParaRPr lang="it-IT" sz="1400" b="0" dirty="0">
+              <a:solidFill>
+                <a:srgbClr val="D4D4D4"/>
+              </a:solidFill>
+              <a:effectLst/>
+              <a:latin typeface="Consolas" panose="020B0609020204030204" pitchFamily="49" charset="0"/>
+            </a:endParaRPr>
+          </a:p>
+        </p:txBody>
+      </p:sp>
     </p:spTree>
     <p:extLst>
       <p:ext uri="{BB962C8B-B14F-4D97-AF65-F5344CB8AC3E}">
@@ -17591,7 +17436,7 @@
                   <a:schemeClr val="bg1"/>
                 </a:solidFill>
               </a:rPr>
-              <a:t>SHEEPS MIX</a:t>
+              <a:t>SHEEPS PANNING</a:t>
             </a:r>
           </a:p>
         </p:txBody>
@@ -17610,8 +17455,8 @@
         </p:nvSpPr>
         <p:spPr>
           <a:xfrm>
-            <a:off x="0" y="972153"/>
-            <a:ext cx="7414053" cy="738664"/>
+            <a:off x="0" y="1071389"/>
+            <a:ext cx="7414053" cy="923330"/>
           </a:xfrm>
           <a:prstGeom prst="rect">
             <a:avLst/>
@@ -17623,138 +17468,233 @@
           </a:bodyPr>
           <a:lstStyle/>
           <a:p>
-            <a:endParaRPr lang="it-IT" sz="1400" dirty="0">
+            <a:pPr marL="285750" indent="-285750">
+              <a:buFont typeface="Arial" panose="020B0604020202020204" pitchFamily="34" charset="0"/>
+              <a:buChar char="•"/>
+            </a:pPr>
+            <a:r>
+              <a:rPr lang="it-IT" dirty="0">
+                <a:solidFill>
+                  <a:schemeClr val="bg1"/>
+                </a:solidFill>
+                <a:latin typeface="+mn-lt"/>
+              </a:rPr>
+              <a:t>Thanks to the </a:t>
+            </a:r>
+            <a:r>
+              <a:rPr lang="it-IT" dirty="0" err="1">
+                <a:solidFill>
+                  <a:schemeClr val="bg1"/>
+                </a:solidFill>
+                <a:latin typeface="+mn-lt"/>
+              </a:rPr>
+              <a:t>panner</a:t>
+            </a:r>
+            <a:r>
+              <a:rPr lang="it-IT" dirty="0">
+                <a:solidFill>
+                  <a:schemeClr val="bg1"/>
+                </a:solidFill>
+                <a:latin typeface="+mn-lt"/>
+              </a:rPr>
+              <a:t> </a:t>
+            </a:r>
+            <a:r>
+              <a:rPr lang="it-IT" dirty="0" err="1">
+                <a:solidFill>
+                  <a:schemeClr val="bg1"/>
+                </a:solidFill>
+                <a:latin typeface="+mn-lt"/>
+              </a:rPr>
+              <a:t>node</a:t>
+            </a:r>
+            <a:r>
+              <a:rPr lang="it-IT" dirty="0">
+                <a:solidFill>
+                  <a:schemeClr val="bg1"/>
+                </a:solidFill>
+                <a:latin typeface="+mn-lt"/>
+              </a:rPr>
+              <a:t>, sound </a:t>
+            </a:r>
+            <a:r>
+              <a:rPr lang="it-IT" dirty="0" err="1">
+                <a:solidFill>
+                  <a:schemeClr val="bg1"/>
+                </a:solidFill>
+                <a:latin typeface="+mn-lt"/>
+              </a:rPr>
+              <a:t>is</a:t>
+            </a:r>
+            <a:r>
+              <a:rPr lang="it-IT" dirty="0">
+                <a:solidFill>
+                  <a:schemeClr val="bg1"/>
+                </a:solidFill>
+                <a:latin typeface="+mn-lt"/>
+              </a:rPr>
+              <a:t> </a:t>
+            </a:r>
+            <a:r>
+              <a:rPr lang="it-IT" dirty="0" err="1">
+                <a:solidFill>
+                  <a:schemeClr val="bg1"/>
+                </a:solidFill>
+                <a:latin typeface="+mn-lt"/>
+              </a:rPr>
+              <a:t>perceived</a:t>
+            </a:r>
+            <a:r>
+              <a:rPr lang="it-IT" dirty="0">
+                <a:solidFill>
+                  <a:schemeClr val="bg1"/>
+                </a:solidFill>
+                <a:latin typeface="+mn-lt"/>
+              </a:rPr>
+              <a:t> </a:t>
+            </a:r>
+            <a:r>
+              <a:rPr lang="it-IT" dirty="0" err="1">
+                <a:solidFill>
+                  <a:schemeClr val="bg1"/>
+                </a:solidFill>
+                <a:latin typeface="+mn-lt"/>
+              </a:rPr>
+              <a:t>as</a:t>
+            </a:r>
+            <a:r>
+              <a:rPr lang="it-IT" dirty="0">
+                <a:solidFill>
+                  <a:schemeClr val="bg1"/>
+                </a:solidFill>
+                <a:latin typeface="+mn-lt"/>
+              </a:rPr>
+              <a:t> if the user </a:t>
+            </a:r>
+            <a:r>
+              <a:rPr lang="it-IT" dirty="0" err="1">
+                <a:solidFill>
+                  <a:schemeClr val="bg1"/>
+                </a:solidFill>
+                <a:latin typeface="+mn-lt"/>
+              </a:rPr>
+              <a:t>was</a:t>
+            </a:r>
+            <a:r>
+              <a:rPr lang="it-IT" dirty="0">
+                <a:solidFill>
+                  <a:schemeClr val="bg1"/>
+                </a:solidFill>
+                <a:latin typeface="+mn-lt"/>
+              </a:rPr>
+              <a:t> in the position of the </a:t>
+            </a:r>
+            <a:r>
+              <a:rPr lang="it-IT" dirty="0" err="1">
+                <a:solidFill>
+                  <a:schemeClr val="bg1"/>
+                </a:solidFill>
+                <a:latin typeface="+mn-lt"/>
+              </a:rPr>
+              <a:t>sheperd</a:t>
+            </a:r>
+            <a:r>
+              <a:rPr lang="it-IT" dirty="0">
+                <a:solidFill>
+                  <a:schemeClr val="bg1"/>
+                </a:solidFill>
+                <a:latin typeface="+mn-lt"/>
+              </a:rPr>
+              <a:t> (</a:t>
+            </a:r>
+            <a:r>
+              <a:rPr lang="it-IT" dirty="0" err="1">
+                <a:solidFill>
+                  <a:schemeClr val="bg1"/>
+                </a:solidFill>
+                <a:latin typeface="+mn-lt"/>
+              </a:rPr>
+              <a:t>listener</a:t>
+            </a:r>
+            <a:r>
+              <a:rPr lang="it-IT" dirty="0">
+                <a:solidFill>
+                  <a:schemeClr val="bg1"/>
+                </a:solidFill>
+                <a:latin typeface="+mn-lt"/>
+              </a:rPr>
+              <a:t>), in </a:t>
+            </a:r>
+            <a:r>
+              <a:rPr lang="it-IT" dirty="0" err="1">
+                <a:solidFill>
+                  <a:schemeClr val="bg1"/>
+                </a:solidFill>
+                <a:latin typeface="+mn-lt"/>
+              </a:rPr>
+              <a:t>respect</a:t>
+            </a:r>
+            <a:r>
+              <a:rPr lang="it-IT" dirty="0">
+                <a:solidFill>
+                  <a:schemeClr val="bg1"/>
+                </a:solidFill>
+                <a:latin typeface="+mn-lt"/>
+              </a:rPr>
+              <a:t> to the </a:t>
+            </a:r>
+            <a:r>
+              <a:rPr lang="it-IT" dirty="0" err="1">
+                <a:solidFill>
+                  <a:schemeClr val="bg1"/>
+                </a:solidFill>
+                <a:latin typeface="+mn-lt"/>
+              </a:rPr>
+              <a:t>centroid</a:t>
+            </a:r>
+            <a:r>
+              <a:rPr lang="it-IT" dirty="0">
+                <a:solidFill>
+                  <a:schemeClr val="bg1"/>
+                </a:solidFill>
+                <a:latin typeface="+mn-lt"/>
+              </a:rPr>
+              <a:t> of the </a:t>
+            </a:r>
+            <a:r>
+              <a:rPr lang="it-IT" dirty="0" err="1">
+                <a:solidFill>
+                  <a:schemeClr val="bg1"/>
+                </a:solidFill>
+                <a:latin typeface="+mn-lt"/>
+              </a:rPr>
+              <a:t>herd</a:t>
+            </a:r>
+            <a:r>
+              <a:rPr lang="it-IT" dirty="0">
+                <a:solidFill>
+                  <a:schemeClr val="bg1"/>
+                </a:solidFill>
+                <a:latin typeface="+mn-lt"/>
+              </a:rPr>
+              <a:t> (source).</a:t>
+            </a:r>
+            <a:endParaRPr lang="it-IT" b="0" dirty="0">
               <a:solidFill>
-                <a:srgbClr val="D4D4D4"/>
-              </a:solidFill>
-              <a:latin typeface="+mj-lt"/>
-            </a:endParaRPr>
-          </a:p>
-          <a:p>
-            <a:r>
-              <a:rPr lang="it-IT" sz="1400" dirty="0" err="1">
-                <a:solidFill>
-                  <a:srgbClr val="D4D4D4"/>
-                </a:solidFill>
-                <a:latin typeface="+mj-lt"/>
-              </a:rPr>
-              <a:t>Spatial</a:t>
-            </a:r>
-            <a:r>
-              <a:rPr lang="it-IT" sz="1400" dirty="0">
-                <a:solidFill>
-                  <a:srgbClr val="D4D4D4"/>
-                </a:solidFill>
-                <a:latin typeface="+mj-lt"/>
-              </a:rPr>
-              <a:t> audio mix </a:t>
-            </a:r>
-            <a:r>
-              <a:rPr lang="it-IT" sz="1400" dirty="0" err="1">
-                <a:solidFill>
-                  <a:srgbClr val="D4D4D4"/>
-                </a:solidFill>
-                <a:latin typeface="+mj-lt"/>
-              </a:rPr>
-              <a:t>depending</a:t>
-            </a:r>
-            <a:r>
-              <a:rPr lang="it-IT" sz="1400" dirty="0">
-                <a:solidFill>
-                  <a:srgbClr val="D4D4D4"/>
-                </a:solidFill>
-                <a:latin typeface="+mj-lt"/>
-              </a:rPr>
-              <a:t> on the relative position of the </a:t>
-            </a:r>
-            <a:r>
-              <a:rPr lang="it-IT" sz="1400" dirty="0" err="1">
-                <a:solidFill>
-                  <a:srgbClr val="D4D4D4"/>
-                </a:solidFill>
-                <a:latin typeface="+mj-lt"/>
-              </a:rPr>
-              <a:t>listener</a:t>
-            </a:r>
-            <a:r>
-              <a:rPr lang="it-IT" sz="1400" dirty="0">
-                <a:solidFill>
-                  <a:srgbClr val="D4D4D4"/>
-                </a:solidFill>
-                <a:latin typeface="+mj-lt"/>
-              </a:rPr>
-              <a:t> (</a:t>
-            </a:r>
-            <a:r>
-              <a:rPr lang="it-IT" sz="1400" dirty="0" err="1">
-                <a:solidFill>
-                  <a:srgbClr val="D4D4D4"/>
-                </a:solidFill>
-                <a:latin typeface="+mj-lt"/>
-              </a:rPr>
-              <a:t>sheeperd</a:t>
-            </a:r>
-            <a:r>
-              <a:rPr lang="it-IT" sz="1400" dirty="0">
-                <a:solidFill>
-                  <a:srgbClr val="D4D4D4"/>
-                </a:solidFill>
-                <a:latin typeface="+mj-lt"/>
-              </a:rPr>
-              <a:t>) </a:t>
-            </a:r>
-            <a:r>
-              <a:rPr lang="it-IT" sz="1400" dirty="0" err="1">
-                <a:solidFill>
-                  <a:srgbClr val="D4D4D4"/>
-                </a:solidFill>
-                <a:latin typeface="+mj-lt"/>
-              </a:rPr>
-              <a:t>regarding</a:t>
-            </a:r>
-            <a:r>
-              <a:rPr lang="it-IT" sz="1400" dirty="0">
-                <a:solidFill>
-                  <a:srgbClr val="D4D4D4"/>
-                </a:solidFill>
-                <a:latin typeface="+mj-lt"/>
-              </a:rPr>
-              <a:t> the </a:t>
-            </a:r>
-            <a:r>
-              <a:rPr lang="it-IT" sz="1400" dirty="0" err="1">
-                <a:solidFill>
-                  <a:srgbClr val="D4D4D4"/>
-                </a:solidFill>
-                <a:latin typeface="+mj-lt"/>
-              </a:rPr>
-              <a:t>herd</a:t>
-            </a:r>
-            <a:r>
-              <a:rPr lang="it-IT" sz="1400" dirty="0">
-                <a:solidFill>
-                  <a:srgbClr val="D4D4D4"/>
-                </a:solidFill>
-                <a:latin typeface="+mj-lt"/>
-              </a:rPr>
-              <a:t> center of mass</a:t>
-            </a:r>
-            <a:endParaRPr lang="it-IT" sz="1400" b="0" dirty="0">
-              <a:solidFill>
-                <a:srgbClr val="D4D4D4"/>
+                <a:schemeClr val="bg1"/>
               </a:solidFill>
               <a:effectLst/>
-              <a:latin typeface="+mj-lt"/>
+              <a:latin typeface="+mn-lt"/>
             </a:endParaRPr>
           </a:p>
         </p:txBody>
       </p:sp>
       <p:pic>
         <p:nvPicPr>
-          <p:cNvPr id="7" name="Picture 6">
+          <p:cNvPr id="3" name="Immagine 2">
             <a:extLst>
               <a:ext uri="{FF2B5EF4-FFF2-40B4-BE49-F238E27FC236}">
-                <a16:creationId xmlns:a16="http://schemas.microsoft.com/office/drawing/2014/main" id="{767CB52C-A71C-4D83-8855-D45BF87E7B7D}"/>
+                <a16:creationId xmlns:a16="http://schemas.microsoft.com/office/drawing/2014/main" id="{99FF86E8-7822-465A-98CA-32F7781FBCB1}"/>
               </a:ext>
             </a:extLst>
           </p:cNvPr>
@@ -17771,62 +17711,284 @@
         </p:blipFill>
         <p:spPr>
           <a:xfrm>
-            <a:off x="911440" y="2065278"/>
-            <a:ext cx="5107619" cy="3359856"/>
+            <a:off x="5646617" y="2927961"/>
+            <a:ext cx="437679" cy="1021250"/>
           </a:xfrm>
           <a:prstGeom prst="rect">
             <a:avLst/>
           </a:prstGeom>
         </p:spPr>
       </p:pic>
-      <p:sp>
-        <p:nvSpPr>
-          <p:cNvPr id="8" name="Action Button: Sound 7">
-            <a:hlinkClick r:id="" action="ppaction://noaction" highlightClick="1">
-              <a:snd r:embed="rId5" name="applause.wav"/>
-            </a:hlinkClick>
+      <p:pic>
+        <p:nvPicPr>
+          <p:cNvPr id="9" name="Immagine 8">
             <a:extLst>
               <a:ext uri="{FF2B5EF4-FFF2-40B4-BE49-F238E27FC236}">
-                <a16:creationId xmlns:a16="http://schemas.microsoft.com/office/drawing/2014/main" id="{DD1407FD-C706-4C54-9823-606090D5E386}"/>
+                <a16:creationId xmlns:a16="http://schemas.microsoft.com/office/drawing/2014/main" id="{C159DCB6-21B9-4215-8189-9F5BE97026EF}"/>
               </a:ext>
             </a:extLst>
           </p:cNvPr>
-          <p:cNvSpPr/>
+          <p:cNvPicPr>
+            <a:picLocks noChangeAspect="1"/>
+          </p:cNvPicPr>
           <p:nvPr/>
-        </p:nvSpPr>
+        </p:nvPicPr>
+        <p:blipFill>
+          <a:blip r:embed="rId5"/>
+          <a:stretch>
+            <a:fillRect/>
+          </a:stretch>
+        </p:blipFill>
+        <p:spPr>
+          <a:xfrm rot="18747951" flipH="1" flipV="1">
+            <a:off x="2060339" y="2525862"/>
+            <a:ext cx="406486" cy="406486"/>
+          </a:xfrm>
+          <a:prstGeom prst="rect">
+            <a:avLst/>
+          </a:prstGeom>
+        </p:spPr>
+      </p:pic>
+      <p:pic>
+        <p:nvPicPr>
+          <p:cNvPr id="14" name="Immagine 13">
+            <a:extLst>
+              <a:ext uri="{FF2B5EF4-FFF2-40B4-BE49-F238E27FC236}">
+                <a16:creationId xmlns:a16="http://schemas.microsoft.com/office/drawing/2014/main" id="{6B459810-4038-4A16-AD6D-03D71D041DA4}"/>
+              </a:ext>
+            </a:extLst>
+          </p:cNvPr>
+          <p:cNvPicPr>
+            <a:picLocks noChangeAspect="1"/>
+          </p:cNvPicPr>
+          <p:nvPr/>
+        </p:nvPicPr>
+        <p:blipFill>
+          <a:blip r:embed="rId5"/>
+          <a:stretch>
+            <a:fillRect/>
+          </a:stretch>
+        </p:blipFill>
+        <p:spPr>
+          <a:xfrm rot="1493942" flipH="1" flipV="1">
+            <a:off x="2727610" y="2366551"/>
+            <a:ext cx="435905" cy="435905"/>
+          </a:xfrm>
+          <a:prstGeom prst="rect">
+            <a:avLst/>
+          </a:prstGeom>
+        </p:spPr>
+      </p:pic>
+      <p:pic>
+        <p:nvPicPr>
+          <p:cNvPr id="16" name="Immagine 15">
+            <a:extLst>
+              <a:ext uri="{FF2B5EF4-FFF2-40B4-BE49-F238E27FC236}">
+                <a16:creationId xmlns:a16="http://schemas.microsoft.com/office/drawing/2014/main" id="{344D166C-1536-4E4F-BD45-A16EEAB925DC}"/>
+              </a:ext>
+            </a:extLst>
+          </p:cNvPr>
+          <p:cNvPicPr>
+            <a:picLocks noChangeAspect="1"/>
+          </p:cNvPicPr>
+          <p:nvPr/>
+        </p:nvPicPr>
+        <p:blipFill>
+          <a:blip r:embed="rId5"/>
+          <a:stretch>
+            <a:fillRect/>
+          </a:stretch>
+        </p:blipFill>
+        <p:spPr>
+          <a:xfrm rot="14619304" flipH="1" flipV="1">
+            <a:off x="1809698" y="3728243"/>
+            <a:ext cx="385480" cy="385480"/>
+          </a:xfrm>
+          <a:prstGeom prst="rect">
+            <a:avLst/>
+          </a:prstGeom>
+        </p:spPr>
+      </p:pic>
+      <p:pic>
+        <p:nvPicPr>
+          <p:cNvPr id="17" name="Immagine 16">
+            <a:extLst>
+              <a:ext uri="{FF2B5EF4-FFF2-40B4-BE49-F238E27FC236}">
+                <a16:creationId xmlns:a16="http://schemas.microsoft.com/office/drawing/2014/main" id="{0C30B29B-F96A-4A65-8153-7F2DC28AD56F}"/>
+              </a:ext>
+            </a:extLst>
+          </p:cNvPr>
+          <p:cNvPicPr>
+            <a:picLocks noChangeAspect="1"/>
+          </p:cNvPicPr>
+          <p:nvPr/>
+        </p:nvPicPr>
+        <p:blipFill>
+          <a:blip r:embed="rId5"/>
+          <a:stretch>
+            <a:fillRect/>
+          </a:stretch>
+        </p:blipFill>
+        <p:spPr>
+          <a:xfrm rot="2448947" flipH="1" flipV="1">
+            <a:off x="2806839" y="2990804"/>
+            <a:ext cx="414262" cy="414262"/>
+          </a:xfrm>
+          <a:prstGeom prst="rect">
+            <a:avLst/>
+          </a:prstGeom>
+        </p:spPr>
+      </p:pic>
+      <p:pic>
+        <p:nvPicPr>
+          <p:cNvPr id="18" name="Immagine 17">
+            <a:extLst>
+              <a:ext uri="{FF2B5EF4-FFF2-40B4-BE49-F238E27FC236}">
+                <a16:creationId xmlns:a16="http://schemas.microsoft.com/office/drawing/2014/main" id="{141D3638-C1B5-48C4-9E48-374DCE738434}"/>
+              </a:ext>
+            </a:extLst>
+          </p:cNvPr>
+          <p:cNvPicPr>
+            <a:picLocks noChangeAspect="1"/>
+          </p:cNvPicPr>
+          <p:nvPr/>
+        </p:nvPicPr>
+        <p:blipFill>
+          <a:blip r:embed="rId5"/>
+          <a:stretch>
+            <a:fillRect/>
+          </a:stretch>
+        </p:blipFill>
+        <p:spPr>
+          <a:xfrm rot="10354235" flipH="1" flipV="1">
+            <a:off x="2150867" y="3274726"/>
+            <a:ext cx="411187" cy="411187"/>
+          </a:xfrm>
+          <a:prstGeom prst="rect">
+            <a:avLst/>
+          </a:prstGeom>
+        </p:spPr>
+      </p:pic>
+      <p:pic>
+        <p:nvPicPr>
+          <p:cNvPr id="19" name="Immagine 18">
+            <a:extLst>
+              <a:ext uri="{FF2B5EF4-FFF2-40B4-BE49-F238E27FC236}">
+                <a16:creationId xmlns:a16="http://schemas.microsoft.com/office/drawing/2014/main" id="{9032F23E-F3A1-48C8-B553-D557A4C91476}"/>
+              </a:ext>
+            </a:extLst>
+          </p:cNvPr>
+          <p:cNvPicPr>
+            <a:picLocks noChangeAspect="1"/>
+          </p:cNvPicPr>
+          <p:nvPr/>
+        </p:nvPicPr>
+        <p:blipFill>
+          <a:blip r:embed="rId5"/>
+          <a:stretch>
+            <a:fillRect/>
+          </a:stretch>
+        </p:blipFill>
+        <p:spPr>
+          <a:xfrm rot="7402006" flipH="1" flipV="1">
+            <a:off x="2297832" y="3961777"/>
+            <a:ext cx="385480" cy="385480"/>
+          </a:xfrm>
+          <a:prstGeom prst="rect">
+            <a:avLst/>
+          </a:prstGeom>
+        </p:spPr>
+      </p:pic>
+      <p:pic>
+        <p:nvPicPr>
+          <p:cNvPr id="20" name="Immagine 19">
+            <a:extLst>
+              <a:ext uri="{FF2B5EF4-FFF2-40B4-BE49-F238E27FC236}">
+                <a16:creationId xmlns:a16="http://schemas.microsoft.com/office/drawing/2014/main" id="{332AE57D-4400-4354-9F37-D99FE3F33208}"/>
+              </a:ext>
+            </a:extLst>
+          </p:cNvPr>
+          <p:cNvPicPr>
+            <a:picLocks noChangeAspect="1"/>
+          </p:cNvPicPr>
+          <p:nvPr/>
+        </p:nvPicPr>
+        <p:blipFill>
+          <a:blip r:embed="rId5"/>
+          <a:stretch>
+            <a:fillRect/>
+          </a:stretch>
+        </p:blipFill>
+        <p:spPr>
+          <a:xfrm flipH="1" flipV="1">
+            <a:off x="2758294" y="3541247"/>
+            <a:ext cx="460904" cy="460904"/>
+          </a:xfrm>
+          <a:prstGeom prst="rect">
+            <a:avLst/>
+          </a:prstGeom>
+        </p:spPr>
+      </p:pic>
+      <p:pic>
+        <p:nvPicPr>
+          <p:cNvPr id="21" name="Immagine 20">
+            <a:extLst>
+              <a:ext uri="{FF2B5EF4-FFF2-40B4-BE49-F238E27FC236}">
+                <a16:creationId xmlns:a16="http://schemas.microsoft.com/office/drawing/2014/main" id="{F5CFABE3-1B23-45E0-AC90-2A5126043290}"/>
+              </a:ext>
+            </a:extLst>
+          </p:cNvPr>
+          <p:cNvPicPr>
+            <a:picLocks noChangeAspect="1"/>
+          </p:cNvPicPr>
+          <p:nvPr/>
+        </p:nvPicPr>
+        <p:blipFill>
+          <a:blip r:embed="rId5"/>
+          <a:stretch>
+            <a:fillRect/>
+          </a:stretch>
+        </p:blipFill>
+        <p:spPr>
+          <a:xfrm flipH="1" flipV="1">
+            <a:off x="1388980" y="2786355"/>
+            <a:ext cx="460905" cy="460905"/>
+          </a:xfrm>
+          <a:prstGeom prst="rect">
+            <a:avLst/>
+          </a:prstGeom>
+        </p:spPr>
+      </p:pic>
+      <p:pic>
+        <p:nvPicPr>
+          <p:cNvPr id="12" name="Immagine 11">
+            <a:extLst>
+              <a:ext uri="{FF2B5EF4-FFF2-40B4-BE49-F238E27FC236}">
+                <a16:creationId xmlns:a16="http://schemas.microsoft.com/office/drawing/2014/main" id="{EBFFA9C0-D502-4B65-8D00-9207F318AE5C}"/>
+              </a:ext>
+            </a:extLst>
+          </p:cNvPr>
+          <p:cNvPicPr>
+            <a:picLocks noChangeAspect="1"/>
+          </p:cNvPicPr>
+          <p:nvPr/>
+        </p:nvPicPr>
+        <p:blipFill>
+          <a:blip r:embed="rId6"/>
+          <a:stretch>
+            <a:fillRect/>
+          </a:stretch>
+        </p:blipFill>
         <p:spPr>
           <a:xfrm>
-            <a:off x="2068496" y="3282944"/>
-            <a:ext cx="648071" cy="578842"/>
+            <a:off x="3494904" y="3038798"/>
+            <a:ext cx="738665" cy="738665"/>
           </a:xfrm>
-          <a:prstGeom prst="actionButtonSound">
+          <a:prstGeom prst="rect">
             <a:avLst/>
           </a:prstGeom>
-          <a:ln/>
         </p:spPr>
-        <p:style>
-          <a:lnRef idx="2">
-            <a:schemeClr val="dk1"/>
-          </a:lnRef>
-          <a:fillRef idx="1">
-            <a:schemeClr val="lt1"/>
-          </a:fillRef>
-          <a:effectRef idx="0">
-            <a:schemeClr val="dk1"/>
-          </a:effectRef>
-          <a:fontRef idx="minor">
-            <a:schemeClr val="dk1"/>
-          </a:fontRef>
-        </p:style>
-        <p:txBody>
-          <a:bodyPr rtlCol="0" anchor="ctr"/>
-          <a:lstStyle/>
-          <a:p>
-            <a:pPr algn="ctr"/>
-            <a:endParaRPr lang="en-US"/>
-          </a:p>
-        </p:txBody>
-      </p:sp>
+      </p:pic>
     </p:spTree>
     <p:extLst>
       <p:ext uri="{BB962C8B-B14F-4D97-AF65-F5344CB8AC3E}">
@@ -17956,6 +18118,1041 @@
           </a:p>
         </p:txBody>
       </p:sp>
+      <p:sp>
+        <p:nvSpPr>
+          <p:cNvPr id="5" name="CasellaDiTesto 4">
+            <a:extLst>
+              <a:ext uri="{FF2B5EF4-FFF2-40B4-BE49-F238E27FC236}">
+                <a16:creationId xmlns:a16="http://schemas.microsoft.com/office/drawing/2014/main" id="{B1E082EB-7C52-454D-B4B6-CDB5D9FFC558}"/>
+              </a:ext>
+            </a:extLst>
+          </p:cNvPr>
+          <p:cNvSpPr txBox="1"/>
+          <p:nvPr/>
+        </p:nvSpPr>
+        <p:spPr>
+          <a:xfrm>
+            <a:off x="123567" y="157954"/>
+            <a:ext cx="5436973" cy="707886"/>
+          </a:xfrm>
+          <a:prstGeom prst="rect">
+            <a:avLst/>
+          </a:prstGeom>
+          <a:noFill/>
+        </p:spPr>
+        <p:txBody>
+          <a:bodyPr wrap="square" rtlCol="0">
+            <a:spAutoFit/>
+          </a:bodyPr>
+          <a:lstStyle/>
+          <a:p>
+            <a:r>
+              <a:rPr lang="it-IT" sz="4000" dirty="0">
+                <a:solidFill>
+                  <a:schemeClr val="bg1"/>
+                </a:solidFill>
+              </a:rPr>
+              <a:t>SHEEPS FEELINGS</a:t>
+            </a:r>
+          </a:p>
+        </p:txBody>
+      </p:sp>
+      <p:sp>
+        <p:nvSpPr>
+          <p:cNvPr id="6" name="Rettangolo 1">
+            <a:extLst>
+              <a:ext uri="{FF2B5EF4-FFF2-40B4-BE49-F238E27FC236}">
+                <a16:creationId xmlns:a16="http://schemas.microsoft.com/office/drawing/2014/main" id="{872CCFBA-BD12-48C5-899F-3FAAD4F3DF74}"/>
+              </a:ext>
+            </a:extLst>
+          </p:cNvPr>
+          <p:cNvSpPr/>
+          <p:nvPr/>
+        </p:nvSpPr>
+        <p:spPr>
+          <a:xfrm>
+            <a:off x="0" y="1071389"/>
+            <a:ext cx="7414053" cy="923330"/>
+          </a:xfrm>
+          <a:prstGeom prst="rect">
+            <a:avLst/>
+          </a:prstGeom>
+        </p:spPr>
+        <p:txBody>
+          <a:bodyPr wrap="square">
+            <a:spAutoFit/>
+          </a:bodyPr>
+          <a:lstStyle/>
+          <a:p>
+            <a:pPr marL="285750" indent="-285750">
+              <a:buFont typeface="Arial" panose="020B0604020202020204" pitchFamily="34" charset="0"/>
+              <a:buChar char="•"/>
+            </a:pPr>
+            <a:r>
+              <a:rPr lang="it-IT" dirty="0">
+                <a:solidFill>
+                  <a:schemeClr val="bg1"/>
+                </a:solidFill>
+                <a:latin typeface="+mn-lt"/>
+              </a:rPr>
+              <a:t>The user can </a:t>
+            </a:r>
+            <a:r>
+              <a:rPr lang="it-IT" dirty="0" err="1">
+                <a:solidFill>
+                  <a:schemeClr val="bg1"/>
+                </a:solidFill>
+                <a:latin typeface="+mn-lt"/>
+              </a:rPr>
+              <a:t>even</a:t>
+            </a:r>
+            <a:r>
+              <a:rPr lang="it-IT" dirty="0">
+                <a:solidFill>
+                  <a:schemeClr val="bg1"/>
+                </a:solidFill>
+                <a:latin typeface="+mn-lt"/>
+              </a:rPr>
+              <a:t> </a:t>
+            </a:r>
+            <a:r>
+              <a:rPr lang="it-IT" dirty="0" err="1">
+                <a:solidFill>
+                  <a:schemeClr val="bg1"/>
+                </a:solidFill>
+                <a:latin typeface="+mn-lt"/>
+              </a:rPr>
+              <a:t>choose</a:t>
+            </a:r>
+            <a:r>
+              <a:rPr lang="it-IT" dirty="0">
+                <a:solidFill>
+                  <a:schemeClr val="bg1"/>
+                </a:solidFill>
+                <a:latin typeface="+mn-lt"/>
+              </a:rPr>
+              <a:t> to </a:t>
+            </a:r>
+            <a:r>
+              <a:rPr lang="it-IT" dirty="0" err="1">
+                <a:solidFill>
+                  <a:schemeClr val="bg1"/>
+                </a:solidFill>
+                <a:latin typeface="+mn-lt"/>
+              </a:rPr>
+              <a:t>scare</a:t>
+            </a:r>
+            <a:r>
+              <a:rPr lang="it-IT" dirty="0">
+                <a:solidFill>
+                  <a:schemeClr val="bg1"/>
+                </a:solidFill>
+                <a:latin typeface="+mn-lt"/>
+              </a:rPr>
+              <a:t> out the </a:t>
+            </a:r>
+            <a:r>
+              <a:rPr lang="it-IT" dirty="0" err="1">
+                <a:solidFill>
+                  <a:schemeClr val="bg1"/>
+                </a:solidFill>
+                <a:latin typeface="+mn-lt"/>
+              </a:rPr>
+              <a:t>entire</a:t>
+            </a:r>
+            <a:r>
+              <a:rPr lang="it-IT" dirty="0">
+                <a:solidFill>
+                  <a:schemeClr val="bg1"/>
+                </a:solidFill>
+                <a:latin typeface="+mn-lt"/>
+              </a:rPr>
+              <a:t> </a:t>
+            </a:r>
+            <a:r>
+              <a:rPr lang="it-IT" dirty="0" err="1">
+                <a:solidFill>
+                  <a:schemeClr val="bg1"/>
+                </a:solidFill>
+                <a:latin typeface="+mn-lt"/>
+              </a:rPr>
+              <a:t>herd</a:t>
+            </a:r>
+            <a:r>
+              <a:rPr lang="it-IT" dirty="0">
+                <a:solidFill>
+                  <a:schemeClr val="bg1"/>
+                </a:solidFill>
+                <a:latin typeface="+mn-lt"/>
+              </a:rPr>
+              <a:t> by making noise </a:t>
+            </a:r>
+            <a:r>
+              <a:rPr lang="it-IT" dirty="0" err="1">
+                <a:solidFill>
+                  <a:schemeClr val="bg1"/>
+                </a:solidFill>
+                <a:latin typeface="+mn-lt"/>
+              </a:rPr>
+              <a:t>whose</a:t>
+            </a:r>
+            <a:r>
+              <a:rPr lang="it-IT" dirty="0">
+                <a:solidFill>
+                  <a:schemeClr val="bg1"/>
+                </a:solidFill>
+                <a:latin typeface="+mn-lt"/>
+              </a:rPr>
+              <a:t> </a:t>
+            </a:r>
+            <a:r>
+              <a:rPr lang="it-IT" dirty="0" err="1">
+                <a:solidFill>
+                  <a:schemeClr val="bg1"/>
+                </a:solidFill>
+                <a:latin typeface="+mn-lt"/>
+              </a:rPr>
+              <a:t>critical</a:t>
+            </a:r>
+            <a:r>
+              <a:rPr lang="it-IT" dirty="0">
+                <a:solidFill>
+                  <a:schemeClr val="bg1"/>
+                </a:solidFill>
+                <a:latin typeface="+mn-lt"/>
+              </a:rPr>
+              <a:t> </a:t>
+            </a:r>
+            <a:r>
+              <a:rPr lang="it-IT" dirty="0" err="1">
+                <a:solidFill>
+                  <a:schemeClr val="bg1"/>
+                </a:solidFill>
+                <a:latin typeface="+mn-lt"/>
+              </a:rPr>
+              <a:t>threshold</a:t>
+            </a:r>
+            <a:r>
+              <a:rPr lang="it-IT" dirty="0">
+                <a:solidFill>
+                  <a:schemeClr val="bg1"/>
+                </a:solidFill>
+                <a:latin typeface="+mn-lt"/>
+              </a:rPr>
+              <a:t> </a:t>
+            </a:r>
+            <a:r>
+              <a:rPr lang="it-IT" dirty="0" err="1">
+                <a:solidFill>
+                  <a:schemeClr val="bg1"/>
+                </a:solidFill>
+                <a:latin typeface="+mn-lt"/>
+              </a:rPr>
+              <a:t>is</a:t>
+            </a:r>
+            <a:r>
+              <a:rPr lang="it-IT" dirty="0">
+                <a:solidFill>
+                  <a:schemeClr val="bg1"/>
+                </a:solidFill>
+                <a:latin typeface="+mn-lt"/>
+              </a:rPr>
+              <a:t> a function of the </a:t>
+            </a:r>
+            <a:r>
+              <a:rPr lang="it-IT" dirty="0" err="1">
+                <a:solidFill>
+                  <a:schemeClr val="bg1"/>
+                </a:solidFill>
+                <a:latin typeface="+mn-lt"/>
+              </a:rPr>
+              <a:t>distance</a:t>
+            </a:r>
+            <a:r>
+              <a:rPr lang="it-IT" dirty="0">
+                <a:solidFill>
+                  <a:schemeClr val="bg1"/>
+                </a:solidFill>
+                <a:latin typeface="+mn-lt"/>
+              </a:rPr>
+              <a:t> </a:t>
+            </a:r>
+            <a:r>
+              <a:rPr lang="it-IT" dirty="0" err="1">
+                <a:solidFill>
+                  <a:schemeClr val="bg1"/>
+                </a:solidFill>
+                <a:latin typeface="+mn-lt"/>
+              </a:rPr>
+              <a:t>between</a:t>
+            </a:r>
+            <a:r>
+              <a:rPr lang="it-IT" dirty="0">
+                <a:solidFill>
+                  <a:schemeClr val="bg1"/>
+                </a:solidFill>
+                <a:latin typeface="+mn-lt"/>
+              </a:rPr>
+              <a:t> the </a:t>
+            </a:r>
+            <a:r>
+              <a:rPr lang="it-IT" dirty="0" err="1">
+                <a:solidFill>
+                  <a:schemeClr val="bg1"/>
+                </a:solidFill>
+                <a:latin typeface="+mn-lt"/>
+              </a:rPr>
+              <a:t>sheperd</a:t>
+            </a:r>
+            <a:r>
+              <a:rPr lang="it-IT" dirty="0">
+                <a:solidFill>
+                  <a:schemeClr val="bg1"/>
+                </a:solidFill>
+                <a:latin typeface="+mn-lt"/>
+              </a:rPr>
+              <a:t> and the </a:t>
+            </a:r>
+            <a:r>
+              <a:rPr lang="it-IT" dirty="0" err="1">
+                <a:solidFill>
+                  <a:schemeClr val="bg1"/>
+                </a:solidFill>
+                <a:latin typeface="+mn-lt"/>
+              </a:rPr>
+              <a:t>centroid</a:t>
+            </a:r>
+            <a:r>
+              <a:rPr lang="it-IT" dirty="0">
+                <a:solidFill>
+                  <a:schemeClr val="bg1"/>
+                </a:solidFill>
+                <a:latin typeface="+mn-lt"/>
+              </a:rPr>
+              <a:t>.</a:t>
+            </a:r>
+            <a:endParaRPr lang="it-IT" b="0" dirty="0">
+              <a:solidFill>
+                <a:schemeClr val="bg1"/>
+              </a:solidFill>
+              <a:effectLst/>
+              <a:latin typeface="+mn-lt"/>
+            </a:endParaRPr>
+          </a:p>
+        </p:txBody>
+      </p:sp>
+      <p:sp>
+        <p:nvSpPr>
+          <p:cNvPr id="2" name="Rettangolo 1">
+            <a:extLst>
+              <a:ext uri="{FF2B5EF4-FFF2-40B4-BE49-F238E27FC236}">
+                <a16:creationId xmlns:a16="http://schemas.microsoft.com/office/drawing/2014/main" id="{CE899EEA-74B6-4081-A225-A31813750991}"/>
+              </a:ext>
+            </a:extLst>
+          </p:cNvPr>
+          <p:cNvSpPr/>
+          <p:nvPr/>
+        </p:nvSpPr>
+        <p:spPr>
+          <a:xfrm>
+            <a:off x="308918" y="2069463"/>
+            <a:ext cx="7414053" cy="261610"/>
+          </a:xfrm>
+          <a:prstGeom prst="rect">
+            <a:avLst/>
+          </a:prstGeom>
+        </p:spPr>
+        <p:txBody>
+          <a:bodyPr wrap="square">
+            <a:spAutoFit/>
+          </a:bodyPr>
+          <a:lstStyle/>
+          <a:p>
+            <a:r>
+              <a:rPr lang="it-IT" sz="1100" dirty="0">
+                <a:solidFill>
+                  <a:srgbClr val="9CDCFE"/>
+                </a:solidFill>
+                <a:latin typeface="Consolas" panose="020B0609020204030204" pitchFamily="49" charset="0"/>
+              </a:rPr>
+              <a:t>volume</a:t>
+            </a:r>
+            <a:r>
+              <a:rPr lang="it-IT" sz="1100" dirty="0">
+                <a:solidFill>
+                  <a:srgbClr val="D4D4D4"/>
+                </a:solidFill>
+                <a:latin typeface="Consolas" panose="020B0609020204030204" pitchFamily="49" charset="0"/>
+              </a:rPr>
+              <a:t> = </a:t>
+            </a:r>
+            <a:r>
+              <a:rPr lang="it-IT" sz="1100" dirty="0" err="1">
+                <a:solidFill>
+                  <a:srgbClr val="DCDCAA"/>
+                </a:solidFill>
+                <a:latin typeface="Consolas" panose="020B0609020204030204" pitchFamily="49" charset="0"/>
+              </a:rPr>
+              <a:t>loudness</a:t>
+            </a:r>
+            <a:r>
+              <a:rPr lang="it-IT" sz="1100" dirty="0">
+                <a:solidFill>
+                  <a:srgbClr val="D4D4D4"/>
+                </a:solidFill>
+                <a:latin typeface="Consolas" panose="020B0609020204030204" pitchFamily="49" charset="0"/>
+              </a:rPr>
+              <a:t>()/(</a:t>
+            </a:r>
+            <a:r>
+              <a:rPr lang="it-IT" sz="1100" dirty="0" err="1">
+                <a:solidFill>
+                  <a:srgbClr val="9CDCFE"/>
+                </a:solidFill>
+                <a:latin typeface="Consolas" panose="020B0609020204030204" pitchFamily="49" charset="0"/>
+              </a:rPr>
+              <a:t>Math</a:t>
+            </a:r>
+            <a:r>
+              <a:rPr lang="it-IT" sz="1100" dirty="0" err="1">
+                <a:solidFill>
+                  <a:srgbClr val="D4D4D4"/>
+                </a:solidFill>
+                <a:latin typeface="Consolas" panose="020B0609020204030204" pitchFamily="49" charset="0"/>
+              </a:rPr>
+              <a:t>.</a:t>
+            </a:r>
+            <a:r>
+              <a:rPr lang="it-IT" sz="1100" dirty="0" err="1">
+                <a:solidFill>
+                  <a:srgbClr val="DCDCAA"/>
+                </a:solidFill>
+                <a:latin typeface="Consolas" panose="020B0609020204030204" pitchFamily="49" charset="0"/>
+              </a:rPr>
+              <a:t>pow</a:t>
+            </a:r>
+            <a:r>
+              <a:rPr lang="it-IT" sz="1100" dirty="0">
+                <a:solidFill>
+                  <a:srgbClr val="D4D4D4"/>
+                </a:solidFill>
+                <a:latin typeface="Consolas" panose="020B0609020204030204" pitchFamily="49" charset="0"/>
+              </a:rPr>
+              <a:t>((</a:t>
+            </a:r>
+            <a:r>
+              <a:rPr lang="it-IT" sz="1100" dirty="0" err="1">
+                <a:solidFill>
+                  <a:srgbClr val="9CDCFE"/>
+                </a:solidFill>
+                <a:latin typeface="Consolas" panose="020B0609020204030204" pitchFamily="49" charset="0"/>
+              </a:rPr>
+              <a:t>Math</a:t>
+            </a:r>
+            <a:r>
+              <a:rPr lang="it-IT" sz="1100" dirty="0" err="1">
+                <a:solidFill>
+                  <a:srgbClr val="D4D4D4"/>
+                </a:solidFill>
+                <a:latin typeface="Consolas" panose="020B0609020204030204" pitchFamily="49" charset="0"/>
+              </a:rPr>
+              <a:t>.</a:t>
+            </a:r>
+            <a:r>
+              <a:rPr lang="it-IT" sz="1100" dirty="0" err="1">
+                <a:solidFill>
+                  <a:srgbClr val="DCDCAA"/>
+                </a:solidFill>
+                <a:latin typeface="Consolas" panose="020B0609020204030204" pitchFamily="49" charset="0"/>
+              </a:rPr>
+              <a:t>pow</a:t>
+            </a:r>
+            <a:r>
+              <a:rPr lang="it-IT" sz="1100" dirty="0">
+                <a:solidFill>
+                  <a:srgbClr val="D4D4D4"/>
+                </a:solidFill>
+                <a:latin typeface="Consolas" panose="020B0609020204030204" pitchFamily="49" charset="0"/>
+              </a:rPr>
+              <a:t>(</a:t>
+            </a:r>
+            <a:r>
+              <a:rPr lang="it-IT" sz="1100" dirty="0">
+                <a:solidFill>
+                  <a:srgbClr val="9CDCFE"/>
+                </a:solidFill>
+                <a:latin typeface="Consolas" panose="020B0609020204030204" pitchFamily="49" charset="0"/>
+              </a:rPr>
+              <a:t>xCM</a:t>
+            </a:r>
+            <a:r>
+              <a:rPr lang="it-IT" sz="1100" dirty="0">
+                <a:solidFill>
+                  <a:srgbClr val="D4D4D4"/>
+                </a:solidFill>
+                <a:latin typeface="Consolas" panose="020B0609020204030204" pitchFamily="49" charset="0"/>
+              </a:rPr>
+              <a:t>-</a:t>
+            </a:r>
+            <a:r>
+              <a:rPr lang="it-IT" sz="1100" dirty="0">
+                <a:solidFill>
+                  <a:srgbClr val="9CDCFE"/>
+                </a:solidFill>
+                <a:latin typeface="Consolas" panose="020B0609020204030204" pitchFamily="49" charset="0"/>
+              </a:rPr>
+              <a:t>posX</a:t>
+            </a:r>
+            <a:r>
+              <a:rPr lang="it-IT" sz="1100" dirty="0">
+                <a:solidFill>
+                  <a:srgbClr val="D4D4D4"/>
+                </a:solidFill>
+                <a:latin typeface="Consolas" panose="020B0609020204030204" pitchFamily="49" charset="0"/>
+              </a:rPr>
+              <a:t>,</a:t>
+            </a:r>
+            <a:r>
+              <a:rPr lang="it-IT" sz="1100" dirty="0">
+                <a:solidFill>
+                  <a:srgbClr val="B5CEA8"/>
+                </a:solidFill>
+                <a:latin typeface="Consolas" panose="020B0609020204030204" pitchFamily="49" charset="0"/>
+              </a:rPr>
+              <a:t>2</a:t>
+            </a:r>
+            <a:r>
+              <a:rPr lang="it-IT" sz="1100" dirty="0">
+                <a:solidFill>
+                  <a:srgbClr val="D4D4D4"/>
+                </a:solidFill>
+                <a:latin typeface="Consolas" panose="020B0609020204030204" pitchFamily="49" charset="0"/>
+              </a:rPr>
+              <a:t>)+</a:t>
+            </a:r>
+            <a:r>
+              <a:rPr lang="it-IT" sz="1100" dirty="0" err="1">
+                <a:solidFill>
+                  <a:srgbClr val="9CDCFE"/>
+                </a:solidFill>
+                <a:latin typeface="Consolas" panose="020B0609020204030204" pitchFamily="49" charset="0"/>
+              </a:rPr>
+              <a:t>Math</a:t>
+            </a:r>
+            <a:r>
+              <a:rPr lang="it-IT" sz="1100" dirty="0" err="1">
+                <a:solidFill>
+                  <a:srgbClr val="D4D4D4"/>
+                </a:solidFill>
+                <a:latin typeface="Consolas" panose="020B0609020204030204" pitchFamily="49" charset="0"/>
+              </a:rPr>
+              <a:t>.</a:t>
+            </a:r>
+            <a:r>
+              <a:rPr lang="it-IT" sz="1100" dirty="0" err="1">
+                <a:solidFill>
+                  <a:srgbClr val="DCDCAA"/>
+                </a:solidFill>
+                <a:latin typeface="Consolas" panose="020B0609020204030204" pitchFamily="49" charset="0"/>
+              </a:rPr>
+              <a:t>pow</a:t>
+            </a:r>
+            <a:r>
+              <a:rPr lang="it-IT" sz="1100" dirty="0">
+                <a:solidFill>
+                  <a:srgbClr val="D4D4D4"/>
+                </a:solidFill>
+                <a:latin typeface="Consolas" panose="020B0609020204030204" pitchFamily="49" charset="0"/>
+              </a:rPr>
+              <a:t>(</a:t>
+            </a:r>
+            <a:r>
+              <a:rPr lang="it-IT" sz="1100" dirty="0">
+                <a:solidFill>
+                  <a:srgbClr val="9CDCFE"/>
+                </a:solidFill>
+                <a:latin typeface="Consolas" panose="020B0609020204030204" pitchFamily="49" charset="0"/>
+              </a:rPr>
+              <a:t>yCM</a:t>
+            </a:r>
+            <a:r>
+              <a:rPr lang="it-IT" sz="1100" dirty="0">
+                <a:solidFill>
+                  <a:srgbClr val="D4D4D4"/>
+                </a:solidFill>
+                <a:latin typeface="Consolas" panose="020B0609020204030204" pitchFamily="49" charset="0"/>
+              </a:rPr>
+              <a:t>-</a:t>
+            </a:r>
+            <a:r>
+              <a:rPr lang="it-IT" sz="1100" dirty="0">
+                <a:solidFill>
+                  <a:srgbClr val="9CDCFE"/>
+                </a:solidFill>
+                <a:latin typeface="Consolas" panose="020B0609020204030204" pitchFamily="49" charset="0"/>
+              </a:rPr>
+              <a:t>posY</a:t>
+            </a:r>
+            <a:r>
+              <a:rPr lang="it-IT" sz="1100" dirty="0">
+                <a:solidFill>
+                  <a:srgbClr val="D4D4D4"/>
+                </a:solidFill>
+                <a:latin typeface="Consolas" panose="020B0609020204030204" pitchFamily="49" charset="0"/>
+              </a:rPr>
+              <a:t>,</a:t>
+            </a:r>
+            <a:r>
+              <a:rPr lang="it-IT" sz="1100" dirty="0">
+                <a:solidFill>
+                  <a:srgbClr val="B5CEA8"/>
+                </a:solidFill>
+                <a:latin typeface="Consolas" panose="020B0609020204030204" pitchFamily="49" charset="0"/>
+              </a:rPr>
+              <a:t>2</a:t>
+            </a:r>
+            <a:r>
+              <a:rPr lang="it-IT" sz="1100" dirty="0">
+                <a:solidFill>
+                  <a:srgbClr val="D4D4D4"/>
+                </a:solidFill>
+                <a:latin typeface="Consolas" panose="020B0609020204030204" pitchFamily="49" charset="0"/>
+              </a:rPr>
+              <a:t>)),</a:t>
+            </a:r>
+            <a:r>
+              <a:rPr lang="it-IT" sz="1100" dirty="0">
+                <a:solidFill>
+                  <a:srgbClr val="B5CEA8"/>
+                </a:solidFill>
+                <a:latin typeface="Consolas" panose="020B0609020204030204" pitchFamily="49" charset="0"/>
+              </a:rPr>
+              <a:t>1</a:t>
+            </a:r>
+            <a:r>
+              <a:rPr lang="it-IT" sz="1100" dirty="0">
+                <a:solidFill>
+                  <a:srgbClr val="D4D4D4"/>
+                </a:solidFill>
+                <a:latin typeface="Consolas" panose="020B0609020204030204" pitchFamily="49" charset="0"/>
+              </a:rPr>
+              <a:t>/</a:t>
+            </a:r>
+            <a:r>
+              <a:rPr lang="it-IT" sz="1100" dirty="0">
+                <a:solidFill>
+                  <a:srgbClr val="B5CEA8"/>
+                </a:solidFill>
+                <a:latin typeface="Consolas" panose="020B0609020204030204" pitchFamily="49" charset="0"/>
+              </a:rPr>
+              <a:t>2</a:t>
+            </a:r>
+            <a:r>
+              <a:rPr lang="it-IT" sz="1100" dirty="0">
+                <a:solidFill>
+                  <a:srgbClr val="D4D4D4"/>
+                </a:solidFill>
+                <a:latin typeface="Consolas" panose="020B0609020204030204" pitchFamily="49" charset="0"/>
+              </a:rPr>
+              <a:t>))*</a:t>
+            </a:r>
+            <a:r>
+              <a:rPr lang="it-IT" sz="1100" dirty="0" err="1">
+                <a:solidFill>
+                  <a:srgbClr val="9CDCFE"/>
+                </a:solidFill>
+                <a:latin typeface="Consolas" panose="020B0609020204030204" pitchFamily="49" charset="0"/>
+              </a:rPr>
+              <a:t>width</a:t>
+            </a:r>
+            <a:r>
+              <a:rPr lang="it-IT" sz="1100" dirty="0">
+                <a:solidFill>
+                  <a:srgbClr val="D4D4D4"/>
+                </a:solidFill>
+                <a:latin typeface="Consolas" panose="020B0609020204030204" pitchFamily="49" charset="0"/>
+              </a:rPr>
+              <a:t>/</a:t>
+            </a:r>
+            <a:r>
+              <a:rPr lang="it-IT" sz="1100" dirty="0">
+                <a:solidFill>
+                  <a:srgbClr val="B5CEA8"/>
+                </a:solidFill>
+                <a:latin typeface="Consolas" panose="020B0609020204030204" pitchFamily="49" charset="0"/>
+              </a:rPr>
+              <a:t>3</a:t>
+            </a:r>
+            <a:endParaRPr lang="it-IT" sz="1100" b="0" dirty="0">
+              <a:solidFill>
+                <a:srgbClr val="D4D4D4"/>
+              </a:solidFill>
+              <a:effectLst/>
+              <a:latin typeface="Consolas" panose="020B0609020204030204" pitchFamily="49" charset="0"/>
+            </a:endParaRPr>
+          </a:p>
+        </p:txBody>
+      </p:sp>
+      <p:pic>
+        <p:nvPicPr>
+          <p:cNvPr id="4" name="Immagine 3">
+            <a:extLst>
+              <a:ext uri="{FF2B5EF4-FFF2-40B4-BE49-F238E27FC236}">
+                <a16:creationId xmlns:a16="http://schemas.microsoft.com/office/drawing/2014/main" id="{DBE28E7F-3341-4603-BF22-36413CA91CEA}"/>
+              </a:ext>
+            </a:extLst>
+          </p:cNvPr>
+          <p:cNvPicPr>
+            <a:picLocks noChangeAspect="1"/>
+          </p:cNvPicPr>
+          <p:nvPr/>
+        </p:nvPicPr>
+        <p:blipFill>
+          <a:blip r:embed="rId4"/>
+          <a:stretch>
+            <a:fillRect/>
+          </a:stretch>
+        </p:blipFill>
+        <p:spPr>
+          <a:xfrm>
+            <a:off x="494269" y="2702363"/>
+            <a:ext cx="471931" cy="1101171"/>
+          </a:xfrm>
+          <a:prstGeom prst="rect">
+            <a:avLst/>
+          </a:prstGeom>
+        </p:spPr>
+      </p:pic>
+      <p:pic>
+        <p:nvPicPr>
+          <p:cNvPr id="8" name="Immagine 7">
+            <a:extLst>
+              <a:ext uri="{FF2B5EF4-FFF2-40B4-BE49-F238E27FC236}">
+                <a16:creationId xmlns:a16="http://schemas.microsoft.com/office/drawing/2014/main" id="{9FFE2B60-ADF5-498E-8AF0-E39AAE9B3001}"/>
+              </a:ext>
+            </a:extLst>
+          </p:cNvPr>
+          <p:cNvPicPr>
+            <a:picLocks noChangeAspect="1"/>
+          </p:cNvPicPr>
+          <p:nvPr/>
+        </p:nvPicPr>
+        <p:blipFill>
+          <a:blip r:embed="rId5"/>
+          <a:stretch>
+            <a:fillRect/>
+          </a:stretch>
+        </p:blipFill>
+        <p:spPr>
+          <a:xfrm rot="3579345">
+            <a:off x="1359162" y="2459324"/>
+            <a:ext cx="290644" cy="290644"/>
+          </a:xfrm>
+          <a:prstGeom prst="rect">
+            <a:avLst/>
+          </a:prstGeom>
+        </p:spPr>
+      </p:pic>
+      <p:pic>
+        <p:nvPicPr>
+          <p:cNvPr id="12" name="Immagine 11">
+            <a:extLst>
+              <a:ext uri="{FF2B5EF4-FFF2-40B4-BE49-F238E27FC236}">
+                <a16:creationId xmlns:a16="http://schemas.microsoft.com/office/drawing/2014/main" id="{B2F49657-050C-4D5E-97D8-4FFCF5F75BF4}"/>
+              </a:ext>
+            </a:extLst>
+          </p:cNvPr>
+          <p:cNvPicPr>
+            <a:picLocks noChangeAspect="1"/>
+          </p:cNvPicPr>
+          <p:nvPr/>
+        </p:nvPicPr>
+        <p:blipFill>
+          <a:blip r:embed="rId5"/>
+          <a:stretch>
+            <a:fillRect/>
+          </a:stretch>
+        </p:blipFill>
+        <p:spPr>
+          <a:xfrm rot="4508369">
+            <a:off x="1485811" y="2837174"/>
+            <a:ext cx="290644" cy="290644"/>
+          </a:xfrm>
+          <a:prstGeom prst="rect">
+            <a:avLst/>
+          </a:prstGeom>
+        </p:spPr>
+      </p:pic>
+      <p:pic>
+        <p:nvPicPr>
+          <p:cNvPr id="14" name="Immagine 13">
+            <a:extLst>
+              <a:ext uri="{FF2B5EF4-FFF2-40B4-BE49-F238E27FC236}">
+                <a16:creationId xmlns:a16="http://schemas.microsoft.com/office/drawing/2014/main" id="{8E4810D3-95E2-43A6-930E-62A2795E8698}"/>
+              </a:ext>
+            </a:extLst>
+          </p:cNvPr>
+          <p:cNvPicPr>
+            <a:picLocks noChangeAspect="1"/>
+          </p:cNvPicPr>
+          <p:nvPr/>
+        </p:nvPicPr>
+        <p:blipFill>
+          <a:blip r:embed="rId5"/>
+          <a:stretch>
+            <a:fillRect/>
+          </a:stretch>
+        </p:blipFill>
+        <p:spPr>
+          <a:xfrm rot="5400000">
+            <a:off x="1554028" y="3237980"/>
+            <a:ext cx="290644" cy="290644"/>
+          </a:xfrm>
+          <a:prstGeom prst="rect">
+            <a:avLst/>
+          </a:prstGeom>
+        </p:spPr>
+      </p:pic>
+      <p:pic>
+        <p:nvPicPr>
+          <p:cNvPr id="16" name="Immagine 15">
+            <a:extLst>
+              <a:ext uri="{FF2B5EF4-FFF2-40B4-BE49-F238E27FC236}">
+                <a16:creationId xmlns:a16="http://schemas.microsoft.com/office/drawing/2014/main" id="{A53EA617-80F8-484A-9E3D-EA9A40F2F588}"/>
+              </a:ext>
+            </a:extLst>
+          </p:cNvPr>
+          <p:cNvPicPr>
+            <a:picLocks noChangeAspect="1"/>
+          </p:cNvPicPr>
+          <p:nvPr/>
+        </p:nvPicPr>
+        <p:blipFill>
+          <a:blip r:embed="rId5"/>
+          <a:stretch>
+            <a:fillRect/>
+          </a:stretch>
+        </p:blipFill>
+        <p:spPr>
+          <a:xfrm rot="6600297">
+            <a:off x="1494348" y="3678541"/>
+            <a:ext cx="290644" cy="290644"/>
+          </a:xfrm>
+          <a:prstGeom prst="rect">
+            <a:avLst/>
+          </a:prstGeom>
+        </p:spPr>
+      </p:pic>
+      <p:pic>
+        <p:nvPicPr>
+          <p:cNvPr id="17" name="Immagine 16">
+            <a:extLst>
+              <a:ext uri="{FF2B5EF4-FFF2-40B4-BE49-F238E27FC236}">
+                <a16:creationId xmlns:a16="http://schemas.microsoft.com/office/drawing/2014/main" id="{AEC06B5D-A1AB-4971-BFFD-EC6AA01B22E2}"/>
+              </a:ext>
+            </a:extLst>
+          </p:cNvPr>
+          <p:cNvPicPr>
+            <a:picLocks noChangeAspect="1"/>
+          </p:cNvPicPr>
+          <p:nvPr/>
+        </p:nvPicPr>
+        <p:blipFill>
+          <a:blip r:embed="rId5"/>
+          <a:stretch>
+            <a:fillRect/>
+          </a:stretch>
+        </p:blipFill>
+        <p:spPr>
+          <a:xfrm rot="5400000">
+            <a:off x="2213744" y="3216277"/>
+            <a:ext cx="290644" cy="290644"/>
+          </a:xfrm>
+          <a:prstGeom prst="rect">
+            <a:avLst/>
+          </a:prstGeom>
+        </p:spPr>
+      </p:pic>
+      <p:pic>
+        <p:nvPicPr>
+          <p:cNvPr id="18" name="Immagine 17">
+            <a:extLst>
+              <a:ext uri="{FF2B5EF4-FFF2-40B4-BE49-F238E27FC236}">
+                <a16:creationId xmlns:a16="http://schemas.microsoft.com/office/drawing/2014/main" id="{756402E9-9A0C-4563-AF20-89B60EA74F54}"/>
+              </a:ext>
+            </a:extLst>
+          </p:cNvPr>
+          <p:cNvPicPr>
+            <a:picLocks noChangeAspect="1"/>
+          </p:cNvPicPr>
+          <p:nvPr/>
+        </p:nvPicPr>
+        <p:blipFill>
+          <a:blip r:embed="rId5"/>
+          <a:stretch>
+            <a:fillRect/>
+          </a:stretch>
+        </p:blipFill>
+        <p:spPr>
+          <a:xfrm rot="6400160">
+            <a:off x="1888039" y="3502957"/>
+            <a:ext cx="290644" cy="290644"/>
+          </a:xfrm>
+          <a:prstGeom prst="rect">
+            <a:avLst/>
+          </a:prstGeom>
+        </p:spPr>
+      </p:pic>
+      <p:pic>
+        <p:nvPicPr>
+          <p:cNvPr id="19" name="Immagine 18">
+            <a:extLst>
+              <a:ext uri="{FF2B5EF4-FFF2-40B4-BE49-F238E27FC236}">
+                <a16:creationId xmlns:a16="http://schemas.microsoft.com/office/drawing/2014/main" id="{9F144209-3B82-4D33-AC6B-360253CAE5F4}"/>
+              </a:ext>
+            </a:extLst>
+          </p:cNvPr>
+          <p:cNvPicPr>
+            <a:picLocks noChangeAspect="1"/>
+          </p:cNvPicPr>
+          <p:nvPr/>
+        </p:nvPicPr>
+        <p:blipFill>
+          <a:blip r:embed="rId5"/>
+          <a:stretch>
+            <a:fillRect/>
+          </a:stretch>
+        </p:blipFill>
+        <p:spPr>
+          <a:xfrm rot="3928580">
+            <a:off x="1739239" y="2581688"/>
+            <a:ext cx="290644" cy="290644"/>
+          </a:xfrm>
+          <a:prstGeom prst="rect">
+            <a:avLst/>
+          </a:prstGeom>
+        </p:spPr>
+      </p:pic>
+      <p:pic>
+        <p:nvPicPr>
+          <p:cNvPr id="20" name="Immagine 19">
+            <a:extLst>
+              <a:ext uri="{FF2B5EF4-FFF2-40B4-BE49-F238E27FC236}">
+                <a16:creationId xmlns:a16="http://schemas.microsoft.com/office/drawing/2014/main" id="{DA3B7803-379F-4E87-8031-EB90DC6F5AF9}"/>
+              </a:ext>
+            </a:extLst>
+          </p:cNvPr>
+          <p:cNvPicPr>
+            <a:picLocks noChangeAspect="1"/>
+          </p:cNvPicPr>
+          <p:nvPr/>
+        </p:nvPicPr>
+        <p:blipFill>
+          <a:blip r:embed="rId5"/>
+          <a:stretch>
+            <a:fillRect/>
+          </a:stretch>
+        </p:blipFill>
+        <p:spPr>
+          <a:xfrm rot="5400000">
+            <a:off x="1812891" y="2987764"/>
+            <a:ext cx="290644" cy="290644"/>
+          </a:xfrm>
+          <a:prstGeom prst="rect">
+            <a:avLst/>
+          </a:prstGeom>
+        </p:spPr>
+      </p:pic>
+      <p:pic>
+        <p:nvPicPr>
+          <p:cNvPr id="21" name="Immagine 20">
+            <a:extLst>
+              <a:ext uri="{FF2B5EF4-FFF2-40B4-BE49-F238E27FC236}">
+                <a16:creationId xmlns:a16="http://schemas.microsoft.com/office/drawing/2014/main" id="{9BCD4BF0-AD60-46B7-BC28-20234F310BCE}"/>
+              </a:ext>
+            </a:extLst>
+          </p:cNvPr>
+          <p:cNvPicPr>
+            <a:picLocks noChangeAspect="1"/>
+          </p:cNvPicPr>
+          <p:nvPr/>
+        </p:nvPicPr>
+        <p:blipFill>
+          <a:blip r:embed="rId5"/>
+          <a:stretch>
+            <a:fillRect/>
+          </a:stretch>
+        </p:blipFill>
+        <p:spPr>
+          <a:xfrm rot="7905828">
+            <a:off x="1663543" y="4255213"/>
+            <a:ext cx="290644" cy="290644"/>
+          </a:xfrm>
+          <a:prstGeom prst="rect">
+            <a:avLst/>
+          </a:prstGeom>
+        </p:spPr>
+      </p:pic>
+      <p:pic>
+        <p:nvPicPr>
+          <p:cNvPr id="22" name="Immagine 21">
+            <a:extLst>
+              <a:ext uri="{FF2B5EF4-FFF2-40B4-BE49-F238E27FC236}">
+                <a16:creationId xmlns:a16="http://schemas.microsoft.com/office/drawing/2014/main" id="{5131A96F-ABC5-4B85-86D6-D490C3B04C22}"/>
+              </a:ext>
+            </a:extLst>
+          </p:cNvPr>
+          <p:cNvPicPr>
+            <a:picLocks noChangeAspect="1"/>
+          </p:cNvPicPr>
+          <p:nvPr/>
+        </p:nvPicPr>
+        <p:blipFill>
+          <a:blip r:embed="rId5"/>
+          <a:stretch>
+            <a:fillRect/>
+          </a:stretch>
+        </p:blipFill>
+        <p:spPr>
+          <a:xfrm rot="7622286">
+            <a:off x="1881203" y="3883689"/>
+            <a:ext cx="290644" cy="290644"/>
+          </a:xfrm>
+          <a:prstGeom prst="rect">
+            <a:avLst/>
+          </a:prstGeom>
+        </p:spPr>
+      </p:pic>
+      <p:pic>
+        <p:nvPicPr>
+          <p:cNvPr id="23" name="Immagine 22">
+            <a:extLst>
+              <a:ext uri="{FF2B5EF4-FFF2-40B4-BE49-F238E27FC236}">
+                <a16:creationId xmlns:a16="http://schemas.microsoft.com/office/drawing/2014/main" id="{6DE2A300-E26B-4289-94A6-3AE44642F907}"/>
+              </a:ext>
+            </a:extLst>
+          </p:cNvPr>
+          <p:cNvPicPr>
+            <a:picLocks noChangeAspect="1"/>
+          </p:cNvPicPr>
+          <p:nvPr/>
+        </p:nvPicPr>
+        <p:blipFill>
+          <a:blip r:embed="rId5"/>
+          <a:stretch>
+            <a:fillRect/>
+          </a:stretch>
+        </p:blipFill>
+        <p:spPr>
+          <a:xfrm rot="5249215">
+            <a:off x="2641662" y="3229697"/>
+            <a:ext cx="290644" cy="290644"/>
+          </a:xfrm>
+          <a:prstGeom prst="rect">
+            <a:avLst/>
+          </a:prstGeom>
+        </p:spPr>
+      </p:pic>
     </p:spTree>
     <p:extLst>
       <p:ext uri="{BB962C8B-B14F-4D97-AF65-F5344CB8AC3E}">

--- a/Presentazione.pptx
+++ b/Presentazione.pptx
@@ -5065,11 +5065,689 @@
                   <a:schemeClr val="bg1"/>
                 </a:solidFill>
               </a:rPr>
-              <a:t>Slide 2/totale</a:t>
+              <a:t>Slide 9/11</a:t>
             </a:r>
           </a:p>
         </p:txBody>
       </p:sp>
+      <p:sp>
+        <p:nvSpPr>
+          <p:cNvPr id="5" name="CasellaDiTesto 4">
+            <a:extLst>
+              <a:ext uri="{FF2B5EF4-FFF2-40B4-BE49-F238E27FC236}">
+                <a16:creationId xmlns:a16="http://schemas.microsoft.com/office/drawing/2014/main" id="{FC2361B3-774A-4B01-9409-6E78B9523E86}"/>
+              </a:ext>
+            </a:extLst>
+          </p:cNvPr>
+          <p:cNvSpPr txBox="1"/>
+          <p:nvPr/>
+        </p:nvSpPr>
+        <p:spPr>
+          <a:xfrm>
+            <a:off x="123567" y="157954"/>
+            <a:ext cx="6203092" cy="707886"/>
+          </a:xfrm>
+          <a:prstGeom prst="rect">
+            <a:avLst/>
+          </a:prstGeom>
+          <a:noFill/>
+        </p:spPr>
+        <p:txBody>
+          <a:bodyPr wrap="square" rtlCol="0">
+            <a:spAutoFit/>
+          </a:bodyPr>
+          <a:lstStyle/>
+          <a:p>
+            <a:r>
+              <a:rPr lang="it-IT" sz="4000" dirty="0">
+                <a:solidFill>
+                  <a:schemeClr val="bg1"/>
+                </a:solidFill>
+              </a:rPr>
+              <a:t>SHEEPS CHALLENGE</a:t>
+            </a:r>
+          </a:p>
+        </p:txBody>
+      </p:sp>
+      <p:pic>
+        <p:nvPicPr>
+          <p:cNvPr id="3" name="Immagine 2">
+            <a:extLst>
+              <a:ext uri="{FF2B5EF4-FFF2-40B4-BE49-F238E27FC236}">
+                <a16:creationId xmlns:a16="http://schemas.microsoft.com/office/drawing/2014/main" id="{DD1079EA-A6F3-4E10-B4C2-8DFB4AEB74F3}"/>
+              </a:ext>
+            </a:extLst>
+          </p:cNvPr>
+          <p:cNvPicPr>
+            <a:picLocks noChangeAspect="1"/>
+          </p:cNvPicPr>
+          <p:nvPr/>
+        </p:nvPicPr>
+        <p:blipFill>
+          <a:blip r:embed="rId4"/>
+          <a:stretch>
+            <a:fillRect/>
+          </a:stretch>
+        </p:blipFill>
+        <p:spPr>
+          <a:xfrm>
+            <a:off x="5599702" y="1812832"/>
+            <a:ext cx="1573427" cy="1573427"/>
+          </a:xfrm>
+          <a:prstGeom prst="rect">
+            <a:avLst/>
+          </a:prstGeom>
+        </p:spPr>
+      </p:pic>
+      <p:sp>
+        <p:nvSpPr>
+          <p:cNvPr id="8" name="Rettangolo 1">
+            <a:extLst>
+              <a:ext uri="{FF2B5EF4-FFF2-40B4-BE49-F238E27FC236}">
+                <a16:creationId xmlns:a16="http://schemas.microsoft.com/office/drawing/2014/main" id="{5A514911-3F26-441C-9434-F40FACD9DC5B}"/>
+              </a:ext>
+            </a:extLst>
+          </p:cNvPr>
+          <p:cNvSpPr/>
+          <p:nvPr/>
+        </p:nvSpPr>
+        <p:spPr>
+          <a:xfrm>
+            <a:off x="0" y="1071389"/>
+            <a:ext cx="7414053" cy="923330"/>
+          </a:xfrm>
+          <a:prstGeom prst="rect">
+            <a:avLst/>
+          </a:prstGeom>
+        </p:spPr>
+        <p:txBody>
+          <a:bodyPr wrap="square">
+            <a:spAutoFit/>
+          </a:bodyPr>
+          <a:lstStyle/>
+          <a:p>
+            <a:pPr marL="285750" indent="-285750">
+              <a:buFont typeface="Arial" panose="020B0604020202020204" pitchFamily="34" charset="0"/>
+              <a:buChar char="•"/>
+            </a:pPr>
+            <a:r>
+              <a:rPr lang="it-IT" dirty="0">
+                <a:solidFill>
+                  <a:schemeClr val="bg1"/>
+                </a:solidFill>
+                <a:latin typeface="+mn-lt"/>
+              </a:rPr>
+              <a:t>In challenge mode, the user must </a:t>
+            </a:r>
+            <a:r>
+              <a:rPr lang="it-IT" dirty="0" err="1">
+                <a:solidFill>
+                  <a:schemeClr val="bg1"/>
+                </a:solidFill>
+                <a:latin typeface="+mn-lt"/>
+              </a:rPr>
+              <a:t>scare</a:t>
+            </a:r>
+            <a:r>
+              <a:rPr lang="it-IT" dirty="0">
+                <a:solidFill>
+                  <a:schemeClr val="bg1"/>
+                </a:solidFill>
+                <a:latin typeface="+mn-lt"/>
+              </a:rPr>
+              <a:t> the sheeps </a:t>
+            </a:r>
+            <a:r>
+              <a:rPr lang="it-IT" dirty="0" err="1">
+                <a:solidFill>
+                  <a:schemeClr val="bg1"/>
+                </a:solidFill>
+                <a:latin typeface="+mn-lt"/>
+              </a:rPr>
+              <a:t>towards</a:t>
+            </a:r>
+            <a:r>
+              <a:rPr lang="it-IT" dirty="0">
+                <a:solidFill>
+                  <a:schemeClr val="bg1"/>
+                </a:solidFill>
+                <a:latin typeface="+mn-lt"/>
+              </a:rPr>
+              <a:t> the </a:t>
+            </a:r>
+            <a:r>
+              <a:rPr lang="it-IT" dirty="0" err="1">
+                <a:solidFill>
+                  <a:schemeClr val="bg1"/>
+                </a:solidFill>
+                <a:latin typeface="+mn-lt"/>
+              </a:rPr>
+              <a:t>healthy</a:t>
+            </a:r>
+            <a:r>
+              <a:rPr lang="it-IT" dirty="0">
+                <a:solidFill>
+                  <a:schemeClr val="bg1"/>
+                </a:solidFill>
+                <a:latin typeface="+mn-lt"/>
+              </a:rPr>
+              <a:t> </a:t>
+            </a:r>
+            <a:r>
+              <a:rPr lang="it-IT" dirty="0" err="1">
+                <a:solidFill>
+                  <a:schemeClr val="bg1"/>
+                </a:solidFill>
+                <a:latin typeface="+mn-lt"/>
+              </a:rPr>
+              <a:t>grass</a:t>
+            </a:r>
+            <a:r>
+              <a:rPr lang="it-IT" dirty="0">
+                <a:solidFill>
+                  <a:schemeClr val="bg1"/>
+                </a:solidFill>
+                <a:latin typeface="+mn-lt"/>
+              </a:rPr>
+              <a:t> </a:t>
+            </a:r>
+            <a:r>
+              <a:rPr lang="it-IT" dirty="0" err="1">
+                <a:solidFill>
+                  <a:schemeClr val="bg1"/>
+                </a:solidFill>
+                <a:latin typeface="+mn-lt"/>
+              </a:rPr>
+              <a:t>zones</a:t>
+            </a:r>
+            <a:r>
+              <a:rPr lang="it-IT" dirty="0">
+                <a:solidFill>
+                  <a:schemeClr val="bg1"/>
+                </a:solidFill>
+                <a:latin typeface="+mn-lt"/>
+              </a:rPr>
+              <a:t>. Once </a:t>
+            </a:r>
+            <a:r>
+              <a:rPr lang="it-IT" dirty="0" err="1">
+                <a:solidFill>
+                  <a:schemeClr val="bg1"/>
+                </a:solidFill>
+                <a:latin typeface="+mn-lt"/>
+              </a:rPr>
+              <a:t>enough</a:t>
+            </a:r>
+            <a:r>
+              <a:rPr lang="it-IT" dirty="0">
+                <a:solidFill>
+                  <a:schemeClr val="bg1"/>
+                </a:solidFill>
+                <a:latin typeface="+mn-lt"/>
+              </a:rPr>
+              <a:t> </a:t>
+            </a:r>
+            <a:r>
+              <a:rPr lang="it-IT" dirty="0" err="1">
+                <a:solidFill>
+                  <a:schemeClr val="bg1"/>
+                </a:solidFill>
+                <a:latin typeface="+mn-lt"/>
+              </a:rPr>
+              <a:t>grass</a:t>
+            </a:r>
+            <a:r>
+              <a:rPr lang="it-IT" dirty="0">
+                <a:solidFill>
+                  <a:schemeClr val="bg1"/>
+                </a:solidFill>
+                <a:latin typeface="+mn-lt"/>
+              </a:rPr>
+              <a:t> </a:t>
+            </a:r>
+            <a:r>
+              <a:rPr lang="it-IT" dirty="0" err="1">
+                <a:solidFill>
+                  <a:schemeClr val="bg1"/>
+                </a:solidFill>
+                <a:latin typeface="+mn-lt"/>
+              </a:rPr>
+              <a:t>is</a:t>
+            </a:r>
+            <a:r>
+              <a:rPr lang="it-IT" dirty="0">
+                <a:solidFill>
+                  <a:schemeClr val="bg1"/>
+                </a:solidFill>
+                <a:latin typeface="+mn-lt"/>
+              </a:rPr>
+              <a:t> </a:t>
+            </a:r>
+            <a:r>
+              <a:rPr lang="it-IT" dirty="0" err="1">
+                <a:solidFill>
+                  <a:schemeClr val="bg1"/>
+                </a:solidFill>
+                <a:latin typeface="+mn-lt"/>
+              </a:rPr>
+              <a:t>eaten</a:t>
+            </a:r>
+            <a:r>
+              <a:rPr lang="it-IT" dirty="0">
+                <a:solidFill>
+                  <a:schemeClr val="bg1"/>
+                </a:solidFill>
+                <a:latin typeface="+mn-lt"/>
+              </a:rPr>
+              <a:t>, the sheeps can go back in </a:t>
+            </a:r>
+            <a:r>
+              <a:rPr lang="it-IT" dirty="0" err="1">
+                <a:solidFill>
+                  <a:schemeClr val="bg1"/>
+                </a:solidFill>
+                <a:latin typeface="+mn-lt"/>
+              </a:rPr>
+              <a:t>their</a:t>
+            </a:r>
+            <a:r>
+              <a:rPr lang="it-IT" dirty="0">
+                <a:solidFill>
+                  <a:schemeClr val="bg1"/>
+                </a:solidFill>
+                <a:latin typeface="+mn-lt"/>
+              </a:rPr>
+              <a:t> </a:t>
+            </a:r>
+            <a:r>
+              <a:rPr lang="it-IT" dirty="0" err="1">
+                <a:solidFill>
+                  <a:schemeClr val="bg1"/>
+                </a:solidFill>
+                <a:latin typeface="+mn-lt"/>
+              </a:rPr>
+              <a:t>little</a:t>
+            </a:r>
+            <a:r>
+              <a:rPr lang="it-IT" dirty="0">
+                <a:solidFill>
+                  <a:schemeClr val="bg1"/>
+                </a:solidFill>
+                <a:latin typeface="+mn-lt"/>
+              </a:rPr>
+              <a:t> house </a:t>
+            </a:r>
+            <a:r>
+              <a:rPr lang="it-IT" dirty="0" err="1">
+                <a:solidFill>
+                  <a:schemeClr val="bg1"/>
+                </a:solidFill>
+                <a:latin typeface="+mn-lt"/>
+              </a:rPr>
+              <a:t>before</a:t>
+            </a:r>
+            <a:r>
+              <a:rPr lang="it-IT" dirty="0">
+                <a:solidFill>
+                  <a:schemeClr val="bg1"/>
+                </a:solidFill>
+                <a:latin typeface="+mn-lt"/>
+              </a:rPr>
+              <a:t> the </a:t>
+            </a:r>
+            <a:r>
+              <a:rPr lang="it-IT" dirty="0" err="1">
+                <a:solidFill>
+                  <a:schemeClr val="bg1"/>
+                </a:solidFill>
+                <a:latin typeface="+mn-lt"/>
+              </a:rPr>
+              <a:t>wolf</a:t>
+            </a:r>
+            <a:r>
+              <a:rPr lang="it-IT" dirty="0">
+                <a:solidFill>
+                  <a:schemeClr val="bg1"/>
+                </a:solidFill>
+                <a:latin typeface="+mn-lt"/>
+              </a:rPr>
+              <a:t> </a:t>
+            </a:r>
+            <a:r>
+              <a:rPr lang="it-IT" dirty="0" err="1">
+                <a:solidFill>
+                  <a:schemeClr val="bg1"/>
+                </a:solidFill>
+                <a:latin typeface="+mn-lt"/>
+              </a:rPr>
+              <a:t>comes</a:t>
+            </a:r>
+            <a:r>
+              <a:rPr lang="it-IT" dirty="0">
+                <a:solidFill>
+                  <a:schemeClr val="bg1"/>
+                </a:solidFill>
+                <a:latin typeface="+mn-lt"/>
+              </a:rPr>
+              <a:t>.</a:t>
+            </a:r>
+            <a:endParaRPr lang="it-IT" b="0" dirty="0">
+              <a:solidFill>
+                <a:schemeClr val="bg1"/>
+              </a:solidFill>
+              <a:effectLst/>
+              <a:latin typeface="+mn-lt"/>
+            </a:endParaRPr>
+          </a:p>
+        </p:txBody>
+      </p:sp>
+      <p:pic>
+        <p:nvPicPr>
+          <p:cNvPr id="6" name="Immagine 5">
+            <a:extLst>
+              <a:ext uri="{FF2B5EF4-FFF2-40B4-BE49-F238E27FC236}">
+                <a16:creationId xmlns:a16="http://schemas.microsoft.com/office/drawing/2014/main" id="{69C91B2D-5D4D-45C7-8E70-D0CE67BC7366}"/>
+              </a:ext>
+            </a:extLst>
+          </p:cNvPr>
+          <p:cNvPicPr>
+            <a:picLocks noChangeAspect="1"/>
+          </p:cNvPicPr>
+          <p:nvPr/>
+        </p:nvPicPr>
+        <p:blipFill>
+          <a:blip r:embed="rId5"/>
+          <a:stretch>
+            <a:fillRect/>
+          </a:stretch>
+        </p:blipFill>
+        <p:spPr>
+          <a:xfrm>
+            <a:off x="479920" y="2329076"/>
+            <a:ext cx="1546621" cy="680513"/>
+          </a:xfrm>
+          <a:prstGeom prst="rect">
+            <a:avLst/>
+          </a:prstGeom>
+        </p:spPr>
+      </p:pic>
+      <p:sp>
+        <p:nvSpPr>
+          <p:cNvPr id="11" name="Rettangolo 1">
+            <a:extLst>
+              <a:ext uri="{FF2B5EF4-FFF2-40B4-BE49-F238E27FC236}">
+                <a16:creationId xmlns:a16="http://schemas.microsoft.com/office/drawing/2014/main" id="{CE048679-DBB4-4E69-BB00-89ABA420B365}"/>
+              </a:ext>
+            </a:extLst>
+          </p:cNvPr>
+          <p:cNvSpPr/>
+          <p:nvPr/>
+        </p:nvSpPr>
+        <p:spPr>
+          <a:xfrm>
+            <a:off x="0" y="3436528"/>
+            <a:ext cx="7414053" cy="646331"/>
+          </a:xfrm>
+          <a:prstGeom prst="rect">
+            <a:avLst/>
+          </a:prstGeom>
+        </p:spPr>
+        <p:txBody>
+          <a:bodyPr wrap="square">
+            <a:spAutoFit/>
+          </a:bodyPr>
+          <a:lstStyle/>
+          <a:p>
+            <a:pPr marL="285750" indent="-285750">
+              <a:buFont typeface="Arial" panose="020B0604020202020204" pitchFamily="34" charset="0"/>
+              <a:buChar char="•"/>
+            </a:pPr>
+            <a:r>
+              <a:rPr lang="it-IT" dirty="0" err="1">
+                <a:solidFill>
+                  <a:schemeClr val="bg1"/>
+                </a:solidFill>
+                <a:latin typeface="+mn-lt"/>
+              </a:rPr>
+              <a:t>Each</a:t>
+            </a:r>
+            <a:r>
+              <a:rPr lang="it-IT" dirty="0">
+                <a:solidFill>
+                  <a:schemeClr val="bg1"/>
+                </a:solidFill>
+                <a:latin typeface="+mn-lt"/>
+              </a:rPr>
+              <a:t> time </a:t>
+            </a:r>
+            <a:r>
+              <a:rPr lang="it-IT" dirty="0" err="1">
+                <a:solidFill>
+                  <a:schemeClr val="bg1"/>
+                </a:solidFill>
+                <a:latin typeface="+mn-lt"/>
+              </a:rPr>
+              <a:t>they</a:t>
+            </a:r>
+            <a:r>
+              <a:rPr lang="it-IT" dirty="0">
+                <a:solidFill>
+                  <a:schemeClr val="bg1"/>
+                </a:solidFill>
+                <a:latin typeface="+mn-lt"/>
+              </a:rPr>
+              <a:t> </a:t>
+            </a:r>
+            <a:r>
+              <a:rPr lang="it-IT" dirty="0" err="1">
+                <a:solidFill>
+                  <a:schemeClr val="bg1"/>
+                </a:solidFill>
+                <a:latin typeface="+mn-lt"/>
+              </a:rPr>
+              <a:t>eat</a:t>
+            </a:r>
+            <a:r>
+              <a:rPr lang="it-IT" dirty="0">
+                <a:solidFill>
+                  <a:schemeClr val="bg1"/>
+                </a:solidFill>
+                <a:latin typeface="+mn-lt"/>
+              </a:rPr>
+              <a:t>, the mode in </a:t>
+            </a:r>
+            <a:r>
+              <a:rPr lang="it-IT" dirty="0" err="1">
+                <a:solidFill>
+                  <a:schemeClr val="bg1"/>
+                </a:solidFill>
+                <a:latin typeface="+mn-lt"/>
+              </a:rPr>
+              <a:t>which</a:t>
+            </a:r>
+            <a:r>
+              <a:rPr lang="it-IT" dirty="0">
+                <a:solidFill>
+                  <a:schemeClr val="bg1"/>
+                </a:solidFill>
+                <a:latin typeface="+mn-lt"/>
+              </a:rPr>
+              <a:t> </a:t>
+            </a:r>
+            <a:r>
+              <a:rPr lang="it-IT" dirty="0" err="1">
+                <a:solidFill>
+                  <a:schemeClr val="bg1"/>
+                </a:solidFill>
+                <a:latin typeface="+mn-lt"/>
+              </a:rPr>
+              <a:t>they</a:t>
+            </a:r>
+            <a:r>
+              <a:rPr lang="it-IT" dirty="0">
+                <a:solidFill>
+                  <a:schemeClr val="bg1"/>
+                </a:solidFill>
+                <a:latin typeface="+mn-lt"/>
+              </a:rPr>
+              <a:t> </a:t>
+            </a:r>
+            <a:r>
+              <a:rPr lang="it-IT" dirty="0" err="1">
+                <a:solidFill>
+                  <a:schemeClr val="bg1"/>
+                </a:solidFill>
+                <a:latin typeface="+mn-lt"/>
+              </a:rPr>
+              <a:t>sing</a:t>
+            </a:r>
+            <a:r>
+              <a:rPr lang="it-IT" dirty="0">
+                <a:solidFill>
+                  <a:schemeClr val="bg1"/>
+                </a:solidFill>
+                <a:latin typeface="+mn-lt"/>
+              </a:rPr>
+              <a:t> </a:t>
+            </a:r>
+            <a:r>
+              <a:rPr lang="it-IT" dirty="0" err="1">
+                <a:solidFill>
+                  <a:schemeClr val="bg1"/>
+                </a:solidFill>
+                <a:latin typeface="+mn-lt"/>
+              </a:rPr>
+              <a:t>is</a:t>
+            </a:r>
+            <a:r>
+              <a:rPr lang="it-IT" dirty="0">
+                <a:solidFill>
+                  <a:schemeClr val="bg1"/>
+                </a:solidFill>
+                <a:latin typeface="+mn-lt"/>
+              </a:rPr>
+              <a:t> </a:t>
+            </a:r>
+            <a:r>
+              <a:rPr lang="it-IT" dirty="0" err="1">
+                <a:solidFill>
+                  <a:schemeClr val="bg1"/>
+                </a:solidFill>
+                <a:latin typeface="+mn-lt"/>
+              </a:rPr>
+              <a:t>switched</a:t>
+            </a:r>
+            <a:r>
+              <a:rPr lang="it-IT" dirty="0">
+                <a:solidFill>
+                  <a:schemeClr val="bg1"/>
+                </a:solidFill>
+                <a:latin typeface="+mn-lt"/>
+              </a:rPr>
+              <a:t> to a </a:t>
+            </a:r>
+            <a:r>
+              <a:rPr lang="it-IT" dirty="0" err="1">
+                <a:solidFill>
+                  <a:schemeClr val="bg1"/>
+                </a:solidFill>
+                <a:latin typeface="+mn-lt"/>
+              </a:rPr>
+              <a:t>happier</a:t>
+            </a:r>
+            <a:r>
+              <a:rPr lang="it-IT" dirty="0">
+                <a:solidFill>
+                  <a:schemeClr val="bg1"/>
+                </a:solidFill>
+                <a:latin typeface="+mn-lt"/>
+              </a:rPr>
+              <a:t> one, following the </a:t>
+            </a:r>
+            <a:r>
+              <a:rPr lang="it-IT" dirty="0" err="1">
+                <a:solidFill>
+                  <a:schemeClr val="bg1"/>
+                </a:solidFill>
+                <a:latin typeface="+mn-lt"/>
+              </a:rPr>
+              <a:t>cycle</a:t>
+            </a:r>
+            <a:r>
+              <a:rPr lang="it-IT" dirty="0">
+                <a:solidFill>
+                  <a:schemeClr val="bg1"/>
+                </a:solidFill>
+                <a:latin typeface="+mn-lt"/>
+              </a:rPr>
+              <a:t> of </a:t>
+            </a:r>
+            <a:r>
+              <a:rPr lang="it-IT" dirty="0" err="1">
+                <a:solidFill>
+                  <a:schemeClr val="bg1"/>
+                </a:solidFill>
+                <a:latin typeface="+mn-lt"/>
+              </a:rPr>
+              <a:t>fifths</a:t>
+            </a:r>
+            <a:r>
+              <a:rPr lang="it-IT" dirty="0">
+                <a:solidFill>
+                  <a:schemeClr val="bg1"/>
+                </a:solidFill>
+                <a:latin typeface="+mn-lt"/>
+              </a:rPr>
+              <a:t>.</a:t>
+            </a:r>
+          </a:p>
+        </p:txBody>
+      </p:sp>
+      <p:pic>
+        <p:nvPicPr>
+          <p:cNvPr id="14" name="Immagine 13">
+            <a:extLst>
+              <a:ext uri="{FF2B5EF4-FFF2-40B4-BE49-F238E27FC236}">
+                <a16:creationId xmlns:a16="http://schemas.microsoft.com/office/drawing/2014/main" id="{A2A3E629-FA60-49F1-A889-BA3108337288}"/>
+              </a:ext>
+            </a:extLst>
+          </p:cNvPr>
+          <p:cNvPicPr>
+            <a:picLocks noChangeAspect="1"/>
+          </p:cNvPicPr>
+          <p:nvPr/>
+        </p:nvPicPr>
+        <p:blipFill>
+          <a:blip r:embed="rId6">
+            <a:extLst>
+              <a:ext uri="{BEBA8EAE-BF5A-486C-A8C5-ECC9F3942E4B}">
+                <a14:imgProps xmlns:a14="http://schemas.microsoft.com/office/drawing/2010/main">
+                  <a14:imgLayer r:embed="rId7">
+                    <a14:imgEffect>
+                      <a14:artisticPhotocopy/>
+                    </a14:imgEffect>
+                    <a14:imgEffect>
+                      <a14:colorTemperature colorTemp="11200"/>
+                    </a14:imgEffect>
+                  </a14:imgLayer>
+                </a14:imgProps>
+              </a:ext>
+            </a:extLst>
+          </a:blip>
+          <a:stretch>
+            <a:fillRect/>
+          </a:stretch>
+        </p:blipFill>
+        <p:spPr>
+          <a:xfrm>
+            <a:off x="2376975" y="4225659"/>
+            <a:ext cx="2195025" cy="1993440"/>
+          </a:xfrm>
+          <a:prstGeom prst="rect">
+            <a:avLst/>
+          </a:prstGeom>
+        </p:spPr>
+      </p:pic>
     </p:spTree>
     <p:extLst>
       <p:ext uri="{BB962C8B-B14F-4D97-AF65-F5344CB8AC3E}">
@@ -5194,7 +5872,1680 @@
                   <a:schemeClr val="bg1"/>
                 </a:solidFill>
               </a:rPr>
-              <a:t>Slide 2/totale</a:t>
+              <a:t>Slide 10/11</a:t>
+            </a:r>
+          </a:p>
+        </p:txBody>
+      </p:sp>
+      <p:sp>
+        <p:nvSpPr>
+          <p:cNvPr id="5" name="CasellaDiTesto 4">
+            <a:extLst>
+              <a:ext uri="{FF2B5EF4-FFF2-40B4-BE49-F238E27FC236}">
+                <a16:creationId xmlns:a16="http://schemas.microsoft.com/office/drawing/2014/main" id="{A98C23F2-A2F5-40E9-AA46-2D9318A73024}"/>
+              </a:ext>
+            </a:extLst>
+          </p:cNvPr>
+          <p:cNvSpPr txBox="1"/>
+          <p:nvPr/>
+        </p:nvSpPr>
+        <p:spPr>
+          <a:xfrm>
+            <a:off x="123567" y="157954"/>
+            <a:ext cx="6203092" cy="707886"/>
+          </a:xfrm>
+          <a:prstGeom prst="rect">
+            <a:avLst/>
+          </a:prstGeom>
+          <a:noFill/>
+        </p:spPr>
+        <p:txBody>
+          <a:bodyPr wrap="square" rtlCol="0">
+            <a:spAutoFit/>
+          </a:bodyPr>
+          <a:lstStyle/>
+          <a:p>
+            <a:r>
+              <a:rPr lang="it-IT" sz="4000" dirty="0">
+                <a:solidFill>
+                  <a:schemeClr val="bg1"/>
+                </a:solidFill>
+              </a:rPr>
+              <a:t>SHEEPS PARAMETERS</a:t>
+            </a:r>
+          </a:p>
+        </p:txBody>
+      </p:sp>
+      <p:pic>
+        <p:nvPicPr>
+          <p:cNvPr id="7" name="Immagine 6">
+            <a:extLst>
+              <a:ext uri="{FF2B5EF4-FFF2-40B4-BE49-F238E27FC236}">
+                <a16:creationId xmlns:a16="http://schemas.microsoft.com/office/drawing/2014/main" id="{C92520A2-D5E6-496E-B31F-4B390F3A9D8D}"/>
+              </a:ext>
+            </a:extLst>
+          </p:cNvPr>
+          <p:cNvPicPr>
+            <a:picLocks noChangeAspect="1"/>
+          </p:cNvPicPr>
+          <p:nvPr/>
+        </p:nvPicPr>
+        <p:blipFill>
+          <a:blip r:embed="rId4">
+            <a:extLst>
+              <a:ext uri="{BEBA8EAE-BF5A-486C-A8C5-ECC9F3942E4B}">
+                <a14:imgProps xmlns:a14="http://schemas.microsoft.com/office/drawing/2010/main">
+                  <a14:imgLayer r:embed="rId5">
+                    <a14:imgEffect>
+                      <a14:backgroundRemoval t="0" b="100000" l="0" r="100000"/>
+                    </a14:imgEffect>
+                  </a14:imgLayer>
+                </a14:imgProps>
+              </a:ext>
+            </a:extLst>
+          </a:blip>
+          <a:stretch>
+            <a:fillRect/>
+          </a:stretch>
+        </p:blipFill>
+        <p:spPr>
+          <a:xfrm>
+            <a:off x="4218990" y="2216574"/>
+            <a:ext cx="2505425" cy="619211"/>
+          </a:xfrm>
+          <a:prstGeom prst="rect">
+            <a:avLst/>
+          </a:prstGeom>
+        </p:spPr>
+      </p:pic>
+      <p:pic>
+        <p:nvPicPr>
+          <p:cNvPr id="8" name="Immagine 7">
+            <a:extLst>
+              <a:ext uri="{FF2B5EF4-FFF2-40B4-BE49-F238E27FC236}">
+                <a16:creationId xmlns:a16="http://schemas.microsoft.com/office/drawing/2014/main" id="{4894625A-657B-45FD-955C-6E26D8BA4540}"/>
+              </a:ext>
+            </a:extLst>
+          </p:cNvPr>
+          <p:cNvPicPr>
+            <a:picLocks noChangeAspect="1"/>
+          </p:cNvPicPr>
+          <p:nvPr/>
+        </p:nvPicPr>
+        <p:blipFill>
+          <a:blip r:embed="rId4">
+            <a:extLst>
+              <a:ext uri="{BEBA8EAE-BF5A-486C-A8C5-ECC9F3942E4B}">
+                <a14:imgProps xmlns:a14="http://schemas.microsoft.com/office/drawing/2010/main">
+                  <a14:imgLayer r:embed="rId5">
+                    <a14:imgEffect>
+                      <a14:backgroundRemoval t="0" b="100000" l="0" r="100000"/>
+                    </a14:imgEffect>
+                  </a14:imgLayer>
+                </a14:imgProps>
+              </a:ext>
+            </a:extLst>
+          </a:blip>
+          <a:stretch>
+            <a:fillRect/>
+          </a:stretch>
+        </p:blipFill>
+        <p:spPr>
+          <a:xfrm>
+            <a:off x="4218988" y="3156291"/>
+            <a:ext cx="2505425" cy="619211"/>
+          </a:xfrm>
+          <a:prstGeom prst="rect">
+            <a:avLst/>
+          </a:prstGeom>
+        </p:spPr>
+      </p:pic>
+      <mc:AlternateContent xmlns:mc="http://schemas.openxmlformats.org/markup-compatibility/2006">
+        <mc:Choice xmlns:a14="http://schemas.microsoft.com/office/drawing/2010/main" Requires="a14">
+          <p:sp>
+            <p:nvSpPr>
+              <p:cNvPr id="9" name="CasellaDiTesto 8">
+                <a:extLst>
+                  <a:ext uri="{FF2B5EF4-FFF2-40B4-BE49-F238E27FC236}">
+                    <a16:creationId xmlns:a16="http://schemas.microsoft.com/office/drawing/2014/main" id="{8846DBDD-2EEC-4111-993C-C2822BD513E5}"/>
+                  </a:ext>
+                </a:extLst>
+              </p:cNvPr>
+              <p:cNvSpPr txBox="1"/>
+              <p:nvPr/>
+            </p:nvSpPr>
+            <p:spPr>
+              <a:xfrm>
+                <a:off x="123567" y="1906223"/>
+                <a:ext cx="3573379" cy="495264"/>
+              </a:xfrm>
+              <a:prstGeom prst="rect">
+                <a:avLst/>
+              </a:prstGeom>
+              <a:noFill/>
+            </p:spPr>
+            <p:txBody>
+              <a:bodyPr wrap="square" lIns="0" tIns="0" rIns="0" bIns="0" rtlCol="0">
+                <a:spAutoFit/>
+              </a:bodyPr>
+              <a:lstStyle/>
+              <a:p>
+                <a14:m>
+                  <m:oMath xmlns:m="http://schemas.openxmlformats.org/officeDocument/2006/math">
+                    <m:sSub>
+                      <m:sSubPr>
+                        <m:ctrlPr>
+                          <a:rPr lang="it-IT" i="1" smtClean="0">
+                            <a:solidFill>
+                              <a:schemeClr val="bg1"/>
+                            </a:solidFill>
+                            <a:latin typeface="Cambria Math" panose="02040503050406030204" pitchFamily="18" charset="0"/>
+                          </a:rPr>
+                        </m:ctrlPr>
+                      </m:sSubPr>
+                      <m:e>
+                        <m:r>
+                          <a:rPr lang="it-IT" b="0" i="1" smtClean="0">
+                            <a:solidFill>
+                              <a:schemeClr val="bg1"/>
+                            </a:solidFill>
+                            <a:latin typeface="Cambria Math" panose="02040503050406030204" pitchFamily="18" charset="0"/>
+                          </a:rPr>
+                          <m:t>𝑝</m:t>
+                        </m:r>
+                      </m:e>
+                      <m:sub>
+                        <m:r>
+                          <a:rPr lang="it-IT" b="0" i="1" smtClean="0">
+                            <a:solidFill>
+                              <a:schemeClr val="bg1"/>
+                            </a:solidFill>
+                            <a:latin typeface="Cambria Math" panose="02040503050406030204" pitchFamily="18" charset="0"/>
+                          </a:rPr>
+                          <m:t>1</m:t>
+                        </m:r>
+                        <m:r>
+                          <a:rPr lang="it-IT" b="0" i="1" smtClean="0">
+                            <a:solidFill>
+                              <a:schemeClr val="bg1"/>
+                            </a:solidFill>
+                            <a:latin typeface="Cambria Math" panose="02040503050406030204" pitchFamily="18" charset="0"/>
+                            <a:ea typeface="Cambria Math" panose="02040503050406030204" pitchFamily="18" charset="0"/>
+                          </a:rPr>
+                          <m:t>→0</m:t>
+                        </m:r>
+                      </m:sub>
+                    </m:sSub>
+                    <m:d>
+                      <m:dPr>
+                        <m:ctrlPr>
+                          <a:rPr lang="it-IT" b="0" i="1" smtClean="0">
+                            <a:solidFill>
+                              <a:schemeClr val="bg1"/>
+                            </a:solidFill>
+                            <a:latin typeface="Cambria Math" panose="02040503050406030204" pitchFamily="18" charset="0"/>
+                          </a:rPr>
+                        </m:ctrlPr>
+                      </m:dPr>
+                      <m:e>
+                        <m:r>
+                          <a:rPr lang="it-IT" b="0" i="1" smtClean="0">
+                            <a:solidFill>
+                              <a:schemeClr val="bg1"/>
+                            </a:solidFill>
+                            <a:latin typeface="Cambria Math" panose="02040503050406030204" pitchFamily="18" charset="0"/>
+                          </a:rPr>
+                          <m:t>𝑖</m:t>
+                        </m:r>
+                        <m:r>
+                          <a:rPr lang="it-IT" b="0" i="1" smtClean="0">
+                            <a:solidFill>
+                              <a:schemeClr val="bg1"/>
+                            </a:solidFill>
+                            <a:latin typeface="Cambria Math" panose="02040503050406030204" pitchFamily="18" charset="0"/>
+                          </a:rPr>
+                          <m:t>,</m:t>
+                        </m:r>
+                        <m:r>
+                          <a:rPr lang="it-IT" b="0" i="1" smtClean="0">
+                            <a:solidFill>
+                              <a:schemeClr val="bg1"/>
+                            </a:solidFill>
+                            <a:latin typeface="Cambria Math" panose="02040503050406030204" pitchFamily="18" charset="0"/>
+                          </a:rPr>
+                          <m:t>𝑡</m:t>
+                        </m:r>
+                      </m:e>
+                    </m:d>
+                    <m:r>
+                      <a:rPr lang="it-IT" b="0" i="1" smtClean="0">
+                        <a:solidFill>
+                          <a:schemeClr val="bg1"/>
+                        </a:solidFill>
+                        <a:latin typeface="Cambria Math" panose="02040503050406030204" pitchFamily="18" charset="0"/>
+                      </a:rPr>
+                      <m:t>=</m:t>
+                    </m:r>
+                    <m:f>
+                      <m:fPr>
+                        <m:ctrlPr>
+                          <a:rPr lang="it-IT" b="0" i="1" smtClean="0">
+                            <a:solidFill>
+                              <a:schemeClr val="bg1"/>
+                            </a:solidFill>
+                            <a:latin typeface="Cambria Math" panose="02040503050406030204" pitchFamily="18" charset="0"/>
+                            <a:ea typeface="Cambria Math" panose="02040503050406030204" pitchFamily="18" charset="0"/>
+                          </a:rPr>
+                        </m:ctrlPr>
+                      </m:fPr>
+                      <m:num>
+                        <m:r>
+                          <a:rPr lang="it-IT" b="0" i="1" smtClean="0">
+                            <a:solidFill>
+                              <a:schemeClr val="bg1"/>
+                            </a:solidFill>
+                            <a:latin typeface="Cambria Math" panose="02040503050406030204" pitchFamily="18" charset="0"/>
+                          </a:rPr>
+                          <m:t>1+</m:t>
+                        </m:r>
+                        <m:r>
+                          <a:rPr lang="it-IT" b="0" i="1" smtClean="0">
+                            <a:solidFill>
+                              <a:schemeClr val="bg1"/>
+                            </a:solidFill>
+                            <a:latin typeface="Cambria Math" panose="02040503050406030204" pitchFamily="18" charset="0"/>
+                            <a:ea typeface="Cambria Math" panose="02040503050406030204" pitchFamily="18" charset="0"/>
+                          </a:rPr>
+                          <m:t>𝛼</m:t>
+                        </m:r>
+                        <m:r>
+                          <a:rPr lang="it-IT" b="0" i="1" smtClean="0">
+                            <a:solidFill>
+                              <a:schemeClr val="bg1"/>
+                            </a:solidFill>
+                            <a:latin typeface="Cambria Math" panose="02040503050406030204" pitchFamily="18" charset="0"/>
+                            <a:ea typeface="Cambria Math" panose="02040503050406030204" pitchFamily="18" charset="0"/>
+                          </a:rPr>
+                          <m:t> </m:t>
+                        </m:r>
+                        <m:sSubSup>
+                          <m:sSubSupPr>
+                            <m:ctrlPr>
+                              <a:rPr lang="it-IT" b="0" i="1" smtClean="0">
+                                <a:solidFill>
+                                  <a:schemeClr val="bg1"/>
+                                </a:solidFill>
+                                <a:latin typeface="Cambria Math" panose="02040503050406030204" pitchFamily="18" charset="0"/>
+                                <a:ea typeface="Cambria Math" panose="02040503050406030204" pitchFamily="18" charset="0"/>
+                              </a:rPr>
+                            </m:ctrlPr>
+                          </m:sSubSupPr>
+                          <m:e>
+                            <m:r>
+                              <a:rPr lang="it-IT" b="0" i="1" smtClean="0">
+                                <a:solidFill>
+                                  <a:schemeClr val="bg1"/>
+                                </a:solidFill>
+                                <a:latin typeface="Cambria Math" panose="02040503050406030204" pitchFamily="18" charset="0"/>
+                                <a:ea typeface="Cambria Math" panose="02040503050406030204" pitchFamily="18" charset="0"/>
+                              </a:rPr>
+                              <m:t>𝑛</m:t>
+                            </m:r>
+                          </m:e>
+                          <m:sub>
+                            <m:r>
+                              <a:rPr lang="it-IT" b="0" i="1" smtClean="0">
+                                <a:solidFill>
+                                  <a:schemeClr val="bg1"/>
+                                </a:solidFill>
+                                <a:latin typeface="Cambria Math" panose="02040503050406030204" pitchFamily="18" charset="0"/>
+                                <a:ea typeface="Cambria Math" panose="02040503050406030204" pitchFamily="18" charset="0"/>
+                              </a:rPr>
+                              <m:t>0</m:t>
+                            </m:r>
+                          </m:sub>
+                          <m:sup>
+                            <m:r>
+                              <a:rPr lang="it-IT" b="0" i="1" smtClean="0">
+                                <a:solidFill>
+                                  <a:schemeClr val="bg1"/>
+                                </a:solidFill>
+                                <a:latin typeface="Cambria Math" panose="02040503050406030204" pitchFamily="18" charset="0"/>
+                                <a:ea typeface="Cambria Math" panose="02040503050406030204" pitchFamily="18" charset="0"/>
+                              </a:rPr>
+                              <m:t>𝑡</m:t>
+                            </m:r>
+                          </m:sup>
+                        </m:sSubSup>
+                        <m:d>
+                          <m:dPr>
+                            <m:ctrlPr>
+                              <a:rPr lang="it-IT" b="0" i="1" smtClean="0">
+                                <a:solidFill>
+                                  <a:schemeClr val="bg1"/>
+                                </a:solidFill>
+                                <a:latin typeface="Cambria Math" panose="02040503050406030204" pitchFamily="18" charset="0"/>
+                                <a:ea typeface="Cambria Math" panose="02040503050406030204" pitchFamily="18" charset="0"/>
+                              </a:rPr>
+                            </m:ctrlPr>
+                          </m:dPr>
+                          <m:e>
+                            <m:r>
+                              <a:rPr lang="it-IT" b="0" i="1" smtClean="0">
+                                <a:solidFill>
+                                  <a:schemeClr val="bg1"/>
+                                </a:solidFill>
+                                <a:latin typeface="Cambria Math" panose="02040503050406030204" pitchFamily="18" charset="0"/>
+                                <a:ea typeface="Cambria Math" panose="02040503050406030204" pitchFamily="18" charset="0"/>
+                              </a:rPr>
+                              <m:t>𝑖</m:t>
+                            </m:r>
+                          </m:e>
+                        </m:d>
+                      </m:num>
+                      <m:den>
+                        <m:sSub>
+                          <m:sSubPr>
+                            <m:ctrlPr>
+                              <a:rPr lang="it-IT" b="0" i="1" smtClean="0">
+                                <a:solidFill>
+                                  <a:schemeClr val="bg1"/>
+                                </a:solidFill>
+                                <a:latin typeface="Cambria Math" panose="02040503050406030204" pitchFamily="18" charset="0"/>
+                                <a:ea typeface="Cambria Math" panose="02040503050406030204" pitchFamily="18" charset="0"/>
+                              </a:rPr>
+                            </m:ctrlPr>
+                          </m:sSubPr>
+                          <m:e>
+                            <m:r>
+                              <a:rPr lang="it-IT" b="0" i="1" smtClean="0">
+                                <a:solidFill>
+                                  <a:schemeClr val="bg1"/>
+                                </a:solidFill>
+                                <a:latin typeface="Cambria Math" panose="02040503050406030204" pitchFamily="18" charset="0"/>
+                                <a:ea typeface="Cambria Math" panose="02040503050406030204" pitchFamily="18" charset="0"/>
+                              </a:rPr>
+                              <m:t>𝜏</m:t>
+                            </m:r>
+                          </m:e>
+                          <m:sub>
+                            <m:r>
+                              <a:rPr lang="it-IT" b="0" i="1" smtClean="0">
+                                <a:solidFill>
+                                  <a:schemeClr val="bg1"/>
+                                </a:solidFill>
+                                <a:latin typeface="Cambria Math" panose="02040503050406030204" pitchFamily="18" charset="0"/>
+                                <a:ea typeface="Cambria Math" panose="02040503050406030204" pitchFamily="18" charset="0"/>
+                              </a:rPr>
+                              <m:t>1→0</m:t>
+                            </m:r>
+                          </m:sub>
+                        </m:sSub>
+                      </m:den>
+                    </m:f>
+                  </m:oMath>
+                </a14:m>
+                <a:r>
+                  <a:rPr lang="it-IT" dirty="0">
+                    <a:solidFill>
+                      <a:schemeClr val="bg1"/>
+                    </a:solidFill>
+                  </a:rPr>
+                  <a:t> </a:t>
+                </a:r>
+              </a:p>
+            </p:txBody>
+          </p:sp>
+        </mc:Choice>
+        <mc:Fallback>
+          <p:sp>
+            <p:nvSpPr>
+              <p:cNvPr id="9" name="CasellaDiTesto 8">
+                <a:extLst>
+                  <a:ext uri="{FF2B5EF4-FFF2-40B4-BE49-F238E27FC236}">
+                    <a16:creationId xmlns:a16="http://schemas.microsoft.com/office/drawing/2014/main" id="{8846DBDD-2EEC-4111-993C-C2822BD513E5}"/>
+                  </a:ext>
+                </a:extLst>
+              </p:cNvPr>
+              <p:cNvSpPr txBox="1">
+                <a:spLocks noRot="1" noChangeAspect="1" noMove="1" noResize="1" noEditPoints="1" noAdjustHandles="1" noChangeArrowheads="1" noChangeShapeType="1" noTextEdit="1"/>
+              </p:cNvSpPr>
+              <p:nvPr/>
+            </p:nvSpPr>
+            <p:spPr>
+              <a:xfrm>
+                <a:off x="123567" y="1906223"/>
+                <a:ext cx="3573379" cy="495264"/>
+              </a:xfrm>
+              <a:prstGeom prst="rect">
+                <a:avLst/>
+              </a:prstGeom>
+              <a:blipFill>
+                <a:blip r:embed="rId6"/>
+                <a:stretch>
+                  <a:fillRect/>
+                </a:stretch>
+              </a:blipFill>
+            </p:spPr>
+            <p:txBody>
+              <a:bodyPr/>
+              <a:lstStyle/>
+              <a:p>
+                <a:r>
+                  <a:rPr lang="it-IT">
+                    <a:noFill/>
+                  </a:rPr>
+                  <a:t> </a:t>
+                </a:r>
+              </a:p>
+            </p:txBody>
+          </p:sp>
+        </mc:Fallback>
+      </mc:AlternateContent>
+      <p:sp>
+        <p:nvSpPr>
+          <p:cNvPr id="11" name="CasellaDiTesto 10">
+            <a:extLst>
+              <a:ext uri="{FF2B5EF4-FFF2-40B4-BE49-F238E27FC236}">
+                <a16:creationId xmlns:a16="http://schemas.microsoft.com/office/drawing/2014/main" id="{3A660AFA-97C7-40FC-B9A5-61036355282B}"/>
+              </a:ext>
+            </a:extLst>
+          </p:cNvPr>
+          <p:cNvSpPr txBox="1"/>
+          <p:nvPr/>
+        </p:nvSpPr>
+        <p:spPr>
+          <a:xfrm>
+            <a:off x="4181916" y="2223802"/>
+            <a:ext cx="2542497" cy="369332"/>
+          </a:xfrm>
+          <a:prstGeom prst="rect">
+            <a:avLst/>
+          </a:prstGeom>
+          <a:noFill/>
+        </p:spPr>
+        <p:txBody>
+          <a:bodyPr wrap="square" rtlCol="0">
+            <a:spAutoFit/>
+          </a:bodyPr>
+          <a:lstStyle/>
+          <a:p>
+            <a:r>
+              <a:rPr lang="it-IT" dirty="0" err="1">
+                <a:solidFill>
+                  <a:schemeClr val="bg1"/>
+                </a:solidFill>
+              </a:rPr>
+              <a:t>Allelomimesis</a:t>
+            </a:r>
+            <a:endParaRPr lang="it-IT" dirty="0">
+              <a:solidFill>
+                <a:schemeClr val="bg1"/>
+              </a:solidFill>
+            </a:endParaRPr>
+          </a:p>
+        </p:txBody>
+      </p:sp>
+      <p:sp>
+        <p:nvSpPr>
+          <p:cNvPr id="12" name="CasellaDiTesto 11">
+            <a:extLst>
+              <a:ext uri="{FF2B5EF4-FFF2-40B4-BE49-F238E27FC236}">
+                <a16:creationId xmlns:a16="http://schemas.microsoft.com/office/drawing/2014/main" id="{5FB83893-4BA1-48C9-9FF6-EFFADA852693}"/>
+              </a:ext>
+            </a:extLst>
+          </p:cNvPr>
+          <p:cNvSpPr txBox="1"/>
+          <p:nvPr/>
+        </p:nvSpPr>
+        <p:spPr>
+          <a:xfrm>
+            <a:off x="4181916" y="3127959"/>
+            <a:ext cx="2542497" cy="369332"/>
+          </a:xfrm>
+          <a:prstGeom prst="rect">
+            <a:avLst/>
+          </a:prstGeom>
+          <a:noFill/>
+        </p:spPr>
+        <p:txBody>
+          <a:bodyPr wrap="square" rtlCol="0">
+            <a:spAutoFit/>
+          </a:bodyPr>
+          <a:lstStyle/>
+          <a:p>
+            <a:r>
+              <a:rPr lang="it-IT" dirty="0" err="1">
+                <a:solidFill>
+                  <a:schemeClr val="bg1"/>
+                </a:solidFill>
+              </a:rPr>
+              <a:t>Run</a:t>
+            </a:r>
+            <a:r>
+              <a:rPr lang="it-IT" dirty="0">
+                <a:solidFill>
+                  <a:schemeClr val="bg1"/>
+                </a:solidFill>
+              </a:rPr>
+              <a:t> </a:t>
+            </a:r>
+            <a:r>
+              <a:rPr lang="it-IT" dirty="0" err="1">
+                <a:solidFill>
+                  <a:schemeClr val="bg1"/>
+                </a:solidFill>
+              </a:rPr>
+              <a:t>Tendency</a:t>
+            </a:r>
+            <a:endParaRPr lang="it-IT" dirty="0">
+              <a:solidFill>
+                <a:schemeClr val="bg1"/>
+              </a:solidFill>
+            </a:endParaRPr>
+          </a:p>
+        </p:txBody>
+      </p:sp>
+      <p:cxnSp>
+        <p:nvCxnSpPr>
+          <p:cNvPr id="24" name="Connettore diritto 23">
+            <a:extLst>
+              <a:ext uri="{FF2B5EF4-FFF2-40B4-BE49-F238E27FC236}">
+                <a16:creationId xmlns:a16="http://schemas.microsoft.com/office/drawing/2014/main" id="{E195C71F-632D-4815-8319-D7E9646543A0}"/>
+              </a:ext>
+            </a:extLst>
+          </p:cNvPr>
+          <p:cNvCxnSpPr>
+            <a:cxnSpLocks/>
+          </p:cNvCxnSpPr>
+          <p:nvPr/>
+        </p:nvCxnSpPr>
+        <p:spPr>
+          <a:xfrm flipV="1">
+            <a:off x="2496065" y="1657582"/>
+            <a:ext cx="0" cy="396104"/>
+          </a:xfrm>
+          <a:prstGeom prst="line">
+            <a:avLst/>
+          </a:prstGeom>
+        </p:spPr>
+        <p:style>
+          <a:lnRef idx="2">
+            <a:schemeClr val="accent1"/>
+          </a:lnRef>
+          <a:fillRef idx="0">
+            <a:schemeClr val="accent1"/>
+          </a:fillRef>
+          <a:effectRef idx="1">
+            <a:schemeClr val="accent1"/>
+          </a:effectRef>
+          <a:fontRef idx="minor">
+            <a:schemeClr val="tx1"/>
+          </a:fontRef>
+        </p:style>
+      </p:cxnSp>
+      <p:cxnSp>
+        <p:nvCxnSpPr>
+          <p:cNvPr id="27" name="Connettore diritto 26">
+            <a:extLst>
+              <a:ext uri="{FF2B5EF4-FFF2-40B4-BE49-F238E27FC236}">
+                <a16:creationId xmlns:a16="http://schemas.microsoft.com/office/drawing/2014/main" id="{A200D13D-3717-4EEB-BB28-FC8A032D0CFA}"/>
+              </a:ext>
+            </a:extLst>
+          </p:cNvPr>
+          <p:cNvCxnSpPr>
+            <a:cxnSpLocks/>
+          </p:cNvCxnSpPr>
+          <p:nvPr/>
+        </p:nvCxnSpPr>
+        <p:spPr>
+          <a:xfrm>
+            <a:off x="2496065" y="2053685"/>
+            <a:ext cx="2113005" cy="0"/>
+          </a:xfrm>
+          <a:prstGeom prst="line">
+            <a:avLst/>
+          </a:prstGeom>
+        </p:spPr>
+        <p:style>
+          <a:lnRef idx="2">
+            <a:schemeClr val="accent1"/>
+          </a:lnRef>
+          <a:fillRef idx="0">
+            <a:schemeClr val="accent1"/>
+          </a:fillRef>
+          <a:effectRef idx="1">
+            <a:schemeClr val="accent1"/>
+          </a:effectRef>
+          <a:fontRef idx="minor">
+            <a:schemeClr val="tx1"/>
+          </a:fontRef>
+        </p:style>
+      </p:cxnSp>
+      <p:cxnSp>
+        <p:nvCxnSpPr>
+          <p:cNvPr id="31" name="Connettore 2 30">
+            <a:extLst>
+              <a:ext uri="{FF2B5EF4-FFF2-40B4-BE49-F238E27FC236}">
+                <a16:creationId xmlns:a16="http://schemas.microsoft.com/office/drawing/2014/main" id="{4846C151-4DA5-45AA-B6B9-B33882BE07FC}"/>
+              </a:ext>
+            </a:extLst>
+          </p:cNvPr>
+          <p:cNvCxnSpPr/>
+          <p:nvPr/>
+        </p:nvCxnSpPr>
+        <p:spPr>
+          <a:xfrm>
+            <a:off x="4609070" y="2053685"/>
+            <a:ext cx="0" cy="256614"/>
+          </a:xfrm>
+          <a:prstGeom prst="straightConnector1">
+            <a:avLst/>
+          </a:prstGeom>
+          <a:ln>
+            <a:tailEnd type="triangle"/>
+          </a:ln>
+        </p:spPr>
+        <p:style>
+          <a:lnRef idx="2">
+            <a:schemeClr val="accent1"/>
+          </a:lnRef>
+          <a:fillRef idx="0">
+            <a:schemeClr val="accent1"/>
+          </a:fillRef>
+          <a:effectRef idx="1">
+            <a:schemeClr val="accent1"/>
+          </a:effectRef>
+          <a:fontRef idx="minor">
+            <a:schemeClr val="tx1"/>
+          </a:fontRef>
+        </p:style>
+      </p:cxnSp>
+      <mc:AlternateContent xmlns:mc="http://schemas.openxmlformats.org/markup-compatibility/2006">
+        <mc:Choice xmlns:a14="http://schemas.microsoft.com/office/drawing/2010/main" Requires="a14">
+          <p:sp>
+            <p:nvSpPr>
+              <p:cNvPr id="32" name="CasellaDiTesto 31">
+                <a:extLst>
+                  <a:ext uri="{FF2B5EF4-FFF2-40B4-BE49-F238E27FC236}">
+                    <a16:creationId xmlns:a16="http://schemas.microsoft.com/office/drawing/2014/main" id="{E6DB4F21-FF5C-4A81-BDE2-D4FC7BC78132}"/>
+                  </a:ext>
+                </a:extLst>
+              </p:cNvPr>
+              <p:cNvSpPr txBox="1"/>
+              <p:nvPr/>
+            </p:nvSpPr>
+            <p:spPr>
+              <a:xfrm>
+                <a:off x="257540" y="2548949"/>
+                <a:ext cx="6590054" cy="486030"/>
+              </a:xfrm>
+              <a:prstGeom prst="rect">
+                <a:avLst/>
+              </a:prstGeom>
+              <a:noFill/>
+            </p:spPr>
+            <p:txBody>
+              <a:bodyPr wrap="square" lIns="0" tIns="0" rIns="0" bIns="0" rtlCol="0">
+                <a:spAutoFit/>
+              </a:bodyPr>
+              <a:lstStyle/>
+              <a:p>
+                <a14:m>
+                  <m:oMath xmlns:m="http://schemas.openxmlformats.org/officeDocument/2006/math">
+                    <m:sSub>
+                      <m:sSubPr>
+                        <m:ctrlPr>
+                          <a:rPr lang="it-IT" i="1" smtClean="0">
+                            <a:solidFill>
+                              <a:schemeClr val="bg1"/>
+                            </a:solidFill>
+                            <a:latin typeface="Cambria Math" panose="02040503050406030204" pitchFamily="18" charset="0"/>
+                            <a:ea typeface="Cambria Math" panose="02040503050406030204" pitchFamily="18" charset="0"/>
+                          </a:rPr>
+                        </m:ctrlPr>
+                      </m:sSubPr>
+                      <m:e>
+                        <m:r>
+                          <a:rPr lang="it-IT" b="0" i="1" smtClean="0">
+                            <a:solidFill>
+                              <a:schemeClr val="bg1"/>
+                            </a:solidFill>
+                            <a:latin typeface="Cambria Math" panose="02040503050406030204" pitchFamily="18" charset="0"/>
+                            <a:ea typeface="Cambria Math" panose="02040503050406030204" pitchFamily="18" charset="0"/>
+                          </a:rPr>
+                          <m:t>𝑝</m:t>
+                        </m:r>
+                      </m:e>
+                      <m:sub>
+                        <m:r>
+                          <a:rPr lang="it-IT" b="0" i="1" smtClean="0">
+                            <a:solidFill>
+                              <a:schemeClr val="bg1"/>
+                            </a:solidFill>
+                            <a:latin typeface="Cambria Math" panose="02040503050406030204" pitchFamily="18" charset="0"/>
+                            <a:ea typeface="Cambria Math" panose="02040503050406030204" pitchFamily="18" charset="0"/>
+                          </a:rPr>
+                          <m:t>0,1→2</m:t>
+                        </m:r>
+                      </m:sub>
+                    </m:sSub>
+                    <m:d>
+                      <m:dPr>
+                        <m:ctrlPr>
+                          <a:rPr lang="it-IT" b="0" i="1" smtClean="0">
+                            <a:solidFill>
+                              <a:schemeClr val="bg1"/>
+                            </a:solidFill>
+                            <a:latin typeface="Cambria Math" panose="02040503050406030204" pitchFamily="18" charset="0"/>
+                            <a:ea typeface="Cambria Math" panose="02040503050406030204" pitchFamily="18" charset="0"/>
+                          </a:rPr>
+                        </m:ctrlPr>
+                      </m:dPr>
+                      <m:e>
+                        <m:r>
+                          <a:rPr lang="it-IT" b="0" i="1" smtClean="0">
+                            <a:solidFill>
+                              <a:schemeClr val="bg1"/>
+                            </a:solidFill>
+                            <a:latin typeface="Cambria Math" panose="02040503050406030204" pitchFamily="18" charset="0"/>
+                            <a:ea typeface="Cambria Math" panose="02040503050406030204" pitchFamily="18" charset="0"/>
+                          </a:rPr>
+                          <m:t>𝑖</m:t>
+                        </m:r>
+                        <m:r>
+                          <a:rPr lang="it-IT" b="0" i="1" smtClean="0">
+                            <a:solidFill>
+                              <a:schemeClr val="bg1"/>
+                            </a:solidFill>
+                            <a:latin typeface="Cambria Math" panose="02040503050406030204" pitchFamily="18" charset="0"/>
+                            <a:ea typeface="Cambria Math" panose="02040503050406030204" pitchFamily="18" charset="0"/>
+                          </a:rPr>
+                          <m:t>,</m:t>
+                        </m:r>
+                        <m:r>
+                          <a:rPr lang="it-IT" b="0" i="1" smtClean="0">
+                            <a:solidFill>
+                              <a:schemeClr val="bg1"/>
+                            </a:solidFill>
+                            <a:latin typeface="Cambria Math" panose="02040503050406030204" pitchFamily="18" charset="0"/>
+                            <a:ea typeface="Cambria Math" panose="02040503050406030204" pitchFamily="18" charset="0"/>
+                          </a:rPr>
+                          <m:t>𝑡</m:t>
+                        </m:r>
+                      </m:e>
+                    </m:d>
+                    <m:r>
+                      <a:rPr lang="it-IT" b="0" i="1" smtClean="0">
+                        <a:solidFill>
+                          <a:schemeClr val="bg1"/>
+                        </a:solidFill>
+                        <a:latin typeface="Cambria Math" panose="02040503050406030204" pitchFamily="18" charset="0"/>
+                        <a:ea typeface="Cambria Math" panose="02040503050406030204" pitchFamily="18" charset="0"/>
+                      </a:rPr>
+                      <m:t>=</m:t>
+                    </m:r>
+                    <m:f>
+                      <m:fPr>
+                        <m:ctrlPr>
+                          <a:rPr lang="it-IT" b="0" i="1" smtClean="0">
+                            <a:solidFill>
+                              <a:schemeClr val="bg1"/>
+                            </a:solidFill>
+                            <a:latin typeface="Cambria Math" panose="02040503050406030204" pitchFamily="18" charset="0"/>
+                            <a:ea typeface="Cambria Math" panose="02040503050406030204" pitchFamily="18" charset="0"/>
+                          </a:rPr>
+                        </m:ctrlPr>
+                      </m:fPr>
+                      <m:num>
+                        <m:r>
+                          <a:rPr lang="it-IT" b="0" i="1" smtClean="0">
+                            <a:solidFill>
+                              <a:schemeClr val="bg1"/>
+                            </a:solidFill>
+                            <a:latin typeface="Cambria Math" panose="02040503050406030204" pitchFamily="18" charset="0"/>
+                            <a:ea typeface="Cambria Math" panose="02040503050406030204" pitchFamily="18" charset="0"/>
+                          </a:rPr>
+                          <m:t>1</m:t>
+                        </m:r>
+                      </m:num>
+                      <m:den>
+                        <m:sSub>
+                          <m:sSubPr>
+                            <m:ctrlPr>
+                              <a:rPr lang="it-IT" b="0" i="1" smtClean="0">
+                                <a:solidFill>
+                                  <a:schemeClr val="bg1"/>
+                                </a:solidFill>
+                                <a:latin typeface="Cambria Math" panose="02040503050406030204" pitchFamily="18" charset="0"/>
+                                <a:ea typeface="Cambria Math" panose="02040503050406030204" pitchFamily="18" charset="0"/>
+                              </a:rPr>
+                            </m:ctrlPr>
+                          </m:sSubPr>
+                          <m:e>
+                            <m:r>
+                              <a:rPr lang="it-IT" b="0" i="1" smtClean="0">
+                                <a:solidFill>
+                                  <a:schemeClr val="bg1"/>
+                                </a:solidFill>
+                                <a:latin typeface="Cambria Math" panose="02040503050406030204" pitchFamily="18" charset="0"/>
+                                <a:ea typeface="Cambria Math" panose="02040503050406030204" pitchFamily="18" charset="0"/>
+                              </a:rPr>
+                              <m:t>𝜏</m:t>
+                            </m:r>
+                          </m:e>
+                          <m:sub>
+                            <m:r>
+                              <a:rPr lang="it-IT" b="0" i="1" smtClean="0">
+                                <a:solidFill>
+                                  <a:schemeClr val="bg1"/>
+                                </a:solidFill>
+                                <a:latin typeface="Cambria Math" panose="02040503050406030204" pitchFamily="18" charset="0"/>
+                                <a:ea typeface="Cambria Math" panose="02040503050406030204" pitchFamily="18" charset="0"/>
+                              </a:rPr>
+                              <m:t>0,1→2</m:t>
+                            </m:r>
+                          </m:sub>
+                        </m:sSub>
+                      </m:den>
+                    </m:f>
+                  </m:oMath>
+                </a14:m>
+                <a:r>
+                  <a:rPr lang="it-IT" dirty="0">
+                    <a:solidFill>
+                      <a:schemeClr val="bg1"/>
+                    </a:solidFill>
+                    <a:latin typeface="Cambria Math" panose="02040503050406030204" pitchFamily="18" charset="0"/>
+                    <a:ea typeface="Cambria Math" panose="02040503050406030204" pitchFamily="18" charset="0"/>
+                  </a:rPr>
+                  <a:t> </a:t>
+                </a:r>
+                <a14:m>
+                  <m:oMath xmlns:m="http://schemas.openxmlformats.org/officeDocument/2006/math">
+                    <m:sSup>
+                      <m:sSupPr>
+                        <m:ctrlPr>
+                          <a:rPr lang="it-IT" b="0" i="1" smtClean="0">
+                            <a:solidFill>
+                              <a:schemeClr val="bg1"/>
+                            </a:solidFill>
+                            <a:latin typeface="Cambria Math" panose="02040503050406030204" pitchFamily="18" charset="0"/>
+                            <a:ea typeface="Cambria Math" panose="02040503050406030204" pitchFamily="18" charset="0"/>
+                          </a:rPr>
+                        </m:ctrlPr>
+                      </m:sSupPr>
+                      <m:e>
+                        <m:r>
+                          <m:rPr>
+                            <m:nor/>
+                          </m:rPr>
+                          <a:rPr lang="it-IT" dirty="0">
+                            <a:solidFill>
+                              <a:schemeClr val="bg1"/>
+                            </a:solidFill>
+                            <a:latin typeface="Cambria Math" panose="02040503050406030204" pitchFamily="18" charset="0"/>
+                            <a:ea typeface="Cambria Math" panose="02040503050406030204" pitchFamily="18" charset="0"/>
+                          </a:rPr>
+                          <m:t>[</m:t>
+                        </m:r>
+                        <m:f>
+                          <m:fPr>
+                            <m:ctrlPr>
+                              <a:rPr lang="it-IT" i="1">
+                                <a:solidFill>
+                                  <a:schemeClr val="bg1"/>
+                                </a:solidFill>
+                                <a:latin typeface="Cambria Math" panose="02040503050406030204" pitchFamily="18" charset="0"/>
+                                <a:ea typeface="Cambria Math" panose="02040503050406030204" pitchFamily="18" charset="0"/>
+                              </a:rPr>
+                            </m:ctrlPr>
+                          </m:fPr>
+                          <m:num>
+                            <m:sSubSup>
+                              <m:sSubSupPr>
+                                <m:ctrlPr>
+                                  <a:rPr lang="it-IT" i="1">
+                                    <a:solidFill>
+                                      <a:schemeClr val="bg1"/>
+                                    </a:solidFill>
+                                    <a:latin typeface="Cambria Math" panose="02040503050406030204" pitchFamily="18" charset="0"/>
+                                    <a:ea typeface="Cambria Math" panose="02040503050406030204" pitchFamily="18" charset="0"/>
+                                  </a:rPr>
+                                </m:ctrlPr>
+                              </m:sSubSupPr>
+                              <m:e>
+                                <m:r>
+                                  <a:rPr lang="it-IT" i="1">
+                                    <a:solidFill>
+                                      <a:schemeClr val="bg1"/>
+                                    </a:solidFill>
+                                    <a:latin typeface="Cambria Math" panose="02040503050406030204" pitchFamily="18" charset="0"/>
+                                    <a:ea typeface="Cambria Math" panose="02040503050406030204" pitchFamily="18" charset="0"/>
+                                  </a:rPr>
+                                  <m:t>𝑙</m:t>
+                                </m:r>
+                              </m:e>
+                              <m:sub>
+                                <m:r>
+                                  <a:rPr lang="it-IT" i="1">
+                                    <a:solidFill>
+                                      <a:schemeClr val="bg1"/>
+                                    </a:solidFill>
+                                    <a:latin typeface="Cambria Math" panose="02040503050406030204" pitchFamily="18" charset="0"/>
+                                    <a:ea typeface="Cambria Math" panose="02040503050406030204" pitchFamily="18" charset="0"/>
+                                  </a:rPr>
+                                  <m:t>𝑖</m:t>
+                                </m:r>
+                              </m:sub>
+                              <m:sup>
+                                <m:r>
+                                  <a:rPr lang="it-IT" i="1">
+                                    <a:solidFill>
+                                      <a:schemeClr val="bg1"/>
+                                    </a:solidFill>
+                                    <a:latin typeface="Cambria Math" panose="02040503050406030204" pitchFamily="18" charset="0"/>
+                                    <a:ea typeface="Cambria Math" panose="02040503050406030204" pitchFamily="18" charset="0"/>
+                                  </a:rPr>
+                                  <m:t>𝑡</m:t>
+                                </m:r>
+                              </m:sup>
+                            </m:sSubSup>
+                          </m:num>
+                          <m:den>
+                            <m:sSub>
+                              <m:sSubPr>
+                                <m:ctrlPr>
+                                  <a:rPr lang="it-IT" i="1">
+                                    <a:solidFill>
+                                      <a:schemeClr val="bg1"/>
+                                    </a:solidFill>
+                                    <a:latin typeface="Cambria Math" panose="02040503050406030204" pitchFamily="18" charset="0"/>
+                                    <a:ea typeface="Cambria Math" panose="02040503050406030204" pitchFamily="18" charset="0"/>
+                                  </a:rPr>
+                                </m:ctrlPr>
+                              </m:sSubPr>
+                              <m:e>
+                                <m:r>
+                                  <a:rPr lang="it-IT" i="1">
+                                    <a:solidFill>
+                                      <a:schemeClr val="bg1"/>
+                                    </a:solidFill>
+                                    <a:latin typeface="Cambria Math" panose="02040503050406030204" pitchFamily="18" charset="0"/>
+                                    <a:ea typeface="Cambria Math" panose="02040503050406030204" pitchFamily="18" charset="0"/>
+                                  </a:rPr>
+                                  <m:t>𝑑</m:t>
+                                </m:r>
+                              </m:e>
+                              <m:sub>
+                                <m:r>
+                                  <a:rPr lang="it-IT" i="1">
+                                    <a:solidFill>
+                                      <a:schemeClr val="bg1"/>
+                                    </a:solidFill>
+                                    <a:latin typeface="Cambria Math" panose="02040503050406030204" pitchFamily="18" charset="0"/>
+                                    <a:ea typeface="Cambria Math" panose="02040503050406030204" pitchFamily="18" charset="0"/>
+                                  </a:rPr>
+                                  <m:t>𝑅</m:t>
+                                </m:r>
+                              </m:sub>
+                            </m:sSub>
+                          </m:den>
+                        </m:f>
+                        <m:r>
+                          <a:rPr lang="it-IT">
+                            <a:solidFill>
+                              <a:schemeClr val="bg1"/>
+                            </a:solidFill>
+                            <a:latin typeface="Cambria Math" panose="02040503050406030204" pitchFamily="18" charset="0"/>
+                            <a:ea typeface="Cambria Math" panose="02040503050406030204" pitchFamily="18" charset="0"/>
+                          </a:rPr>
+                          <m:t>(</m:t>
+                        </m:r>
+                        <m:r>
+                          <a:rPr lang="it-IT" i="1">
+                            <a:solidFill>
+                              <a:schemeClr val="bg1"/>
+                            </a:solidFill>
+                            <a:latin typeface="Cambria Math" panose="02040503050406030204" pitchFamily="18" charset="0"/>
+                            <a:ea typeface="Cambria Math" panose="02040503050406030204" pitchFamily="18" charset="0"/>
+                          </a:rPr>
+                          <m:t>1+</m:t>
+                        </m:r>
+                        <m:r>
+                          <a:rPr lang="it-IT" i="1">
+                            <a:solidFill>
+                              <a:schemeClr val="bg1"/>
+                            </a:solidFill>
+                            <a:latin typeface="Cambria Math" panose="02040503050406030204" pitchFamily="18" charset="0"/>
+                            <a:ea typeface="Cambria Math" panose="02040503050406030204" pitchFamily="18" charset="0"/>
+                          </a:rPr>
+                          <m:t>𝛼</m:t>
+                        </m:r>
+                        <m:r>
+                          <a:rPr lang="it-IT" i="1">
+                            <a:solidFill>
+                              <a:schemeClr val="bg1"/>
+                            </a:solidFill>
+                            <a:latin typeface="Cambria Math" panose="02040503050406030204" pitchFamily="18" charset="0"/>
+                            <a:ea typeface="Cambria Math" panose="02040503050406030204" pitchFamily="18" charset="0"/>
+                          </a:rPr>
+                          <m:t> </m:t>
+                        </m:r>
+                        <m:sSubSup>
+                          <m:sSubSupPr>
+                            <m:ctrlPr>
+                              <a:rPr lang="it-IT" i="1">
+                                <a:solidFill>
+                                  <a:schemeClr val="bg1"/>
+                                </a:solidFill>
+                                <a:latin typeface="Cambria Math" panose="02040503050406030204" pitchFamily="18" charset="0"/>
+                                <a:ea typeface="Cambria Math" panose="02040503050406030204" pitchFamily="18" charset="0"/>
+                              </a:rPr>
+                            </m:ctrlPr>
+                          </m:sSubSupPr>
+                          <m:e>
+                            <m:r>
+                              <a:rPr lang="it-IT" b="0" i="1" smtClean="0">
+                                <a:solidFill>
+                                  <a:schemeClr val="bg1"/>
+                                </a:solidFill>
+                                <a:latin typeface="Cambria Math" panose="02040503050406030204" pitchFamily="18" charset="0"/>
+                                <a:ea typeface="Cambria Math" panose="02040503050406030204" pitchFamily="18" charset="0"/>
+                              </a:rPr>
+                              <m:t>𝑛</m:t>
+                            </m:r>
+                          </m:e>
+                          <m:sub>
+                            <m:r>
+                              <a:rPr lang="it-IT" b="0" i="1" smtClean="0">
+                                <a:solidFill>
+                                  <a:schemeClr val="bg1"/>
+                                </a:solidFill>
+                                <a:latin typeface="Cambria Math" panose="02040503050406030204" pitchFamily="18" charset="0"/>
+                                <a:ea typeface="Cambria Math" panose="02040503050406030204" pitchFamily="18" charset="0"/>
+                              </a:rPr>
+                              <m:t>2</m:t>
+                            </m:r>
+                          </m:sub>
+                          <m:sup>
+                            <m:r>
+                              <a:rPr lang="it-IT" i="1">
+                                <a:solidFill>
+                                  <a:schemeClr val="bg1"/>
+                                </a:solidFill>
+                                <a:latin typeface="Cambria Math" panose="02040503050406030204" pitchFamily="18" charset="0"/>
+                                <a:ea typeface="Cambria Math" panose="02040503050406030204" pitchFamily="18" charset="0"/>
+                              </a:rPr>
+                              <m:t>𝑡</m:t>
+                            </m:r>
+                          </m:sup>
+                        </m:sSubSup>
+                        <m:d>
+                          <m:dPr>
+                            <m:ctrlPr>
+                              <a:rPr lang="it-IT" i="1">
+                                <a:solidFill>
+                                  <a:schemeClr val="bg1"/>
+                                </a:solidFill>
+                                <a:latin typeface="Cambria Math" panose="02040503050406030204" pitchFamily="18" charset="0"/>
+                                <a:ea typeface="Cambria Math" panose="02040503050406030204" pitchFamily="18" charset="0"/>
+                              </a:rPr>
+                            </m:ctrlPr>
+                          </m:dPr>
+                          <m:e>
+                            <m:r>
+                              <a:rPr lang="it-IT" i="1">
+                                <a:solidFill>
+                                  <a:schemeClr val="bg1"/>
+                                </a:solidFill>
+                                <a:latin typeface="Cambria Math" panose="02040503050406030204" pitchFamily="18" charset="0"/>
+                                <a:ea typeface="Cambria Math" panose="02040503050406030204" pitchFamily="18" charset="0"/>
+                              </a:rPr>
+                              <m:t>𝑖</m:t>
+                            </m:r>
+                          </m:e>
+                        </m:d>
+                        <m:r>
+                          <a:rPr lang="it-IT" i="1">
+                            <a:solidFill>
+                              <a:schemeClr val="bg1"/>
+                            </a:solidFill>
+                            <a:latin typeface="Cambria Math" panose="02040503050406030204" pitchFamily="18" charset="0"/>
+                            <a:ea typeface="Cambria Math" panose="02040503050406030204" pitchFamily="18" charset="0"/>
+                          </a:rPr>
+                          <m:t>)]</m:t>
+                        </m:r>
+                      </m:e>
+                      <m:sup>
+                        <m:r>
+                          <a:rPr lang="it-IT" b="0" i="1" smtClean="0">
+                            <a:solidFill>
+                              <a:schemeClr val="bg1"/>
+                            </a:solidFill>
+                            <a:latin typeface="Cambria Math" panose="02040503050406030204" pitchFamily="18" charset="0"/>
+                            <a:ea typeface="Cambria Math" panose="02040503050406030204" pitchFamily="18" charset="0"/>
+                          </a:rPr>
+                          <m:t>𝛿</m:t>
+                        </m:r>
+                      </m:sup>
+                    </m:sSup>
+                  </m:oMath>
+                </a14:m>
+                <a:endParaRPr lang="it-IT" dirty="0">
+                  <a:solidFill>
+                    <a:schemeClr val="bg1"/>
+                  </a:solidFill>
+                  <a:latin typeface="Cambria Math" panose="02040503050406030204" pitchFamily="18" charset="0"/>
+                  <a:ea typeface="Cambria Math" panose="02040503050406030204" pitchFamily="18" charset="0"/>
+                </a:endParaRPr>
+              </a:p>
+            </p:txBody>
+          </p:sp>
+        </mc:Choice>
+        <mc:Fallback>
+          <p:sp>
+            <p:nvSpPr>
+              <p:cNvPr id="32" name="CasellaDiTesto 31">
+                <a:extLst>
+                  <a:ext uri="{FF2B5EF4-FFF2-40B4-BE49-F238E27FC236}">
+                    <a16:creationId xmlns:a16="http://schemas.microsoft.com/office/drawing/2014/main" id="{E6DB4F21-FF5C-4A81-BDE2-D4FC7BC78132}"/>
+                  </a:ext>
+                </a:extLst>
+              </p:cNvPr>
+              <p:cNvSpPr txBox="1">
+                <a:spLocks noRot="1" noChangeAspect="1" noMove="1" noResize="1" noEditPoints="1" noAdjustHandles="1" noChangeArrowheads="1" noChangeShapeType="1" noTextEdit="1"/>
+              </p:cNvSpPr>
+              <p:nvPr/>
+            </p:nvSpPr>
+            <p:spPr>
+              <a:xfrm>
+                <a:off x="257540" y="2548949"/>
+                <a:ext cx="6590054" cy="486030"/>
+              </a:xfrm>
+              <a:prstGeom prst="rect">
+                <a:avLst/>
+              </a:prstGeom>
+              <a:blipFill>
+                <a:blip r:embed="rId7"/>
+                <a:stretch>
+                  <a:fillRect b="-2500"/>
+                </a:stretch>
+              </a:blipFill>
+            </p:spPr>
+            <p:txBody>
+              <a:bodyPr/>
+              <a:lstStyle/>
+              <a:p>
+                <a:r>
+                  <a:rPr lang="it-IT">
+                    <a:noFill/>
+                  </a:rPr>
+                  <a:t> </a:t>
+                </a:r>
+              </a:p>
+            </p:txBody>
+          </p:sp>
+        </mc:Fallback>
+      </mc:AlternateContent>
+      <p:cxnSp>
+        <p:nvCxnSpPr>
+          <p:cNvPr id="36" name="Connettore diritto 35">
+            <a:extLst>
+              <a:ext uri="{FF2B5EF4-FFF2-40B4-BE49-F238E27FC236}">
+                <a16:creationId xmlns:a16="http://schemas.microsoft.com/office/drawing/2014/main" id="{684E2739-9E36-48EE-BD51-23D5B608538B}"/>
+              </a:ext>
+            </a:extLst>
+          </p:cNvPr>
+          <p:cNvCxnSpPr/>
+          <p:nvPr/>
+        </p:nvCxnSpPr>
+        <p:spPr>
+          <a:xfrm>
+            <a:off x="1581665" y="1657582"/>
+            <a:ext cx="914400" cy="0"/>
+          </a:xfrm>
+          <a:prstGeom prst="line">
+            <a:avLst/>
+          </a:prstGeom>
+        </p:spPr>
+        <p:style>
+          <a:lnRef idx="2">
+            <a:schemeClr val="accent1"/>
+          </a:lnRef>
+          <a:fillRef idx="0">
+            <a:schemeClr val="accent1"/>
+          </a:fillRef>
+          <a:effectRef idx="1">
+            <a:schemeClr val="accent1"/>
+          </a:effectRef>
+          <a:fontRef idx="minor">
+            <a:schemeClr val="tx1"/>
+          </a:fontRef>
+        </p:style>
+      </p:cxnSp>
+      <p:cxnSp>
+        <p:nvCxnSpPr>
+          <p:cNvPr id="38" name="Connettore diritto 37">
+            <a:extLst>
+              <a:ext uri="{FF2B5EF4-FFF2-40B4-BE49-F238E27FC236}">
+                <a16:creationId xmlns:a16="http://schemas.microsoft.com/office/drawing/2014/main" id="{D0E360B9-1D33-4468-B8D3-68D325761DAA}"/>
+              </a:ext>
+            </a:extLst>
+          </p:cNvPr>
+          <p:cNvCxnSpPr/>
+          <p:nvPr/>
+        </p:nvCxnSpPr>
+        <p:spPr>
+          <a:xfrm flipV="1">
+            <a:off x="1594022" y="1657582"/>
+            <a:ext cx="0" cy="248641"/>
+          </a:xfrm>
+          <a:prstGeom prst="line">
+            <a:avLst/>
+          </a:prstGeom>
+        </p:spPr>
+        <p:style>
+          <a:lnRef idx="2">
+            <a:schemeClr val="accent1"/>
+          </a:lnRef>
+          <a:fillRef idx="0">
+            <a:schemeClr val="accent1"/>
+          </a:fillRef>
+          <a:effectRef idx="1">
+            <a:schemeClr val="accent1"/>
+          </a:effectRef>
+          <a:fontRef idx="minor">
+            <a:schemeClr val="tx1"/>
+          </a:fontRef>
+        </p:style>
+      </p:cxnSp>
+      <p:cxnSp>
+        <p:nvCxnSpPr>
+          <p:cNvPr id="39" name="Connettore diritto 38">
+            <a:extLst>
+              <a:ext uri="{FF2B5EF4-FFF2-40B4-BE49-F238E27FC236}">
+                <a16:creationId xmlns:a16="http://schemas.microsoft.com/office/drawing/2014/main" id="{CC5B642D-661C-4D1F-A1A6-DAFDD586E916}"/>
+              </a:ext>
+            </a:extLst>
+          </p:cNvPr>
+          <p:cNvCxnSpPr>
+            <a:cxnSpLocks/>
+          </p:cNvCxnSpPr>
+          <p:nvPr/>
+        </p:nvCxnSpPr>
+        <p:spPr>
+          <a:xfrm flipH="1" flipV="1">
+            <a:off x="2329250" y="3087896"/>
+            <a:ext cx="6177" cy="291503"/>
+          </a:xfrm>
+          <a:prstGeom prst="line">
+            <a:avLst/>
+          </a:prstGeom>
+        </p:spPr>
+        <p:style>
+          <a:lnRef idx="2">
+            <a:schemeClr val="accent1"/>
+          </a:lnRef>
+          <a:fillRef idx="0">
+            <a:schemeClr val="accent1"/>
+          </a:fillRef>
+          <a:effectRef idx="1">
+            <a:schemeClr val="accent1"/>
+          </a:effectRef>
+          <a:fontRef idx="minor">
+            <a:schemeClr val="tx1"/>
+          </a:fontRef>
+        </p:style>
+      </p:cxnSp>
+      <p:cxnSp>
+        <p:nvCxnSpPr>
+          <p:cNvPr id="43" name="Connettore 2 42">
+            <a:extLst>
+              <a:ext uri="{FF2B5EF4-FFF2-40B4-BE49-F238E27FC236}">
+                <a16:creationId xmlns:a16="http://schemas.microsoft.com/office/drawing/2014/main" id="{CCAD6C27-C85B-4357-94D4-52528E45543F}"/>
+              </a:ext>
+            </a:extLst>
+          </p:cNvPr>
+          <p:cNvCxnSpPr/>
+          <p:nvPr/>
+        </p:nvCxnSpPr>
+        <p:spPr>
+          <a:xfrm>
+            <a:off x="2335427" y="3379399"/>
+            <a:ext cx="1895918" cy="0"/>
+          </a:xfrm>
+          <a:prstGeom prst="straightConnector1">
+            <a:avLst/>
+          </a:prstGeom>
+          <a:ln>
+            <a:tailEnd type="triangle"/>
+          </a:ln>
+        </p:spPr>
+        <p:style>
+          <a:lnRef idx="2">
+            <a:schemeClr val="accent1"/>
+          </a:lnRef>
+          <a:fillRef idx="0">
+            <a:schemeClr val="accent1"/>
+          </a:fillRef>
+          <a:effectRef idx="1">
+            <a:schemeClr val="accent1"/>
+          </a:effectRef>
+          <a:fontRef idx="minor">
+            <a:schemeClr val="tx1"/>
+          </a:fontRef>
+        </p:style>
+      </p:cxnSp>
+      <p:sp>
+        <p:nvSpPr>
+          <p:cNvPr id="46" name="Rettangolo 1">
+            <a:extLst>
+              <a:ext uri="{FF2B5EF4-FFF2-40B4-BE49-F238E27FC236}">
+                <a16:creationId xmlns:a16="http://schemas.microsoft.com/office/drawing/2014/main" id="{AEFC8A3F-00CF-4FCF-ADD9-BFEB968165E0}"/>
+              </a:ext>
+            </a:extLst>
+          </p:cNvPr>
+          <p:cNvSpPr/>
+          <p:nvPr/>
+        </p:nvSpPr>
+        <p:spPr>
+          <a:xfrm>
+            <a:off x="123567" y="4312614"/>
+            <a:ext cx="6715966" cy="923330"/>
+          </a:xfrm>
+          <a:prstGeom prst="rect">
+            <a:avLst/>
+          </a:prstGeom>
+        </p:spPr>
+        <p:txBody>
+          <a:bodyPr wrap="square">
+            <a:spAutoFit/>
+          </a:bodyPr>
+          <a:lstStyle/>
+          <a:p>
+            <a:pPr marL="285750" indent="-285750">
+              <a:buFont typeface="Arial" panose="020B0604020202020204" pitchFamily="34" charset="0"/>
+              <a:buChar char="•"/>
+            </a:pPr>
+            <a:r>
+              <a:rPr lang="it-IT" dirty="0">
+                <a:solidFill>
+                  <a:schemeClr val="bg1"/>
+                </a:solidFill>
+                <a:latin typeface="+mn-lt"/>
+              </a:rPr>
+              <a:t>Sheeps </a:t>
+            </a:r>
+            <a:r>
+              <a:rPr lang="it-IT" dirty="0" err="1">
+                <a:solidFill>
+                  <a:schemeClr val="bg1"/>
+                </a:solidFill>
+                <a:latin typeface="+mn-lt"/>
+              </a:rPr>
+              <a:t>behaviour</a:t>
+            </a:r>
+            <a:r>
+              <a:rPr lang="it-IT" dirty="0">
+                <a:solidFill>
+                  <a:schemeClr val="bg1"/>
+                </a:solidFill>
+                <a:latin typeface="+mn-lt"/>
+              </a:rPr>
+              <a:t> </a:t>
+            </a:r>
+            <a:r>
+              <a:rPr lang="it-IT" dirty="0" err="1">
+                <a:solidFill>
+                  <a:schemeClr val="bg1"/>
+                </a:solidFill>
+                <a:latin typeface="+mn-lt"/>
+              </a:rPr>
+              <a:t>is</a:t>
+            </a:r>
+            <a:r>
+              <a:rPr lang="it-IT" dirty="0">
+                <a:solidFill>
+                  <a:schemeClr val="bg1"/>
+                </a:solidFill>
+                <a:latin typeface="+mn-lt"/>
+              </a:rPr>
+              <a:t> set the </a:t>
+            </a:r>
+            <a:r>
+              <a:rPr lang="it-IT" dirty="0" err="1">
+                <a:solidFill>
+                  <a:schemeClr val="bg1"/>
+                </a:solidFill>
+                <a:latin typeface="+mn-lt"/>
+              </a:rPr>
+              <a:t>same</a:t>
+            </a:r>
+            <a:r>
+              <a:rPr lang="it-IT" dirty="0">
+                <a:solidFill>
+                  <a:schemeClr val="bg1"/>
+                </a:solidFill>
+                <a:latin typeface="+mn-lt"/>
+              </a:rPr>
+              <a:t> way </a:t>
+            </a:r>
+            <a:r>
+              <a:rPr lang="it-IT" dirty="0" err="1">
+                <a:solidFill>
+                  <a:schemeClr val="bg1"/>
+                </a:solidFill>
+                <a:latin typeface="+mn-lt"/>
+              </a:rPr>
+              <a:t>as</a:t>
+            </a:r>
+            <a:r>
+              <a:rPr lang="it-IT" dirty="0">
+                <a:solidFill>
+                  <a:schemeClr val="bg1"/>
+                </a:solidFill>
+                <a:latin typeface="+mn-lt"/>
+              </a:rPr>
+              <a:t> </a:t>
+            </a:r>
+            <a:r>
+              <a:rPr lang="it-IT" dirty="0" err="1">
+                <a:solidFill>
+                  <a:schemeClr val="bg1"/>
+                </a:solidFill>
+                <a:latin typeface="+mn-lt"/>
+              </a:rPr>
+              <a:t>it</a:t>
+            </a:r>
+            <a:r>
+              <a:rPr lang="it-IT" dirty="0">
+                <a:solidFill>
+                  <a:schemeClr val="bg1"/>
+                </a:solidFill>
+                <a:latin typeface="+mn-lt"/>
+              </a:rPr>
+              <a:t> </a:t>
+            </a:r>
+            <a:r>
+              <a:rPr lang="it-IT" dirty="0" err="1">
+                <a:solidFill>
+                  <a:schemeClr val="bg1"/>
+                </a:solidFill>
+                <a:latin typeface="+mn-lt"/>
+              </a:rPr>
+              <a:t>was</a:t>
+            </a:r>
+            <a:r>
+              <a:rPr lang="it-IT" dirty="0">
+                <a:solidFill>
+                  <a:schemeClr val="bg1"/>
+                </a:solidFill>
+                <a:latin typeface="+mn-lt"/>
+              </a:rPr>
+              <a:t> in the </a:t>
+            </a:r>
+            <a:r>
+              <a:rPr lang="it-IT" dirty="0" err="1">
+                <a:solidFill>
+                  <a:schemeClr val="bg1"/>
+                </a:solidFill>
+                <a:latin typeface="+mn-lt"/>
+              </a:rPr>
+              <a:t>reference</a:t>
+            </a:r>
+            <a:r>
+              <a:rPr lang="it-IT" dirty="0">
+                <a:solidFill>
+                  <a:schemeClr val="bg1"/>
+                </a:solidFill>
+                <a:latin typeface="+mn-lt"/>
+              </a:rPr>
+              <a:t> paper, </a:t>
+            </a:r>
+            <a:r>
+              <a:rPr lang="it-IT" dirty="0" err="1">
+                <a:solidFill>
+                  <a:schemeClr val="bg1"/>
+                </a:solidFill>
+                <a:latin typeface="+mn-lt"/>
+              </a:rPr>
+              <a:t>although</a:t>
+            </a:r>
+            <a:r>
+              <a:rPr lang="it-IT" dirty="0">
+                <a:solidFill>
+                  <a:schemeClr val="bg1"/>
+                </a:solidFill>
+                <a:latin typeface="+mn-lt"/>
+              </a:rPr>
+              <a:t> the user can </a:t>
+            </a:r>
+            <a:r>
+              <a:rPr lang="it-IT" dirty="0" err="1">
+                <a:solidFill>
+                  <a:schemeClr val="bg1"/>
+                </a:solidFill>
+                <a:latin typeface="+mn-lt"/>
+              </a:rPr>
+              <a:t>still</a:t>
+            </a:r>
+            <a:r>
+              <a:rPr lang="it-IT" dirty="0">
+                <a:solidFill>
+                  <a:schemeClr val="bg1"/>
+                </a:solidFill>
+                <a:latin typeface="+mn-lt"/>
+              </a:rPr>
+              <a:t> </a:t>
+            </a:r>
+            <a:r>
+              <a:rPr lang="it-IT" dirty="0" err="1">
+                <a:solidFill>
+                  <a:schemeClr val="bg1"/>
+                </a:solidFill>
+                <a:latin typeface="+mn-lt"/>
+              </a:rPr>
+              <a:t>customize</a:t>
+            </a:r>
+            <a:r>
+              <a:rPr lang="it-IT" dirty="0">
+                <a:solidFill>
+                  <a:schemeClr val="bg1"/>
+                </a:solidFill>
+                <a:latin typeface="+mn-lt"/>
+              </a:rPr>
+              <a:t> some of the </a:t>
+            </a:r>
+            <a:r>
+              <a:rPr lang="it-IT" dirty="0" err="1">
+                <a:solidFill>
+                  <a:schemeClr val="bg1"/>
+                </a:solidFill>
+                <a:latin typeface="+mn-lt"/>
+              </a:rPr>
+              <a:t>parameters</a:t>
+            </a:r>
+            <a:r>
+              <a:rPr lang="it-IT" dirty="0">
+                <a:solidFill>
+                  <a:schemeClr val="bg1"/>
+                </a:solidFill>
+                <a:latin typeface="+mn-lt"/>
+              </a:rPr>
+              <a:t> to </a:t>
+            </a:r>
+            <a:r>
+              <a:rPr lang="it-IT" dirty="0" err="1">
+                <a:solidFill>
+                  <a:schemeClr val="bg1"/>
+                </a:solidFill>
+                <a:latin typeface="+mn-lt"/>
+              </a:rPr>
+              <a:t>see</a:t>
+            </a:r>
+            <a:r>
+              <a:rPr lang="it-IT" dirty="0">
+                <a:solidFill>
+                  <a:schemeClr val="bg1"/>
+                </a:solidFill>
+                <a:latin typeface="+mn-lt"/>
+              </a:rPr>
+              <a:t> </a:t>
+            </a:r>
+            <a:r>
+              <a:rPr lang="it-IT" dirty="0" err="1">
+                <a:solidFill>
+                  <a:schemeClr val="bg1"/>
+                </a:solidFill>
+                <a:latin typeface="+mn-lt"/>
+              </a:rPr>
+              <a:t>how</a:t>
+            </a:r>
+            <a:r>
+              <a:rPr lang="it-IT" dirty="0">
+                <a:solidFill>
+                  <a:schemeClr val="bg1"/>
+                </a:solidFill>
+                <a:latin typeface="+mn-lt"/>
+              </a:rPr>
+              <a:t> </a:t>
+            </a:r>
+            <a:r>
+              <a:rPr lang="it-IT" dirty="0" err="1">
+                <a:solidFill>
+                  <a:schemeClr val="bg1"/>
+                </a:solidFill>
+                <a:latin typeface="+mn-lt"/>
+              </a:rPr>
+              <a:t>it</a:t>
+            </a:r>
+            <a:r>
+              <a:rPr lang="it-IT" dirty="0">
+                <a:solidFill>
+                  <a:schemeClr val="bg1"/>
+                </a:solidFill>
+                <a:latin typeface="+mn-lt"/>
+              </a:rPr>
+              <a:t> </a:t>
+            </a:r>
+            <a:r>
+              <a:rPr lang="it-IT" dirty="0" err="1">
+                <a:solidFill>
+                  <a:schemeClr val="bg1"/>
+                </a:solidFill>
+                <a:latin typeface="+mn-lt"/>
+              </a:rPr>
+              <a:t>affects</a:t>
+            </a:r>
+            <a:r>
+              <a:rPr lang="it-IT" dirty="0">
+                <a:solidFill>
+                  <a:schemeClr val="bg1"/>
+                </a:solidFill>
+                <a:latin typeface="+mn-lt"/>
+              </a:rPr>
+              <a:t> the music.</a:t>
             </a:r>
           </a:p>
         </p:txBody>
@@ -5323,8 +7674,141 @@
                   <a:schemeClr val="bg1"/>
                 </a:solidFill>
               </a:rPr>
-              <a:t>Slide 2/totale</a:t>
-            </a:r>
+              <a:t>Slide 11/11</a:t>
+            </a:r>
+          </a:p>
+        </p:txBody>
+      </p:sp>
+      <p:sp>
+        <p:nvSpPr>
+          <p:cNvPr id="7" name="CasellaDiTesto 6">
+            <a:extLst>
+              <a:ext uri="{FF2B5EF4-FFF2-40B4-BE49-F238E27FC236}">
+                <a16:creationId xmlns:a16="http://schemas.microsoft.com/office/drawing/2014/main" id="{FB5AF493-A10A-42F9-9BE6-5A8AE6BBA642}"/>
+              </a:ext>
+            </a:extLst>
+          </p:cNvPr>
+          <p:cNvSpPr txBox="1"/>
+          <p:nvPr/>
+        </p:nvSpPr>
+        <p:spPr>
+          <a:xfrm>
+            <a:off x="123567" y="157954"/>
+            <a:ext cx="6203092" cy="707886"/>
+          </a:xfrm>
+          <a:prstGeom prst="rect">
+            <a:avLst/>
+          </a:prstGeom>
+          <a:noFill/>
+        </p:spPr>
+        <p:txBody>
+          <a:bodyPr wrap="square" rtlCol="0">
+            <a:spAutoFit/>
+          </a:bodyPr>
+          <a:lstStyle/>
+          <a:p>
+            <a:r>
+              <a:rPr lang="it-IT" sz="4000" dirty="0">
+                <a:solidFill>
+                  <a:schemeClr val="bg1"/>
+                </a:solidFill>
+              </a:rPr>
+              <a:t>SHEEPS THANKS </a:t>
+            </a:r>
+          </a:p>
+        </p:txBody>
+      </p:sp>
+      <p:pic>
+        <p:nvPicPr>
+          <p:cNvPr id="4" name="Immagine 3">
+            <a:extLst>
+              <a:ext uri="{FF2B5EF4-FFF2-40B4-BE49-F238E27FC236}">
+                <a16:creationId xmlns:a16="http://schemas.microsoft.com/office/drawing/2014/main" id="{896CED72-007B-4738-8010-E0CC7EA1D275}"/>
+              </a:ext>
+            </a:extLst>
+          </p:cNvPr>
+          <p:cNvPicPr>
+            <a:picLocks noChangeAspect="1"/>
+          </p:cNvPicPr>
+          <p:nvPr/>
+        </p:nvPicPr>
+        <p:blipFill rotWithShape="1">
+          <a:blip r:embed="rId4">
+            <a:lum bright="70000" contrast="-70000"/>
+            <a:extLst>
+              <a:ext uri="{BEBA8EAE-BF5A-486C-A8C5-ECC9F3942E4B}">
+                <a14:imgProps xmlns:a14="http://schemas.microsoft.com/office/drawing/2010/main">
+                  <a14:imgLayer r:embed="rId5">
+                    <a14:imgEffect>
+                      <a14:brightnessContrast bright="-40000" contrast="-20000"/>
+                    </a14:imgEffect>
+                  </a14:imgLayer>
+                </a14:imgProps>
+              </a:ext>
+            </a:extLst>
+          </a:blip>
+          <a:srcRect b="15409"/>
+          <a:stretch/>
+        </p:blipFill>
+        <p:spPr>
+          <a:xfrm flipH="1">
+            <a:off x="0" y="631851"/>
+            <a:ext cx="2458995" cy="2244400"/>
+          </a:xfrm>
+          <a:prstGeom prst="rect">
+            <a:avLst/>
+          </a:prstGeom>
+        </p:spPr>
+      </p:pic>
+      <p:sp>
+        <p:nvSpPr>
+          <p:cNvPr id="8" name="CasellaDiTesto 7">
+            <a:extLst>
+              <a:ext uri="{FF2B5EF4-FFF2-40B4-BE49-F238E27FC236}">
+                <a16:creationId xmlns:a16="http://schemas.microsoft.com/office/drawing/2014/main" id="{50AD2F7F-8EA3-4774-AED2-ED8637AE4DA1}"/>
+              </a:ext>
+            </a:extLst>
+          </p:cNvPr>
+          <p:cNvSpPr txBox="1"/>
+          <p:nvPr/>
+        </p:nvSpPr>
+        <p:spPr>
+          <a:xfrm>
+            <a:off x="942203" y="3075057"/>
+            <a:ext cx="6561641" cy="707886"/>
+          </a:xfrm>
+          <a:prstGeom prst="rect">
+            <a:avLst/>
+          </a:prstGeom>
+          <a:noFill/>
+        </p:spPr>
+        <p:txBody>
+          <a:bodyPr wrap="square" rtlCol="0">
+            <a:spAutoFit/>
+          </a:bodyPr>
+          <a:lstStyle/>
+          <a:p>
+            <a:r>
+              <a:rPr lang="it-IT" sz="4000" dirty="0">
+                <a:solidFill>
+                  <a:schemeClr val="bg1"/>
+                </a:solidFill>
+              </a:rPr>
+              <a:t>Thanks for the </a:t>
+            </a:r>
+            <a:r>
+              <a:rPr lang="it-IT" sz="4000" dirty="0" err="1">
+                <a:solidFill>
+                  <a:schemeClr val="bg1"/>
+                </a:solidFill>
+              </a:rPr>
+              <a:t>attention</a:t>
+            </a:r>
+            <a:endParaRPr lang="it-IT" sz="4000" dirty="0">
+              <a:solidFill>
+                <a:schemeClr val="bg1"/>
+              </a:solidFill>
+            </a:endParaRPr>
           </a:p>
         </p:txBody>
       </p:sp>
@@ -5338,6 +7822,135 @@
   <p:clrMapOvr>
     <a:masterClrMapping/>
   </p:clrMapOvr>
+  <p:timing>
+    <p:tnLst>
+      <p:par>
+        <p:cTn id="1" dur="indefinite" restart="never" nodeType="tmRoot">
+          <p:childTnLst>
+            <p:seq concurrent="1" nextAc="seek">
+              <p:cTn id="2" dur="indefinite" nodeType="mainSeq">
+                <p:childTnLst>
+                  <p:par>
+                    <p:cTn id="3" fill="hold">
+                      <p:stCondLst>
+                        <p:cond delay="indefinite"/>
+                        <p:cond evt="onBegin" delay="0">
+                          <p:tn val="2"/>
+                        </p:cond>
+                      </p:stCondLst>
+                      <p:childTnLst>
+                        <p:par>
+                          <p:cTn id="4" fill="hold">
+                            <p:stCondLst>
+                              <p:cond delay="0"/>
+                            </p:stCondLst>
+                            <p:childTnLst>
+                              <p:par>
+                                <p:cTn id="5" presetID="42" presetClass="path" presetSubtype="0" accel="50000" decel="50000" fill="hold" nodeType="withEffect">
+                                  <p:stCondLst>
+                                    <p:cond delay="0"/>
+                                  </p:stCondLst>
+                                  <p:childTnLst>
+                                    <p:animMotion origin="layout" path="M -0.36546 -0.23287 L 0.26025 0.05949 " pathEditMode="relative" rAng="0" ptsTypes="AA">
+                                      <p:cBhvr>
+                                        <p:cTn id="6" dur="2000" fill="hold"/>
+                                        <p:tgtEl>
+                                          <p:spTgt spid="4"/>
+                                        </p:tgtEl>
+                                        <p:attrNameLst>
+                                          <p:attrName>ppt_x</p:attrName>
+                                          <p:attrName>ppt_y</p:attrName>
+                                        </p:attrNameLst>
+                                      </p:cBhvr>
+                                      <p:rCtr x="31285" y="14606"/>
+                                    </p:animMotion>
+                                  </p:childTnLst>
+                                </p:cTn>
+                              </p:par>
+                              <p:par>
+                                <p:cTn id="7" presetID="42" presetClass="path" presetSubtype="0" accel="50000" decel="50000" fill="hold" grpId="0" nodeType="withEffect">
+                                  <p:stCondLst>
+                                    <p:cond delay="0"/>
+                                  </p:stCondLst>
+                                  <p:childTnLst>
+                                    <p:animMotion origin="layout" path="M -0.70625 -0.30579 L -0.04792 -0.01157 " pathEditMode="relative" rAng="0" ptsTypes="AA">
+                                      <p:cBhvr>
+                                        <p:cTn id="8" dur="2000" fill="hold"/>
+                                        <p:tgtEl>
+                                          <p:spTgt spid="8"/>
+                                        </p:tgtEl>
+                                        <p:attrNameLst>
+                                          <p:attrName>ppt_x</p:attrName>
+                                          <p:attrName>ppt_y</p:attrName>
+                                        </p:attrNameLst>
+                                      </p:cBhvr>
+                                      <p:rCtr x="32917" y="14699"/>
+                                    </p:animMotion>
+                                  </p:childTnLst>
+                                </p:cTn>
+                              </p:par>
+                            </p:childTnLst>
+                          </p:cTn>
+                        </p:par>
+                        <p:par>
+                          <p:cTn id="9" fill="hold">
+                            <p:stCondLst>
+                              <p:cond delay="2000"/>
+                            </p:stCondLst>
+                            <p:childTnLst>
+                              <p:par>
+                                <p:cTn id="10" presetID="42" presetClass="path" presetSubtype="0" accel="50000" decel="50000" fill="hold" nodeType="afterEffect">
+                                  <p:stCondLst>
+                                    <p:cond delay="0"/>
+                                  </p:stCondLst>
+                                  <p:childTnLst>
+                                    <p:animMotion origin="layout" path="M 0.26025 0.05949 L 0.89341 -0.42801 " pathEditMode="relative" rAng="0" ptsTypes="AA">
+                                      <p:cBhvr>
+                                        <p:cTn id="11" dur="2000" fill="hold"/>
+                                        <p:tgtEl>
+                                          <p:spTgt spid="4"/>
+                                        </p:tgtEl>
+                                        <p:attrNameLst>
+                                          <p:attrName>ppt_x</p:attrName>
+                                          <p:attrName>ppt_y</p:attrName>
+                                        </p:attrNameLst>
+                                      </p:cBhvr>
+                                      <p:rCtr x="31649" y="-24375"/>
+                                    </p:animMotion>
+                                  </p:childTnLst>
+                                </p:cTn>
+                              </p:par>
+                            </p:childTnLst>
+                          </p:cTn>
+                        </p:par>
+                      </p:childTnLst>
+                    </p:cTn>
+                  </p:par>
+                </p:childTnLst>
+              </p:cTn>
+              <p:prevCondLst>
+                <p:cond evt="onPrev" delay="0">
+                  <p:tgtEl>
+                    <p:sldTgt/>
+                  </p:tgtEl>
+                </p:cond>
+              </p:prevCondLst>
+              <p:nextCondLst>
+                <p:cond evt="onNext" delay="0">
+                  <p:tgtEl>
+                    <p:sldTgt/>
+                  </p:tgtEl>
+                </p:cond>
+              </p:nextCondLst>
+            </p:seq>
+          </p:childTnLst>
+        </p:cTn>
+      </p:par>
+    </p:tnLst>
+    <p:bldLst>
+      <p:bldP spid="8" grpId="0"/>
+    </p:bldLst>
+  </p:timing>
 </p:sld>
 </file>
 
@@ -5999,7 +8612,7 @@
                   <a:schemeClr val="bg1"/>
                 </a:solidFill>
               </a:rPr>
-              <a:t>Slide 1/totale</a:t>
+              <a:t>Slide 1/11</a:t>
             </a:r>
           </a:p>
         </p:txBody>
@@ -6437,7 +9050,7 @@
                   <a:schemeClr val="bg1"/>
                 </a:solidFill>
               </a:rPr>
-              <a:t>Slide 2/totale</a:t>
+              <a:t>Slide 2/11</a:t>
             </a:r>
           </a:p>
         </p:txBody>
@@ -8632,7 +11245,7 @@
                   <a:schemeClr val="bg1"/>
                 </a:solidFill>
               </a:rPr>
-              <a:t>Slide 2/totale</a:t>
+              <a:t>Slide 3/11</a:t>
             </a:r>
           </a:p>
         </p:txBody>
@@ -11368,7 +13981,7 @@
                   <a:schemeClr val="bg1"/>
                 </a:solidFill>
               </a:rPr>
-              <a:t>Slide 2/totale</a:t>
+              <a:t>Slide 4/11</a:t>
             </a:r>
           </a:p>
         </p:txBody>
@@ -11486,7 +14099,7 @@
         </p:nvSpPr>
         <p:spPr>
           <a:xfrm>
-            <a:off x="1228430" y="2251232"/>
+            <a:off x="1198605" y="1918767"/>
             <a:ext cx="6005960" cy="338554"/>
           </a:xfrm>
           <a:prstGeom prst="rect">
@@ -11589,7 +14202,7 @@
         </p:nvSpPr>
         <p:spPr>
           <a:xfrm>
-            <a:off x="1384942" y="3319434"/>
+            <a:off x="1288034" y="2751244"/>
             <a:ext cx="3096435" cy="461665"/>
           </a:xfrm>
           <a:prstGeom prst="rect">
@@ -11700,7 +14313,7 @@
         </p:blipFill>
         <p:spPr>
           <a:xfrm>
-            <a:off x="4417036" y="2947397"/>
+            <a:off x="4320128" y="2379207"/>
             <a:ext cx="2651030" cy="1188791"/>
           </a:xfrm>
           <a:prstGeom prst="rect">
@@ -11722,7 +14335,7 @@
         </p:nvSpPr>
         <p:spPr>
           <a:xfrm>
-            <a:off x="1198605" y="4611618"/>
+            <a:off x="3212757" y="4958419"/>
             <a:ext cx="5647038" cy="369332"/>
           </a:xfrm>
           <a:prstGeom prst="rect">
@@ -11736,11 +14349,14 @@
           </a:bodyPr>
           <a:lstStyle/>
           <a:p>
-            <a:endParaRPr lang="it-IT" dirty="0">
-              <a:solidFill>
-                <a:schemeClr val="bg1"/>
-              </a:solidFill>
-            </a:endParaRPr>
+            <a:r>
+              <a:rPr lang="it-IT" dirty="0">
+                <a:solidFill>
+                  <a:schemeClr val="bg1"/>
+                </a:solidFill>
+              </a:rPr>
+              <a:t>Delay</a:t>
+            </a:r>
           </a:p>
         </p:txBody>
       </p:sp>
@@ -11778,7 +14394,7 @@
         </p:blipFill>
         <p:spPr>
           <a:xfrm>
-            <a:off x="4390354" y="4047163"/>
+            <a:off x="4293446" y="3478973"/>
             <a:ext cx="2706066" cy="1128910"/>
           </a:xfrm>
           <a:prstGeom prst="rect">
@@ -11800,7 +14416,7 @@
         </p:nvSpPr>
         <p:spPr>
           <a:xfrm>
-            <a:off x="1141644" y="4437491"/>
+            <a:off x="1044736" y="3869301"/>
             <a:ext cx="3583032" cy="461665"/>
           </a:xfrm>
           <a:prstGeom prst="rect">
@@ -11859,6 +14475,36 @@
           </a:p>
         </p:txBody>
       </p:sp>
+      <p:pic>
+        <p:nvPicPr>
+          <p:cNvPr id="3" name="Immagine 2">
+            <a:extLst>
+              <a:ext uri="{FF2B5EF4-FFF2-40B4-BE49-F238E27FC236}">
+                <a16:creationId xmlns:a16="http://schemas.microsoft.com/office/drawing/2014/main" id="{1FF98146-2689-4B0A-8AF6-5113C8851153}"/>
+              </a:ext>
+            </a:extLst>
+          </p:cNvPr>
+          <p:cNvPicPr>
+            <a:picLocks noChangeAspect="1"/>
+          </p:cNvPicPr>
+          <p:nvPr/>
+        </p:nvPicPr>
+        <p:blipFill>
+          <a:blip r:embed="rId10"/>
+          <a:stretch>
+            <a:fillRect/>
+          </a:stretch>
+        </p:blipFill>
+        <p:spPr>
+          <a:xfrm>
+            <a:off x="2511675" y="5388793"/>
+            <a:ext cx="2276793" cy="447737"/>
+          </a:xfrm>
+          <a:prstGeom prst="rect">
+            <a:avLst/>
+          </a:prstGeom>
+        </p:spPr>
+      </p:pic>
     </p:spTree>
     <p:extLst>
       <p:ext uri="{BB962C8B-B14F-4D97-AF65-F5344CB8AC3E}">
@@ -11983,7 +14629,7 @@
                   <a:schemeClr val="bg1"/>
                 </a:solidFill>
               </a:rPr>
-              <a:t>Slide 2/totale</a:t>
+              <a:t>Slide 5/11</a:t>
             </a:r>
           </a:p>
         </p:txBody>
@@ -13447,7 +16093,7 @@
                   <a:schemeClr val="bg1"/>
                 </a:solidFill>
               </a:rPr>
-              <a:t>Slide 2/totale</a:t>
+              <a:t>Slide 6/11</a:t>
             </a:r>
           </a:p>
         </p:txBody>
@@ -17397,7 +20043,7 @@
                   <a:schemeClr val="bg1"/>
                 </a:solidFill>
               </a:rPr>
-              <a:t>Slide 2/totale</a:t>
+              <a:t>Slide 7/11</a:t>
             </a:r>
           </a:p>
         </p:txBody>
@@ -18041,7 +20687,7 @@
         </p:blipFill>
         <p:spPr>
           <a:xfrm>
-            <a:off x="0" y="0"/>
+            <a:off x="-12344" y="0"/>
             <a:ext cx="9144000" cy="6858000"/>
           </a:xfrm>
           <a:prstGeom prst="rect">
@@ -18113,7 +20759,7 @@
                   <a:schemeClr val="bg1"/>
                 </a:solidFill>
               </a:rPr>
-              <a:t>Slide 2/totale</a:t>
+              <a:t>Slide 8/11</a:t>
             </a:r>
           </a:p>
         </p:txBody>
@@ -18437,358 +21083,6 @@
               </a:solidFill>
               <a:effectLst/>
               <a:latin typeface="+mn-lt"/>
-            </a:endParaRPr>
-          </a:p>
-        </p:txBody>
-      </p:sp>
-      <p:sp>
-        <p:nvSpPr>
-          <p:cNvPr id="2" name="Rettangolo 1">
-            <a:extLst>
-              <a:ext uri="{FF2B5EF4-FFF2-40B4-BE49-F238E27FC236}">
-                <a16:creationId xmlns:a16="http://schemas.microsoft.com/office/drawing/2014/main" id="{CE899EEA-74B6-4081-A225-A31813750991}"/>
-              </a:ext>
-            </a:extLst>
-          </p:cNvPr>
-          <p:cNvSpPr/>
-          <p:nvPr/>
-        </p:nvSpPr>
-        <p:spPr>
-          <a:xfrm>
-            <a:off x="308918" y="2069463"/>
-            <a:ext cx="7414053" cy="261610"/>
-          </a:xfrm>
-          <a:prstGeom prst="rect">
-            <a:avLst/>
-          </a:prstGeom>
-        </p:spPr>
-        <p:txBody>
-          <a:bodyPr wrap="square">
-            <a:spAutoFit/>
-          </a:bodyPr>
-          <a:lstStyle/>
-          <a:p>
-            <a:r>
-              <a:rPr lang="it-IT" sz="1100" dirty="0">
-                <a:solidFill>
-                  <a:srgbClr val="9CDCFE"/>
-                </a:solidFill>
-                <a:latin typeface="Consolas" panose="020B0609020204030204" pitchFamily="49" charset="0"/>
-              </a:rPr>
-              <a:t>volume</a:t>
-            </a:r>
-            <a:r>
-              <a:rPr lang="it-IT" sz="1100" dirty="0">
-                <a:solidFill>
-                  <a:srgbClr val="D4D4D4"/>
-                </a:solidFill>
-                <a:latin typeface="Consolas" panose="020B0609020204030204" pitchFamily="49" charset="0"/>
-              </a:rPr>
-              <a:t> = </a:t>
-            </a:r>
-            <a:r>
-              <a:rPr lang="it-IT" sz="1100" dirty="0" err="1">
-                <a:solidFill>
-                  <a:srgbClr val="DCDCAA"/>
-                </a:solidFill>
-                <a:latin typeface="Consolas" panose="020B0609020204030204" pitchFamily="49" charset="0"/>
-              </a:rPr>
-              <a:t>loudness</a:t>
-            </a:r>
-            <a:r>
-              <a:rPr lang="it-IT" sz="1100" dirty="0">
-                <a:solidFill>
-                  <a:srgbClr val="D4D4D4"/>
-                </a:solidFill>
-                <a:latin typeface="Consolas" panose="020B0609020204030204" pitchFamily="49" charset="0"/>
-              </a:rPr>
-              <a:t>()/(</a:t>
-            </a:r>
-            <a:r>
-              <a:rPr lang="it-IT" sz="1100" dirty="0" err="1">
-                <a:solidFill>
-                  <a:srgbClr val="9CDCFE"/>
-                </a:solidFill>
-                <a:latin typeface="Consolas" panose="020B0609020204030204" pitchFamily="49" charset="0"/>
-              </a:rPr>
-              <a:t>Math</a:t>
-            </a:r>
-            <a:r>
-              <a:rPr lang="it-IT" sz="1100" dirty="0" err="1">
-                <a:solidFill>
-                  <a:srgbClr val="D4D4D4"/>
-                </a:solidFill>
-                <a:latin typeface="Consolas" panose="020B0609020204030204" pitchFamily="49" charset="0"/>
-              </a:rPr>
-              <a:t>.</a:t>
-            </a:r>
-            <a:r>
-              <a:rPr lang="it-IT" sz="1100" dirty="0" err="1">
-                <a:solidFill>
-                  <a:srgbClr val="DCDCAA"/>
-                </a:solidFill>
-                <a:latin typeface="Consolas" panose="020B0609020204030204" pitchFamily="49" charset="0"/>
-              </a:rPr>
-              <a:t>pow</a:t>
-            </a:r>
-            <a:r>
-              <a:rPr lang="it-IT" sz="1100" dirty="0">
-                <a:solidFill>
-                  <a:srgbClr val="D4D4D4"/>
-                </a:solidFill>
-                <a:latin typeface="Consolas" panose="020B0609020204030204" pitchFamily="49" charset="0"/>
-              </a:rPr>
-              <a:t>((</a:t>
-            </a:r>
-            <a:r>
-              <a:rPr lang="it-IT" sz="1100" dirty="0" err="1">
-                <a:solidFill>
-                  <a:srgbClr val="9CDCFE"/>
-                </a:solidFill>
-                <a:latin typeface="Consolas" panose="020B0609020204030204" pitchFamily="49" charset="0"/>
-              </a:rPr>
-              <a:t>Math</a:t>
-            </a:r>
-            <a:r>
-              <a:rPr lang="it-IT" sz="1100" dirty="0" err="1">
-                <a:solidFill>
-                  <a:srgbClr val="D4D4D4"/>
-                </a:solidFill>
-                <a:latin typeface="Consolas" panose="020B0609020204030204" pitchFamily="49" charset="0"/>
-              </a:rPr>
-              <a:t>.</a:t>
-            </a:r>
-            <a:r>
-              <a:rPr lang="it-IT" sz="1100" dirty="0" err="1">
-                <a:solidFill>
-                  <a:srgbClr val="DCDCAA"/>
-                </a:solidFill>
-                <a:latin typeface="Consolas" panose="020B0609020204030204" pitchFamily="49" charset="0"/>
-              </a:rPr>
-              <a:t>pow</a:t>
-            </a:r>
-            <a:r>
-              <a:rPr lang="it-IT" sz="1100" dirty="0">
-                <a:solidFill>
-                  <a:srgbClr val="D4D4D4"/>
-                </a:solidFill>
-                <a:latin typeface="Consolas" panose="020B0609020204030204" pitchFamily="49" charset="0"/>
-              </a:rPr>
-              <a:t>(</a:t>
-            </a:r>
-            <a:r>
-              <a:rPr lang="it-IT" sz="1100" dirty="0">
-                <a:solidFill>
-                  <a:srgbClr val="9CDCFE"/>
-                </a:solidFill>
-                <a:latin typeface="Consolas" panose="020B0609020204030204" pitchFamily="49" charset="0"/>
-              </a:rPr>
-              <a:t>xCM</a:t>
-            </a:r>
-            <a:r>
-              <a:rPr lang="it-IT" sz="1100" dirty="0">
-                <a:solidFill>
-                  <a:srgbClr val="D4D4D4"/>
-                </a:solidFill>
-                <a:latin typeface="Consolas" panose="020B0609020204030204" pitchFamily="49" charset="0"/>
-              </a:rPr>
-              <a:t>-</a:t>
-            </a:r>
-            <a:r>
-              <a:rPr lang="it-IT" sz="1100" dirty="0">
-                <a:solidFill>
-                  <a:srgbClr val="9CDCFE"/>
-                </a:solidFill>
-                <a:latin typeface="Consolas" panose="020B0609020204030204" pitchFamily="49" charset="0"/>
-              </a:rPr>
-              <a:t>posX</a:t>
-            </a:r>
-            <a:r>
-              <a:rPr lang="it-IT" sz="1100" dirty="0">
-                <a:solidFill>
-                  <a:srgbClr val="D4D4D4"/>
-                </a:solidFill>
-                <a:latin typeface="Consolas" panose="020B0609020204030204" pitchFamily="49" charset="0"/>
-              </a:rPr>
-              <a:t>,</a:t>
-            </a:r>
-            <a:r>
-              <a:rPr lang="it-IT" sz="1100" dirty="0">
-                <a:solidFill>
-                  <a:srgbClr val="B5CEA8"/>
-                </a:solidFill>
-                <a:latin typeface="Consolas" panose="020B0609020204030204" pitchFamily="49" charset="0"/>
-              </a:rPr>
-              <a:t>2</a:t>
-            </a:r>
-            <a:r>
-              <a:rPr lang="it-IT" sz="1100" dirty="0">
-                <a:solidFill>
-                  <a:srgbClr val="D4D4D4"/>
-                </a:solidFill>
-                <a:latin typeface="Consolas" panose="020B0609020204030204" pitchFamily="49" charset="0"/>
-              </a:rPr>
-              <a:t>)+</a:t>
-            </a:r>
-            <a:r>
-              <a:rPr lang="it-IT" sz="1100" dirty="0" err="1">
-                <a:solidFill>
-                  <a:srgbClr val="9CDCFE"/>
-                </a:solidFill>
-                <a:latin typeface="Consolas" panose="020B0609020204030204" pitchFamily="49" charset="0"/>
-              </a:rPr>
-              <a:t>Math</a:t>
-            </a:r>
-            <a:r>
-              <a:rPr lang="it-IT" sz="1100" dirty="0" err="1">
-                <a:solidFill>
-                  <a:srgbClr val="D4D4D4"/>
-                </a:solidFill>
-                <a:latin typeface="Consolas" panose="020B0609020204030204" pitchFamily="49" charset="0"/>
-              </a:rPr>
-              <a:t>.</a:t>
-            </a:r>
-            <a:r>
-              <a:rPr lang="it-IT" sz="1100" dirty="0" err="1">
-                <a:solidFill>
-                  <a:srgbClr val="DCDCAA"/>
-                </a:solidFill>
-                <a:latin typeface="Consolas" panose="020B0609020204030204" pitchFamily="49" charset="0"/>
-              </a:rPr>
-              <a:t>pow</a:t>
-            </a:r>
-            <a:r>
-              <a:rPr lang="it-IT" sz="1100" dirty="0">
-                <a:solidFill>
-                  <a:srgbClr val="D4D4D4"/>
-                </a:solidFill>
-                <a:latin typeface="Consolas" panose="020B0609020204030204" pitchFamily="49" charset="0"/>
-              </a:rPr>
-              <a:t>(</a:t>
-            </a:r>
-            <a:r>
-              <a:rPr lang="it-IT" sz="1100" dirty="0">
-                <a:solidFill>
-                  <a:srgbClr val="9CDCFE"/>
-                </a:solidFill>
-                <a:latin typeface="Consolas" panose="020B0609020204030204" pitchFamily="49" charset="0"/>
-              </a:rPr>
-              <a:t>yCM</a:t>
-            </a:r>
-            <a:r>
-              <a:rPr lang="it-IT" sz="1100" dirty="0">
-                <a:solidFill>
-                  <a:srgbClr val="D4D4D4"/>
-                </a:solidFill>
-                <a:latin typeface="Consolas" panose="020B0609020204030204" pitchFamily="49" charset="0"/>
-              </a:rPr>
-              <a:t>-</a:t>
-            </a:r>
-            <a:r>
-              <a:rPr lang="it-IT" sz="1100" dirty="0">
-                <a:solidFill>
-                  <a:srgbClr val="9CDCFE"/>
-                </a:solidFill>
-                <a:latin typeface="Consolas" panose="020B0609020204030204" pitchFamily="49" charset="0"/>
-              </a:rPr>
-              <a:t>posY</a:t>
-            </a:r>
-            <a:r>
-              <a:rPr lang="it-IT" sz="1100" dirty="0">
-                <a:solidFill>
-                  <a:srgbClr val="D4D4D4"/>
-                </a:solidFill>
-                <a:latin typeface="Consolas" panose="020B0609020204030204" pitchFamily="49" charset="0"/>
-              </a:rPr>
-              <a:t>,</a:t>
-            </a:r>
-            <a:r>
-              <a:rPr lang="it-IT" sz="1100" dirty="0">
-                <a:solidFill>
-                  <a:srgbClr val="B5CEA8"/>
-                </a:solidFill>
-                <a:latin typeface="Consolas" panose="020B0609020204030204" pitchFamily="49" charset="0"/>
-              </a:rPr>
-              <a:t>2</a:t>
-            </a:r>
-            <a:r>
-              <a:rPr lang="it-IT" sz="1100" dirty="0">
-                <a:solidFill>
-                  <a:srgbClr val="D4D4D4"/>
-                </a:solidFill>
-                <a:latin typeface="Consolas" panose="020B0609020204030204" pitchFamily="49" charset="0"/>
-              </a:rPr>
-              <a:t>)),</a:t>
-            </a:r>
-            <a:r>
-              <a:rPr lang="it-IT" sz="1100" dirty="0">
-                <a:solidFill>
-                  <a:srgbClr val="B5CEA8"/>
-                </a:solidFill>
-                <a:latin typeface="Consolas" panose="020B0609020204030204" pitchFamily="49" charset="0"/>
-              </a:rPr>
-              <a:t>1</a:t>
-            </a:r>
-            <a:r>
-              <a:rPr lang="it-IT" sz="1100" dirty="0">
-                <a:solidFill>
-                  <a:srgbClr val="D4D4D4"/>
-                </a:solidFill>
-                <a:latin typeface="Consolas" panose="020B0609020204030204" pitchFamily="49" charset="0"/>
-              </a:rPr>
-              <a:t>/</a:t>
-            </a:r>
-            <a:r>
-              <a:rPr lang="it-IT" sz="1100" dirty="0">
-                <a:solidFill>
-                  <a:srgbClr val="B5CEA8"/>
-                </a:solidFill>
-                <a:latin typeface="Consolas" panose="020B0609020204030204" pitchFamily="49" charset="0"/>
-              </a:rPr>
-              <a:t>2</a:t>
-            </a:r>
-            <a:r>
-              <a:rPr lang="it-IT" sz="1100" dirty="0">
-                <a:solidFill>
-                  <a:srgbClr val="D4D4D4"/>
-                </a:solidFill>
-                <a:latin typeface="Consolas" panose="020B0609020204030204" pitchFamily="49" charset="0"/>
-              </a:rPr>
-              <a:t>))*</a:t>
-            </a:r>
-            <a:r>
-              <a:rPr lang="it-IT" sz="1100" dirty="0" err="1">
-                <a:solidFill>
-                  <a:srgbClr val="9CDCFE"/>
-                </a:solidFill>
-                <a:latin typeface="Consolas" panose="020B0609020204030204" pitchFamily="49" charset="0"/>
-              </a:rPr>
-              <a:t>width</a:t>
-            </a:r>
-            <a:r>
-              <a:rPr lang="it-IT" sz="1100" dirty="0">
-                <a:solidFill>
-                  <a:srgbClr val="D4D4D4"/>
-                </a:solidFill>
-                <a:latin typeface="Consolas" panose="020B0609020204030204" pitchFamily="49" charset="0"/>
-              </a:rPr>
-              <a:t>/</a:t>
-            </a:r>
-            <a:r>
-              <a:rPr lang="it-IT" sz="1100" dirty="0">
-                <a:solidFill>
-                  <a:srgbClr val="B5CEA8"/>
-                </a:solidFill>
-                <a:latin typeface="Consolas" panose="020B0609020204030204" pitchFamily="49" charset="0"/>
-              </a:rPr>
-              <a:t>3</a:t>
-            </a:r>
-            <a:endParaRPr lang="it-IT" sz="1100" b="0" dirty="0">
-              <a:solidFill>
-                <a:srgbClr val="D4D4D4"/>
-              </a:solidFill>
-              <a:effectLst/>
-              <a:latin typeface="Consolas" panose="020B0609020204030204" pitchFamily="49" charset="0"/>
             </a:endParaRPr>
           </a:p>
         </p:txBody>
@@ -19153,6 +21447,423 @@
           </a:prstGeom>
         </p:spPr>
       </p:pic>
+      <p:cxnSp>
+        <p:nvCxnSpPr>
+          <p:cNvPr id="7" name="Connettore diritto 6">
+            <a:extLst>
+              <a:ext uri="{FF2B5EF4-FFF2-40B4-BE49-F238E27FC236}">
+                <a16:creationId xmlns:a16="http://schemas.microsoft.com/office/drawing/2014/main" id="{B5F97B53-E364-4A11-BEFE-DA2D8E536C9F}"/>
+              </a:ext>
+            </a:extLst>
+          </p:cNvPr>
+          <p:cNvCxnSpPr>
+            <a:cxnSpLocks/>
+          </p:cNvCxnSpPr>
+          <p:nvPr/>
+        </p:nvCxnSpPr>
+        <p:spPr>
+          <a:xfrm>
+            <a:off x="3975989" y="2731528"/>
+            <a:ext cx="2557849" cy="0"/>
+          </a:xfrm>
+          <a:prstGeom prst="line">
+            <a:avLst/>
+          </a:prstGeom>
+          <a:ln>
+            <a:solidFill>
+              <a:srgbClr val="000000"/>
+            </a:solidFill>
+          </a:ln>
+        </p:spPr>
+        <p:style>
+          <a:lnRef idx="3">
+            <a:schemeClr val="accent4"/>
+          </a:lnRef>
+          <a:fillRef idx="0">
+            <a:schemeClr val="accent4"/>
+          </a:fillRef>
+          <a:effectRef idx="2">
+            <a:schemeClr val="accent4"/>
+          </a:effectRef>
+          <a:fontRef idx="minor">
+            <a:schemeClr val="tx1"/>
+          </a:fontRef>
+        </p:style>
+      </p:cxnSp>
+      <p:pic>
+        <p:nvPicPr>
+          <p:cNvPr id="24" name="Immagine 23">
+            <a:extLst>
+              <a:ext uri="{FF2B5EF4-FFF2-40B4-BE49-F238E27FC236}">
+                <a16:creationId xmlns:a16="http://schemas.microsoft.com/office/drawing/2014/main" id="{B01B1A89-C52B-4076-AE73-5698D05D6223}"/>
+              </a:ext>
+            </a:extLst>
+          </p:cNvPr>
+          <p:cNvPicPr>
+            <a:picLocks noChangeAspect="1"/>
+          </p:cNvPicPr>
+          <p:nvPr/>
+        </p:nvPicPr>
+        <p:blipFill>
+          <a:blip r:embed="rId5"/>
+          <a:stretch>
+            <a:fillRect/>
+          </a:stretch>
+        </p:blipFill>
+        <p:spPr>
+          <a:xfrm rot="10800000">
+            <a:off x="5050677" y="2958427"/>
+            <a:ext cx="290644" cy="290644"/>
+          </a:xfrm>
+          <a:prstGeom prst="rect">
+            <a:avLst/>
+          </a:prstGeom>
+        </p:spPr>
+      </p:pic>
+      <p:sp>
+        <p:nvSpPr>
+          <p:cNvPr id="25" name="CasellaDiTesto 24">
+            <a:extLst>
+              <a:ext uri="{FF2B5EF4-FFF2-40B4-BE49-F238E27FC236}">
+                <a16:creationId xmlns:a16="http://schemas.microsoft.com/office/drawing/2014/main" id="{9F6E17FC-3A43-4A64-9C9D-9373EC68D2F6}"/>
+              </a:ext>
+            </a:extLst>
+          </p:cNvPr>
+          <p:cNvSpPr txBox="1"/>
+          <p:nvPr/>
+        </p:nvSpPr>
+        <p:spPr>
+          <a:xfrm>
+            <a:off x="996032" y="2205412"/>
+            <a:ext cx="678621" cy="707886"/>
+          </a:xfrm>
+          <a:prstGeom prst="rect">
+            <a:avLst/>
+          </a:prstGeom>
+          <a:noFill/>
+        </p:spPr>
+        <p:txBody>
+          <a:bodyPr wrap="square" rtlCol="0">
+            <a:spAutoFit/>
+          </a:bodyPr>
+          <a:lstStyle/>
+          <a:p>
+            <a:r>
+              <a:rPr lang="it-IT" sz="4000" dirty="0">
+                <a:solidFill>
+                  <a:srgbClr val="FF0000"/>
+                </a:solidFill>
+              </a:rPr>
+              <a:t>!</a:t>
+            </a:r>
+          </a:p>
+        </p:txBody>
+      </p:sp>
+      <p:pic>
+        <p:nvPicPr>
+          <p:cNvPr id="31" name="Immagine 30">
+            <a:extLst>
+              <a:ext uri="{FF2B5EF4-FFF2-40B4-BE49-F238E27FC236}">
+                <a16:creationId xmlns:a16="http://schemas.microsoft.com/office/drawing/2014/main" id="{CCD715F3-3AFE-401B-94E3-80C3739DE356}"/>
+              </a:ext>
+            </a:extLst>
+          </p:cNvPr>
+          <p:cNvPicPr>
+            <a:picLocks noChangeAspect="1"/>
+          </p:cNvPicPr>
+          <p:nvPr/>
+        </p:nvPicPr>
+        <p:blipFill>
+          <a:blip r:embed="rId6">
+            <a:extLst>
+              <a:ext uri="{BEBA8EAE-BF5A-486C-A8C5-ECC9F3942E4B}">
+                <a14:imgProps xmlns:a14="http://schemas.microsoft.com/office/drawing/2010/main">
+                  <a14:imgLayer r:embed="rId7">
+                    <a14:imgEffect>
+                      <a14:backgroundRemoval t="4774" b="93467" l="3140" r="93372"/>
+                    </a14:imgEffect>
+                  </a14:imgLayer>
+                </a14:imgProps>
+              </a:ext>
+            </a:extLst>
+          </a:blip>
+          <a:stretch>
+            <a:fillRect/>
+          </a:stretch>
+        </p:blipFill>
+        <p:spPr>
+          <a:xfrm>
+            <a:off x="6639245" y="2317985"/>
+            <a:ext cx="764803" cy="707887"/>
+          </a:xfrm>
+          <a:prstGeom prst="rect">
+            <a:avLst/>
+          </a:prstGeom>
+        </p:spPr>
+      </p:pic>
+      <p:pic>
+        <p:nvPicPr>
+          <p:cNvPr id="39" name="Immagine 38">
+            <a:extLst>
+              <a:ext uri="{FF2B5EF4-FFF2-40B4-BE49-F238E27FC236}">
+                <a16:creationId xmlns:a16="http://schemas.microsoft.com/office/drawing/2014/main" id="{D57D18D5-1F32-445A-ACFA-AED026CB8C09}"/>
+              </a:ext>
+            </a:extLst>
+          </p:cNvPr>
+          <p:cNvPicPr>
+            <a:picLocks noChangeAspect="1"/>
+          </p:cNvPicPr>
+          <p:nvPr/>
+        </p:nvPicPr>
+        <p:blipFill>
+          <a:blip r:embed="rId8"/>
+          <a:stretch>
+            <a:fillRect/>
+          </a:stretch>
+        </p:blipFill>
+        <p:spPr>
+          <a:xfrm rot="10800000">
+            <a:off x="5018897" y="2707356"/>
+            <a:ext cx="307641" cy="461462"/>
+          </a:xfrm>
+          <a:prstGeom prst="rect">
+            <a:avLst/>
+          </a:prstGeom>
+        </p:spPr>
+      </p:pic>
+      <p:sp>
+        <p:nvSpPr>
+          <p:cNvPr id="40" name="Rettangolo 1">
+            <a:extLst>
+              <a:ext uri="{FF2B5EF4-FFF2-40B4-BE49-F238E27FC236}">
+                <a16:creationId xmlns:a16="http://schemas.microsoft.com/office/drawing/2014/main" id="{8D8EA50B-39A3-4EB3-95A4-CB5864102A2F}"/>
+              </a:ext>
+            </a:extLst>
+          </p:cNvPr>
+          <p:cNvSpPr/>
+          <p:nvPr/>
+        </p:nvSpPr>
+        <p:spPr>
+          <a:xfrm>
+            <a:off x="3187098" y="3383302"/>
+            <a:ext cx="3847028" cy="1200329"/>
+          </a:xfrm>
+          <a:prstGeom prst="rect">
+            <a:avLst/>
+          </a:prstGeom>
+        </p:spPr>
+        <p:txBody>
+          <a:bodyPr wrap="square">
+            <a:spAutoFit/>
+          </a:bodyPr>
+          <a:lstStyle/>
+          <a:p>
+            <a:pPr marL="285750" indent="-285750" algn="ctr">
+              <a:buFont typeface="Arial" panose="020B0604020202020204" pitchFamily="34" charset="0"/>
+              <a:buChar char="•"/>
+            </a:pPr>
+            <a:r>
+              <a:rPr lang="it-IT" dirty="0" err="1">
+                <a:solidFill>
+                  <a:schemeClr val="bg1"/>
+                </a:solidFill>
+                <a:latin typeface="+mn-lt"/>
+              </a:rPr>
+              <a:t>Trying</a:t>
+            </a:r>
+            <a:r>
+              <a:rPr lang="it-IT" dirty="0">
+                <a:solidFill>
+                  <a:schemeClr val="bg1"/>
+                </a:solidFill>
+                <a:latin typeface="+mn-lt"/>
+              </a:rPr>
+              <a:t> to </a:t>
+            </a:r>
+            <a:r>
+              <a:rPr lang="it-IT" dirty="0" err="1">
+                <a:solidFill>
+                  <a:schemeClr val="bg1"/>
+                </a:solidFill>
+                <a:latin typeface="+mn-lt"/>
+              </a:rPr>
+              <a:t>leave</a:t>
+            </a:r>
+            <a:r>
+              <a:rPr lang="it-IT" dirty="0">
+                <a:solidFill>
+                  <a:schemeClr val="bg1"/>
+                </a:solidFill>
+                <a:latin typeface="+mn-lt"/>
+              </a:rPr>
+              <a:t> the field </a:t>
+            </a:r>
+            <a:r>
+              <a:rPr lang="it-IT" dirty="0" err="1">
+                <a:solidFill>
+                  <a:schemeClr val="bg1"/>
+                </a:solidFill>
+                <a:latin typeface="+mn-lt"/>
+              </a:rPr>
+              <a:t>results</a:t>
+            </a:r>
+            <a:r>
+              <a:rPr lang="it-IT" dirty="0">
+                <a:solidFill>
+                  <a:schemeClr val="bg1"/>
+                </a:solidFill>
+                <a:latin typeface="+mn-lt"/>
+              </a:rPr>
+              <a:t> in the fence </a:t>
+            </a:r>
+            <a:r>
+              <a:rPr lang="it-IT" dirty="0" err="1">
+                <a:solidFill>
+                  <a:schemeClr val="bg1"/>
+                </a:solidFill>
+                <a:latin typeface="+mn-lt"/>
+              </a:rPr>
+              <a:t>firing</a:t>
+            </a:r>
+            <a:r>
+              <a:rPr lang="it-IT" dirty="0">
+                <a:solidFill>
+                  <a:schemeClr val="bg1"/>
+                </a:solidFill>
+                <a:latin typeface="+mn-lt"/>
+              </a:rPr>
+              <a:t> an </a:t>
+            </a:r>
+            <a:r>
+              <a:rPr lang="it-IT" dirty="0" err="1">
+                <a:solidFill>
+                  <a:schemeClr val="bg1"/>
+                </a:solidFill>
+                <a:latin typeface="+mn-lt"/>
+              </a:rPr>
+              <a:t>electric</a:t>
+            </a:r>
+            <a:r>
+              <a:rPr lang="it-IT" dirty="0">
+                <a:solidFill>
+                  <a:schemeClr val="bg1"/>
+                </a:solidFill>
+                <a:latin typeface="+mn-lt"/>
+              </a:rPr>
+              <a:t> shock and in the music </a:t>
+            </a:r>
+            <a:r>
+              <a:rPr lang="it-IT" dirty="0" err="1">
+                <a:solidFill>
+                  <a:schemeClr val="bg1"/>
+                </a:solidFill>
+                <a:latin typeface="+mn-lt"/>
+              </a:rPr>
+              <a:t>being</a:t>
+            </a:r>
+            <a:r>
+              <a:rPr lang="it-IT" dirty="0">
+                <a:solidFill>
+                  <a:schemeClr val="bg1"/>
+                </a:solidFill>
+                <a:latin typeface="+mn-lt"/>
+              </a:rPr>
+              <a:t> </a:t>
+            </a:r>
+            <a:r>
+              <a:rPr lang="it-IT" dirty="0" err="1">
+                <a:solidFill>
+                  <a:schemeClr val="bg1"/>
+                </a:solidFill>
+                <a:latin typeface="+mn-lt"/>
+              </a:rPr>
+              <a:t>slightly</a:t>
+            </a:r>
+            <a:r>
+              <a:rPr lang="it-IT" dirty="0">
+                <a:solidFill>
+                  <a:schemeClr val="bg1"/>
+                </a:solidFill>
+                <a:latin typeface="+mn-lt"/>
+              </a:rPr>
+              <a:t> </a:t>
+            </a:r>
+            <a:r>
+              <a:rPr lang="it-IT" dirty="0" err="1">
+                <a:solidFill>
+                  <a:schemeClr val="bg1"/>
+                </a:solidFill>
+                <a:latin typeface="+mn-lt"/>
+              </a:rPr>
+              <a:t>detuned</a:t>
+            </a:r>
+            <a:r>
+              <a:rPr lang="it-IT" dirty="0">
+                <a:solidFill>
+                  <a:schemeClr val="bg1"/>
+                </a:solidFill>
+                <a:latin typeface="+mn-lt"/>
+              </a:rPr>
+              <a:t>.</a:t>
+            </a:r>
+            <a:endParaRPr lang="it-IT" b="0" dirty="0">
+              <a:solidFill>
+                <a:schemeClr val="bg1"/>
+              </a:solidFill>
+              <a:effectLst/>
+              <a:latin typeface="+mn-lt"/>
+            </a:endParaRPr>
+          </a:p>
+        </p:txBody>
+      </p:sp>
+      <p:sp>
+        <p:nvSpPr>
+          <p:cNvPr id="27" name="Freccia circolare in giù 26">
+            <a:extLst>
+              <a:ext uri="{FF2B5EF4-FFF2-40B4-BE49-F238E27FC236}">
+                <a16:creationId xmlns:a16="http://schemas.microsoft.com/office/drawing/2014/main" id="{180FB982-6A7B-4518-9352-99F14F184722}"/>
+              </a:ext>
+            </a:extLst>
+          </p:cNvPr>
+          <p:cNvSpPr/>
+          <p:nvPr/>
+        </p:nvSpPr>
+        <p:spPr>
+          <a:xfrm>
+            <a:off x="4564212" y="2942988"/>
+            <a:ext cx="290644" cy="223199"/>
+          </a:xfrm>
+          <a:prstGeom prst="curvedDownArrow">
+            <a:avLst/>
+          </a:prstGeom>
+        </p:spPr>
+        <p:style>
+          <a:lnRef idx="1">
+            <a:schemeClr val="accent1"/>
+          </a:lnRef>
+          <a:fillRef idx="3">
+            <a:schemeClr val="accent1"/>
+          </a:fillRef>
+          <a:effectRef idx="2">
+            <a:schemeClr val="accent1"/>
+          </a:effectRef>
+          <a:fontRef idx="minor">
+            <a:schemeClr val="lt1"/>
+          </a:fontRef>
+        </p:style>
+        <p:txBody>
+          <a:bodyPr rtlCol="0" anchor="ctr"/>
+          <a:lstStyle/>
+          <a:p>
+            <a:pPr algn="ctr"/>
+            <a:endParaRPr lang="it-IT">
+              <a:solidFill>
+                <a:srgbClr val="FF0000"/>
+              </a:solidFill>
+            </a:endParaRPr>
+          </a:p>
+        </p:txBody>
+      </p:sp>
     </p:spTree>
     <p:extLst>
       <p:ext uri="{BB962C8B-B14F-4D97-AF65-F5344CB8AC3E}">

--- a/Presentazione.pptx
+++ b/Presentazione.pptx
@@ -497,7 +497,7 @@
               <a:pPr>
                 <a:defRPr/>
               </a:pPr>
-              <a:t>‹N›</a:t>
+              <a:t>‹#›</a:t>
             </a:fld>
             <a:endParaRPr lang="en-GB" altLang="en-US"/>
           </a:p>
@@ -1052,7 +1052,7 @@
               <a:pPr>
                 <a:defRPr/>
               </a:pPr>
-              <a:t>‹N›</a:t>
+              <a:t>‹#›</a:t>
             </a:fld>
             <a:endParaRPr lang="en-GB" altLang="en-US"/>
           </a:p>
@@ -1248,7 +1248,7 @@
               <a:pPr>
                 <a:defRPr/>
               </a:pPr>
-              <a:t>‹N›</a:t>
+              <a:t>‹#›</a:t>
             </a:fld>
             <a:endParaRPr lang="en-GB" altLang="en-US"/>
           </a:p>
@@ -1454,7 +1454,7 @@
               <a:pPr>
                 <a:defRPr/>
               </a:pPr>
-              <a:t>‹N›</a:t>
+              <a:t>‹#›</a:t>
             </a:fld>
             <a:endParaRPr lang="en-GB" altLang="en-US"/>
           </a:p>
@@ -1628,7 +1628,7 @@
               <a:pPr>
                 <a:defRPr/>
               </a:pPr>
-              <a:t>‹N›</a:t>
+              <a:t>‹#›</a:t>
             </a:fld>
             <a:endParaRPr lang="en-GB" altLang="en-US"/>
           </a:p>
@@ -1891,7 +1891,7 @@
               <a:pPr>
                 <a:defRPr/>
               </a:pPr>
-              <a:t>‹N›</a:t>
+              <a:t>‹#›</a:t>
             </a:fld>
             <a:endParaRPr lang="en-GB" altLang="en-US"/>
           </a:p>
@@ -2085,7 +2085,7 @@
               <a:pPr>
                 <a:defRPr/>
               </a:pPr>
-              <a:t>‹N›</a:t>
+              <a:t>‹#›</a:t>
             </a:fld>
             <a:endParaRPr lang="en-GB" altLang="en-US"/>
           </a:p>
@@ -2281,7 +2281,7 @@
               <a:pPr>
                 <a:defRPr/>
               </a:pPr>
-              <a:t>‹N›</a:t>
+              <a:t>‹#›</a:t>
             </a:fld>
             <a:endParaRPr lang="en-GB" altLang="en-US"/>
           </a:p>
@@ -2499,7 +2499,7 @@
               <a:pPr>
                 <a:defRPr/>
               </a:pPr>
-              <a:t>‹N›</a:t>
+              <a:t>‹#›</a:t>
             </a:fld>
             <a:endParaRPr lang="en-GB" altLang="en-US"/>
           </a:p>
@@ -2813,7 +2813,7 @@
               <a:pPr>
                 <a:defRPr/>
               </a:pPr>
-              <a:t>‹N›</a:t>
+              <a:t>‹#›</a:t>
             </a:fld>
             <a:endParaRPr lang="en-GB" altLang="en-US"/>
           </a:p>
@@ -3261,7 +3261,7 @@
               <a:pPr>
                 <a:defRPr/>
               </a:pPr>
-              <a:t>‹N›</a:t>
+              <a:t>‹#›</a:t>
             </a:fld>
             <a:endParaRPr lang="en-GB" altLang="en-US"/>
           </a:p>
@@ -3405,7 +3405,7 @@
               <a:pPr>
                 <a:defRPr/>
               </a:pPr>
-              <a:t>‹N›</a:t>
+              <a:t>‹#›</a:t>
             </a:fld>
             <a:endParaRPr lang="en-GB" altLang="en-US"/>
           </a:p>
@@ -3526,7 +3526,7 @@
               <a:pPr>
                 <a:defRPr/>
               </a:pPr>
-              <a:t>‹N›</a:t>
+              <a:t>‹#›</a:t>
             </a:fld>
             <a:endParaRPr lang="en-GB" altLang="en-US"/>
           </a:p>
@@ -3829,7 +3829,7 @@
               <a:pPr>
                 <a:defRPr/>
               </a:pPr>
-              <a:t>‹N›</a:t>
+              <a:t>‹#›</a:t>
             </a:fld>
             <a:endParaRPr lang="en-GB" altLang="en-US"/>
           </a:p>
@@ -4218,7 +4218,7 @@
               <a:pPr>
                 <a:defRPr/>
               </a:pPr>
-              <a:t>‹N›</a:t>
+              <a:t>‹#›</a:t>
             </a:fld>
             <a:endParaRPr lang="en-GB" altLang="en-US"/>
           </a:p>
@@ -5671,7 +5671,7 @@
                 </a:solidFill>
                 <a:latin typeface="+mn-lt"/>
               </a:rPr>
-              <a:t>cycle</a:t>
+              <a:t>circle</a:t>
             </a:r>
             <a:r>
               <a:rPr lang="it-IT" dirty="0">
@@ -6000,8 +6000,8 @@
           </a:prstGeom>
         </p:spPr>
       </p:pic>
-      <mc:AlternateContent xmlns:mc="http://schemas.openxmlformats.org/markup-compatibility/2006">
-        <mc:Choice xmlns:a14="http://schemas.microsoft.com/office/drawing/2010/main" Requires="a14">
+      <mc:AlternateContent xmlns:mc="http://schemas.openxmlformats.org/markup-compatibility/2006" xmlns:a14="http://schemas.microsoft.com/office/drawing/2010/main">
+        <mc:Choice Requires="a14">
           <p:sp>
             <p:nvSpPr>
               <p:cNvPr id="9" name="CasellaDiTesto 8">
@@ -6297,7 +6297,7 @@
             </p:txBody>
           </p:sp>
         </mc:Choice>
-        <mc:Fallback>
+        <mc:Fallback xmlns="">
           <p:sp>
             <p:nvSpPr>
               <p:cNvPr id="9" name="CasellaDiTesto 8">
@@ -6561,8 +6561,8 @@
           </a:fontRef>
         </p:style>
       </p:cxnSp>
-      <mc:AlternateContent xmlns:mc="http://schemas.openxmlformats.org/markup-compatibility/2006">
-        <mc:Choice xmlns:a14="http://schemas.microsoft.com/office/drawing/2010/main" Requires="a14">
+      <mc:AlternateContent xmlns:mc="http://schemas.openxmlformats.org/markup-compatibility/2006" xmlns:a14="http://schemas.microsoft.com/office/drawing/2010/main">
+        <mc:Choice Requires="a14">
           <p:sp>
             <p:nvSpPr>
               <p:cNvPr id="32" name="CasellaDiTesto 31">
@@ -7043,7 +7043,7 @@
             </p:txBody>
           </p:sp>
         </mc:Choice>
-        <mc:Fallback>
+        <mc:Fallback xmlns="">
           <p:sp>
             <p:nvSpPr>
               <p:cNvPr id="32" name="CasellaDiTesto 31">
@@ -8823,7 +8823,7 @@
         </p:blipFill>
         <p:spPr>
           <a:xfrm>
-            <a:off x="0" y="-12815"/>
+            <a:off x="0" y="0"/>
             <a:ext cx="9144000" cy="6858000"/>
           </a:xfrm>
           <a:prstGeom prst="rect">
